--- a/NLP2.pptx
+++ b/NLP2.pptx
@@ -14,10 +14,16 @@
     <p:sldId id="300" r:id="rId8"/>
     <p:sldId id="301" r:id="rId9"/>
     <p:sldId id="302" r:id="rId10"/>
-    <p:sldId id="293" r:id="rId11"/>
+    <p:sldId id="303" r:id="rId11"/>
     <p:sldId id="295" r:id="rId12"/>
-    <p:sldId id="296" r:id="rId13"/>
-    <p:sldId id="297" r:id="rId14"/>
+    <p:sldId id="293" r:id="rId13"/>
+    <p:sldId id="296" r:id="rId14"/>
+    <p:sldId id="297" r:id="rId15"/>
+    <p:sldId id="306" r:id="rId16"/>
+    <p:sldId id="307" r:id="rId17"/>
+    <p:sldId id="308" r:id="rId18"/>
+    <p:sldId id="304" r:id="rId19"/>
+    <p:sldId id="305" r:id="rId20"/>
   </p:sldIdLst>
   <p:sldSz cx="12192000" cy="6858000"/>
   <p:notesSz cx="6858000" cy="9144000"/>
@@ -1717,19 +1723,65 @@
           <a:chExt cx="0" cy="0"/>
         </a:xfrm>
       </p:grpSpPr>
+      <p:sp>
+        <p:nvSpPr>
+          <p:cNvPr id="8" name="圓角矩形 7"/>
+          <p:cNvSpPr/>
+          <p:nvPr/>
+        </p:nvSpPr>
+        <p:spPr>
+          <a:xfrm>
+            <a:off x="3150525" y="1147156"/>
+            <a:ext cx="6242858" cy="3985953"/>
+          </a:xfrm>
+          <a:prstGeom prst="roundRect">
+            <a:avLst/>
+          </a:prstGeom>
+          <a:solidFill>
+            <a:schemeClr val="accent1">
+              <a:alpha val="50000"/>
+            </a:schemeClr>
+          </a:solidFill>
+          <a:ln>
+            <a:noFill/>
+          </a:ln>
+        </p:spPr>
+        <p:style>
+          <a:lnRef idx="0">
+            <a:scrgbClr r="0" g="0" b="0"/>
+          </a:lnRef>
+          <a:fillRef idx="0">
+            <a:scrgbClr r="0" g="0" b="0"/>
+          </a:fillRef>
+          <a:effectRef idx="0">
+            <a:scrgbClr r="0" g="0" b="0"/>
+          </a:effectRef>
+          <a:fontRef idx="minor">
+            <a:schemeClr val="lt1"/>
+          </a:fontRef>
+        </p:style>
+        <p:txBody>
+          <a:bodyPr rtlCol="0" anchor="ctr"/>
+          <a:lstStyle/>
+          <a:p>
+            <a:pPr algn="ctr"/>
+            <a:endParaRPr lang="zh-TW" altLang="en-US"/>
+          </a:p>
+        </p:txBody>
+      </p:sp>
       <p:pic>
         <p:nvPicPr>
-          <p:cNvPr id="11" name="圖片 10"/>
+          <p:cNvPr id="7" name="图片 1"/>
           <p:cNvPicPr>
             <a:picLocks noChangeAspect="1"/>
           </p:cNvPicPr>
           <p:nvPr/>
         </p:nvPicPr>
         <p:blipFill>
-          <a:blip r:embed="rId2">
+          <a:blip r:embed="rId2" cstate="screen">
             <a:extLst>
               <a:ext uri="{28A0092B-C50C-407E-A947-70E740481C1C}">
-                <a14:useLocalDpi xmlns:a14="http://schemas.microsoft.com/office/drawing/2010/main" val="0"/>
+                <a14:useLocalDpi xmlns:a14="http://schemas.microsoft.com/office/drawing/2010/main"/>
               </a:ext>
             </a:extLst>
           </a:blip>
@@ -1739,58 +1791,24 @@
         </p:blipFill>
         <p:spPr>
           <a:xfrm>
-            <a:off x="2138862" y="1844605"/>
-            <a:ext cx="6420633" cy="3616957"/>
+            <a:off x="-96165" y="289837"/>
+            <a:ext cx="3962400" cy="4843272"/>
           </a:xfrm>
           <a:prstGeom prst="rect">
             <a:avLst/>
           </a:prstGeom>
+          <a:effectLst>
+            <a:outerShdw blurRad="50800" dist="76200" dir="5400000" algn="t" rotWithShape="0">
+              <a:prstClr val="black">
+                <a:alpha val="40000"/>
+              </a:prstClr>
+            </a:outerShdw>
+          </a:effectLst>
         </p:spPr>
       </p:pic>
-      <p:sp>
-        <p:nvSpPr>
-          <p:cNvPr id="3" name="文本框 2"/>
-          <p:cNvSpPr txBox="1"/>
-          <p:nvPr/>
-        </p:nvSpPr>
-        <p:spPr>
-          <a:xfrm>
-            <a:off x="669925" y="1724633"/>
-            <a:ext cx="553998" cy="1323439"/>
-          </a:xfrm>
-          <a:prstGeom prst="rect">
-            <a:avLst/>
-          </a:prstGeom>
-          <a:noFill/>
-        </p:spPr>
-        <p:txBody>
-          <a:bodyPr vert="eaVert" wrap="none" rtlCol="0">
-            <a:spAutoFit/>
-            <a:scene3d>
-              <a:camera prst="orthographicFront"/>
-              <a:lightRig rig="threePt" dir="t"/>
-            </a:scene3d>
-            <a:sp3d contourW="12700"/>
-          </a:bodyPr>
-          <a:lstStyle/>
-          <a:p>
-            <a:r>
-              <a:rPr lang="zh-CN" altLang="en-US" sz="2400" b="1" dirty="0">
-                <a:solidFill>
-                  <a:srgbClr val="4C4C4C"/>
-                </a:solidFill>
-                <a:latin typeface="Microsoft YaHei" charset="-122"/>
-                <a:ea typeface="Microsoft YaHei" charset="-122"/>
-                <a:cs typeface="Microsoft YaHei" charset="-122"/>
-              </a:rPr>
-              <a:t>三大應用</a:t>
-            </a:r>
-          </a:p>
-        </p:txBody>
-      </p:sp>
       <p:pic>
         <p:nvPicPr>
-          <p:cNvPr id="6" name="图片 5"/>
+          <p:cNvPr id="6" name="图片 9"/>
           <p:cNvPicPr>
             <a:picLocks noChangeAspect="1"/>
           </p:cNvPicPr>
@@ -1810,31 +1828,412 @@
         </p:blipFill>
         <p:spPr>
           <a:xfrm>
-            <a:off x="8086659" y="2014728"/>
-            <a:ext cx="3962400" cy="4843272"/>
+            <a:off x="8594313" y="3408218"/>
+            <a:ext cx="3597687" cy="3449782"/>
           </a:xfrm>
           <a:prstGeom prst="rect">
             <a:avLst/>
           </a:prstGeom>
-          <a:effectLst>
-            <a:outerShdw blurRad="50800" dist="76200" dir="5400000" algn="t" rotWithShape="0">
-              <a:prstClr val="black">
-                <a:alpha val="40000"/>
-              </a:prstClr>
-            </a:outerShdw>
-          </a:effectLst>
         </p:spPr>
       </p:pic>
       <p:sp>
         <p:nvSpPr>
-          <p:cNvPr id="7" name="TextBox 13"/>
+          <p:cNvPr id="3" name="Text Placeholder 3"/>
           <p:cNvSpPr txBox="1"/>
           <p:nvPr/>
         </p:nvSpPr>
         <p:spPr>
           <a:xfrm>
-            <a:off x="2144024" y="975905"/>
-            <a:ext cx="1804853" cy="574133"/>
+            <a:off x="3408589" y="1486515"/>
+            <a:ext cx="3571516" cy="804314"/>
+          </a:xfrm>
+          <a:prstGeom prst="rect">
+            <a:avLst/>
+          </a:prstGeom>
+        </p:spPr>
+        <p:txBody>
+          <a:bodyPr lIns="68580" tIns="34290" rIns="68580" bIns="34290" anchor="ctr"/>
+          <a:lstStyle>
+            <a:lvl1pPr marL="342900" indent="-342900" algn="l" defTabSz="914400" rtl="0" eaLnBrk="1" latinLnBrk="0" hangingPunct="1">
+              <a:spcBef>
+                <a:spcPct val="20000"/>
+              </a:spcBef>
+              <a:buFont typeface="Arial" panose="020B0604020202020204" pitchFamily="34" charset="0"/>
+              <a:buChar char="•"/>
+              <a:defRPr sz="3200" kern="1200">
+                <a:solidFill>
+                  <a:schemeClr val="tx1"/>
+                </a:solidFill>
+                <a:latin typeface="+mn-lt"/>
+                <a:ea typeface="+mn-ea"/>
+                <a:cs typeface="+mn-cs"/>
+              </a:defRPr>
+            </a:lvl1pPr>
+            <a:lvl2pPr marL="742950" indent="-285750" algn="l" defTabSz="914400" rtl="0" eaLnBrk="1" latinLnBrk="0" hangingPunct="1">
+              <a:spcBef>
+                <a:spcPct val="20000"/>
+              </a:spcBef>
+              <a:buFont typeface="Arial" panose="020B0604020202020204" pitchFamily="34" charset="0"/>
+              <a:buChar char="–"/>
+              <a:defRPr sz="2800" kern="1200">
+                <a:solidFill>
+                  <a:schemeClr val="tx1"/>
+                </a:solidFill>
+                <a:latin typeface="+mn-lt"/>
+                <a:ea typeface="+mn-ea"/>
+                <a:cs typeface="+mn-cs"/>
+              </a:defRPr>
+            </a:lvl2pPr>
+            <a:lvl3pPr marL="1143000" indent="-228600" algn="l" defTabSz="914400" rtl="0" eaLnBrk="1" latinLnBrk="0" hangingPunct="1">
+              <a:spcBef>
+                <a:spcPct val="20000"/>
+              </a:spcBef>
+              <a:buFont typeface="Arial" panose="020B0604020202020204" pitchFamily="34" charset="0"/>
+              <a:buChar char="•"/>
+              <a:defRPr sz="2400" kern="1200">
+                <a:solidFill>
+                  <a:schemeClr val="tx1"/>
+                </a:solidFill>
+                <a:latin typeface="+mn-lt"/>
+                <a:ea typeface="+mn-ea"/>
+                <a:cs typeface="+mn-cs"/>
+              </a:defRPr>
+            </a:lvl3pPr>
+            <a:lvl4pPr marL="1600200" indent="-228600" algn="l" defTabSz="914400" rtl="0" eaLnBrk="1" latinLnBrk="0" hangingPunct="1">
+              <a:spcBef>
+                <a:spcPct val="20000"/>
+              </a:spcBef>
+              <a:buFont typeface="Arial" panose="020B0604020202020204" pitchFamily="34" charset="0"/>
+              <a:buChar char="–"/>
+              <a:defRPr sz="2000" kern="1200">
+                <a:solidFill>
+                  <a:schemeClr val="tx1"/>
+                </a:solidFill>
+                <a:latin typeface="+mn-lt"/>
+                <a:ea typeface="+mn-ea"/>
+                <a:cs typeface="+mn-cs"/>
+              </a:defRPr>
+            </a:lvl4pPr>
+            <a:lvl5pPr marL="2057400" indent="-228600" algn="l" defTabSz="914400" rtl="0" eaLnBrk="1" latinLnBrk="0" hangingPunct="1">
+              <a:spcBef>
+                <a:spcPct val="20000"/>
+              </a:spcBef>
+              <a:buFont typeface="Arial" panose="020B0604020202020204" pitchFamily="34" charset="0"/>
+              <a:buChar char="»"/>
+              <a:defRPr sz="2000" kern="1200">
+                <a:solidFill>
+                  <a:schemeClr val="tx1"/>
+                </a:solidFill>
+                <a:latin typeface="+mn-lt"/>
+                <a:ea typeface="+mn-ea"/>
+                <a:cs typeface="+mn-cs"/>
+              </a:defRPr>
+            </a:lvl5pPr>
+            <a:lvl6pPr marL="2514600" indent="-228600" algn="l" defTabSz="914400" rtl="0" eaLnBrk="1" latinLnBrk="0" hangingPunct="1">
+              <a:spcBef>
+                <a:spcPct val="20000"/>
+              </a:spcBef>
+              <a:buFont typeface="Arial" panose="020B0604020202020204" pitchFamily="34" charset="0"/>
+              <a:buChar char="•"/>
+              <a:defRPr sz="2000" kern="1200">
+                <a:solidFill>
+                  <a:schemeClr val="tx1"/>
+                </a:solidFill>
+                <a:latin typeface="+mn-lt"/>
+                <a:ea typeface="+mn-ea"/>
+                <a:cs typeface="+mn-cs"/>
+              </a:defRPr>
+            </a:lvl6pPr>
+            <a:lvl7pPr marL="2971800" indent="-228600" algn="l" defTabSz="914400" rtl="0" eaLnBrk="1" latinLnBrk="0" hangingPunct="1">
+              <a:spcBef>
+                <a:spcPct val="20000"/>
+              </a:spcBef>
+              <a:buFont typeface="Arial" panose="020B0604020202020204" pitchFamily="34" charset="0"/>
+              <a:buChar char="•"/>
+              <a:defRPr sz="2000" kern="1200">
+                <a:solidFill>
+                  <a:schemeClr val="tx1"/>
+                </a:solidFill>
+                <a:latin typeface="+mn-lt"/>
+                <a:ea typeface="+mn-ea"/>
+                <a:cs typeface="+mn-cs"/>
+              </a:defRPr>
+            </a:lvl7pPr>
+            <a:lvl8pPr marL="3429000" indent="-228600" algn="l" defTabSz="914400" rtl="0" eaLnBrk="1" latinLnBrk="0" hangingPunct="1">
+              <a:spcBef>
+                <a:spcPct val="20000"/>
+              </a:spcBef>
+              <a:buFont typeface="Arial" panose="020B0604020202020204" pitchFamily="34" charset="0"/>
+              <a:buChar char="•"/>
+              <a:defRPr sz="2000" kern="1200">
+                <a:solidFill>
+                  <a:schemeClr val="tx1"/>
+                </a:solidFill>
+                <a:latin typeface="+mn-lt"/>
+                <a:ea typeface="+mn-ea"/>
+                <a:cs typeface="+mn-cs"/>
+              </a:defRPr>
+            </a:lvl8pPr>
+            <a:lvl9pPr marL="3886200" indent="-228600" algn="l" defTabSz="914400" rtl="0" eaLnBrk="1" latinLnBrk="0" hangingPunct="1">
+              <a:spcBef>
+                <a:spcPct val="20000"/>
+              </a:spcBef>
+              <a:buFont typeface="Arial" panose="020B0604020202020204" pitchFamily="34" charset="0"/>
+              <a:buChar char="•"/>
+              <a:defRPr sz="2000" kern="1200">
+                <a:solidFill>
+                  <a:schemeClr val="tx1"/>
+                </a:solidFill>
+                <a:latin typeface="+mn-lt"/>
+                <a:ea typeface="+mn-ea"/>
+                <a:cs typeface="+mn-cs"/>
+              </a:defRPr>
+            </a:lvl9pPr>
+          </a:lstStyle>
+          <a:p>
+            <a:pPr marL="0" indent="0">
+              <a:buNone/>
+            </a:pPr>
+            <a:r>
+              <a:rPr lang="zh-TW" altLang="en-US" sz="4800" b="1" dirty="0" smtClean="0">
+                <a:solidFill>
+                  <a:schemeClr val="accent2">
+                    <a:lumMod val="75000"/>
+                  </a:schemeClr>
+                </a:solidFill>
+                <a:latin typeface="微软雅黑" panose="020B0503020204020204" pitchFamily="34" charset="-122"/>
+                <a:ea typeface="微软雅黑" panose="020B0503020204020204" pitchFamily="34" charset="-122"/>
+              </a:rPr>
+              <a:t>強</a:t>
+            </a:r>
+            <a:r>
+              <a:rPr lang="zh-TW" altLang="en-US" sz="4800" b="1" dirty="0" smtClean="0">
+                <a:solidFill>
+                  <a:schemeClr val="bg1">
+                    <a:lumMod val="85000"/>
+                  </a:schemeClr>
+                </a:solidFill>
+                <a:latin typeface="微软雅黑" panose="020B0503020204020204" pitchFamily="34" charset="-122"/>
+                <a:ea typeface="微软雅黑" panose="020B0503020204020204" pitchFamily="34" charset="-122"/>
+              </a:rPr>
+              <a:t>人工智能</a:t>
+            </a:r>
+            <a:endParaRPr lang="zh-CN" altLang="en-US" sz="4800" b="1" dirty="0">
+              <a:solidFill>
+                <a:schemeClr val="bg1">
+                  <a:lumMod val="85000"/>
+                </a:schemeClr>
+              </a:solidFill>
+              <a:latin typeface="微软雅黑" panose="020B0503020204020204" pitchFamily="34" charset="-122"/>
+              <a:ea typeface="微软雅黑" panose="020B0503020204020204" pitchFamily="34" charset="-122"/>
+            </a:endParaRPr>
+          </a:p>
+        </p:txBody>
+      </p:sp>
+      <p:sp>
+        <p:nvSpPr>
+          <p:cNvPr id="4" name="Text Placeholder 3"/>
+          <p:cNvSpPr txBox="1"/>
+          <p:nvPr/>
+        </p:nvSpPr>
+        <p:spPr>
+          <a:xfrm>
+            <a:off x="5650068" y="3971179"/>
+            <a:ext cx="3571516" cy="804314"/>
+          </a:xfrm>
+          <a:prstGeom prst="rect">
+            <a:avLst/>
+          </a:prstGeom>
+        </p:spPr>
+        <p:txBody>
+          <a:bodyPr lIns="68580" tIns="34290" rIns="68580" bIns="34290" anchor="ctr"/>
+          <a:lstStyle>
+            <a:lvl1pPr marL="342900" indent="-342900" algn="l" defTabSz="914400" rtl="0" eaLnBrk="1" latinLnBrk="0" hangingPunct="1">
+              <a:spcBef>
+                <a:spcPct val="20000"/>
+              </a:spcBef>
+              <a:buFont typeface="Arial" panose="020B0604020202020204" pitchFamily="34" charset="0"/>
+              <a:buChar char="•"/>
+              <a:defRPr sz="3200" kern="1200">
+                <a:solidFill>
+                  <a:schemeClr val="tx1"/>
+                </a:solidFill>
+                <a:latin typeface="+mn-lt"/>
+                <a:ea typeface="+mn-ea"/>
+                <a:cs typeface="+mn-cs"/>
+              </a:defRPr>
+            </a:lvl1pPr>
+            <a:lvl2pPr marL="742950" indent="-285750" algn="l" defTabSz="914400" rtl="0" eaLnBrk="1" latinLnBrk="0" hangingPunct="1">
+              <a:spcBef>
+                <a:spcPct val="20000"/>
+              </a:spcBef>
+              <a:buFont typeface="Arial" panose="020B0604020202020204" pitchFamily="34" charset="0"/>
+              <a:buChar char="–"/>
+              <a:defRPr sz="2800" kern="1200">
+                <a:solidFill>
+                  <a:schemeClr val="tx1"/>
+                </a:solidFill>
+                <a:latin typeface="+mn-lt"/>
+                <a:ea typeface="+mn-ea"/>
+                <a:cs typeface="+mn-cs"/>
+              </a:defRPr>
+            </a:lvl2pPr>
+            <a:lvl3pPr marL="1143000" indent="-228600" algn="l" defTabSz="914400" rtl="0" eaLnBrk="1" latinLnBrk="0" hangingPunct="1">
+              <a:spcBef>
+                <a:spcPct val="20000"/>
+              </a:spcBef>
+              <a:buFont typeface="Arial" panose="020B0604020202020204" pitchFamily="34" charset="0"/>
+              <a:buChar char="•"/>
+              <a:defRPr sz="2400" kern="1200">
+                <a:solidFill>
+                  <a:schemeClr val="tx1"/>
+                </a:solidFill>
+                <a:latin typeface="+mn-lt"/>
+                <a:ea typeface="+mn-ea"/>
+                <a:cs typeface="+mn-cs"/>
+              </a:defRPr>
+            </a:lvl3pPr>
+            <a:lvl4pPr marL="1600200" indent="-228600" algn="l" defTabSz="914400" rtl="0" eaLnBrk="1" latinLnBrk="0" hangingPunct="1">
+              <a:spcBef>
+                <a:spcPct val="20000"/>
+              </a:spcBef>
+              <a:buFont typeface="Arial" panose="020B0604020202020204" pitchFamily="34" charset="0"/>
+              <a:buChar char="–"/>
+              <a:defRPr sz="2000" kern="1200">
+                <a:solidFill>
+                  <a:schemeClr val="tx1"/>
+                </a:solidFill>
+                <a:latin typeface="+mn-lt"/>
+                <a:ea typeface="+mn-ea"/>
+                <a:cs typeface="+mn-cs"/>
+              </a:defRPr>
+            </a:lvl4pPr>
+            <a:lvl5pPr marL="2057400" indent="-228600" algn="l" defTabSz="914400" rtl="0" eaLnBrk="1" latinLnBrk="0" hangingPunct="1">
+              <a:spcBef>
+                <a:spcPct val="20000"/>
+              </a:spcBef>
+              <a:buFont typeface="Arial" panose="020B0604020202020204" pitchFamily="34" charset="0"/>
+              <a:buChar char="»"/>
+              <a:defRPr sz="2000" kern="1200">
+                <a:solidFill>
+                  <a:schemeClr val="tx1"/>
+                </a:solidFill>
+                <a:latin typeface="+mn-lt"/>
+                <a:ea typeface="+mn-ea"/>
+                <a:cs typeface="+mn-cs"/>
+              </a:defRPr>
+            </a:lvl5pPr>
+            <a:lvl6pPr marL="2514600" indent="-228600" algn="l" defTabSz="914400" rtl="0" eaLnBrk="1" latinLnBrk="0" hangingPunct="1">
+              <a:spcBef>
+                <a:spcPct val="20000"/>
+              </a:spcBef>
+              <a:buFont typeface="Arial" panose="020B0604020202020204" pitchFamily="34" charset="0"/>
+              <a:buChar char="•"/>
+              <a:defRPr sz="2000" kern="1200">
+                <a:solidFill>
+                  <a:schemeClr val="tx1"/>
+                </a:solidFill>
+                <a:latin typeface="+mn-lt"/>
+                <a:ea typeface="+mn-ea"/>
+                <a:cs typeface="+mn-cs"/>
+              </a:defRPr>
+            </a:lvl6pPr>
+            <a:lvl7pPr marL="2971800" indent="-228600" algn="l" defTabSz="914400" rtl="0" eaLnBrk="1" latinLnBrk="0" hangingPunct="1">
+              <a:spcBef>
+                <a:spcPct val="20000"/>
+              </a:spcBef>
+              <a:buFont typeface="Arial" panose="020B0604020202020204" pitchFamily="34" charset="0"/>
+              <a:buChar char="•"/>
+              <a:defRPr sz="2000" kern="1200">
+                <a:solidFill>
+                  <a:schemeClr val="tx1"/>
+                </a:solidFill>
+                <a:latin typeface="+mn-lt"/>
+                <a:ea typeface="+mn-ea"/>
+                <a:cs typeface="+mn-cs"/>
+              </a:defRPr>
+            </a:lvl7pPr>
+            <a:lvl8pPr marL="3429000" indent="-228600" algn="l" defTabSz="914400" rtl="0" eaLnBrk="1" latinLnBrk="0" hangingPunct="1">
+              <a:spcBef>
+                <a:spcPct val="20000"/>
+              </a:spcBef>
+              <a:buFont typeface="Arial" panose="020B0604020202020204" pitchFamily="34" charset="0"/>
+              <a:buChar char="•"/>
+              <a:defRPr sz="2000" kern="1200">
+                <a:solidFill>
+                  <a:schemeClr val="tx1"/>
+                </a:solidFill>
+                <a:latin typeface="+mn-lt"/>
+                <a:ea typeface="+mn-ea"/>
+                <a:cs typeface="+mn-cs"/>
+              </a:defRPr>
+            </a:lvl8pPr>
+            <a:lvl9pPr marL="3886200" indent="-228600" algn="l" defTabSz="914400" rtl="0" eaLnBrk="1" latinLnBrk="0" hangingPunct="1">
+              <a:spcBef>
+                <a:spcPct val="20000"/>
+              </a:spcBef>
+              <a:buFont typeface="Arial" panose="020B0604020202020204" pitchFamily="34" charset="0"/>
+              <a:buChar char="•"/>
+              <a:defRPr sz="2000" kern="1200">
+                <a:solidFill>
+                  <a:schemeClr val="tx1"/>
+                </a:solidFill>
+                <a:latin typeface="+mn-lt"/>
+                <a:ea typeface="+mn-ea"/>
+                <a:cs typeface="+mn-cs"/>
+              </a:defRPr>
+            </a:lvl9pPr>
+          </a:lstStyle>
+          <a:p>
+            <a:pPr marL="0" indent="0">
+              <a:buNone/>
+            </a:pPr>
+            <a:r>
+              <a:rPr lang="zh-TW" altLang="en-US" sz="4800" b="1" dirty="0" smtClean="0">
+                <a:solidFill>
+                  <a:schemeClr val="bg2">
+                    <a:lumMod val="50000"/>
+                  </a:schemeClr>
+                </a:solidFill>
+                <a:latin typeface="微软雅黑" panose="020B0503020204020204" pitchFamily="34" charset="-122"/>
+                <a:ea typeface="微软雅黑" panose="020B0503020204020204" pitchFamily="34" charset="-122"/>
+              </a:rPr>
+              <a:t>弱</a:t>
+            </a:r>
+            <a:r>
+              <a:rPr lang="zh-TW" altLang="en-US" sz="4800" b="1" dirty="0" smtClean="0">
+                <a:solidFill>
+                  <a:schemeClr val="bg1">
+                    <a:lumMod val="85000"/>
+                  </a:schemeClr>
+                </a:solidFill>
+                <a:latin typeface="微软雅黑" panose="020B0503020204020204" pitchFamily="34" charset="-122"/>
+                <a:ea typeface="微软雅黑" panose="020B0503020204020204" pitchFamily="34" charset="-122"/>
+              </a:rPr>
+              <a:t>人工智能</a:t>
+            </a:r>
+            <a:endParaRPr lang="zh-CN" altLang="en-US" sz="4800" b="1" dirty="0">
+              <a:solidFill>
+                <a:schemeClr val="bg1">
+                  <a:lumMod val="85000"/>
+                </a:schemeClr>
+              </a:solidFill>
+              <a:latin typeface="微软雅黑" panose="020B0503020204020204" pitchFamily="34" charset="-122"/>
+              <a:ea typeface="微软雅黑" panose="020B0503020204020204" pitchFamily="34" charset="-122"/>
+            </a:endParaRPr>
+          </a:p>
+        </p:txBody>
+      </p:sp>
+      <p:sp>
+        <p:nvSpPr>
+          <p:cNvPr id="5" name="文字方塊 4"/>
+          <p:cNvSpPr txBox="1"/>
+          <p:nvPr/>
+        </p:nvSpPr>
+        <p:spPr>
+          <a:xfrm>
+            <a:off x="5361709" y="2524629"/>
+            <a:ext cx="1701107" cy="1446550"/>
           </a:xfrm>
           <a:prstGeom prst="rect">
             <a:avLst/>
@@ -1842,33 +2241,41 @@
           <a:noFill/>
         </p:spPr>
         <p:txBody>
-          <a:bodyPr wrap="none" lIns="80899" tIns="40450" rIns="80899" bIns="40450" rtlCol="0">
+          <a:bodyPr wrap="none" rtlCol="0">
             <a:spAutoFit/>
           </a:bodyPr>
           <a:lstStyle/>
           <a:p>
             <a:r>
-              <a:rPr lang="zh-TW" altLang="en-US" sz="3200" b="1" dirty="0">
-                <a:solidFill>
-                  <a:schemeClr val="tx1">
-                    <a:lumMod val="85000"/>
-                    <a:lumOff val="15000"/>
-                  </a:schemeClr>
-                </a:solidFill>
-                <a:latin typeface="Microsoft YaHei" charset="-122"/>
-                <a:ea typeface="Microsoft YaHei" charset="-122"/>
-                <a:cs typeface="Microsoft YaHei" charset="-122"/>
-                <a:sym typeface="+mn-lt"/>
-              </a:rPr>
-              <a:t>語音識別</a:t>
-            </a:r>
+              <a:rPr lang="en-US" altLang="zh-TW" sz="8800" dirty="0" smtClean="0">
+                <a:effectLst>
+                  <a:outerShdw blurRad="38100" dist="38100" dir="2700000" algn="tl">
+                    <a:srgbClr val="000000">
+                      <a:alpha val="43137"/>
+                    </a:srgbClr>
+                  </a:outerShdw>
+                </a:effectLst>
+                <a:latin typeface="Lucida Calligraphy" panose="03010101010101010101" pitchFamily="66" charset="0"/>
+              </a:rPr>
+              <a:t>Vs</a:t>
+            </a:r>
+            <a:endParaRPr lang="zh-TW" altLang="en-US" sz="8800" dirty="0">
+              <a:effectLst>
+                <a:outerShdw blurRad="38100" dist="38100" dir="2700000" algn="tl">
+                  <a:srgbClr val="000000">
+                    <a:alpha val="43137"/>
+                  </a:srgbClr>
+                </a:outerShdw>
+              </a:effectLst>
+              <a:latin typeface="Lucida Calligraphy" panose="03010101010101010101" pitchFamily="66" charset="0"/>
+            </a:endParaRPr>
           </a:p>
         </p:txBody>
       </p:sp>
     </p:spTree>
     <p:extLst>
       <p:ext uri="{BB962C8B-B14F-4D97-AF65-F5344CB8AC3E}">
-        <p14:creationId xmlns:p14="http://schemas.microsoft.com/office/powerpoint/2010/main" val="868877836"/>
+        <p14:creationId xmlns:p14="http://schemas.microsoft.com/office/powerpoint/2010/main" val="2530585792"/>
       </p:ext>
     </p:extLst>
   </p:cSld>
@@ -2006,8 +2413,27 @@
                 <a:ea typeface="Microsoft YaHei" charset="-122"/>
                 <a:cs typeface="Microsoft YaHei" charset="-122"/>
               </a:rPr>
-              <a:t>三大應用</a:t>
-            </a:r>
+              <a:t>應用</a:t>
+            </a:r>
+            <a:r>
+              <a:rPr lang="zh-TW" altLang="en-US" sz="2400" b="1" dirty="0">
+                <a:solidFill>
+                  <a:srgbClr val="4C4C4C"/>
+                </a:solidFill>
+                <a:latin typeface="Microsoft YaHei" charset="-122"/>
+                <a:ea typeface="Microsoft YaHei" charset="-122"/>
+                <a:cs typeface="Microsoft YaHei" charset="-122"/>
+              </a:rPr>
+              <a:t>領域</a:t>
+            </a:r>
+            <a:endParaRPr lang="zh-CN" altLang="en-US" sz="2400" b="1" dirty="0">
+              <a:solidFill>
+                <a:srgbClr val="4C4C4C"/>
+              </a:solidFill>
+              <a:latin typeface="Microsoft YaHei" charset="-122"/>
+              <a:ea typeface="Microsoft YaHei" charset="-122"/>
+              <a:cs typeface="Microsoft YaHei" charset="-122"/>
+            </a:endParaRPr>
           </a:p>
         </p:txBody>
       </p:sp>
@@ -2086,8 +2512,8 @@
         </p:nvSpPr>
         <p:spPr>
           <a:xfrm>
-            <a:off x="2144024" y="975905"/>
-            <a:ext cx="1804853" cy="574133"/>
+            <a:off x="2342729" y="680857"/>
+            <a:ext cx="5392182" cy="574133"/>
           </a:xfrm>
           <a:prstGeom prst="rect">
             <a:avLst/>
@@ -2101,7 +2527,7 @@
           <a:lstStyle/>
           <a:p>
             <a:r>
-              <a:rPr lang="zh-TW" altLang="en-US" sz="3200" b="1" dirty="0">
+              <a:rPr lang="zh-TW" altLang="en-US" sz="3200" b="1" dirty="0" smtClean="0">
                 <a:solidFill>
                   <a:schemeClr val="tx1">
                     <a:lumMod val="85000"/>
@@ -2113,8 +2539,35 @@
                 <a:cs typeface="Microsoft YaHei" charset="-122"/>
                 <a:sym typeface="+mn-lt"/>
               </a:rPr>
-              <a:t>影像辨識</a:t>
-            </a:r>
+              <a:t>電腦視覺 </a:t>
+            </a:r>
+            <a:r>
+              <a:rPr lang="en-US" altLang="zh-TW" sz="3200" b="1" dirty="0" smtClean="0">
+                <a:solidFill>
+                  <a:schemeClr val="tx1">
+                    <a:lumMod val="85000"/>
+                    <a:lumOff val="15000"/>
+                  </a:schemeClr>
+                </a:solidFill>
+                <a:latin typeface="Microsoft YaHei" charset="-122"/>
+                <a:ea typeface="Microsoft YaHei" charset="-122"/>
+                <a:cs typeface="Microsoft YaHei" charset="-122"/>
+                <a:sym typeface="+mn-lt"/>
+              </a:rPr>
+              <a:t>Computer Vision</a:t>
+            </a:r>
+            <a:endParaRPr lang="zh-TW" altLang="en-US" sz="3200" b="1" dirty="0">
+              <a:solidFill>
+                <a:schemeClr val="tx1">
+                  <a:lumMod val="85000"/>
+                  <a:lumOff val="15000"/>
+                </a:schemeClr>
+              </a:solidFill>
+              <a:latin typeface="Microsoft YaHei" charset="-122"/>
+              <a:ea typeface="Microsoft YaHei" charset="-122"/>
+              <a:cs typeface="Microsoft YaHei" charset="-122"/>
+              <a:sym typeface="+mn-lt"/>
+            </a:endParaRPr>
           </a:p>
         </p:txBody>
       </p:sp>
@@ -2566,6 +3019,36 @@
           <a:chExt cx="0" cy="0"/>
         </a:xfrm>
       </p:grpSpPr>
+      <p:pic>
+        <p:nvPicPr>
+          <p:cNvPr id="11" name="圖片 10"/>
+          <p:cNvPicPr>
+            <a:picLocks noChangeAspect="1"/>
+          </p:cNvPicPr>
+          <p:nvPr/>
+        </p:nvPicPr>
+        <p:blipFill>
+          <a:blip r:embed="rId2">
+            <a:extLst>
+              <a:ext uri="{28A0092B-C50C-407E-A947-70E740481C1C}">
+                <a14:useLocalDpi xmlns:a14="http://schemas.microsoft.com/office/drawing/2010/main" val="0"/>
+              </a:ext>
+            </a:extLst>
+          </a:blip>
+          <a:stretch>
+            <a:fillRect/>
+          </a:stretch>
+        </p:blipFill>
+        <p:spPr>
+          <a:xfrm>
+            <a:off x="2138862" y="1844605"/>
+            <a:ext cx="6420633" cy="3616957"/>
+          </a:xfrm>
+          <a:prstGeom prst="rect">
+            <a:avLst/>
+          </a:prstGeom>
+        </p:spPr>
+      </p:pic>
       <p:sp>
         <p:nvSpPr>
           <p:cNvPr id="3" name="文本框 2"/>
@@ -2594,7 +3077,7 @@
           <a:lstStyle/>
           <a:p>
             <a:r>
-              <a:rPr lang="zh-CN" altLang="en-US" sz="2400" b="1" dirty="0">
+              <a:rPr lang="zh-CN" altLang="en-US" sz="2400" b="1" dirty="0" smtClean="0">
                 <a:solidFill>
                   <a:srgbClr val="4C4C4C"/>
                 </a:solidFill>
@@ -2602,8 +3085,251 @@
                 <a:ea typeface="Microsoft YaHei" charset="-122"/>
                 <a:cs typeface="Microsoft YaHei" charset="-122"/>
               </a:rPr>
-              <a:t>三大應用</a:t>
-            </a:r>
+              <a:t>應用</a:t>
+            </a:r>
+            <a:r>
+              <a:rPr lang="zh-TW" altLang="en-US" sz="2400" b="1" dirty="0" smtClean="0">
+                <a:solidFill>
+                  <a:srgbClr val="4C4C4C"/>
+                </a:solidFill>
+                <a:latin typeface="Microsoft YaHei" charset="-122"/>
+                <a:ea typeface="Microsoft YaHei" charset="-122"/>
+                <a:cs typeface="Microsoft YaHei" charset="-122"/>
+              </a:rPr>
+              <a:t>領域</a:t>
+            </a:r>
+            <a:endParaRPr lang="zh-CN" altLang="en-US" sz="2400" b="1" dirty="0">
+              <a:solidFill>
+                <a:srgbClr val="4C4C4C"/>
+              </a:solidFill>
+              <a:latin typeface="Microsoft YaHei" charset="-122"/>
+              <a:ea typeface="Microsoft YaHei" charset="-122"/>
+              <a:cs typeface="Microsoft YaHei" charset="-122"/>
+            </a:endParaRPr>
+          </a:p>
+        </p:txBody>
+      </p:sp>
+      <p:pic>
+        <p:nvPicPr>
+          <p:cNvPr id="6" name="图片 5"/>
+          <p:cNvPicPr>
+            <a:picLocks noChangeAspect="1"/>
+          </p:cNvPicPr>
+          <p:nvPr/>
+        </p:nvPicPr>
+        <p:blipFill>
+          <a:blip r:embed="rId3" cstate="screen">
+            <a:extLst>
+              <a:ext uri="{28A0092B-C50C-407E-A947-70E740481C1C}">
+                <a14:useLocalDpi xmlns:a14="http://schemas.microsoft.com/office/drawing/2010/main"/>
+              </a:ext>
+            </a:extLst>
+          </a:blip>
+          <a:stretch>
+            <a:fillRect/>
+          </a:stretch>
+        </p:blipFill>
+        <p:spPr>
+          <a:xfrm>
+            <a:off x="8086659" y="2014728"/>
+            <a:ext cx="3962400" cy="4843272"/>
+          </a:xfrm>
+          <a:prstGeom prst="rect">
+            <a:avLst/>
+          </a:prstGeom>
+          <a:effectLst>
+            <a:outerShdw blurRad="50800" dist="76200" dir="5400000" algn="t" rotWithShape="0">
+              <a:prstClr val="black">
+                <a:alpha val="40000"/>
+              </a:prstClr>
+            </a:outerShdw>
+          </a:effectLst>
+        </p:spPr>
+      </p:pic>
+      <p:sp>
+        <p:nvSpPr>
+          <p:cNvPr id="7" name="TextBox 13"/>
+          <p:cNvSpPr txBox="1"/>
+          <p:nvPr/>
+        </p:nvSpPr>
+        <p:spPr>
+          <a:xfrm>
+            <a:off x="2144024" y="975905"/>
+            <a:ext cx="5858463" cy="574133"/>
+          </a:xfrm>
+          <a:prstGeom prst="rect">
+            <a:avLst/>
+          </a:prstGeom>
+          <a:noFill/>
+        </p:spPr>
+        <p:txBody>
+          <a:bodyPr wrap="none" lIns="80899" tIns="40450" rIns="80899" bIns="40450" rtlCol="0">
+            <a:spAutoFit/>
+          </a:bodyPr>
+          <a:lstStyle/>
+          <a:p>
+            <a:r>
+              <a:rPr lang="zh-TW" altLang="en-US" sz="3200" b="1" dirty="0" smtClean="0">
+                <a:solidFill>
+                  <a:schemeClr val="tx1">
+                    <a:lumMod val="85000"/>
+                    <a:lumOff val="15000"/>
+                  </a:schemeClr>
+                </a:solidFill>
+                <a:latin typeface="Microsoft YaHei" charset="-122"/>
+                <a:ea typeface="Microsoft YaHei" charset="-122"/>
+                <a:cs typeface="Microsoft YaHei" charset="-122"/>
+                <a:sym typeface="+mn-lt"/>
+              </a:rPr>
+              <a:t>語音識別 </a:t>
+            </a:r>
+            <a:r>
+              <a:rPr lang="en-US" altLang="zh-TW" sz="3200" b="1" dirty="0" smtClean="0">
+                <a:solidFill>
+                  <a:schemeClr val="tx1">
+                    <a:lumMod val="85000"/>
+                    <a:lumOff val="15000"/>
+                  </a:schemeClr>
+                </a:solidFill>
+                <a:latin typeface="Microsoft YaHei" charset="-122"/>
+                <a:ea typeface="Microsoft YaHei" charset="-122"/>
+                <a:cs typeface="Microsoft YaHei" charset="-122"/>
+                <a:sym typeface="+mn-lt"/>
+              </a:rPr>
+              <a:t>speech </a:t>
+            </a:r>
+            <a:r>
+              <a:rPr lang="en-US" altLang="zh-TW" sz="3200" b="1" dirty="0">
+                <a:solidFill>
+                  <a:schemeClr val="tx1">
+                    <a:lumMod val="85000"/>
+                    <a:lumOff val="15000"/>
+                  </a:schemeClr>
+                </a:solidFill>
+                <a:latin typeface="Microsoft YaHei" charset="-122"/>
+                <a:ea typeface="Microsoft YaHei" charset="-122"/>
+                <a:cs typeface="Microsoft YaHei" charset="-122"/>
+                <a:sym typeface="+mn-lt"/>
+              </a:rPr>
+              <a:t>recognition</a:t>
+            </a:r>
+            <a:endParaRPr lang="zh-TW" altLang="en-US" sz="3200" b="1" dirty="0">
+              <a:solidFill>
+                <a:schemeClr val="tx1">
+                  <a:lumMod val="85000"/>
+                  <a:lumOff val="15000"/>
+                </a:schemeClr>
+              </a:solidFill>
+              <a:latin typeface="Microsoft YaHei" charset="-122"/>
+              <a:ea typeface="Microsoft YaHei" charset="-122"/>
+              <a:cs typeface="Microsoft YaHei" charset="-122"/>
+              <a:sym typeface="+mn-lt"/>
+            </a:endParaRPr>
+          </a:p>
+        </p:txBody>
+      </p:sp>
+    </p:spTree>
+    <p:extLst>
+      <p:ext uri="{BB962C8B-B14F-4D97-AF65-F5344CB8AC3E}">
+        <p14:creationId xmlns:p14="http://schemas.microsoft.com/office/powerpoint/2010/main" val="868877836"/>
+      </p:ext>
+    </p:extLst>
+  </p:cSld>
+  <p:clrMapOvr>
+    <a:masterClrMapping/>
+  </p:clrMapOvr>
+  <mc:AlternateContent xmlns:mc="http://schemas.openxmlformats.org/markup-compatibility/2006" xmlns:p14="http://schemas.microsoft.com/office/powerpoint/2010/main">
+    <mc:Choice Requires="p14">
+      <p:transition p14:dur="0" advTm="0"/>
+    </mc:Choice>
+    <mc:Fallback xmlns="">
+      <p:transition advTm="0"/>
+    </mc:Fallback>
+  </mc:AlternateContent>
+  <p:timing>
+    <p:tnLst>
+      <p:par>
+        <p:cTn id="1" dur="indefinite" restart="never" nodeType="tmRoot"/>
+      </p:par>
+    </p:tnLst>
+  </p:timing>
+</p:sld>
+</file>
+
+<file path=ppt/slides/slide13.xml><?xml version="1.0" encoding="utf-8"?>
+<p:sld xmlns:a="http://schemas.openxmlformats.org/drawingml/2006/main" xmlns:r="http://schemas.openxmlformats.org/officeDocument/2006/relationships" xmlns:p="http://schemas.openxmlformats.org/presentationml/2006/main">
+  <p:cSld>
+    <p:spTree>
+      <p:nvGrpSpPr>
+        <p:cNvPr id="1" name=""/>
+        <p:cNvGrpSpPr/>
+        <p:nvPr/>
+      </p:nvGrpSpPr>
+      <p:grpSpPr>
+        <a:xfrm>
+          <a:off x="0" y="0"/>
+          <a:ext cx="0" cy="0"/>
+          <a:chOff x="0" y="0"/>
+          <a:chExt cx="0" cy="0"/>
+        </a:xfrm>
+      </p:grpSpPr>
+      <p:sp>
+        <p:nvSpPr>
+          <p:cNvPr id="3" name="文本框 2"/>
+          <p:cNvSpPr txBox="1"/>
+          <p:nvPr/>
+        </p:nvSpPr>
+        <p:spPr>
+          <a:xfrm>
+            <a:off x="669925" y="1724633"/>
+            <a:ext cx="553998" cy="1323439"/>
+          </a:xfrm>
+          <a:prstGeom prst="rect">
+            <a:avLst/>
+          </a:prstGeom>
+          <a:noFill/>
+        </p:spPr>
+        <p:txBody>
+          <a:bodyPr vert="eaVert" wrap="none" rtlCol="0">
+            <a:spAutoFit/>
+            <a:scene3d>
+              <a:camera prst="orthographicFront"/>
+              <a:lightRig rig="threePt" dir="t"/>
+            </a:scene3d>
+            <a:sp3d contourW="12700"/>
+          </a:bodyPr>
+          <a:lstStyle/>
+          <a:p>
+            <a:r>
+              <a:rPr lang="zh-CN" altLang="en-US" sz="2400" b="1" dirty="0">
+                <a:solidFill>
+                  <a:srgbClr val="4C4C4C"/>
+                </a:solidFill>
+                <a:latin typeface="Microsoft YaHei" charset="-122"/>
+                <a:ea typeface="Microsoft YaHei" charset="-122"/>
+                <a:cs typeface="Microsoft YaHei" charset="-122"/>
+              </a:rPr>
+              <a:t>應用</a:t>
+            </a:r>
+            <a:r>
+              <a:rPr lang="zh-TW" altLang="en-US" sz="2400" b="1" dirty="0">
+                <a:solidFill>
+                  <a:srgbClr val="4C4C4C"/>
+                </a:solidFill>
+                <a:latin typeface="Microsoft YaHei" charset="-122"/>
+                <a:ea typeface="Microsoft YaHei" charset="-122"/>
+                <a:cs typeface="Microsoft YaHei" charset="-122"/>
+              </a:rPr>
+              <a:t>領域</a:t>
+            </a:r>
+            <a:endParaRPr lang="zh-CN" altLang="en-US" sz="2400" b="1" dirty="0">
+              <a:solidFill>
+                <a:srgbClr val="4C4C4C"/>
+              </a:solidFill>
+              <a:latin typeface="Microsoft YaHei" charset="-122"/>
+              <a:ea typeface="Microsoft YaHei" charset="-122"/>
+              <a:cs typeface="Microsoft YaHei" charset="-122"/>
+            </a:endParaRPr>
           </a:p>
         </p:txBody>
       </p:sp>
@@ -2772,41 +3498,93 @@
       </p:sp>
       <p:sp>
         <p:nvSpPr>
-          <p:cNvPr id="2" name="矩形 1"/>
+          <p:cNvPr id="4" name="矩形 3"/>
           <p:cNvSpPr/>
           <p:nvPr/>
         </p:nvSpPr>
         <p:spPr>
           <a:xfrm>
-            <a:off x="2473789" y="3646480"/>
-            <a:ext cx="5971058" cy="769441"/>
+            <a:off x="2465477" y="3081303"/>
+            <a:ext cx="6096000" cy="830997"/>
           </a:xfrm>
           <a:prstGeom prst="rect">
             <a:avLst/>
           </a:prstGeom>
         </p:spPr>
         <p:txBody>
-          <a:bodyPr wrap="none">
+          <a:bodyPr>
             <a:spAutoFit/>
           </a:bodyPr>
           <a:lstStyle/>
           <a:p>
             <a:r>
-              <a:rPr lang="zh-TW" altLang="en-US" sz="4400" dirty="0"/>
-              <a:t>聊天</a:t>
-            </a:r>
-            <a:r>
-              <a:rPr lang="zh-TW" altLang="en-US" sz="4400" dirty="0" smtClean="0"/>
-              <a:t>機器人（</a:t>
-            </a:r>
-            <a:r>
-              <a:rPr lang="en-US" altLang="zh-TW" sz="4400" dirty="0" err="1"/>
-              <a:t>Chatbot</a:t>
-            </a:r>
-            <a:r>
-              <a:rPr lang="zh-TW" altLang="en-US" sz="4400" dirty="0"/>
-              <a:t>）</a:t>
-            </a:r>
+              <a:rPr lang="zh-CN" altLang="en-US" sz="2400" dirty="0" smtClean="0">
+                <a:solidFill>
+                  <a:schemeClr val="tx2">
+                    <a:lumMod val="60000"/>
+                    <a:lumOff val="40000"/>
+                  </a:schemeClr>
+                </a:solidFill>
+                <a:latin typeface="-apple-system"/>
+              </a:rPr>
+              <a:t>自然語言處理（</a:t>
+            </a:r>
+            <a:r>
+              <a:rPr lang="en-US" altLang="zh-CN" sz="2400" dirty="0" smtClean="0">
+                <a:solidFill>
+                  <a:schemeClr val="tx2">
+                    <a:lumMod val="60000"/>
+                    <a:lumOff val="40000"/>
+                  </a:schemeClr>
+                </a:solidFill>
+                <a:latin typeface="-apple-system"/>
+              </a:rPr>
+              <a:t>NLP</a:t>
+            </a:r>
+            <a:r>
+              <a:rPr lang="zh-CN" altLang="en-US" sz="2400" dirty="0" smtClean="0">
+                <a:solidFill>
+                  <a:schemeClr val="tx2">
+                    <a:lumMod val="60000"/>
+                    <a:lumOff val="40000"/>
+                  </a:schemeClr>
+                </a:solidFill>
+                <a:latin typeface="-apple-system"/>
+              </a:rPr>
+              <a:t>）是指使用諸如英語之類的自然語言與智慧系統通信的</a:t>
+            </a:r>
+            <a:r>
+              <a:rPr lang="en-US" altLang="zh-CN" sz="2400" dirty="0" smtClean="0">
+                <a:solidFill>
+                  <a:schemeClr val="tx2">
+                    <a:lumMod val="60000"/>
+                    <a:lumOff val="40000"/>
+                  </a:schemeClr>
+                </a:solidFill>
+                <a:latin typeface="-apple-system"/>
+              </a:rPr>
+              <a:t>AI</a:t>
+            </a:r>
+            <a:r>
+              <a:rPr lang="zh-CN" altLang="en-US" sz="2400" dirty="0">
+                <a:solidFill>
+                  <a:schemeClr val="tx2">
+                    <a:lumMod val="60000"/>
+                    <a:lumOff val="40000"/>
+                  </a:schemeClr>
+                </a:solidFill>
+                <a:latin typeface="-apple-system"/>
+              </a:rPr>
+              <a:t>方法。</a:t>
+            </a:r>
+            <a:endParaRPr lang="zh-TW" altLang="en-US" sz="2400" dirty="0">
+              <a:solidFill>
+                <a:schemeClr val="tx2">
+                  <a:lumMod val="60000"/>
+                  <a:lumOff val="40000"/>
+                </a:schemeClr>
+              </a:solidFill>
+            </a:endParaRPr>
           </a:p>
         </p:txBody>
       </p:sp>
@@ -2849,7 +3627,7 @@
                             </p:stCondLst>
                             <p:childTnLst>
                               <p:par>
-                                <p:cTn id="5" presetID="53" presetClass="entr" presetSubtype="16" fill="hold" nodeType="clickEffect">
+                                <p:cTn id="5" presetID="22" presetClass="entr" presetSubtype="1" fill="hold" grpId="0" nodeType="clickEffect">
                                   <p:stCondLst>
                                     <p:cond delay="0"/>
                                   </p:stCondLst>
@@ -2862,11 +3640,7 @@
                                           </p:stCondLst>
                                         </p:cTn>
                                         <p:tgtEl>
-                                          <p:spTgt spid="7">
-                                            <p:txEl>
-                                              <p:pRg st="0" end="0"/>
-                                            </p:txEl>
-                                          </p:spTgt>
+                                          <p:spTgt spid="4"/>
                                         </p:tgtEl>
                                         <p:attrNameLst>
                                           <p:attrName>style.visibility</p:attrName>
@@ -2876,184 +3650,11 @@
                                         <p:strVal val="visible"/>
                                       </p:to>
                                     </p:set>
-                                    <p:anim calcmode="lin" valueType="num">
+                                    <p:animEffect transition="in" filter="wipe(up)">
                                       <p:cBhvr>
-                                        <p:cTn id="7" dur="500" fill="hold"/>
+                                        <p:cTn id="7" dur="500"/>
                                         <p:tgtEl>
-                                          <p:spTgt spid="7">
-                                            <p:txEl>
-                                              <p:pRg st="0" end="0"/>
-                                            </p:txEl>
-                                          </p:spTgt>
-                                        </p:tgtEl>
-                                        <p:attrNameLst>
-                                          <p:attrName>ppt_w</p:attrName>
-                                        </p:attrNameLst>
-                                      </p:cBhvr>
-                                      <p:tavLst>
-                                        <p:tav tm="0">
-                                          <p:val>
-                                            <p:fltVal val="0"/>
-                                          </p:val>
-                                        </p:tav>
-                                        <p:tav tm="100000">
-                                          <p:val>
-                                            <p:strVal val="#ppt_w"/>
-                                          </p:val>
-                                        </p:tav>
-                                      </p:tavLst>
-                                    </p:anim>
-                                    <p:anim calcmode="lin" valueType="num">
-                                      <p:cBhvr>
-                                        <p:cTn id="8" dur="500" fill="hold"/>
-                                        <p:tgtEl>
-                                          <p:spTgt spid="7">
-                                            <p:txEl>
-                                              <p:pRg st="0" end="0"/>
-                                            </p:txEl>
-                                          </p:spTgt>
-                                        </p:tgtEl>
-                                        <p:attrNameLst>
-                                          <p:attrName>ppt_h</p:attrName>
-                                        </p:attrNameLst>
-                                      </p:cBhvr>
-                                      <p:tavLst>
-                                        <p:tav tm="0">
-                                          <p:val>
-                                            <p:fltVal val="0"/>
-                                          </p:val>
-                                        </p:tav>
-                                        <p:tav tm="100000">
-                                          <p:val>
-                                            <p:strVal val="#ppt_h"/>
-                                          </p:val>
-                                        </p:tav>
-                                      </p:tavLst>
-                                    </p:anim>
-                                    <p:animEffect transition="in" filter="fade">
-                                      <p:cBhvr>
-                                        <p:cTn id="9" dur="500"/>
-                                        <p:tgtEl>
-                                          <p:spTgt spid="7">
-                                            <p:txEl>
-                                              <p:pRg st="0" end="0"/>
-                                            </p:txEl>
-                                          </p:spTgt>
-                                        </p:tgtEl>
-                                      </p:cBhvr>
-                                    </p:animEffect>
-                                  </p:childTnLst>
-                                </p:cTn>
-                              </p:par>
-                            </p:childTnLst>
-                          </p:cTn>
-                        </p:par>
-                      </p:childTnLst>
-                    </p:cTn>
-                  </p:par>
-                  <p:par>
-                    <p:cTn id="10" fill="hold">
-                      <p:stCondLst>
-                        <p:cond delay="indefinite"/>
-                      </p:stCondLst>
-                      <p:childTnLst>
-                        <p:par>
-                          <p:cTn id="11" fill="hold">
-                            <p:stCondLst>
-                              <p:cond delay="0"/>
-                            </p:stCondLst>
-                            <p:childTnLst>
-                              <p:par>
-                                <p:cTn id="12" presetID="53" presetClass="entr" presetSubtype="16" fill="hold" nodeType="clickEffect">
-                                  <p:stCondLst>
-                                    <p:cond delay="0"/>
-                                  </p:stCondLst>
-                                  <p:childTnLst>
-                                    <p:set>
-                                      <p:cBhvr>
-                                        <p:cTn id="13" dur="1" fill="hold">
-                                          <p:stCondLst>
-                                            <p:cond delay="0"/>
-                                          </p:stCondLst>
-                                        </p:cTn>
-                                        <p:tgtEl>
-                                          <p:spTgt spid="7">
-                                            <p:txEl>
-                                              <p:pRg st="1" end="1"/>
-                                            </p:txEl>
-                                          </p:spTgt>
-                                        </p:tgtEl>
-                                        <p:attrNameLst>
-                                          <p:attrName>style.visibility</p:attrName>
-                                        </p:attrNameLst>
-                                      </p:cBhvr>
-                                      <p:to>
-                                        <p:strVal val="visible"/>
-                                      </p:to>
-                                    </p:set>
-                                    <p:anim calcmode="lin" valueType="num">
-                                      <p:cBhvr>
-                                        <p:cTn id="14" dur="500" fill="hold"/>
-                                        <p:tgtEl>
-                                          <p:spTgt spid="7">
-                                            <p:txEl>
-                                              <p:pRg st="1" end="1"/>
-                                            </p:txEl>
-                                          </p:spTgt>
-                                        </p:tgtEl>
-                                        <p:attrNameLst>
-                                          <p:attrName>ppt_w</p:attrName>
-                                        </p:attrNameLst>
-                                      </p:cBhvr>
-                                      <p:tavLst>
-                                        <p:tav tm="0">
-                                          <p:val>
-                                            <p:fltVal val="0"/>
-                                          </p:val>
-                                        </p:tav>
-                                        <p:tav tm="100000">
-                                          <p:val>
-                                            <p:strVal val="#ppt_w"/>
-                                          </p:val>
-                                        </p:tav>
-                                      </p:tavLst>
-                                    </p:anim>
-                                    <p:anim calcmode="lin" valueType="num">
-                                      <p:cBhvr>
-                                        <p:cTn id="15" dur="500" fill="hold"/>
-                                        <p:tgtEl>
-                                          <p:spTgt spid="7">
-                                            <p:txEl>
-                                              <p:pRg st="1" end="1"/>
-                                            </p:txEl>
-                                          </p:spTgt>
-                                        </p:tgtEl>
-                                        <p:attrNameLst>
-                                          <p:attrName>ppt_h</p:attrName>
-                                        </p:attrNameLst>
-                                      </p:cBhvr>
-                                      <p:tavLst>
-                                        <p:tav tm="0">
-                                          <p:val>
-                                            <p:fltVal val="0"/>
-                                          </p:val>
-                                        </p:tav>
-                                        <p:tav tm="100000">
-                                          <p:val>
-                                            <p:strVal val="#ppt_h"/>
-                                          </p:val>
-                                        </p:tav>
-                                      </p:tavLst>
-                                    </p:anim>
-                                    <p:animEffect transition="in" filter="fade">
-                                      <p:cBhvr>
-                                        <p:cTn id="16" dur="500"/>
-                                        <p:tgtEl>
-                                          <p:spTgt spid="7">
-                                            <p:txEl>
-                                              <p:pRg st="1" end="1"/>
-                                            </p:txEl>
-                                          </p:spTgt>
+                                          <p:spTgt spid="4"/>
                                         </p:tgtEl>
                                       </p:cBhvr>
                                     </p:animEffect>
@@ -3087,11 +3688,14 @@
         </p:cTn>
       </p:par>
     </p:tnLst>
+    <p:bldLst>
+      <p:bldP spid="4" grpId="0"/>
+    </p:bldLst>
   </p:timing>
 </p:sld>
 </file>
 
-<file path=ppt/slides/slide13.xml><?xml version="1.0" encoding="utf-8"?>
+<file path=ppt/slides/slide14.xml><?xml version="1.0" encoding="utf-8"?>
 <p:sld xmlns:a="http://schemas.openxmlformats.org/drawingml/2006/main" xmlns:r="http://schemas.openxmlformats.org/officeDocument/2006/relationships" xmlns:p="http://schemas.openxmlformats.org/presentationml/2006/main">
   <p:cSld>
     <p:spTree>
@@ -3116,7 +3720,7 @@
         </p:nvSpPr>
         <p:spPr>
           <a:xfrm>
-            <a:off x="4296427" y="3281819"/>
+            <a:off x="4246551" y="3173754"/>
             <a:ext cx="1035861" cy="646331"/>
           </a:xfrm>
           <a:prstGeom prst="rect">
@@ -3131,16 +3735,28 @@
           <a:lstStyle/>
           <a:p>
             <a:r>
-              <a:rPr lang="zh-TW" altLang="en-US" dirty="0" smtClean="0"/>
+              <a:rPr lang="zh-TW" altLang="en-US" dirty="0" smtClean="0">
+                <a:solidFill>
+                  <a:srgbClr val="FF0000"/>
+                </a:solidFill>
+              </a:rPr>
               <a:t>請睇片</a:t>
             </a:r>
             <a:r>
-              <a:rPr lang="en-US" altLang="zh-TW" dirty="0" smtClean="0"/>
+              <a:rPr lang="en-US" altLang="zh-TW" dirty="0" smtClean="0">
+                <a:solidFill>
+                  <a:srgbClr val="FF0000"/>
+                </a:solidFill>
+              </a:rPr>
               <a:t>…</a:t>
             </a:r>
           </a:p>
           <a:p>
-            <a:endParaRPr lang="zh-TW" altLang="en-US" dirty="0"/>
+            <a:endParaRPr lang="zh-TW" altLang="en-US" dirty="0">
+              <a:solidFill>
+                <a:srgbClr val="FF0000"/>
+              </a:solidFill>
+            </a:endParaRPr>
           </a:p>
         </p:txBody>
       </p:sp>
@@ -3316,6 +3932,619 @@
 </p:sld>
 </file>
 
+<file path=ppt/slides/slide15.xml><?xml version="1.0" encoding="utf-8"?>
+<p:sld xmlns:a="http://schemas.openxmlformats.org/drawingml/2006/main" xmlns:r="http://schemas.openxmlformats.org/officeDocument/2006/relationships" xmlns:p="http://schemas.openxmlformats.org/presentationml/2006/main">
+  <p:cSld>
+    <p:spTree>
+      <p:nvGrpSpPr>
+        <p:cNvPr id="1" name=""/>
+        <p:cNvGrpSpPr/>
+        <p:nvPr/>
+      </p:nvGrpSpPr>
+      <p:grpSpPr>
+        <a:xfrm>
+          <a:off x="0" y="0"/>
+          <a:ext cx="0" cy="0"/>
+          <a:chOff x="0" y="0"/>
+          <a:chExt cx="0" cy="0"/>
+        </a:xfrm>
+      </p:grpSpPr>
+      <p:sp>
+        <p:nvSpPr>
+          <p:cNvPr id="2" name="矩形 1"/>
+          <p:cNvSpPr/>
+          <p:nvPr/>
+        </p:nvSpPr>
+        <p:spPr>
+          <a:xfrm>
+            <a:off x="4496523" y="1182778"/>
+            <a:ext cx="1569660" cy="369332"/>
+          </a:xfrm>
+          <a:prstGeom prst="rect">
+            <a:avLst/>
+          </a:prstGeom>
+        </p:spPr>
+        <p:txBody>
+          <a:bodyPr wrap="none">
+            <a:spAutoFit/>
+          </a:bodyPr>
+          <a:lstStyle/>
+          <a:p>
+            <a:pPr algn="ctr"/>
+            <a:r>
+              <a:rPr lang="zh-CN" altLang="en-US" b="1" dirty="0">
+                <a:latin typeface="Roboto"/>
+              </a:rPr>
+              <a:t>自然语言处理</a:t>
+            </a:r>
+            <a:endParaRPr lang="zh-CN" altLang="en-US" b="1" i="0" dirty="0">
+              <a:effectLst/>
+              <a:latin typeface="Roboto"/>
+            </a:endParaRPr>
+          </a:p>
+        </p:txBody>
+      </p:sp>
+      <p:sp>
+        <p:nvSpPr>
+          <p:cNvPr id="3" name="矩形 2"/>
+          <p:cNvSpPr/>
+          <p:nvPr/>
+        </p:nvSpPr>
+        <p:spPr>
+          <a:xfrm>
+            <a:off x="4859123" y="3244334"/>
+            <a:ext cx="2473754" cy="369332"/>
+          </a:xfrm>
+          <a:prstGeom prst="rect">
+            <a:avLst/>
+          </a:prstGeom>
+        </p:spPr>
+        <p:txBody>
+          <a:bodyPr wrap="none">
+            <a:spAutoFit/>
+          </a:bodyPr>
+          <a:lstStyle/>
+          <a:p>
+            <a:r>
+              <a:rPr lang="zh-CN" altLang="en-US" b="1" dirty="0">
+                <a:latin typeface="Roboto"/>
+              </a:rPr>
+              <a:t>自然语言理解（</a:t>
+            </a:r>
+            <a:r>
+              <a:rPr lang="en-US" altLang="zh-CN" b="1" dirty="0">
+                <a:latin typeface="Roboto"/>
+              </a:rPr>
+              <a:t>NLU</a:t>
+            </a:r>
+            <a:r>
+              <a:rPr lang="zh-CN" altLang="en-US" b="1" dirty="0">
+                <a:latin typeface="Roboto"/>
+              </a:rPr>
+              <a:t>）</a:t>
+            </a:r>
+            <a:endParaRPr lang="zh-CN" altLang="en-US" b="1" i="0" dirty="0">
+              <a:effectLst/>
+              <a:latin typeface="Roboto"/>
+            </a:endParaRPr>
+          </a:p>
+        </p:txBody>
+      </p:sp>
+      <p:sp>
+        <p:nvSpPr>
+          <p:cNvPr id="5" name="矩形 4"/>
+          <p:cNvSpPr/>
+          <p:nvPr/>
+        </p:nvSpPr>
+        <p:spPr>
+          <a:xfrm>
+            <a:off x="4830107" y="4133796"/>
+            <a:ext cx="2472152" cy="369332"/>
+          </a:xfrm>
+          <a:prstGeom prst="rect">
+            <a:avLst/>
+          </a:prstGeom>
+        </p:spPr>
+        <p:txBody>
+          <a:bodyPr wrap="none">
+            <a:spAutoFit/>
+          </a:bodyPr>
+          <a:lstStyle/>
+          <a:p>
+            <a:r>
+              <a:rPr lang="zh-CN" altLang="en-US" b="1" dirty="0">
+                <a:latin typeface="Roboto"/>
+              </a:rPr>
+              <a:t>自然语言生成（</a:t>
+            </a:r>
+            <a:r>
+              <a:rPr lang="en-US" altLang="zh-CN" b="1" dirty="0">
+                <a:latin typeface="Roboto"/>
+              </a:rPr>
+              <a:t>NLG</a:t>
+            </a:r>
+            <a:r>
+              <a:rPr lang="zh-CN" altLang="en-US" b="1" dirty="0">
+                <a:latin typeface="Roboto"/>
+              </a:rPr>
+              <a:t>）</a:t>
+            </a:r>
+            <a:endParaRPr lang="zh-CN" altLang="en-US" b="1" i="0" dirty="0">
+              <a:effectLst/>
+              <a:latin typeface="Roboto"/>
+            </a:endParaRPr>
+          </a:p>
+        </p:txBody>
+      </p:sp>
+    </p:spTree>
+    <p:extLst>
+      <p:ext uri="{BB962C8B-B14F-4D97-AF65-F5344CB8AC3E}">
+        <p14:creationId xmlns:p14="http://schemas.microsoft.com/office/powerpoint/2010/main" val="2782209822"/>
+      </p:ext>
+    </p:extLst>
+  </p:cSld>
+  <p:clrMapOvr>
+    <a:masterClrMapping/>
+  </p:clrMapOvr>
+  <mc:AlternateContent xmlns:mc="http://schemas.openxmlformats.org/markup-compatibility/2006" xmlns:p14="http://schemas.microsoft.com/office/powerpoint/2010/main">
+    <mc:Choice Requires="p14">
+      <p:transition p14:dur="0" advTm="0"/>
+    </mc:Choice>
+    <mc:Fallback xmlns="">
+      <p:transition advTm="0"/>
+    </mc:Fallback>
+  </mc:AlternateContent>
+  <p:timing>
+    <p:tnLst>
+      <p:par>
+        <p:cTn id="1" dur="indefinite" restart="never" nodeType="tmRoot"/>
+      </p:par>
+    </p:tnLst>
+  </p:timing>
+</p:sld>
+</file>
+
+<file path=ppt/slides/slide16.xml><?xml version="1.0" encoding="utf-8"?>
+<p:sld xmlns:a="http://schemas.openxmlformats.org/drawingml/2006/main" xmlns:r="http://schemas.openxmlformats.org/officeDocument/2006/relationships" xmlns:p="http://schemas.openxmlformats.org/presentationml/2006/main">
+  <p:cSld>
+    <p:spTree>
+      <p:nvGrpSpPr>
+        <p:cNvPr id="1" name=""/>
+        <p:cNvGrpSpPr/>
+        <p:nvPr/>
+      </p:nvGrpSpPr>
+      <p:grpSpPr>
+        <a:xfrm>
+          <a:off x="0" y="0"/>
+          <a:ext cx="0" cy="0"/>
+          <a:chOff x="0" y="0"/>
+          <a:chExt cx="0" cy="0"/>
+        </a:xfrm>
+      </p:grpSpPr>
+      <p:pic>
+        <p:nvPicPr>
+          <p:cNvPr id="6" name="图片 5"/>
+          <p:cNvPicPr>
+            <a:picLocks noChangeAspect="1"/>
+          </p:cNvPicPr>
+          <p:nvPr/>
+        </p:nvPicPr>
+        <p:blipFill>
+          <a:blip r:embed="rId2" cstate="screen">
+            <a:extLst>
+              <a:ext uri="{28A0092B-C50C-407E-A947-70E740481C1C}">
+                <a14:useLocalDpi xmlns:a14="http://schemas.microsoft.com/office/drawing/2010/main"/>
+              </a:ext>
+            </a:extLst>
+          </a:blip>
+          <a:stretch>
+            <a:fillRect/>
+          </a:stretch>
+        </p:blipFill>
+        <p:spPr>
+          <a:xfrm>
+            <a:off x="8086659" y="2014728"/>
+            <a:ext cx="3962400" cy="4843272"/>
+          </a:xfrm>
+          <a:prstGeom prst="rect">
+            <a:avLst/>
+          </a:prstGeom>
+          <a:effectLst>
+            <a:outerShdw blurRad="50800" dist="76200" dir="5400000" algn="t" rotWithShape="0">
+              <a:prstClr val="black">
+                <a:alpha val="40000"/>
+              </a:prstClr>
+            </a:outerShdw>
+          </a:effectLst>
+        </p:spPr>
+      </p:pic>
+      <p:pic>
+        <p:nvPicPr>
+          <p:cNvPr id="2" name="圖片 1"/>
+          <p:cNvPicPr>
+            <a:picLocks noChangeAspect="1"/>
+          </p:cNvPicPr>
+          <p:nvPr/>
+        </p:nvPicPr>
+        <p:blipFill>
+          <a:blip r:embed="rId3">
+            <a:extLst>
+              <a:ext uri="{28A0092B-C50C-407E-A947-70E740481C1C}">
+                <a14:useLocalDpi xmlns:a14="http://schemas.microsoft.com/office/drawing/2010/main" val="0"/>
+              </a:ext>
+            </a:extLst>
+          </a:blip>
+          <a:stretch>
+            <a:fillRect/>
+          </a:stretch>
+        </p:blipFill>
+        <p:spPr>
+          <a:xfrm>
+            <a:off x="3515231" y="3095162"/>
+            <a:ext cx="4571428" cy="3047619"/>
+          </a:xfrm>
+          <a:prstGeom prst="rect">
+            <a:avLst/>
+          </a:prstGeom>
+        </p:spPr>
+      </p:pic>
+      <p:sp>
+        <p:nvSpPr>
+          <p:cNvPr id="5" name="矩形 4"/>
+          <p:cNvSpPr/>
+          <p:nvPr/>
+        </p:nvSpPr>
+        <p:spPr>
+          <a:xfrm>
+            <a:off x="4676503" y="2555403"/>
+            <a:ext cx="2248885" cy="369332"/>
+          </a:xfrm>
+          <a:prstGeom prst="rect">
+            <a:avLst/>
+          </a:prstGeom>
+        </p:spPr>
+        <p:txBody>
+          <a:bodyPr wrap="none">
+            <a:spAutoFit/>
+          </a:bodyPr>
+          <a:lstStyle/>
+          <a:p>
+            <a:r>
+              <a:rPr lang="zh-TW" altLang="en-US" dirty="0"/>
+              <a:t>https://nlp.xiaoi.com/</a:t>
+            </a:r>
+          </a:p>
+        </p:txBody>
+      </p:sp>
+    </p:spTree>
+    <p:extLst>
+      <p:ext uri="{BB962C8B-B14F-4D97-AF65-F5344CB8AC3E}">
+        <p14:creationId xmlns:p14="http://schemas.microsoft.com/office/powerpoint/2010/main" val="3694799739"/>
+      </p:ext>
+    </p:extLst>
+  </p:cSld>
+  <p:clrMapOvr>
+    <a:masterClrMapping/>
+  </p:clrMapOvr>
+  <mc:AlternateContent xmlns:mc="http://schemas.openxmlformats.org/markup-compatibility/2006" xmlns:p14="http://schemas.microsoft.com/office/powerpoint/2010/main">
+    <mc:Choice Requires="p14">
+      <p:transition p14:dur="0" advTm="0"/>
+    </mc:Choice>
+    <mc:Fallback xmlns="">
+      <p:transition advTm="0"/>
+    </mc:Fallback>
+  </mc:AlternateContent>
+  <p:timing>
+    <p:tnLst>
+      <p:par>
+        <p:cTn id="1" dur="indefinite" restart="never" nodeType="tmRoot"/>
+      </p:par>
+    </p:tnLst>
+  </p:timing>
+</p:sld>
+</file>
+
+<file path=ppt/slides/slide17.xml><?xml version="1.0" encoding="utf-8"?>
+<p:sld xmlns:a="http://schemas.openxmlformats.org/drawingml/2006/main" xmlns:r="http://schemas.openxmlformats.org/officeDocument/2006/relationships" xmlns:p="http://schemas.openxmlformats.org/presentationml/2006/main">
+  <p:cSld>
+    <p:spTree>
+      <p:nvGrpSpPr>
+        <p:cNvPr id="1" name=""/>
+        <p:cNvGrpSpPr/>
+        <p:nvPr/>
+      </p:nvGrpSpPr>
+      <p:grpSpPr>
+        <a:xfrm>
+          <a:off x="0" y="0"/>
+          <a:ext cx="0" cy="0"/>
+          <a:chOff x="0" y="0"/>
+          <a:chExt cx="0" cy="0"/>
+        </a:xfrm>
+      </p:grpSpPr>
+      <p:pic>
+        <p:nvPicPr>
+          <p:cNvPr id="6" name="图片 5"/>
+          <p:cNvPicPr>
+            <a:picLocks noChangeAspect="1"/>
+          </p:cNvPicPr>
+          <p:nvPr/>
+        </p:nvPicPr>
+        <p:blipFill>
+          <a:blip r:embed="rId2" cstate="screen">
+            <a:extLst>
+              <a:ext uri="{28A0092B-C50C-407E-A947-70E740481C1C}">
+                <a14:useLocalDpi xmlns:a14="http://schemas.microsoft.com/office/drawing/2010/main"/>
+              </a:ext>
+            </a:extLst>
+          </a:blip>
+          <a:stretch>
+            <a:fillRect/>
+          </a:stretch>
+        </p:blipFill>
+        <p:spPr>
+          <a:xfrm>
+            <a:off x="8086659" y="2014728"/>
+            <a:ext cx="3962400" cy="4843272"/>
+          </a:xfrm>
+          <a:prstGeom prst="rect">
+            <a:avLst/>
+          </a:prstGeom>
+          <a:effectLst>
+            <a:outerShdw blurRad="50800" dist="76200" dir="5400000" algn="t" rotWithShape="0">
+              <a:prstClr val="black">
+                <a:alpha val="40000"/>
+              </a:prstClr>
+            </a:outerShdw>
+          </a:effectLst>
+        </p:spPr>
+      </p:pic>
+      <p:sp>
+        <p:nvSpPr>
+          <p:cNvPr id="5" name="矩形 4"/>
+          <p:cNvSpPr/>
+          <p:nvPr/>
+        </p:nvSpPr>
+        <p:spPr>
+          <a:xfrm>
+            <a:off x="4676502" y="3682746"/>
+            <a:ext cx="2761462" cy="369332"/>
+          </a:xfrm>
+          <a:prstGeom prst="rect">
+            <a:avLst/>
+          </a:prstGeom>
+        </p:spPr>
+        <p:txBody>
+          <a:bodyPr wrap="none">
+            <a:spAutoFit/>
+          </a:bodyPr>
+          <a:lstStyle/>
+          <a:p>
+            <a:r>
+              <a:rPr lang="en-US" altLang="zh-TW" dirty="0"/>
+              <a:t>https://api.qingyunke.com/</a:t>
+            </a:r>
+            <a:endParaRPr lang="zh-TW" altLang="en-US" dirty="0"/>
+          </a:p>
+        </p:txBody>
+      </p:sp>
+      <p:pic>
+        <p:nvPicPr>
+          <p:cNvPr id="3" name="圖片 2"/>
+          <p:cNvPicPr>
+            <a:picLocks noChangeAspect="1"/>
+          </p:cNvPicPr>
+          <p:nvPr/>
+        </p:nvPicPr>
+        <p:blipFill>
+          <a:blip r:embed="rId3">
+            <a:extLst>
+              <a:ext uri="{28A0092B-C50C-407E-A947-70E740481C1C}">
+                <a14:useLocalDpi xmlns:a14="http://schemas.microsoft.com/office/drawing/2010/main" val="0"/>
+              </a:ext>
+            </a:extLst>
+          </a:blip>
+          <a:stretch>
+            <a:fillRect/>
+          </a:stretch>
+        </p:blipFill>
+        <p:spPr>
+          <a:xfrm>
+            <a:off x="4775942" y="4602937"/>
+            <a:ext cx="2562583" cy="733527"/>
+          </a:xfrm>
+          <a:prstGeom prst="rect">
+            <a:avLst/>
+          </a:prstGeom>
+        </p:spPr>
+      </p:pic>
+    </p:spTree>
+    <p:extLst>
+      <p:ext uri="{BB962C8B-B14F-4D97-AF65-F5344CB8AC3E}">
+        <p14:creationId xmlns:p14="http://schemas.microsoft.com/office/powerpoint/2010/main" val="1223899635"/>
+      </p:ext>
+    </p:extLst>
+  </p:cSld>
+  <p:clrMapOvr>
+    <a:masterClrMapping/>
+  </p:clrMapOvr>
+  <mc:AlternateContent xmlns:mc="http://schemas.openxmlformats.org/markup-compatibility/2006" xmlns:p14="http://schemas.microsoft.com/office/powerpoint/2010/main">
+    <mc:Choice Requires="p14">
+      <p:transition p14:dur="0" advTm="0"/>
+    </mc:Choice>
+    <mc:Fallback xmlns="">
+      <p:transition advTm="0"/>
+    </mc:Fallback>
+  </mc:AlternateContent>
+  <p:timing>
+    <p:tnLst>
+      <p:par>
+        <p:cTn id="1" dur="indefinite" restart="never" nodeType="tmRoot"/>
+      </p:par>
+    </p:tnLst>
+  </p:timing>
+</p:sld>
+</file>
+
+<file path=ppt/slides/slide18.xml><?xml version="1.0" encoding="utf-8"?>
+<p:sld xmlns:a="http://schemas.openxmlformats.org/drawingml/2006/main" xmlns:r="http://schemas.openxmlformats.org/officeDocument/2006/relationships" xmlns:p="http://schemas.openxmlformats.org/presentationml/2006/main">
+  <p:cSld>
+    <p:spTree>
+      <p:nvGrpSpPr>
+        <p:cNvPr id="1" name=""/>
+        <p:cNvGrpSpPr/>
+        <p:nvPr/>
+      </p:nvGrpSpPr>
+      <p:grpSpPr>
+        <a:xfrm>
+          <a:off x="0" y="0"/>
+          <a:ext cx="0" cy="0"/>
+          <a:chOff x="0" y="0"/>
+          <a:chExt cx="0" cy="0"/>
+        </a:xfrm>
+      </p:grpSpPr>
+      <p:sp>
+        <p:nvSpPr>
+          <p:cNvPr id="2" name="矩形 1"/>
+          <p:cNvSpPr/>
+          <p:nvPr/>
+        </p:nvSpPr>
+        <p:spPr>
+          <a:xfrm>
+            <a:off x="2872800" y="3471913"/>
+            <a:ext cx="5971058" cy="769441"/>
+          </a:xfrm>
+          <a:prstGeom prst="rect">
+            <a:avLst/>
+          </a:prstGeom>
+        </p:spPr>
+        <p:txBody>
+          <a:bodyPr wrap="none">
+            <a:spAutoFit/>
+          </a:bodyPr>
+          <a:lstStyle/>
+          <a:p>
+            <a:r>
+              <a:rPr lang="zh-TW" altLang="en-US" sz="4400" dirty="0"/>
+              <a:t>聊天</a:t>
+            </a:r>
+            <a:r>
+              <a:rPr lang="zh-TW" altLang="en-US" sz="4400" dirty="0" smtClean="0"/>
+              <a:t>機器人（</a:t>
+            </a:r>
+            <a:r>
+              <a:rPr lang="en-US" altLang="zh-TW" sz="4400" dirty="0" err="1"/>
+              <a:t>Chatbot</a:t>
+            </a:r>
+            <a:r>
+              <a:rPr lang="zh-TW" altLang="en-US" sz="4400" dirty="0"/>
+              <a:t>）</a:t>
+            </a:r>
+          </a:p>
+        </p:txBody>
+      </p:sp>
+    </p:spTree>
+    <p:extLst>
+      <p:ext uri="{BB962C8B-B14F-4D97-AF65-F5344CB8AC3E}">
+        <p14:creationId xmlns:p14="http://schemas.microsoft.com/office/powerpoint/2010/main" val="4142678272"/>
+      </p:ext>
+    </p:extLst>
+  </p:cSld>
+  <p:clrMapOvr>
+    <a:masterClrMapping/>
+  </p:clrMapOvr>
+  <mc:AlternateContent xmlns:mc="http://schemas.openxmlformats.org/markup-compatibility/2006" xmlns:p14="http://schemas.microsoft.com/office/powerpoint/2010/main">
+    <mc:Choice Requires="p14">
+      <p:transition p14:dur="0" advTm="0"/>
+    </mc:Choice>
+    <mc:Fallback xmlns="">
+      <p:transition advTm="0"/>
+    </mc:Fallback>
+  </mc:AlternateContent>
+  <p:timing>
+    <p:tnLst>
+      <p:par>
+        <p:cTn id="1" dur="indefinite" restart="never" nodeType="tmRoot"/>
+      </p:par>
+    </p:tnLst>
+  </p:timing>
+</p:sld>
+</file>
+
+<file path=ppt/slides/slide19.xml><?xml version="1.0" encoding="utf-8"?>
+<p:sld xmlns:a="http://schemas.openxmlformats.org/drawingml/2006/main" xmlns:r="http://schemas.openxmlformats.org/officeDocument/2006/relationships" xmlns:p="http://schemas.openxmlformats.org/presentationml/2006/main">
+  <p:cSld>
+    <p:spTree>
+      <p:nvGrpSpPr>
+        <p:cNvPr id="1" name=""/>
+        <p:cNvGrpSpPr/>
+        <p:nvPr/>
+      </p:nvGrpSpPr>
+      <p:grpSpPr>
+        <a:xfrm>
+          <a:off x="0" y="0"/>
+          <a:ext cx="0" cy="0"/>
+          <a:chOff x="0" y="0"/>
+          <a:chExt cx="0" cy="0"/>
+        </a:xfrm>
+      </p:grpSpPr>
+      <p:sp>
+        <p:nvSpPr>
+          <p:cNvPr id="3" name="文字方塊 2"/>
+          <p:cNvSpPr txBox="1"/>
+          <p:nvPr/>
+        </p:nvSpPr>
+        <p:spPr>
+          <a:xfrm>
+            <a:off x="5644342" y="1263535"/>
+            <a:ext cx="646331" cy="369332"/>
+          </a:xfrm>
+          <a:prstGeom prst="rect">
+            <a:avLst/>
+          </a:prstGeom>
+          <a:noFill/>
+        </p:spPr>
+        <p:txBody>
+          <a:bodyPr wrap="none" rtlCol="0">
+            <a:spAutoFit/>
+          </a:bodyPr>
+          <a:lstStyle/>
+          <a:p>
+            <a:r>
+              <a:rPr lang="zh-TW" altLang="en-US" dirty="0" smtClean="0"/>
+              <a:t>總結</a:t>
+            </a:r>
+            <a:endParaRPr lang="zh-TW" altLang="en-US" dirty="0"/>
+          </a:p>
+        </p:txBody>
+      </p:sp>
+    </p:spTree>
+    <p:extLst>
+      <p:ext uri="{BB962C8B-B14F-4D97-AF65-F5344CB8AC3E}">
+        <p14:creationId xmlns:p14="http://schemas.microsoft.com/office/powerpoint/2010/main" val="1194219553"/>
+      </p:ext>
+    </p:extLst>
+  </p:cSld>
+  <p:clrMapOvr>
+    <a:masterClrMapping/>
+  </p:clrMapOvr>
+  <mc:AlternateContent xmlns:mc="http://schemas.openxmlformats.org/markup-compatibility/2006" xmlns:p14="http://schemas.microsoft.com/office/powerpoint/2010/main">
+    <mc:Choice Requires="p14">
+      <p:transition p14:dur="0" advTm="0"/>
+    </mc:Choice>
+    <mc:Fallback xmlns="">
+      <p:transition advTm="0"/>
+    </mc:Fallback>
+  </mc:AlternateContent>
+  <p:timing>
+    <p:tnLst>
+      <p:par>
+        <p:cTn id="1" dur="indefinite" restart="never" nodeType="tmRoot"/>
+      </p:par>
+    </p:tnLst>
+  </p:timing>
+</p:sld>
+</file>
+
 <file path=ppt/slides/slide2.xml><?xml version="1.0" encoding="utf-8"?>
 <p:sld xmlns:a="http://schemas.openxmlformats.org/drawingml/2006/main" xmlns:r="http://schemas.openxmlformats.org/officeDocument/2006/relationships" xmlns:p="http://schemas.openxmlformats.org/presentationml/2006/main">
   <p:cSld>
@@ -3693,14 +4922,14 @@
           </p:sp>
           <p:sp>
             <p:nvSpPr>
-              <p:cNvPr id="3" name="椭圆 2"/>
+              <p:cNvPr id="4" name="椭圆 3"/>
               <p:cNvSpPr/>
               <p:nvPr/>
             </p:nvSpPr>
             <p:spPr>
               <a:xfrm>
-                <a:off x="4531894" y="473244"/>
-                <a:ext cx="3577388" cy="3577388"/>
+                <a:off x="7972924" y="1138991"/>
+                <a:ext cx="2245895" cy="2245895"/>
               </a:xfrm>
               <a:prstGeom prst="ellipse">
                 <a:avLst/>
@@ -3739,19 +4968,24 @@
           </p:sp>
           <p:sp>
             <p:nvSpPr>
-              <p:cNvPr id="4" name="椭圆 3"/>
+              <p:cNvPr id="3" name="椭圆 2"/>
               <p:cNvSpPr/>
               <p:nvPr/>
             </p:nvSpPr>
             <p:spPr>
               <a:xfrm>
-                <a:off x="7972924" y="1138991"/>
-                <a:ext cx="2245895" cy="2245895"/>
+                <a:off x="4531894" y="473244"/>
+                <a:ext cx="3577388" cy="3577388"/>
               </a:xfrm>
               <a:prstGeom prst="ellipse">
                 <a:avLst/>
               </a:prstGeom>
-              <a:noFill/>
+              <a:solidFill>
+                <a:schemeClr val="accent1">
+                  <a:lumMod val="20000"/>
+                  <a:lumOff val="80000"/>
+                </a:schemeClr>
+              </a:solidFill>
               <a:ln>
                 <a:solidFill>
                   <a:srgbClr val="4C4C4C"/>
@@ -4547,8 +5781,8 @@
                     <a:lumMod val="50000"/>
                   </a:schemeClr>
                 </a:solidFill>
-                <a:latin typeface="微软雅黑" panose="020B0503020204020204" pitchFamily="34" charset="-122"/>
-                <a:ea typeface="微软雅黑" panose="020B0503020204020204" pitchFamily="34" charset="-122"/>
+                <a:latin typeface="微軟正黑體" panose="020B0604030504040204" pitchFamily="34" charset="-120"/>
+                <a:ea typeface="微軟正黑體" panose="020B0604030504040204" pitchFamily="34" charset="-120"/>
               </a:rPr>
               <a:t>「人工」即由人設計，為人創造、製造。</a:t>
             </a:r>
@@ -4558,8 +5792,8 @@
                   <a:lumMod val="50000"/>
                 </a:schemeClr>
               </a:solidFill>
-              <a:latin typeface="微软雅黑" panose="020B0503020204020204" pitchFamily="34" charset="-122"/>
-              <a:ea typeface="微软雅黑" panose="020B0503020204020204" pitchFamily="34" charset="-122"/>
+              <a:latin typeface="微軟正黑體" panose="020B0604030504040204" pitchFamily="34" charset="-120"/>
+              <a:ea typeface="微軟正黑體" panose="020B0604030504040204" pitchFamily="34" charset="-120"/>
             </a:endParaRPr>
           </a:p>
         </p:txBody>
@@ -4746,8 +5980,8 @@
                     <a:lumMod val="50000"/>
                   </a:schemeClr>
                 </a:solidFill>
-                <a:latin typeface="微软雅黑" panose="020B0503020204020204" pitchFamily="34" charset="-122"/>
-                <a:ea typeface="微软雅黑" panose="020B0503020204020204" pitchFamily="34" charset="-122"/>
+                <a:latin typeface="微軟正黑體" panose="020B0604030504040204" pitchFamily="34" charset="-120"/>
+                <a:ea typeface="微軟正黑體" panose="020B0604030504040204" pitchFamily="34" charset="-120"/>
               </a:rPr>
               <a:t>指由人製造出來的機器所表現出來的智慧。通常人工智慧是指</a:t>
             </a:r>
@@ -4758,8 +5992,8 @@
                     <a:lumMod val="50000"/>
                   </a:schemeClr>
                 </a:solidFill>
-                <a:latin typeface="微软雅黑" panose="020B0503020204020204" pitchFamily="34" charset="-122"/>
-                <a:ea typeface="微软雅黑" panose="020B0503020204020204" pitchFamily="34" charset="-122"/>
+                <a:latin typeface="微軟正黑體" panose="020B0604030504040204" pitchFamily="34" charset="-120"/>
+                <a:ea typeface="微軟正黑體" panose="020B0604030504040204" pitchFamily="34" charset="-120"/>
               </a:rPr>
               <a:t>透過電腦程式</a:t>
             </a:r>
@@ -4770,8 +6004,8 @@
                     <a:lumMod val="50000"/>
                   </a:schemeClr>
                 </a:solidFill>
-                <a:latin typeface="微软雅黑" panose="020B0503020204020204" pitchFamily="34" charset="-122"/>
-                <a:ea typeface="微软雅黑" panose="020B0503020204020204" pitchFamily="34" charset="-122"/>
+                <a:latin typeface="微軟正黑體" panose="020B0604030504040204" pitchFamily="34" charset="-120"/>
+                <a:ea typeface="微軟正黑體" panose="020B0604030504040204" pitchFamily="34" charset="-120"/>
               </a:rPr>
               <a:t>來呈現人類智慧的技術。</a:t>
             </a:r>
@@ -4781,8 +6015,8 @@
                   <a:lumMod val="50000"/>
                 </a:schemeClr>
               </a:solidFill>
-              <a:latin typeface="微软雅黑" panose="020B0503020204020204" pitchFamily="34" charset="-122"/>
-              <a:ea typeface="微软雅黑" panose="020B0503020204020204" pitchFamily="34" charset="-122"/>
+              <a:latin typeface="微軟正黑體" panose="020B0604030504040204" pitchFamily="34" charset="-120"/>
+              <a:ea typeface="微軟正黑體" panose="020B0604030504040204" pitchFamily="34" charset="-120"/>
             </a:endParaRPr>
           </a:p>
         </p:txBody>
@@ -5040,8 +6274,8 @@
                     <a:lumMod val="50000"/>
                   </a:schemeClr>
                 </a:solidFill>
-                <a:latin typeface="微软雅黑" panose="020B0503020204020204" pitchFamily="34" charset="-122"/>
-                <a:ea typeface="微软雅黑" panose="020B0503020204020204" pitchFamily="34" charset="-122"/>
+                <a:latin typeface="微軟正黑體" panose="020B0604030504040204" pitchFamily="34" charset="-120"/>
+                <a:ea typeface="微軟正黑體" panose="020B0604030504040204" pitchFamily="34" charset="-120"/>
               </a:rPr>
               <a:t>關於什麼是「智慧</a:t>
             </a:r>
@@ -5052,8 +6286,8 @@
                     <a:lumMod val="50000"/>
                   </a:schemeClr>
                 </a:solidFill>
-                <a:latin typeface="微软雅黑" panose="020B0503020204020204" pitchFamily="34" charset="-122"/>
-                <a:ea typeface="微软雅黑" panose="020B0503020204020204" pitchFamily="34" charset="-122"/>
+                <a:latin typeface="微軟正黑體" panose="020B0604030504040204" pitchFamily="34" charset="-120"/>
+                <a:ea typeface="微軟正黑體" panose="020B0604030504040204" pitchFamily="34" charset="-120"/>
               </a:rPr>
               <a:t>」是指 能力、意識</a:t>
             </a:r>
@@ -5064,8 +6298,8 @@
                     <a:lumMod val="50000"/>
                   </a:schemeClr>
                 </a:solidFill>
-                <a:latin typeface="微软雅黑" panose="020B0503020204020204" pitchFamily="34" charset="-122"/>
-                <a:ea typeface="微软雅黑" panose="020B0503020204020204" pitchFamily="34" charset="-122"/>
+                <a:latin typeface="微軟正黑體" panose="020B0604030504040204" pitchFamily="34" charset="-120"/>
+                <a:ea typeface="微軟正黑體" panose="020B0604030504040204" pitchFamily="34" charset="-120"/>
               </a:rPr>
               <a:t>、</a:t>
             </a:r>
@@ -5076,8 +6310,8 @@
                     <a:lumMod val="50000"/>
                   </a:schemeClr>
                 </a:solidFill>
-                <a:latin typeface="微软雅黑" panose="020B0503020204020204" pitchFamily="34" charset="-122"/>
-                <a:ea typeface="微软雅黑" panose="020B0503020204020204" pitchFamily="34" charset="-122"/>
+                <a:latin typeface="微軟正黑體" panose="020B0604030504040204" pitchFamily="34" charset="-120"/>
+                <a:ea typeface="微軟正黑體" panose="020B0604030504040204" pitchFamily="34" charset="-120"/>
               </a:rPr>
               <a:t>自我</a:t>
             </a:r>
@@ -5088,8 +6322,8 @@
                     <a:lumMod val="50000"/>
                   </a:schemeClr>
                 </a:solidFill>
-                <a:latin typeface="微软雅黑" panose="020B0503020204020204" pitchFamily="34" charset="-122"/>
-                <a:ea typeface="微软雅黑" panose="020B0503020204020204" pitchFamily="34" charset="-122"/>
+                <a:latin typeface="微軟正黑體" panose="020B0604030504040204" pitchFamily="34" charset="-120"/>
+                <a:ea typeface="微軟正黑體" panose="020B0604030504040204" pitchFamily="34" charset="-120"/>
               </a:rPr>
               <a:t>、</a:t>
             </a:r>
@@ -5100,8 +6334,8 @@
                     <a:lumMod val="50000"/>
                   </a:schemeClr>
                 </a:solidFill>
-                <a:latin typeface="微软雅黑" panose="020B0503020204020204" pitchFamily="34" charset="-122"/>
-                <a:ea typeface="微软雅黑" panose="020B0503020204020204" pitchFamily="34" charset="-122"/>
+                <a:latin typeface="微軟正黑體" panose="020B0604030504040204" pitchFamily="34" charset="-120"/>
+                <a:ea typeface="微軟正黑體" panose="020B0604030504040204" pitchFamily="34" charset="-120"/>
               </a:rPr>
               <a:t>心靈？這裡是較</a:t>
             </a:r>
@@ -5112,8 +6346,8 @@
                     <a:lumMod val="50000"/>
                   </a:schemeClr>
                 </a:solidFill>
-                <a:latin typeface="微软雅黑" panose="020B0503020204020204" pitchFamily="34" charset="-122"/>
-                <a:ea typeface="微软雅黑" panose="020B0503020204020204" pitchFamily="34" charset="-122"/>
+                <a:latin typeface="微軟正黑體" panose="020B0604030504040204" pitchFamily="34" charset="-120"/>
+                <a:ea typeface="微軟正黑體" panose="020B0604030504040204" pitchFamily="34" charset="-120"/>
               </a:rPr>
               <a:t>有爭議性</a:t>
             </a:r>
@@ -5124,8 +6358,8 @@
                     <a:lumMod val="50000"/>
                   </a:schemeClr>
                 </a:solidFill>
-                <a:latin typeface="微软雅黑" panose="020B0503020204020204" pitchFamily="34" charset="-122"/>
-                <a:ea typeface="微软雅黑" panose="020B0503020204020204" pitchFamily="34" charset="-122"/>
+                <a:latin typeface="微軟正黑體" panose="020B0604030504040204" pitchFamily="34" charset="-120"/>
+                <a:ea typeface="微軟正黑體" panose="020B0604030504040204" pitchFamily="34" charset="-120"/>
               </a:rPr>
               <a:t>。</a:t>
             </a:r>
@@ -5135,8 +6369,8 @@
                   <a:lumMod val="50000"/>
                 </a:schemeClr>
               </a:solidFill>
-              <a:latin typeface="微软雅黑" panose="020B0503020204020204" pitchFamily="34" charset="-122"/>
-              <a:ea typeface="微软雅黑" panose="020B0503020204020204" pitchFamily="34" charset="-122"/>
+              <a:latin typeface="微軟正黑體" panose="020B0604030504040204" pitchFamily="34" charset="-120"/>
+              <a:ea typeface="微軟正黑體" panose="020B0604030504040204" pitchFamily="34" charset="-120"/>
             </a:endParaRPr>
           </a:p>
         </p:txBody>
@@ -5427,8 +6661,8 @@
                     <a:lumMod val="50000"/>
                   </a:schemeClr>
                 </a:solidFill>
-                <a:latin typeface="Microsoft YaHei" charset="-122"/>
-                <a:ea typeface="Microsoft YaHei" charset="-122"/>
+                <a:latin typeface="微軟正黑體" panose="020B0604030504040204" pitchFamily="34" charset="-120"/>
+                <a:ea typeface="微軟正黑體" panose="020B0604030504040204" pitchFamily="34" charset="-120"/>
                 <a:cs typeface="Microsoft YaHei" charset="-122"/>
                 <a:sym typeface="+mn-lt"/>
               </a:rPr>
@@ -5441,8 +6675,8 @@
                     <a:lumMod val="50000"/>
                   </a:schemeClr>
                 </a:solidFill>
-                <a:latin typeface="Microsoft YaHei" charset="-122"/>
-                <a:ea typeface="Microsoft YaHei" charset="-122"/>
+                <a:latin typeface="微軟正黑體" panose="020B0604030504040204" pitchFamily="34" charset="-120"/>
+                <a:ea typeface="微軟正黑體" panose="020B0604030504040204" pitchFamily="34" charset="-120"/>
                 <a:cs typeface="Microsoft YaHei" charset="-122"/>
                 <a:sym typeface="+mn-lt"/>
               </a:rPr>
@@ -5454,8 +6688,8 @@
                   <a:lumMod val="50000"/>
                 </a:schemeClr>
               </a:solidFill>
-              <a:latin typeface="Microsoft YaHei" charset="-122"/>
-              <a:ea typeface="Microsoft YaHei" charset="-122"/>
+              <a:latin typeface="微軟正黑體" panose="020B0604030504040204" pitchFamily="34" charset="-120"/>
+              <a:ea typeface="微軟正黑體" panose="020B0604030504040204" pitchFamily="34" charset="-120"/>
               <a:cs typeface="Microsoft YaHei" charset="-122"/>
               <a:sym typeface="+mn-lt"/>
             </a:endParaRPr>
@@ -5473,8 +6707,8 @@
                     <a:lumMod val="50000"/>
                   </a:schemeClr>
                 </a:solidFill>
-                <a:latin typeface="Microsoft YaHei" charset="-122"/>
-                <a:ea typeface="Microsoft YaHei" charset="-122"/>
+                <a:latin typeface="微軟正黑體" panose="020B0604030504040204" pitchFamily="34" charset="-120"/>
+                <a:ea typeface="微軟正黑體" panose="020B0604030504040204" pitchFamily="34" charset="-120"/>
                 <a:cs typeface="Microsoft YaHei" charset="-122"/>
                 <a:sym typeface="+mn-lt"/>
               </a:rPr>
@@ -5487,8 +6721,8 @@
                     <a:lumMod val="50000"/>
                   </a:schemeClr>
                 </a:solidFill>
-                <a:latin typeface="Microsoft YaHei" charset="-122"/>
-                <a:ea typeface="Microsoft YaHei" charset="-122"/>
+                <a:latin typeface="微軟正黑體" panose="020B0604030504040204" pitchFamily="34" charset="-120"/>
+                <a:ea typeface="微軟正黑體" panose="020B0604030504040204" pitchFamily="34" charset="-120"/>
                 <a:cs typeface="Microsoft YaHei" charset="-122"/>
                 <a:sym typeface="+mn-lt"/>
               </a:rPr>
@@ -5501,8 +6735,8 @@
                     <a:lumMod val="50000"/>
                   </a:schemeClr>
                 </a:solidFill>
-                <a:latin typeface="Microsoft YaHei" charset="-122"/>
-                <a:ea typeface="Microsoft YaHei" charset="-122"/>
+                <a:latin typeface="微軟正黑體" panose="020B0604030504040204" pitchFamily="34" charset="-120"/>
+                <a:ea typeface="微軟正黑體" panose="020B0604030504040204" pitchFamily="34" charset="-120"/>
                 <a:cs typeface="Microsoft YaHei" charset="-122"/>
                 <a:sym typeface="+mn-lt"/>
               </a:rPr>
@@ -5514,8 +6748,8 @@
                   <a:lumMod val="50000"/>
                 </a:schemeClr>
               </a:solidFill>
-              <a:latin typeface="Microsoft YaHei" charset="-122"/>
-              <a:ea typeface="Microsoft YaHei" charset="-122"/>
+              <a:latin typeface="微軟正黑體" panose="020B0604030504040204" pitchFamily="34" charset="-120"/>
+              <a:ea typeface="微軟正黑體" panose="020B0604030504040204" pitchFamily="34" charset="-120"/>
               <a:cs typeface="Microsoft YaHei" charset="-122"/>
               <a:sym typeface="+mn-lt"/>
             </a:endParaRPr>
@@ -5719,7 +6953,7 @@
         <p:spPr>
           <a:xfrm>
             <a:off x="5085636" y="1178762"/>
-            <a:ext cx="5742787" cy="1069827"/>
+            <a:ext cx="5742787" cy="1107915"/>
           </a:xfrm>
           <a:prstGeom prst="rect">
             <a:avLst/>
@@ -5744,8 +6978,8 @@
                     <a:lumMod val="50000"/>
                   </a:schemeClr>
                 </a:solidFill>
-                <a:latin typeface="Microsoft YaHei" charset="-122"/>
-                <a:ea typeface="Microsoft YaHei" charset="-122"/>
+                <a:latin typeface="微軟正黑體" panose="020B0604030504040204" pitchFamily="34" charset="-120"/>
+                <a:ea typeface="微軟正黑體" panose="020B0604030504040204" pitchFamily="34" charset="-120"/>
                 <a:cs typeface="Microsoft YaHei" charset="-122"/>
                 <a:sym typeface="+mn-lt"/>
               </a:rPr>
@@ -5758,8 +6992,8 @@
                     <a:lumMod val="50000"/>
                   </a:schemeClr>
                 </a:solidFill>
-                <a:latin typeface="Microsoft YaHei" charset="-122"/>
-                <a:ea typeface="Microsoft YaHei" charset="-122"/>
+                <a:latin typeface="微軟正黑體" panose="020B0604030504040204" pitchFamily="34" charset="-120"/>
+                <a:ea typeface="微軟正黑體" panose="020B0604030504040204" pitchFamily="34" charset="-120"/>
                 <a:cs typeface="Microsoft YaHei" charset="-122"/>
                 <a:sym typeface="+mn-lt"/>
               </a:rPr>
@@ -5772,8 +7006,8 @@
                     <a:lumMod val="50000"/>
                   </a:schemeClr>
                 </a:solidFill>
-                <a:latin typeface="Microsoft YaHei" charset="-122"/>
-                <a:ea typeface="Microsoft YaHei" charset="-122"/>
+                <a:latin typeface="微軟正黑體" panose="020B0604030504040204" pitchFamily="34" charset="-120"/>
+                <a:ea typeface="微軟正黑體" panose="020B0604030504040204" pitchFamily="34" charset="-120"/>
                 <a:cs typeface="Microsoft YaHei" charset="-122"/>
                 <a:sym typeface="+mn-lt"/>
               </a:rPr>
@@ -5786,8 +7020,8 @@
                     <a:lumMod val="50000"/>
                   </a:schemeClr>
                 </a:solidFill>
-                <a:latin typeface="Microsoft YaHei" charset="-122"/>
-                <a:ea typeface="Microsoft YaHei" charset="-122"/>
+                <a:latin typeface="微軟正黑體" panose="020B0604030504040204" pitchFamily="34" charset="-120"/>
+                <a:ea typeface="微軟正黑體" panose="020B0604030504040204" pitchFamily="34" charset="-120"/>
                 <a:cs typeface="Microsoft YaHei" charset="-122"/>
                 <a:sym typeface="+mn-lt"/>
               </a:rPr>
@@ -5807,8 +7041,8 @@
                     <a:lumMod val="50000"/>
                   </a:schemeClr>
                 </a:solidFill>
-                <a:latin typeface="Microsoft YaHei" charset="-122"/>
-                <a:ea typeface="Microsoft YaHei" charset="-122"/>
+                <a:latin typeface="微軟正黑體" panose="020B0604030504040204" pitchFamily="34" charset="-120"/>
+                <a:ea typeface="微軟正黑體" panose="020B0604030504040204" pitchFamily="34" charset="-120"/>
                 <a:cs typeface="Microsoft YaHei" charset="-122"/>
                 <a:sym typeface="+mn-lt"/>
               </a:rPr>
@@ -5821,8 +7055,8 @@
                     <a:lumMod val="50000"/>
                   </a:schemeClr>
                 </a:solidFill>
-                <a:latin typeface="Microsoft YaHei" charset="-122"/>
-                <a:ea typeface="Microsoft YaHei" charset="-122"/>
+                <a:latin typeface="微軟正黑體" panose="020B0604030504040204" pitchFamily="34" charset="-120"/>
+                <a:ea typeface="微軟正黑體" panose="020B0604030504040204" pitchFamily="34" charset="-120"/>
                 <a:cs typeface="Microsoft YaHei" charset="-122"/>
                 <a:sym typeface="+mn-lt"/>
               </a:rPr>
@@ -5835,8 +7069,8 @@
                     <a:lumMod val="50000"/>
                   </a:schemeClr>
                 </a:solidFill>
-                <a:latin typeface="Microsoft YaHei" charset="-122"/>
-                <a:ea typeface="Microsoft YaHei" charset="-122"/>
+                <a:latin typeface="微軟正黑體" panose="020B0604030504040204" pitchFamily="34" charset="-120"/>
+                <a:ea typeface="微軟正黑體" panose="020B0604030504040204" pitchFamily="34" charset="-120"/>
                 <a:cs typeface="Microsoft YaHei" charset="-122"/>
                 <a:sym typeface="+mn-lt"/>
               </a:rPr>
@@ -5849,8 +7083,8 @@
                     <a:lumMod val="50000"/>
                   </a:schemeClr>
                 </a:solidFill>
-                <a:latin typeface="Microsoft YaHei" charset="-122"/>
-                <a:ea typeface="Microsoft YaHei" charset="-122"/>
+                <a:latin typeface="微軟正黑體" panose="020B0604030504040204" pitchFamily="34" charset="-120"/>
+                <a:ea typeface="微軟正黑體" panose="020B0604030504040204" pitchFamily="34" charset="-120"/>
                 <a:cs typeface="Microsoft YaHei" charset="-122"/>
                 <a:sym typeface="+mn-lt"/>
               </a:rPr>
@@ -5863,8 +7097,8 @@
                     <a:lumMod val="50000"/>
                   </a:schemeClr>
                 </a:solidFill>
-                <a:latin typeface="Microsoft YaHei" charset="-122"/>
-                <a:ea typeface="Microsoft YaHei" charset="-122"/>
+                <a:latin typeface="微軟正黑體" panose="020B0604030504040204" pitchFamily="34" charset="-120"/>
+                <a:ea typeface="微軟正黑體" panose="020B0604030504040204" pitchFamily="34" charset="-120"/>
                 <a:cs typeface="Microsoft YaHei" charset="-122"/>
                 <a:sym typeface="+mn-lt"/>
               </a:rPr>
@@ -5877,8 +7111,8 @@
                     <a:lumMod val="50000"/>
                   </a:schemeClr>
                 </a:solidFill>
-                <a:latin typeface="Microsoft YaHei" charset="-122"/>
-                <a:ea typeface="Microsoft YaHei" charset="-122"/>
+                <a:latin typeface="微軟正黑體" panose="020B0604030504040204" pitchFamily="34" charset="-120"/>
+                <a:ea typeface="微軟正黑體" panose="020B0604030504040204" pitchFamily="34" charset="-120"/>
                 <a:cs typeface="Microsoft YaHei" charset="-122"/>
                 <a:sym typeface="+mn-lt"/>
               </a:rPr>
@@ -5891,8 +7125,8 @@
                     <a:lumMod val="50000"/>
                   </a:schemeClr>
                 </a:solidFill>
-                <a:latin typeface="Microsoft YaHei" charset="-122"/>
-                <a:ea typeface="Microsoft YaHei" charset="-122"/>
+                <a:latin typeface="微軟正黑體" panose="020B0604030504040204" pitchFamily="34" charset="-120"/>
+                <a:ea typeface="微軟正黑體" panose="020B0604030504040204" pitchFamily="34" charset="-120"/>
                 <a:cs typeface="Microsoft YaHei" charset="-122"/>
                 <a:sym typeface="+mn-lt"/>
               </a:rPr>
@@ -5905,8 +7139,8 @@
                     <a:lumMod val="50000"/>
                   </a:schemeClr>
                 </a:solidFill>
-                <a:latin typeface="Microsoft YaHei" charset="-122"/>
-                <a:ea typeface="Microsoft YaHei" charset="-122"/>
+                <a:latin typeface="微軟正黑體" panose="020B0604030504040204" pitchFamily="34" charset="-120"/>
+                <a:ea typeface="微軟正黑體" panose="020B0604030504040204" pitchFamily="34" charset="-120"/>
                 <a:cs typeface="Microsoft YaHei" charset="-122"/>
                 <a:sym typeface="+mn-lt"/>
               </a:rPr>
@@ -5919,8 +7153,8 @@
                     <a:lumMod val="50000"/>
                   </a:schemeClr>
                 </a:solidFill>
-                <a:latin typeface="Microsoft YaHei" charset="-122"/>
-                <a:ea typeface="Microsoft YaHei" charset="-122"/>
+                <a:latin typeface="微軟正黑體" panose="020B0604030504040204" pitchFamily="34" charset="-120"/>
+                <a:ea typeface="微軟正黑體" panose="020B0604030504040204" pitchFamily="34" charset="-120"/>
                 <a:cs typeface="Microsoft YaHei" charset="-122"/>
                 <a:sym typeface="+mn-lt"/>
               </a:rPr>
@@ -5933,8 +7167,8 @@
                     <a:lumMod val="50000"/>
                   </a:schemeClr>
                 </a:solidFill>
-                <a:latin typeface="Microsoft YaHei" charset="-122"/>
-                <a:ea typeface="Microsoft YaHei" charset="-122"/>
+                <a:latin typeface="微軟正黑體" panose="020B0604030504040204" pitchFamily="34" charset="-120"/>
+                <a:ea typeface="微軟正黑體" panose="020B0604030504040204" pitchFamily="34" charset="-120"/>
                 <a:cs typeface="Microsoft YaHei" charset="-122"/>
                 <a:sym typeface="+mn-lt"/>
               </a:rPr>
@@ -5946,8 +7180,8 @@
                   <a:lumMod val="50000"/>
                 </a:schemeClr>
               </a:solidFill>
-              <a:latin typeface="Microsoft YaHei" charset="-122"/>
-              <a:ea typeface="Microsoft YaHei" charset="-122"/>
+              <a:latin typeface="微軟正黑體" panose="020B0604030504040204" pitchFamily="34" charset="-120"/>
+              <a:ea typeface="微軟正黑體" panose="020B0604030504040204" pitchFamily="34" charset="-120"/>
               <a:cs typeface="Microsoft YaHei" charset="-122"/>
               <a:sym typeface="+mn-lt"/>
             </a:endParaRPr>
@@ -6176,8 +7410,8 @@
                     <a:lumMod val="50000"/>
                   </a:schemeClr>
                 </a:solidFill>
-                <a:latin typeface="Microsoft YaHei" charset="-122"/>
-                <a:ea typeface="Microsoft YaHei" charset="-122"/>
+                <a:latin typeface="微軟正黑體" panose="020B0604030504040204" pitchFamily="34" charset="-120"/>
+                <a:ea typeface="微軟正黑體" panose="020B0604030504040204" pitchFamily="34" charset="-120"/>
                 <a:cs typeface="Microsoft YaHei" charset="-122"/>
                 <a:sym typeface="+mn-lt"/>
               </a:rPr>
@@ -6189,8 +7423,8 @@
                   <a:lumMod val="50000"/>
                 </a:schemeClr>
               </a:solidFill>
-              <a:latin typeface="Microsoft YaHei" charset="-122"/>
-              <a:ea typeface="Microsoft YaHei" charset="-122"/>
+              <a:latin typeface="微軟正黑體" panose="020B0604030504040204" pitchFamily="34" charset="-120"/>
+              <a:ea typeface="微軟正黑體" panose="020B0604030504040204" pitchFamily="34" charset="-120"/>
               <a:cs typeface="Microsoft YaHei" charset="-122"/>
               <a:sym typeface="+mn-lt"/>
             </a:endParaRPr>
@@ -6208,130 +7442,136 @@
                     <a:lumMod val="50000"/>
                   </a:schemeClr>
                 </a:solidFill>
-                <a:latin typeface="Microsoft YaHei" charset="-122"/>
+                <a:latin typeface="微軟正黑體" panose="020B0604030504040204" pitchFamily="34" charset="-120"/>
+                <a:ea typeface="微軟正黑體" panose="020B0604030504040204" pitchFamily="34" charset="-120"/>
+                <a:cs typeface="Microsoft YaHei" charset="-122"/>
+                <a:sym typeface="+mn-lt"/>
+              </a:rPr>
+              <a:t>2014</a:t>
+            </a:r>
+            <a:r>
+              <a:rPr lang="zh-TW" altLang="en-US" sz="1400" dirty="0">
+                <a:solidFill>
+                  <a:schemeClr val="bg1">
+                    <a:lumMod val="50000"/>
+                  </a:schemeClr>
+                </a:solidFill>
+                <a:latin typeface="微軟正黑體" panose="020B0604030504040204" pitchFamily="34" charset="-120"/>
+                <a:ea typeface="微軟正黑體" panose="020B0604030504040204" pitchFamily="34" charset="-120"/>
+                <a:cs typeface="Microsoft YaHei" charset="-122"/>
+                <a:sym typeface="+mn-lt"/>
+              </a:rPr>
+              <a:t>年開始由英國倫敦</a:t>
+            </a:r>
+            <a:r>
+              <a:rPr lang="en-US" altLang="zh-TW" sz="1400" dirty="0">
+                <a:solidFill>
+                  <a:schemeClr val="bg1">
+                    <a:lumMod val="50000"/>
+                  </a:schemeClr>
+                </a:solidFill>
+                <a:latin typeface="微軟正黑體" panose="020B0604030504040204" pitchFamily="34" charset="-120"/>
+                <a:ea typeface="微軟正黑體" panose="020B0604030504040204" pitchFamily="34" charset="-120"/>
+                <a:cs typeface="Microsoft YaHei" charset="-122"/>
+                <a:sym typeface="+mn-lt"/>
+              </a:rPr>
+              <a:t>Google DeepMind</a:t>
+            </a:r>
+            <a:r>
+              <a:rPr lang="zh-TW" altLang="en-US" sz="1400" dirty="0">
+                <a:solidFill>
+                  <a:schemeClr val="bg1">
+                    <a:lumMod val="50000"/>
+                  </a:schemeClr>
+                </a:solidFill>
+                <a:latin typeface="微軟正黑體" panose="020B0604030504040204" pitchFamily="34" charset="-120"/>
+                <a:ea typeface="微軟正黑體" panose="020B0604030504040204" pitchFamily="34" charset="-120"/>
+                <a:cs typeface="Microsoft YaHei" charset="-122"/>
+                <a:sym typeface="+mn-lt"/>
+              </a:rPr>
+              <a:t>開發的人工智慧圍棋</a:t>
+            </a:r>
+            <a:r>
+              <a:rPr lang="zh-TW" altLang="en-US" sz="1400" dirty="0" smtClean="0">
+                <a:solidFill>
+                  <a:schemeClr val="bg1">
+                    <a:lumMod val="50000"/>
+                  </a:schemeClr>
+                </a:solidFill>
+                <a:latin typeface="微軟正黑體" panose="020B0604030504040204" pitchFamily="34" charset="-120"/>
+                <a:ea typeface="微軟正黑體" panose="020B0604030504040204" pitchFamily="34" charset="-120"/>
+                <a:cs typeface="Microsoft YaHei" charset="-122"/>
+                <a:sym typeface="+mn-lt"/>
+              </a:rPr>
+              <a:t>軟體ｊ擊敗</a:t>
+            </a:r>
+            <a:r>
+              <a:rPr lang="ko-KR" altLang="en-US" sz="1400" dirty="0" smtClean="0">
+                <a:solidFill>
+                  <a:schemeClr val="bg1">
+                    <a:lumMod val="50000"/>
+                  </a:schemeClr>
+                </a:solidFill>
+                <a:latin typeface="微軟正黑體" panose="020B0604030504040204" pitchFamily="34" charset="-120"/>
                 <a:ea typeface="Microsoft YaHei" charset="-122"/>
                 <a:cs typeface="Microsoft YaHei" charset="-122"/>
                 <a:sym typeface="+mn-lt"/>
               </a:rPr>
-              <a:t>2014</a:t>
-            </a:r>
-            <a:r>
-              <a:rPr lang="zh-TW" altLang="en-US" sz="1400" dirty="0">
+              <a:t>世界冠軍韓國職業棋士李世乭</a:t>
+            </a:r>
+            <a:r>
+              <a:rPr lang="zh-TW" altLang="en-US" sz="1400" dirty="0" smtClean="0">
                 <a:solidFill>
                   <a:schemeClr val="bg1">
                     <a:lumMod val="50000"/>
                   </a:schemeClr>
                 </a:solidFill>
-                <a:latin typeface="Microsoft YaHei" charset="-122"/>
+                <a:latin typeface="微軟正黑體" panose="020B0604030504040204" pitchFamily="34" charset="-120"/>
+                <a:ea typeface="微軟正黑體" panose="020B0604030504040204" pitchFamily="34" charset="-120"/>
+                <a:cs typeface="Microsoft YaHei" charset="-122"/>
+                <a:sym typeface="+mn-lt"/>
+              </a:rPr>
+              <a:t>（</a:t>
+            </a:r>
+            <a:r>
+              <a:rPr lang="ko-KR" altLang="en-US" sz="1400" dirty="0" smtClean="0">
+                <a:solidFill>
+                  <a:schemeClr val="bg1">
+                    <a:lumMod val="50000"/>
+                  </a:schemeClr>
+                </a:solidFill>
+                <a:latin typeface="微軟正黑體" panose="020B0604030504040204" pitchFamily="34" charset="-120"/>
                 <a:ea typeface="Microsoft YaHei" charset="-122"/>
                 <a:cs typeface="Microsoft YaHei" charset="-122"/>
                 <a:sym typeface="+mn-lt"/>
               </a:rPr>
-              <a:t>年開始由英國倫敦</a:t>
-            </a:r>
-            <a:r>
-              <a:rPr lang="en-US" altLang="zh-TW" sz="1400" dirty="0">
+              <a:t>九段</a:t>
+            </a:r>
+            <a:r>
+              <a:rPr lang="zh-TW" altLang="en-US" sz="1400" dirty="0" smtClean="0">
                 <a:solidFill>
                   <a:schemeClr val="bg1">
                     <a:lumMod val="50000"/>
                   </a:schemeClr>
                 </a:solidFill>
-                <a:latin typeface="Microsoft YaHei" charset="-122"/>
-                <a:ea typeface="Microsoft YaHei" charset="-122"/>
+                <a:latin typeface="微軟正黑體" panose="020B0604030504040204" pitchFamily="34" charset="-120"/>
+                <a:ea typeface="微軟正黑體" panose="020B0604030504040204" pitchFamily="34" charset="-120"/>
                 <a:cs typeface="Microsoft YaHei" charset="-122"/>
                 <a:sym typeface="+mn-lt"/>
               </a:rPr>
-              <a:t>Google DeepMind</a:t>
-            </a:r>
-            <a:r>
-              <a:rPr lang="zh-TW" altLang="en-US" sz="1400" dirty="0">
-                <a:solidFill>
-                  <a:schemeClr val="bg1">
-                    <a:lumMod val="50000"/>
-                  </a:schemeClr>
-                </a:solidFill>
-                <a:latin typeface="Microsoft YaHei" charset="-122"/>
-                <a:ea typeface="Microsoft YaHei" charset="-122"/>
-                <a:cs typeface="Microsoft YaHei" charset="-122"/>
-                <a:sym typeface="+mn-lt"/>
-              </a:rPr>
-              <a:t>開發的人工智慧圍棋</a:t>
-            </a:r>
-            <a:r>
-              <a:rPr lang="zh-TW" altLang="en-US" sz="1400" dirty="0" smtClean="0">
-                <a:solidFill>
-                  <a:schemeClr val="bg1">
-                    <a:lumMod val="50000"/>
-                  </a:schemeClr>
-                </a:solidFill>
-                <a:latin typeface="Microsoft YaHei" charset="-122"/>
-                <a:ea typeface="Microsoft YaHei" charset="-122"/>
-                <a:cs typeface="Microsoft YaHei" charset="-122"/>
-                <a:sym typeface="+mn-lt"/>
-              </a:rPr>
-              <a:t>軟體ｊ擊敗</a:t>
-            </a:r>
-            <a:r>
-              <a:rPr lang="ko-KR" altLang="en-US" sz="1400" dirty="0" smtClean="0">
-                <a:solidFill>
-                  <a:schemeClr val="bg1">
-                    <a:lumMod val="50000"/>
-                  </a:schemeClr>
-                </a:solidFill>
-                <a:latin typeface="Microsoft YaHei" charset="-122"/>
-                <a:ea typeface="Microsoft YaHei" charset="-122"/>
-                <a:cs typeface="Microsoft YaHei" charset="-122"/>
-                <a:sym typeface="+mn-lt"/>
-              </a:rPr>
-              <a:t>世界冠軍韓國職業棋士李世乭</a:t>
-            </a:r>
-            <a:r>
-              <a:rPr lang="zh-TW" altLang="en-US" sz="1400" dirty="0" smtClean="0">
-                <a:solidFill>
-                  <a:schemeClr val="bg1">
-                    <a:lumMod val="50000"/>
-                  </a:schemeClr>
-                </a:solidFill>
-                <a:latin typeface="Microsoft YaHei" charset="-122"/>
-                <a:ea typeface="Microsoft YaHei" charset="-122"/>
-                <a:cs typeface="Microsoft YaHei" charset="-122"/>
-                <a:sym typeface="+mn-lt"/>
-              </a:rPr>
-              <a:t>（</a:t>
-            </a:r>
-            <a:r>
-              <a:rPr lang="ko-KR" altLang="en-US" sz="1400" dirty="0" smtClean="0">
-                <a:solidFill>
-                  <a:schemeClr val="bg1">
-                    <a:lumMod val="50000"/>
-                  </a:schemeClr>
-                </a:solidFill>
-                <a:latin typeface="Microsoft YaHei" charset="-122"/>
-                <a:ea typeface="Microsoft YaHei" charset="-122"/>
-                <a:cs typeface="Microsoft YaHei" charset="-122"/>
-                <a:sym typeface="+mn-lt"/>
-              </a:rPr>
-              <a:t>九段</a:t>
-            </a:r>
-            <a:r>
-              <a:rPr lang="zh-TW" altLang="en-US" sz="1400" dirty="0" smtClean="0">
-                <a:solidFill>
-                  <a:schemeClr val="bg1">
-                    <a:lumMod val="50000"/>
-                  </a:schemeClr>
-                </a:solidFill>
-                <a:latin typeface="Microsoft YaHei" charset="-122"/>
-                <a:ea typeface="Microsoft YaHei" charset="-122"/>
-                <a:cs typeface="Microsoft YaHei" charset="-122"/>
-                <a:sym typeface="+mn-lt"/>
-              </a:rPr>
               <a:t>）</a:t>
             </a:r>
             <a:r>
-              <a:rPr lang="zh-TW" altLang="en-US" dirty="0" smtClean="0"/>
+              <a:rPr lang="zh-TW" altLang="en-US" dirty="0" smtClean="0">
+                <a:latin typeface="微軟正黑體" panose="020B0604030504040204" pitchFamily="34" charset="-120"/>
+                <a:ea typeface="微軟正黑體" panose="020B0604030504040204" pitchFamily="34" charset="-120"/>
+              </a:rPr>
               <a:t>。</a:t>
             </a:r>
-            <a:endParaRPr lang="en-US" altLang="zh-TW" dirty="0" smtClean="0"/>
+            <a:endParaRPr lang="en-US" altLang="zh-TW" dirty="0" smtClean="0">
+              <a:latin typeface="微軟正黑體" panose="020B0604030504040204" pitchFamily="34" charset="-120"/>
+              <a:ea typeface="微軟正黑體" panose="020B0604030504040204" pitchFamily="34" charset="-120"/>
+            </a:endParaRPr>
           </a:p>
           <a:p>
             <a:pPr>
@@ -6346,8 +7586,8 @@
                     <a:lumMod val="50000"/>
                   </a:schemeClr>
                 </a:solidFill>
-                <a:latin typeface="Microsoft YaHei" charset="-122"/>
-                <a:ea typeface="Microsoft YaHei" charset="-122"/>
+                <a:latin typeface="微軟正黑體" panose="020B0604030504040204" pitchFamily="34" charset="-120"/>
+                <a:ea typeface="微軟正黑體" panose="020B0604030504040204" pitchFamily="34" charset="-120"/>
                 <a:cs typeface="Microsoft YaHei" charset="-122"/>
                 <a:sym typeface="+mn-lt"/>
               </a:rPr>
@@ -6360,8 +7600,8 @@
                     <a:lumMod val="50000"/>
                   </a:schemeClr>
                 </a:solidFill>
-                <a:latin typeface="Microsoft YaHei" charset="-122"/>
-                <a:ea typeface="Microsoft YaHei" charset="-122"/>
+                <a:latin typeface="微軟正黑體" panose="020B0604030504040204" pitchFamily="34" charset="-120"/>
+                <a:ea typeface="微軟正黑體" panose="020B0604030504040204" pitchFamily="34" charset="-120"/>
                 <a:cs typeface="Microsoft YaHei" charset="-122"/>
                 <a:sym typeface="+mn-lt"/>
               </a:rPr>
@@ -6374,8 +7614,8 @@
                     <a:lumMod val="50000"/>
                   </a:schemeClr>
                 </a:solidFill>
-                <a:latin typeface="Microsoft YaHei" charset="-122"/>
-                <a:ea typeface="Microsoft YaHei" charset="-122"/>
+                <a:latin typeface="微軟正黑體" panose="020B0604030504040204" pitchFamily="34" charset="-120"/>
+                <a:ea typeface="微軟正黑體" panose="020B0604030504040204" pitchFamily="34" charset="-120"/>
                 <a:cs typeface="Microsoft YaHei" charset="-122"/>
                 <a:sym typeface="+mn-lt"/>
               </a:rPr>
@@ -6388,8 +7628,8 @@
                     <a:lumMod val="50000"/>
                   </a:schemeClr>
                 </a:solidFill>
-                <a:latin typeface="Microsoft YaHei" charset="-122"/>
-                <a:ea typeface="Microsoft YaHei" charset="-122"/>
+                <a:latin typeface="微軟正黑體" panose="020B0604030504040204" pitchFamily="34" charset="-120"/>
+                <a:ea typeface="微軟正黑體" panose="020B0604030504040204" pitchFamily="34" charset="-120"/>
                 <a:cs typeface="Microsoft YaHei" charset="-122"/>
                 <a:sym typeface="+mn-lt"/>
               </a:rPr>
@@ -6402,8 +7642,8 @@
                     <a:lumMod val="50000"/>
                   </a:schemeClr>
                 </a:solidFill>
-                <a:latin typeface="Microsoft YaHei" charset="-122"/>
-                <a:ea typeface="Microsoft YaHei" charset="-122"/>
+                <a:latin typeface="微軟正黑體" panose="020B0604030504040204" pitchFamily="34" charset="-120"/>
+                <a:ea typeface="微軟正黑體" panose="020B0604030504040204" pitchFamily="34" charset="-120"/>
                 <a:cs typeface="Microsoft YaHei" charset="-122"/>
                 <a:sym typeface="+mn-lt"/>
               </a:rPr>
@@ -6416,8 +7656,8 @@
                     <a:lumMod val="50000"/>
                   </a:schemeClr>
                 </a:solidFill>
-                <a:latin typeface="Microsoft YaHei" charset="-122"/>
-                <a:ea typeface="Microsoft YaHei" charset="-122"/>
+                <a:latin typeface="微軟正黑體" panose="020B0604030504040204" pitchFamily="34" charset="-120"/>
+                <a:ea typeface="微軟正黑體" panose="020B0604030504040204" pitchFamily="34" charset="-120"/>
                 <a:cs typeface="Microsoft YaHei" charset="-122"/>
                 <a:sym typeface="+mn-lt"/>
               </a:rPr>
@@ -6429,8 +7669,8 @@
                   <a:lumMod val="50000"/>
                 </a:schemeClr>
               </a:solidFill>
-              <a:latin typeface="Microsoft YaHei" charset="-122"/>
-              <a:ea typeface="Microsoft YaHei" charset="-122"/>
+              <a:latin typeface="微軟正黑體" panose="020B0604030504040204" pitchFamily="34" charset="-120"/>
+              <a:ea typeface="微軟正黑體" panose="020B0604030504040204" pitchFamily="34" charset="-120"/>
               <a:cs typeface="Microsoft YaHei" charset="-122"/>
               <a:sym typeface="+mn-lt"/>
             </a:endParaRPr>
@@ -7214,6 +8454,13 @@
       <p:transition advTm="0"/>
     </mc:Fallback>
   </mc:AlternateContent>
+  <p:timing>
+    <p:tnLst>
+      <p:par>
+        <p:cTn id="1" dur="indefinite" restart="never" nodeType="tmRoot"/>
+      </p:par>
+    </p:tnLst>
+  </p:timing>
 </p:sld>
 </file>
 

--- a/NLP2.pptx
+++ b/NLP2.pptx
@@ -14,15 +14,15 @@
     <p:sldId id="300" r:id="rId8"/>
     <p:sldId id="301" r:id="rId9"/>
     <p:sldId id="302" r:id="rId10"/>
-    <p:sldId id="303" r:id="rId11"/>
-    <p:sldId id="295" r:id="rId12"/>
-    <p:sldId id="293" r:id="rId13"/>
-    <p:sldId id="296" r:id="rId14"/>
-    <p:sldId id="297" r:id="rId15"/>
-    <p:sldId id="306" r:id="rId16"/>
-    <p:sldId id="307" r:id="rId17"/>
-    <p:sldId id="308" r:id="rId18"/>
-    <p:sldId id="304" r:id="rId19"/>
+    <p:sldId id="295" r:id="rId11"/>
+    <p:sldId id="293" r:id="rId12"/>
+    <p:sldId id="296" r:id="rId13"/>
+    <p:sldId id="297" r:id="rId14"/>
+    <p:sldId id="303" r:id="rId15"/>
+    <p:sldId id="307" r:id="rId16"/>
+    <p:sldId id="309" r:id="rId17"/>
+    <p:sldId id="304" r:id="rId18"/>
+    <p:sldId id="308" r:id="rId19"/>
     <p:sldId id="305" r:id="rId20"/>
   </p:sldIdLst>
   <p:sldSz cx="12192000" cy="6858000"/>
@@ -1707,600 +1707,6 @@
 </file>
 
 <file path=ppt/slides/slide10.xml><?xml version="1.0" encoding="utf-8"?>
-<p:sld xmlns:a="http://schemas.openxmlformats.org/drawingml/2006/main" xmlns:r="http://schemas.openxmlformats.org/officeDocument/2006/relationships" xmlns:p="http://schemas.openxmlformats.org/presentationml/2006/main">
-  <p:cSld>
-    <p:spTree>
-      <p:nvGrpSpPr>
-        <p:cNvPr id="1" name=""/>
-        <p:cNvGrpSpPr/>
-        <p:nvPr/>
-      </p:nvGrpSpPr>
-      <p:grpSpPr>
-        <a:xfrm>
-          <a:off x="0" y="0"/>
-          <a:ext cx="0" cy="0"/>
-          <a:chOff x="0" y="0"/>
-          <a:chExt cx="0" cy="0"/>
-        </a:xfrm>
-      </p:grpSpPr>
-      <p:sp>
-        <p:nvSpPr>
-          <p:cNvPr id="8" name="圓角矩形 7"/>
-          <p:cNvSpPr/>
-          <p:nvPr/>
-        </p:nvSpPr>
-        <p:spPr>
-          <a:xfrm>
-            <a:off x="3150525" y="1147156"/>
-            <a:ext cx="6242858" cy="3985953"/>
-          </a:xfrm>
-          <a:prstGeom prst="roundRect">
-            <a:avLst/>
-          </a:prstGeom>
-          <a:solidFill>
-            <a:schemeClr val="accent1">
-              <a:alpha val="50000"/>
-            </a:schemeClr>
-          </a:solidFill>
-          <a:ln>
-            <a:noFill/>
-          </a:ln>
-        </p:spPr>
-        <p:style>
-          <a:lnRef idx="0">
-            <a:scrgbClr r="0" g="0" b="0"/>
-          </a:lnRef>
-          <a:fillRef idx="0">
-            <a:scrgbClr r="0" g="0" b="0"/>
-          </a:fillRef>
-          <a:effectRef idx="0">
-            <a:scrgbClr r="0" g="0" b="0"/>
-          </a:effectRef>
-          <a:fontRef idx="minor">
-            <a:schemeClr val="lt1"/>
-          </a:fontRef>
-        </p:style>
-        <p:txBody>
-          <a:bodyPr rtlCol="0" anchor="ctr"/>
-          <a:lstStyle/>
-          <a:p>
-            <a:pPr algn="ctr"/>
-            <a:endParaRPr lang="zh-TW" altLang="en-US"/>
-          </a:p>
-        </p:txBody>
-      </p:sp>
-      <p:pic>
-        <p:nvPicPr>
-          <p:cNvPr id="7" name="图片 1"/>
-          <p:cNvPicPr>
-            <a:picLocks noChangeAspect="1"/>
-          </p:cNvPicPr>
-          <p:nvPr/>
-        </p:nvPicPr>
-        <p:blipFill>
-          <a:blip r:embed="rId2" cstate="screen">
-            <a:extLst>
-              <a:ext uri="{28A0092B-C50C-407E-A947-70E740481C1C}">
-                <a14:useLocalDpi xmlns:a14="http://schemas.microsoft.com/office/drawing/2010/main"/>
-              </a:ext>
-            </a:extLst>
-          </a:blip>
-          <a:stretch>
-            <a:fillRect/>
-          </a:stretch>
-        </p:blipFill>
-        <p:spPr>
-          <a:xfrm>
-            <a:off x="-96165" y="289837"/>
-            <a:ext cx="3962400" cy="4843272"/>
-          </a:xfrm>
-          <a:prstGeom prst="rect">
-            <a:avLst/>
-          </a:prstGeom>
-          <a:effectLst>
-            <a:outerShdw blurRad="50800" dist="76200" dir="5400000" algn="t" rotWithShape="0">
-              <a:prstClr val="black">
-                <a:alpha val="40000"/>
-              </a:prstClr>
-            </a:outerShdw>
-          </a:effectLst>
-        </p:spPr>
-      </p:pic>
-      <p:pic>
-        <p:nvPicPr>
-          <p:cNvPr id="6" name="图片 9"/>
-          <p:cNvPicPr>
-            <a:picLocks noChangeAspect="1"/>
-          </p:cNvPicPr>
-          <p:nvPr/>
-        </p:nvPicPr>
-        <p:blipFill>
-          <a:blip r:embed="rId3" cstate="screen">
-            <a:extLst>
-              <a:ext uri="{28A0092B-C50C-407E-A947-70E740481C1C}">
-                <a14:useLocalDpi xmlns:a14="http://schemas.microsoft.com/office/drawing/2010/main"/>
-              </a:ext>
-            </a:extLst>
-          </a:blip>
-          <a:stretch>
-            <a:fillRect/>
-          </a:stretch>
-        </p:blipFill>
-        <p:spPr>
-          <a:xfrm>
-            <a:off x="8594313" y="3408218"/>
-            <a:ext cx="3597687" cy="3449782"/>
-          </a:xfrm>
-          <a:prstGeom prst="rect">
-            <a:avLst/>
-          </a:prstGeom>
-        </p:spPr>
-      </p:pic>
-      <p:sp>
-        <p:nvSpPr>
-          <p:cNvPr id="3" name="Text Placeholder 3"/>
-          <p:cNvSpPr txBox="1"/>
-          <p:nvPr/>
-        </p:nvSpPr>
-        <p:spPr>
-          <a:xfrm>
-            <a:off x="3408589" y="1486515"/>
-            <a:ext cx="3571516" cy="804314"/>
-          </a:xfrm>
-          <a:prstGeom prst="rect">
-            <a:avLst/>
-          </a:prstGeom>
-        </p:spPr>
-        <p:txBody>
-          <a:bodyPr lIns="68580" tIns="34290" rIns="68580" bIns="34290" anchor="ctr"/>
-          <a:lstStyle>
-            <a:lvl1pPr marL="342900" indent="-342900" algn="l" defTabSz="914400" rtl="0" eaLnBrk="1" latinLnBrk="0" hangingPunct="1">
-              <a:spcBef>
-                <a:spcPct val="20000"/>
-              </a:spcBef>
-              <a:buFont typeface="Arial" panose="020B0604020202020204" pitchFamily="34" charset="0"/>
-              <a:buChar char="•"/>
-              <a:defRPr sz="3200" kern="1200">
-                <a:solidFill>
-                  <a:schemeClr val="tx1"/>
-                </a:solidFill>
-                <a:latin typeface="+mn-lt"/>
-                <a:ea typeface="+mn-ea"/>
-                <a:cs typeface="+mn-cs"/>
-              </a:defRPr>
-            </a:lvl1pPr>
-            <a:lvl2pPr marL="742950" indent="-285750" algn="l" defTabSz="914400" rtl="0" eaLnBrk="1" latinLnBrk="0" hangingPunct="1">
-              <a:spcBef>
-                <a:spcPct val="20000"/>
-              </a:spcBef>
-              <a:buFont typeface="Arial" panose="020B0604020202020204" pitchFamily="34" charset="0"/>
-              <a:buChar char="–"/>
-              <a:defRPr sz="2800" kern="1200">
-                <a:solidFill>
-                  <a:schemeClr val="tx1"/>
-                </a:solidFill>
-                <a:latin typeface="+mn-lt"/>
-                <a:ea typeface="+mn-ea"/>
-                <a:cs typeface="+mn-cs"/>
-              </a:defRPr>
-            </a:lvl2pPr>
-            <a:lvl3pPr marL="1143000" indent="-228600" algn="l" defTabSz="914400" rtl="0" eaLnBrk="1" latinLnBrk="0" hangingPunct="1">
-              <a:spcBef>
-                <a:spcPct val="20000"/>
-              </a:spcBef>
-              <a:buFont typeface="Arial" panose="020B0604020202020204" pitchFamily="34" charset="0"/>
-              <a:buChar char="•"/>
-              <a:defRPr sz="2400" kern="1200">
-                <a:solidFill>
-                  <a:schemeClr val="tx1"/>
-                </a:solidFill>
-                <a:latin typeface="+mn-lt"/>
-                <a:ea typeface="+mn-ea"/>
-                <a:cs typeface="+mn-cs"/>
-              </a:defRPr>
-            </a:lvl3pPr>
-            <a:lvl4pPr marL="1600200" indent="-228600" algn="l" defTabSz="914400" rtl="0" eaLnBrk="1" latinLnBrk="0" hangingPunct="1">
-              <a:spcBef>
-                <a:spcPct val="20000"/>
-              </a:spcBef>
-              <a:buFont typeface="Arial" panose="020B0604020202020204" pitchFamily="34" charset="0"/>
-              <a:buChar char="–"/>
-              <a:defRPr sz="2000" kern="1200">
-                <a:solidFill>
-                  <a:schemeClr val="tx1"/>
-                </a:solidFill>
-                <a:latin typeface="+mn-lt"/>
-                <a:ea typeface="+mn-ea"/>
-                <a:cs typeface="+mn-cs"/>
-              </a:defRPr>
-            </a:lvl4pPr>
-            <a:lvl5pPr marL="2057400" indent="-228600" algn="l" defTabSz="914400" rtl="0" eaLnBrk="1" latinLnBrk="0" hangingPunct="1">
-              <a:spcBef>
-                <a:spcPct val="20000"/>
-              </a:spcBef>
-              <a:buFont typeface="Arial" panose="020B0604020202020204" pitchFamily="34" charset="0"/>
-              <a:buChar char="»"/>
-              <a:defRPr sz="2000" kern="1200">
-                <a:solidFill>
-                  <a:schemeClr val="tx1"/>
-                </a:solidFill>
-                <a:latin typeface="+mn-lt"/>
-                <a:ea typeface="+mn-ea"/>
-                <a:cs typeface="+mn-cs"/>
-              </a:defRPr>
-            </a:lvl5pPr>
-            <a:lvl6pPr marL="2514600" indent="-228600" algn="l" defTabSz="914400" rtl="0" eaLnBrk="1" latinLnBrk="0" hangingPunct="1">
-              <a:spcBef>
-                <a:spcPct val="20000"/>
-              </a:spcBef>
-              <a:buFont typeface="Arial" panose="020B0604020202020204" pitchFamily="34" charset="0"/>
-              <a:buChar char="•"/>
-              <a:defRPr sz="2000" kern="1200">
-                <a:solidFill>
-                  <a:schemeClr val="tx1"/>
-                </a:solidFill>
-                <a:latin typeface="+mn-lt"/>
-                <a:ea typeface="+mn-ea"/>
-                <a:cs typeface="+mn-cs"/>
-              </a:defRPr>
-            </a:lvl6pPr>
-            <a:lvl7pPr marL="2971800" indent="-228600" algn="l" defTabSz="914400" rtl="0" eaLnBrk="1" latinLnBrk="0" hangingPunct="1">
-              <a:spcBef>
-                <a:spcPct val="20000"/>
-              </a:spcBef>
-              <a:buFont typeface="Arial" panose="020B0604020202020204" pitchFamily="34" charset="0"/>
-              <a:buChar char="•"/>
-              <a:defRPr sz="2000" kern="1200">
-                <a:solidFill>
-                  <a:schemeClr val="tx1"/>
-                </a:solidFill>
-                <a:latin typeface="+mn-lt"/>
-                <a:ea typeface="+mn-ea"/>
-                <a:cs typeface="+mn-cs"/>
-              </a:defRPr>
-            </a:lvl7pPr>
-            <a:lvl8pPr marL="3429000" indent="-228600" algn="l" defTabSz="914400" rtl="0" eaLnBrk="1" latinLnBrk="0" hangingPunct="1">
-              <a:spcBef>
-                <a:spcPct val="20000"/>
-              </a:spcBef>
-              <a:buFont typeface="Arial" panose="020B0604020202020204" pitchFamily="34" charset="0"/>
-              <a:buChar char="•"/>
-              <a:defRPr sz="2000" kern="1200">
-                <a:solidFill>
-                  <a:schemeClr val="tx1"/>
-                </a:solidFill>
-                <a:latin typeface="+mn-lt"/>
-                <a:ea typeface="+mn-ea"/>
-                <a:cs typeface="+mn-cs"/>
-              </a:defRPr>
-            </a:lvl8pPr>
-            <a:lvl9pPr marL="3886200" indent="-228600" algn="l" defTabSz="914400" rtl="0" eaLnBrk="1" latinLnBrk="0" hangingPunct="1">
-              <a:spcBef>
-                <a:spcPct val="20000"/>
-              </a:spcBef>
-              <a:buFont typeface="Arial" panose="020B0604020202020204" pitchFamily="34" charset="0"/>
-              <a:buChar char="•"/>
-              <a:defRPr sz="2000" kern="1200">
-                <a:solidFill>
-                  <a:schemeClr val="tx1"/>
-                </a:solidFill>
-                <a:latin typeface="+mn-lt"/>
-                <a:ea typeface="+mn-ea"/>
-                <a:cs typeface="+mn-cs"/>
-              </a:defRPr>
-            </a:lvl9pPr>
-          </a:lstStyle>
-          <a:p>
-            <a:pPr marL="0" indent="0">
-              <a:buNone/>
-            </a:pPr>
-            <a:r>
-              <a:rPr lang="zh-TW" altLang="en-US" sz="4800" b="1" dirty="0" smtClean="0">
-                <a:solidFill>
-                  <a:schemeClr val="accent2">
-                    <a:lumMod val="75000"/>
-                  </a:schemeClr>
-                </a:solidFill>
-                <a:latin typeface="微软雅黑" panose="020B0503020204020204" pitchFamily="34" charset="-122"/>
-                <a:ea typeface="微软雅黑" panose="020B0503020204020204" pitchFamily="34" charset="-122"/>
-              </a:rPr>
-              <a:t>強</a:t>
-            </a:r>
-            <a:r>
-              <a:rPr lang="zh-TW" altLang="en-US" sz="4800" b="1" dirty="0" smtClean="0">
-                <a:solidFill>
-                  <a:schemeClr val="bg1">
-                    <a:lumMod val="85000"/>
-                  </a:schemeClr>
-                </a:solidFill>
-                <a:latin typeface="微软雅黑" panose="020B0503020204020204" pitchFamily="34" charset="-122"/>
-                <a:ea typeface="微软雅黑" panose="020B0503020204020204" pitchFamily="34" charset="-122"/>
-              </a:rPr>
-              <a:t>人工智能</a:t>
-            </a:r>
-            <a:endParaRPr lang="zh-CN" altLang="en-US" sz="4800" b="1" dirty="0">
-              <a:solidFill>
-                <a:schemeClr val="bg1">
-                  <a:lumMod val="85000"/>
-                </a:schemeClr>
-              </a:solidFill>
-              <a:latin typeface="微软雅黑" panose="020B0503020204020204" pitchFamily="34" charset="-122"/>
-              <a:ea typeface="微软雅黑" panose="020B0503020204020204" pitchFamily="34" charset="-122"/>
-            </a:endParaRPr>
-          </a:p>
-        </p:txBody>
-      </p:sp>
-      <p:sp>
-        <p:nvSpPr>
-          <p:cNvPr id="4" name="Text Placeholder 3"/>
-          <p:cNvSpPr txBox="1"/>
-          <p:nvPr/>
-        </p:nvSpPr>
-        <p:spPr>
-          <a:xfrm>
-            <a:off x="5650068" y="3971179"/>
-            <a:ext cx="3571516" cy="804314"/>
-          </a:xfrm>
-          <a:prstGeom prst="rect">
-            <a:avLst/>
-          </a:prstGeom>
-        </p:spPr>
-        <p:txBody>
-          <a:bodyPr lIns="68580" tIns="34290" rIns="68580" bIns="34290" anchor="ctr"/>
-          <a:lstStyle>
-            <a:lvl1pPr marL="342900" indent="-342900" algn="l" defTabSz="914400" rtl="0" eaLnBrk="1" latinLnBrk="0" hangingPunct="1">
-              <a:spcBef>
-                <a:spcPct val="20000"/>
-              </a:spcBef>
-              <a:buFont typeface="Arial" panose="020B0604020202020204" pitchFamily="34" charset="0"/>
-              <a:buChar char="•"/>
-              <a:defRPr sz="3200" kern="1200">
-                <a:solidFill>
-                  <a:schemeClr val="tx1"/>
-                </a:solidFill>
-                <a:latin typeface="+mn-lt"/>
-                <a:ea typeface="+mn-ea"/>
-                <a:cs typeface="+mn-cs"/>
-              </a:defRPr>
-            </a:lvl1pPr>
-            <a:lvl2pPr marL="742950" indent="-285750" algn="l" defTabSz="914400" rtl="0" eaLnBrk="1" latinLnBrk="0" hangingPunct="1">
-              <a:spcBef>
-                <a:spcPct val="20000"/>
-              </a:spcBef>
-              <a:buFont typeface="Arial" panose="020B0604020202020204" pitchFamily="34" charset="0"/>
-              <a:buChar char="–"/>
-              <a:defRPr sz="2800" kern="1200">
-                <a:solidFill>
-                  <a:schemeClr val="tx1"/>
-                </a:solidFill>
-                <a:latin typeface="+mn-lt"/>
-                <a:ea typeface="+mn-ea"/>
-                <a:cs typeface="+mn-cs"/>
-              </a:defRPr>
-            </a:lvl2pPr>
-            <a:lvl3pPr marL="1143000" indent="-228600" algn="l" defTabSz="914400" rtl="0" eaLnBrk="1" latinLnBrk="0" hangingPunct="1">
-              <a:spcBef>
-                <a:spcPct val="20000"/>
-              </a:spcBef>
-              <a:buFont typeface="Arial" panose="020B0604020202020204" pitchFamily="34" charset="0"/>
-              <a:buChar char="•"/>
-              <a:defRPr sz="2400" kern="1200">
-                <a:solidFill>
-                  <a:schemeClr val="tx1"/>
-                </a:solidFill>
-                <a:latin typeface="+mn-lt"/>
-                <a:ea typeface="+mn-ea"/>
-                <a:cs typeface="+mn-cs"/>
-              </a:defRPr>
-            </a:lvl3pPr>
-            <a:lvl4pPr marL="1600200" indent="-228600" algn="l" defTabSz="914400" rtl="0" eaLnBrk="1" latinLnBrk="0" hangingPunct="1">
-              <a:spcBef>
-                <a:spcPct val="20000"/>
-              </a:spcBef>
-              <a:buFont typeface="Arial" panose="020B0604020202020204" pitchFamily="34" charset="0"/>
-              <a:buChar char="–"/>
-              <a:defRPr sz="2000" kern="1200">
-                <a:solidFill>
-                  <a:schemeClr val="tx1"/>
-                </a:solidFill>
-                <a:latin typeface="+mn-lt"/>
-                <a:ea typeface="+mn-ea"/>
-                <a:cs typeface="+mn-cs"/>
-              </a:defRPr>
-            </a:lvl4pPr>
-            <a:lvl5pPr marL="2057400" indent="-228600" algn="l" defTabSz="914400" rtl="0" eaLnBrk="1" latinLnBrk="0" hangingPunct="1">
-              <a:spcBef>
-                <a:spcPct val="20000"/>
-              </a:spcBef>
-              <a:buFont typeface="Arial" panose="020B0604020202020204" pitchFamily="34" charset="0"/>
-              <a:buChar char="»"/>
-              <a:defRPr sz="2000" kern="1200">
-                <a:solidFill>
-                  <a:schemeClr val="tx1"/>
-                </a:solidFill>
-                <a:latin typeface="+mn-lt"/>
-                <a:ea typeface="+mn-ea"/>
-                <a:cs typeface="+mn-cs"/>
-              </a:defRPr>
-            </a:lvl5pPr>
-            <a:lvl6pPr marL="2514600" indent="-228600" algn="l" defTabSz="914400" rtl="0" eaLnBrk="1" latinLnBrk="0" hangingPunct="1">
-              <a:spcBef>
-                <a:spcPct val="20000"/>
-              </a:spcBef>
-              <a:buFont typeface="Arial" panose="020B0604020202020204" pitchFamily="34" charset="0"/>
-              <a:buChar char="•"/>
-              <a:defRPr sz="2000" kern="1200">
-                <a:solidFill>
-                  <a:schemeClr val="tx1"/>
-                </a:solidFill>
-                <a:latin typeface="+mn-lt"/>
-                <a:ea typeface="+mn-ea"/>
-                <a:cs typeface="+mn-cs"/>
-              </a:defRPr>
-            </a:lvl6pPr>
-            <a:lvl7pPr marL="2971800" indent="-228600" algn="l" defTabSz="914400" rtl="0" eaLnBrk="1" latinLnBrk="0" hangingPunct="1">
-              <a:spcBef>
-                <a:spcPct val="20000"/>
-              </a:spcBef>
-              <a:buFont typeface="Arial" panose="020B0604020202020204" pitchFamily="34" charset="0"/>
-              <a:buChar char="•"/>
-              <a:defRPr sz="2000" kern="1200">
-                <a:solidFill>
-                  <a:schemeClr val="tx1"/>
-                </a:solidFill>
-                <a:latin typeface="+mn-lt"/>
-                <a:ea typeface="+mn-ea"/>
-                <a:cs typeface="+mn-cs"/>
-              </a:defRPr>
-            </a:lvl7pPr>
-            <a:lvl8pPr marL="3429000" indent="-228600" algn="l" defTabSz="914400" rtl="0" eaLnBrk="1" latinLnBrk="0" hangingPunct="1">
-              <a:spcBef>
-                <a:spcPct val="20000"/>
-              </a:spcBef>
-              <a:buFont typeface="Arial" panose="020B0604020202020204" pitchFamily="34" charset="0"/>
-              <a:buChar char="•"/>
-              <a:defRPr sz="2000" kern="1200">
-                <a:solidFill>
-                  <a:schemeClr val="tx1"/>
-                </a:solidFill>
-                <a:latin typeface="+mn-lt"/>
-                <a:ea typeface="+mn-ea"/>
-                <a:cs typeface="+mn-cs"/>
-              </a:defRPr>
-            </a:lvl8pPr>
-            <a:lvl9pPr marL="3886200" indent="-228600" algn="l" defTabSz="914400" rtl="0" eaLnBrk="1" latinLnBrk="0" hangingPunct="1">
-              <a:spcBef>
-                <a:spcPct val="20000"/>
-              </a:spcBef>
-              <a:buFont typeface="Arial" panose="020B0604020202020204" pitchFamily="34" charset="0"/>
-              <a:buChar char="•"/>
-              <a:defRPr sz="2000" kern="1200">
-                <a:solidFill>
-                  <a:schemeClr val="tx1"/>
-                </a:solidFill>
-                <a:latin typeface="+mn-lt"/>
-                <a:ea typeface="+mn-ea"/>
-                <a:cs typeface="+mn-cs"/>
-              </a:defRPr>
-            </a:lvl9pPr>
-          </a:lstStyle>
-          <a:p>
-            <a:pPr marL="0" indent="0">
-              <a:buNone/>
-            </a:pPr>
-            <a:r>
-              <a:rPr lang="zh-TW" altLang="en-US" sz="4800" b="1" dirty="0" smtClean="0">
-                <a:solidFill>
-                  <a:schemeClr val="bg2">
-                    <a:lumMod val="50000"/>
-                  </a:schemeClr>
-                </a:solidFill>
-                <a:latin typeface="微软雅黑" panose="020B0503020204020204" pitchFamily="34" charset="-122"/>
-                <a:ea typeface="微软雅黑" panose="020B0503020204020204" pitchFamily="34" charset="-122"/>
-              </a:rPr>
-              <a:t>弱</a:t>
-            </a:r>
-            <a:r>
-              <a:rPr lang="zh-TW" altLang="en-US" sz="4800" b="1" dirty="0" smtClean="0">
-                <a:solidFill>
-                  <a:schemeClr val="bg1">
-                    <a:lumMod val="85000"/>
-                  </a:schemeClr>
-                </a:solidFill>
-                <a:latin typeface="微软雅黑" panose="020B0503020204020204" pitchFamily="34" charset="-122"/>
-                <a:ea typeface="微软雅黑" panose="020B0503020204020204" pitchFamily="34" charset="-122"/>
-              </a:rPr>
-              <a:t>人工智能</a:t>
-            </a:r>
-            <a:endParaRPr lang="zh-CN" altLang="en-US" sz="4800" b="1" dirty="0">
-              <a:solidFill>
-                <a:schemeClr val="bg1">
-                  <a:lumMod val="85000"/>
-                </a:schemeClr>
-              </a:solidFill>
-              <a:latin typeface="微软雅黑" panose="020B0503020204020204" pitchFamily="34" charset="-122"/>
-              <a:ea typeface="微软雅黑" panose="020B0503020204020204" pitchFamily="34" charset="-122"/>
-            </a:endParaRPr>
-          </a:p>
-        </p:txBody>
-      </p:sp>
-      <p:sp>
-        <p:nvSpPr>
-          <p:cNvPr id="5" name="文字方塊 4"/>
-          <p:cNvSpPr txBox="1"/>
-          <p:nvPr/>
-        </p:nvSpPr>
-        <p:spPr>
-          <a:xfrm>
-            <a:off x="5361709" y="2524629"/>
-            <a:ext cx="1701107" cy="1446550"/>
-          </a:xfrm>
-          <a:prstGeom prst="rect">
-            <a:avLst/>
-          </a:prstGeom>
-          <a:noFill/>
-        </p:spPr>
-        <p:txBody>
-          <a:bodyPr wrap="none" rtlCol="0">
-            <a:spAutoFit/>
-          </a:bodyPr>
-          <a:lstStyle/>
-          <a:p>
-            <a:r>
-              <a:rPr lang="en-US" altLang="zh-TW" sz="8800" dirty="0" smtClean="0">
-                <a:effectLst>
-                  <a:outerShdw blurRad="38100" dist="38100" dir="2700000" algn="tl">
-                    <a:srgbClr val="000000">
-                      <a:alpha val="43137"/>
-                    </a:srgbClr>
-                  </a:outerShdw>
-                </a:effectLst>
-                <a:latin typeface="Lucida Calligraphy" panose="03010101010101010101" pitchFamily="66" charset="0"/>
-              </a:rPr>
-              <a:t>Vs</a:t>
-            </a:r>
-            <a:endParaRPr lang="zh-TW" altLang="en-US" sz="8800" dirty="0">
-              <a:effectLst>
-                <a:outerShdw blurRad="38100" dist="38100" dir="2700000" algn="tl">
-                  <a:srgbClr val="000000">
-                    <a:alpha val="43137"/>
-                  </a:srgbClr>
-                </a:outerShdw>
-              </a:effectLst>
-              <a:latin typeface="Lucida Calligraphy" panose="03010101010101010101" pitchFamily="66" charset="0"/>
-            </a:endParaRPr>
-          </a:p>
-        </p:txBody>
-      </p:sp>
-    </p:spTree>
-    <p:extLst>
-      <p:ext uri="{BB962C8B-B14F-4D97-AF65-F5344CB8AC3E}">
-        <p14:creationId xmlns:p14="http://schemas.microsoft.com/office/powerpoint/2010/main" val="2530585792"/>
-      </p:ext>
-    </p:extLst>
-  </p:cSld>
-  <p:clrMapOvr>
-    <a:masterClrMapping/>
-  </p:clrMapOvr>
-  <mc:AlternateContent xmlns:mc="http://schemas.openxmlformats.org/markup-compatibility/2006" xmlns:p14="http://schemas.microsoft.com/office/powerpoint/2010/main">
-    <mc:Choice Requires="p14">
-      <p:transition p14:dur="0" advTm="0"/>
-    </mc:Choice>
-    <mc:Fallback xmlns="">
-      <p:transition advTm="0"/>
-    </mc:Fallback>
-  </mc:AlternateContent>
-  <p:timing>
-    <p:tnLst>
-      <p:par>
-        <p:cTn id="1" dur="indefinite" restart="never" nodeType="tmRoot"/>
-      </p:par>
-    </p:tnLst>
-  </p:timing>
-</p:sld>
-</file>
-
-<file path=ppt/slides/slide11.xml><?xml version="1.0" encoding="utf-8"?>
 <p:sld xmlns:a="http://schemas.openxmlformats.org/drawingml/2006/main" xmlns:r="http://schemas.openxmlformats.org/officeDocument/2006/relationships" xmlns:p="http://schemas.openxmlformats.org/presentationml/2006/main">
   <p:cSld>
     <p:spTree>
@@ -3002,7 +2408,7 @@
 </p:sld>
 </file>
 
-<file path=ppt/slides/slide12.xml><?xml version="1.0" encoding="utf-8"?>
+<file path=ppt/slides/slide11.xml><?xml version="1.0" encoding="utf-8"?>
 <p:sld xmlns:a="http://schemas.openxmlformats.org/drawingml/2006/main" xmlns:r="http://schemas.openxmlformats.org/officeDocument/2006/relationships" xmlns:p="http://schemas.openxmlformats.org/presentationml/2006/main">
   <p:cSld>
     <p:spTree>
@@ -3256,7 +2662,7 @@
 </p:sld>
 </file>
 
-<file path=ppt/slides/slide13.xml><?xml version="1.0" encoding="utf-8"?>
+<file path=ppt/slides/slide12.xml><?xml version="1.0" encoding="utf-8"?>
 <p:sld xmlns:a="http://schemas.openxmlformats.org/drawingml/2006/main" xmlns:r="http://schemas.openxmlformats.org/officeDocument/2006/relationships" xmlns:p="http://schemas.openxmlformats.org/presentationml/2006/main">
   <p:cSld>
     <p:spTree>
@@ -3695,7 +3101,7 @@
 </p:sld>
 </file>
 
-<file path=ppt/slides/slide14.xml><?xml version="1.0" encoding="utf-8"?>
+<file path=ppt/slides/slide13.xml><?xml version="1.0" encoding="utf-8"?>
 <p:sld xmlns:a="http://schemas.openxmlformats.org/drawingml/2006/main" xmlns:r="http://schemas.openxmlformats.org/officeDocument/2006/relationships" xmlns:p="http://schemas.openxmlformats.org/presentationml/2006/main">
   <p:cSld>
     <p:spTree>
@@ -3932,7 +3338,7 @@
 </p:sld>
 </file>
 
-<file path=ppt/slides/slide15.xml><?xml version="1.0" encoding="utf-8"?>
+<file path=ppt/slides/slide14.xml><?xml version="1.0" encoding="utf-8"?>
 <p:sld xmlns:a="http://schemas.openxmlformats.org/drawingml/2006/main" xmlns:r="http://schemas.openxmlformats.org/officeDocument/2006/relationships" xmlns:p="http://schemas.openxmlformats.org/presentationml/2006/main">
   <p:cSld>
     <p:spTree>
@@ -3951,127 +3357,549 @@
       </p:grpSpPr>
       <p:sp>
         <p:nvSpPr>
-          <p:cNvPr id="2" name="矩形 1"/>
+          <p:cNvPr id="8" name="圓角矩形 7"/>
           <p:cNvSpPr/>
           <p:nvPr/>
         </p:nvSpPr>
         <p:spPr>
           <a:xfrm>
-            <a:off x="4496523" y="1182778"/>
-            <a:ext cx="1569660" cy="369332"/>
+            <a:off x="3150525" y="1147156"/>
+            <a:ext cx="6242858" cy="3985953"/>
+          </a:xfrm>
+          <a:prstGeom prst="roundRect">
+            <a:avLst/>
+          </a:prstGeom>
+          <a:solidFill>
+            <a:schemeClr val="accent1">
+              <a:alpha val="50000"/>
+            </a:schemeClr>
+          </a:solidFill>
+          <a:ln>
+            <a:noFill/>
+          </a:ln>
+        </p:spPr>
+        <p:style>
+          <a:lnRef idx="0">
+            <a:scrgbClr r="0" g="0" b="0"/>
+          </a:lnRef>
+          <a:fillRef idx="0">
+            <a:scrgbClr r="0" g="0" b="0"/>
+          </a:fillRef>
+          <a:effectRef idx="0">
+            <a:scrgbClr r="0" g="0" b="0"/>
+          </a:effectRef>
+          <a:fontRef idx="minor">
+            <a:schemeClr val="lt1"/>
+          </a:fontRef>
+        </p:style>
+        <p:txBody>
+          <a:bodyPr rtlCol="0" anchor="ctr"/>
+          <a:lstStyle/>
+          <a:p>
+            <a:pPr algn="ctr"/>
+            <a:endParaRPr lang="zh-TW" altLang="en-US"/>
+          </a:p>
+        </p:txBody>
+      </p:sp>
+      <p:pic>
+        <p:nvPicPr>
+          <p:cNvPr id="7" name="图片 1"/>
+          <p:cNvPicPr>
+            <a:picLocks noChangeAspect="1"/>
+          </p:cNvPicPr>
+          <p:nvPr/>
+        </p:nvPicPr>
+        <p:blipFill>
+          <a:blip r:embed="rId2" cstate="screen">
+            <a:extLst>
+              <a:ext uri="{28A0092B-C50C-407E-A947-70E740481C1C}">
+                <a14:useLocalDpi xmlns:a14="http://schemas.microsoft.com/office/drawing/2010/main"/>
+              </a:ext>
+            </a:extLst>
+          </a:blip>
+          <a:stretch>
+            <a:fillRect/>
+          </a:stretch>
+        </p:blipFill>
+        <p:spPr>
+          <a:xfrm>
+            <a:off x="-96165" y="289837"/>
+            <a:ext cx="3962400" cy="4843272"/>
+          </a:xfrm>
+          <a:prstGeom prst="rect">
+            <a:avLst/>
+          </a:prstGeom>
+          <a:effectLst>
+            <a:outerShdw blurRad="50800" dist="76200" dir="5400000" algn="t" rotWithShape="0">
+              <a:prstClr val="black">
+                <a:alpha val="40000"/>
+              </a:prstClr>
+            </a:outerShdw>
+          </a:effectLst>
+        </p:spPr>
+      </p:pic>
+      <p:pic>
+        <p:nvPicPr>
+          <p:cNvPr id="6" name="图片 9"/>
+          <p:cNvPicPr>
+            <a:picLocks noChangeAspect="1"/>
+          </p:cNvPicPr>
+          <p:nvPr/>
+        </p:nvPicPr>
+        <p:blipFill>
+          <a:blip r:embed="rId3" cstate="screen">
+            <a:extLst>
+              <a:ext uri="{28A0092B-C50C-407E-A947-70E740481C1C}">
+                <a14:useLocalDpi xmlns:a14="http://schemas.microsoft.com/office/drawing/2010/main"/>
+              </a:ext>
+            </a:extLst>
+          </a:blip>
+          <a:stretch>
+            <a:fillRect/>
+          </a:stretch>
+        </p:blipFill>
+        <p:spPr>
+          <a:xfrm>
+            <a:off x="8594313" y="3408218"/>
+            <a:ext cx="3597687" cy="3449782"/>
+          </a:xfrm>
+          <a:prstGeom prst="rect">
+            <a:avLst/>
+          </a:prstGeom>
+        </p:spPr>
+      </p:pic>
+      <p:sp>
+        <p:nvSpPr>
+          <p:cNvPr id="3" name="Text Placeholder 3"/>
+          <p:cNvSpPr txBox="1"/>
+          <p:nvPr/>
+        </p:nvSpPr>
+        <p:spPr>
+          <a:xfrm>
+            <a:off x="3408589" y="1486515"/>
+            <a:ext cx="3571516" cy="804314"/>
           </a:xfrm>
           <a:prstGeom prst="rect">
             <a:avLst/>
           </a:prstGeom>
         </p:spPr>
         <p:txBody>
-          <a:bodyPr wrap="none">
-            <a:spAutoFit/>
-          </a:bodyPr>
-          <a:lstStyle/>
+          <a:bodyPr lIns="68580" tIns="34290" rIns="68580" bIns="34290" anchor="ctr"/>
+          <a:lstStyle>
+            <a:lvl1pPr marL="342900" indent="-342900" algn="l" defTabSz="914400" rtl="0" eaLnBrk="1" latinLnBrk="0" hangingPunct="1">
+              <a:spcBef>
+                <a:spcPct val="20000"/>
+              </a:spcBef>
+              <a:buFont typeface="Arial" panose="020B0604020202020204" pitchFamily="34" charset="0"/>
+              <a:buChar char="•"/>
+              <a:defRPr sz="3200" kern="1200">
+                <a:solidFill>
+                  <a:schemeClr val="tx1"/>
+                </a:solidFill>
+                <a:latin typeface="+mn-lt"/>
+                <a:ea typeface="+mn-ea"/>
+                <a:cs typeface="+mn-cs"/>
+              </a:defRPr>
+            </a:lvl1pPr>
+            <a:lvl2pPr marL="742950" indent="-285750" algn="l" defTabSz="914400" rtl="0" eaLnBrk="1" latinLnBrk="0" hangingPunct="1">
+              <a:spcBef>
+                <a:spcPct val="20000"/>
+              </a:spcBef>
+              <a:buFont typeface="Arial" panose="020B0604020202020204" pitchFamily="34" charset="0"/>
+              <a:buChar char="–"/>
+              <a:defRPr sz="2800" kern="1200">
+                <a:solidFill>
+                  <a:schemeClr val="tx1"/>
+                </a:solidFill>
+                <a:latin typeface="+mn-lt"/>
+                <a:ea typeface="+mn-ea"/>
+                <a:cs typeface="+mn-cs"/>
+              </a:defRPr>
+            </a:lvl2pPr>
+            <a:lvl3pPr marL="1143000" indent="-228600" algn="l" defTabSz="914400" rtl="0" eaLnBrk="1" latinLnBrk="0" hangingPunct="1">
+              <a:spcBef>
+                <a:spcPct val="20000"/>
+              </a:spcBef>
+              <a:buFont typeface="Arial" panose="020B0604020202020204" pitchFamily="34" charset="0"/>
+              <a:buChar char="•"/>
+              <a:defRPr sz="2400" kern="1200">
+                <a:solidFill>
+                  <a:schemeClr val="tx1"/>
+                </a:solidFill>
+                <a:latin typeface="+mn-lt"/>
+                <a:ea typeface="+mn-ea"/>
+                <a:cs typeface="+mn-cs"/>
+              </a:defRPr>
+            </a:lvl3pPr>
+            <a:lvl4pPr marL="1600200" indent="-228600" algn="l" defTabSz="914400" rtl="0" eaLnBrk="1" latinLnBrk="0" hangingPunct="1">
+              <a:spcBef>
+                <a:spcPct val="20000"/>
+              </a:spcBef>
+              <a:buFont typeface="Arial" panose="020B0604020202020204" pitchFamily="34" charset="0"/>
+              <a:buChar char="–"/>
+              <a:defRPr sz="2000" kern="1200">
+                <a:solidFill>
+                  <a:schemeClr val="tx1"/>
+                </a:solidFill>
+                <a:latin typeface="+mn-lt"/>
+                <a:ea typeface="+mn-ea"/>
+                <a:cs typeface="+mn-cs"/>
+              </a:defRPr>
+            </a:lvl4pPr>
+            <a:lvl5pPr marL="2057400" indent="-228600" algn="l" defTabSz="914400" rtl="0" eaLnBrk="1" latinLnBrk="0" hangingPunct="1">
+              <a:spcBef>
+                <a:spcPct val="20000"/>
+              </a:spcBef>
+              <a:buFont typeface="Arial" panose="020B0604020202020204" pitchFamily="34" charset="0"/>
+              <a:buChar char="»"/>
+              <a:defRPr sz="2000" kern="1200">
+                <a:solidFill>
+                  <a:schemeClr val="tx1"/>
+                </a:solidFill>
+                <a:latin typeface="+mn-lt"/>
+                <a:ea typeface="+mn-ea"/>
+                <a:cs typeface="+mn-cs"/>
+              </a:defRPr>
+            </a:lvl5pPr>
+            <a:lvl6pPr marL="2514600" indent="-228600" algn="l" defTabSz="914400" rtl="0" eaLnBrk="1" latinLnBrk="0" hangingPunct="1">
+              <a:spcBef>
+                <a:spcPct val="20000"/>
+              </a:spcBef>
+              <a:buFont typeface="Arial" panose="020B0604020202020204" pitchFamily="34" charset="0"/>
+              <a:buChar char="•"/>
+              <a:defRPr sz="2000" kern="1200">
+                <a:solidFill>
+                  <a:schemeClr val="tx1"/>
+                </a:solidFill>
+                <a:latin typeface="+mn-lt"/>
+                <a:ea typeface="+mn-ea"/>
+                <a:cs typeface="+mn-cs"/>
+              </a:defRPr>
+            </a:lvl6pPr>
+            <a:lvl7pPr marL="2971800" indent="-228600" algn="l" defTabSz="914400" rtl="0" eaLnBrk="1" latinLnBrk="0" hangingPunct="1">
+              <a:spcBef>
+                <a:spcPct val="20000"/>
+              </a:spcBef>
+              <a:buFont typeface="Arial" panose="020B0604020202020204" pitchFamily="34" charset="0"/>
+              <a:buChar char="•"/>
+              <a:defRPr sz="2000" kern="1200">
+                <a:solidFill>
+                  <a:schemeClr val="tx1"/>
+                </a:solidFill>
+                <a:latin typeface="+mn-lt"/>
+                <a:ea typeface="+mn-ea"/>
+                <a:cs typeface="+mn-cs"/>
+              </a:defRPr>
+            </a:lvl7pPr>
+            <a:lvl8pPr marL="3429000" indent="-228600" algn="l" defTabSz="914400" rtl="0" eaLnBrk="1" latinLnBrk="0" hangingPunct="1">
+              <a:spcBef>
+                <a:spcPct val="20000"/>
+              </a:spcBef>
+              <a:buFont typeface="Arial" panose="020B0604020202020204" pitchFamily="34" charset="0"/>
+              <a:buChar char="•"/>
+              <a:defRPr sz="2000" kern="1200">
+                <a:solidFill>
+                  <a:schemeClr val="tx1"/>
+                </a:solidFill>
+                <a:latin typeface="+mn-lt"/>
+                <a:ea typeface="+mn-ea"/>
+                <a:cs typeface="+mn-cs"/>
+              </a:defRPr>
+            </a:lvl8pPr>
+            <a:lvl9pPr marL="3886200" indent="-228600" algn="l" defTabSz="914400" rtl="0" eaLnBrk="1" latinLnBrk="0" hangingPunct="1">
+              <a:spcBef>
+                <a:spcPct val="20000"/>
+              </a:spcBef>
+              <a:buFont typeface="Arial" panose="020B0604020202020204" pitchFamily="34" charset="0"/>
+              <a:buChar char="•"/>
+              <a:defRPr sz="2000" kern="1200">
+                <a:solidFill>
+                  <a:schemeClr val="tx1"/>
+                </a:solidFill>
+                <a:latin typeface="+mn-lt"/>
+                <a:ea typeface="+mn-ea"/>
+                <a:cs typeface="+mn-cs"/>
+              </a:defRPr>
+            </a:lvl9pPr>
+          </a:lstStyle>
           <a:p>
-            <a:pPr algn="ctr"/>
-            <a:r>
-              <a:rPr lang="zh-CN" altLang="en-US" b="1" dirty="0">
-                <a:latin typeface="Roboto"/>
-              </a:rPr>
-              <a:t>自然语言处理</a:t>
-            </a:r>
-            <a:endParaRPr lang="zh-CN" altLang="en-US" b="1" i="0" dirty="0">
-              <a:effectLst/>
-              <a:latin typeface="Roboto"/>
+            <a:pPr marL="0" indent="0">
+              <a:buNone/>
+            </a:pPr>
+            <a:r>
+              <a:rPr lang="zh-TW" altLang="en-US" sz="4800" b="1" dirty="0" smtClean="0">
+                <a:solidFill>
+                  <a:schemeClr val="accent2">
+                    <a:lumMod val="75000"/>
+                  </a:schemeClr>
+                </a:solidFill>
+                <a:latin typeface="微软雅黑" panose="020B0503020204020204" pitchFamily="34" charset="-122"/>
+                <a:ea typeface="微软雅黑" panose="020B0503020204020204" pitchFamily="34" charset="-122"/>
+              </a:rPr>
+              <a:t>強</a:t>
+            </a:r>
+            <a:r>
+              <a:rPr lang="zh-TW" altLang="en-US" sz="4800" b="1" dirty="0" smtClean="0">
+                <a:solidFill>
+                  <a:schemeClr val="bg1">
+                    <a:lumMod val="85000"/>
+                  </a:schemeClr>
+                </a:solidFill>
+                <a:latin typeface="微软雅黑" panose="020B0503020204020204" pitchFamily="34" charset="-122"/>
+                <a:ea typeface="微软雅黑" panose="020B0503020204020204" pitchFamily="34" charset="-122"/>
+              </a:rPr>
+              <a:t>人工智能</a:t>
+            </a:r>
+            <a:endParaRPr lang="zh-CN" altLang="en-US" sz="4800" b="1" dirty="0">
+              <a:solidFill>
+                <a:schemeClr val="bg1">
+                  <a:lumMod val="85000"/>
+                </a:schemeClr>
+              </a:solidFill>
+              <a:latin typeface="微软雅黑" panose="020B0503020204020204" pitchFamily="34" charset="-122"/>
+              <a:ea typeface="微软雅黑" panose="020B0503020204020204" pitchFamily="34" charset="-122"/>
             </a:endParaRPr>
           </a:p>
         </p:txBody>
       </p:sp>
       <p:sp>
         <p:nvSpPr>
-          <p:cNvPr id="3" name="矩形 2"/>
-          <p:cNvSpPr/>
+          <p:cNvPr id="4" name="Text Placeholder 3"/>
+          <p:cNvSpPr txBox="1"/>
           <p:nvPr/>
         </p:nvSpPr>
         <p:spPr>
           <a:xfrm>
-            <a:off x="4859123" y="3244334"/>
-            <a:ext cx="2473754" cy="369332"/>
+            <a:off x="5650068" y="3971179"/>
+            <a:ext cx="3571516" cy="804314"/>
           </a:xfrm>
           <a:prstGeom prst="rect">
             <a:avLst/>
           </a:prstGeom>
         </p:spPr>
         <p:txBody>
-          <a:bodyPr wrap="none">
-            <a:spAutoFit/>
-          </a:bodyPr>
-          <a:lstStyle/>
+          <a:bodyPr lIns="68580" tIns="34290" rIns="68580" bIns="34290" anchor="ctr"/>
+          <a:lstStyle>
+            <a:lvl1pPr marL="342900" indent="-342900" algn="l" defTabSz="914400" rtl="0" eaLnBrk="1" latinLnBrk="0" hangingPunct="1">
+              <a:spcBef>
+                <a:spcPct val="20000"/>
+              </a:spcBef>
+              <a:buFont typeface="Arial" panose="020B0604020202020204" pitchFamily="34" charset="0"/>
+              <a:buChar char="•"/>
+              <a:defRPr sz="3200" kern="1200">
+                <a:solidFill>
+                  <a:schemeClr val="tx1"/>
+                </a:solidFill>
+                <a:latin typeface="+mn-lt"/>
+                <a:ea typeface="+mn-ea"/>
+                <a:cs typeface="+mn-cs"/>
+              </a:defRPr>
+            </a:lvl1pPr>
+            <a:lvl2pPr marL="742950" indent="-285750" algn="l" defTabSz="914400" rtl="0" eaLnBrk="1" latinLnBrk="0" hangingPunct="1">
+              <a:spcBef>
+                <a:spcPct val="20000"/>
+              </a:spcBef>
+              <a:buFont typeface="Arial" panose="020B0604020202020204" pitchFamily="34" charset="0"/>
+              <a:buChar char="–"/>
+              <a:defRPr sz="2800" kern="1200">
+                <a:solidFill>
+                  <a:schemeClr val="tx1"/>
+                </a:solidFill>
+                <a:latin typeface="+mn-lt"/>
+                <a:ea typeface="+mn-ea"/>
+                <a:cs typeface="+mn-cs"/>
+              </a:defRPr>
+            </a:lvl2pPr>
+            <a:lvl3pPr marL="1143000" indent="-228600" algn="l" defTabSz="914400" rtl="0" eaLnBrk="1" latinLnBrk="0" hangingPunct="1">
+              <a:spcBef>
+                <a:spcPct val="20000"/>
+              </a:spcBef>
+              <a:buFont typeface="Arial" panose="020B0604020202020204" pitchFamily="34" charset="0"/>
+              <a:buChar char="•"/>
+              <a:defRPr sz="2400" kern="1200">
+                <a:solidFill>
+                  <a:schemeClr val="tx1"/>
+                </a:solidFill>
+                <a:latin typeface="+mn-lt"/>
+                <a:ea typeface="+mn-ea"/>
+                <a:cs typeface="+mn-cs"/>
+              </a:defRPr>
+            </a:lvl3pPr>
+            <a:lvl4pPr marL="1600200" indent="-228600" algn="l" defTabSz="914400" rtl="0" eaLnBrk="1" latinLnBrk="0" hangingPunct="1">
+              <a:spcBef>
+                <a:spcPct val="20000"/>
+              </a:spcBef>
+              <a:buFont typeface="Arial" panose="020B0604020202020204" pitchFamily="34" charset="0"/>
+              <a:buChar char="–"/>
+              <a:defRPr sz="2000" kern="1200">
+                <a:solidFill>
+                  <a:schemeClr val="tx1"/>
+                </a:solidFill>
+                <a:latin typeface="+mn-lt"/>
+                <a:ea typeface="+mn-ea"/>
+                <a:cs typeface="+mn-cs"/>
+              </a:defRPr>
+            </a:lvl4pPr>
+            <a:lvl5pPr marL="2057400" indent="-228600" algn="l" defTabSz="914400" rtl="0" eaLnBrk="1" latinLnBrk="0" hangingPunct="1">
+              <a:spcBef>
+                <a:spcPct val="20000"/>
+              </a:spcBef>
+              <a:buFont typeface="Arial" panose="020B0604020202020204" pitchFamily="34" charset="0"/>
+              <a:buChar char="»"/>
+              <a:defRPr sz="2000" kern="1200">
+                <a:solidFill>
+                  <a:schemeClr val="tx1"/>
+                </a:solidFill>
+                <a:latin typeface="+mn-lt"/>
+                <a:ea typeface="+mn-ea"/>
+                <a:cs typeface="+mn-cs"/>
+              </a:defRPr>
+            </a:lvl5pPr>
+            <a:lvl6pPr marL="2514600" indent="-228600" algn="l" defTabSz="914400" rtl="0" eaLnBrk="1" latinLnBrk="0" hangingPunct="1">
+              <a:spcBef>
+                <a:spcPct val="20000"/>
+              </a:spcBef>
+              <a:buFont typeface="Arial" panose="020B0604020202020204" pitchFamily="34" charset="0"/>
+              <a:buChar char="•"/>
+              <a:defRPr sz="2000" kern="1200">
+                <a:solidFill>
+                  <a:schemeClr val="tx1"/>
+                </a:solidFill>
+                <a:latin typeface="+mn-lt"/>
+                <a:ea typeface="+mn-ea"/>
+                <a:cs typeface="+mn-cs"/>
+              </a:defRPr>
+            </a:lvl6pPr>
+            <a:lvl7pPr marL="2971800" indent="-228600" algn="l" defTabSz="914400" rtl="0" eaLnBrk="1" latinLnBrk="0" hangingPunct="1">
+              <a:spcBef>
+                <a:spcPct val="20000"/>
+              </a:spcBef>
+              <a:buFont typeface="Arial" panose="020B0604020202020204" pitchFamily="34" charset="0"/>
+              <a:buChar char="•"/>
+              <a:defRPr sz="2000" kern="1200">
+                <a:solidFill>
+                  <a:schemeClr val="tx1"/>
+                </a:solidFill>
+                <a:latin typeface="+mn-lt"/>
+                <a:ea typeface="+mn-ea"/>
+                <a:cs typeface="+mn-cs"/>
+              </a:defRPr>
+            </a:lvl7pPr>
+            <a:lvl8pPr marL="3429000" indent="-228600" algn="l" defTabSz="914400" rtl="0" eaLnBrk="1" latinLnBrk="0" hangingPunct="1">
+              <a:spcBef>
+                <a:spcPct val="20000"/>
+              </a:spcBef>
+              <a:buFont typeface="Arial" panose="020B0604020202020204" pitchFamily="34" charset="0"/>
+              <a:buChar char="•"/>
+              <a:defRPr sz="2000" kern="1200">
+                <a:solidFill>
+                  <a:schemeClr val="tx1"/>
+                </a:solidFill>
+                <a:latin typeface="+mn-lt"/>
+                <a:ea typeface="+mn-ea"/>
+                <a:cs typeface="+mn-cs"/>
+              </a:defRPr>
+            </a:lvl8pPr>
+            <a:lvl9pPr marL="3886200" indent="-228600" algn="l" defTabSz="914400" rtl="0" eaLnBrk="1" latinLnBrk="0" hangingPunct="1">
+              <a:spcBef>
+                <a:spcPct val="20000"/>
+              </a:spcBef>
+              <a:buFont typeface="Arial" panose="020B0604020202020204" pitchFamily="34" charset="0"/>
+              <a:buChar char="•"/>
+              <a:defRPr sz="2000" kern="1200">
+                <a:solidFill>
+                  <a:schemeClr val="tx1"/>
+                </a:solidFill>
+                <a:latin typeface="+mn-lt"/>
+                <a:ea typeface="+mn-ea"/>
+                <a:cs typeface="+mn-cs"/>
+              </a:defRPr>
+            </a:lvl9pPr>
+          </a:lstStyle>
           <a:p>
-            <a:r>
-              <a:rPr lang="zh-CN" altLang="en-US" b="1" dirty="0">
-                <a:latin typeface="Roboto"/>
-              </a:rPr>
-              <a:t>自然语言理解（</a:t>
-            </a:r>
-            <a:r>
-              <a:rPr lang="en-US" altLang="zh-CN" b="1" dirty="0">
-                <a:latin typeface="Roboto"/>
-              </a:rPr>
-              <a:t>NLU</a:t>
-            </a:r>
-            <a:r>
-              <a:rPr lang="zh-CN" altLang="en-US" b="1" dirty="0">
-                <a:latin typeface="Roboto"/>
-              </a:rPr>
-              <a:t>）</a:t>
-            </a:r>
-            <a:endParaRPr lang="zh-CN" altLang="en-US" b="1" i="0" dirty="0">
-              <a:effectLst/>
-              <a:latin typeface="Roboto"/>
+            <a:pPr marL="0" indent="0">
+              <a:buNone/>
+            </a:pPr>
+            <a:r>
+              <a:rPr lang="zh-TW" altLang="en-US" sz="4800" b="1" dirty="0" smtClean="0">
+                <a:solidFill>
+                  <a:schemeClr val="bg2">
+                    <a:lumMod val="50000"/>
+                  </a:schemeClr>
+                </a:solidFill>
+                <a:latin typeface="微软雅黑" panose="020B0503020204020204" pitchFamily="34" charset="-122"/>
+                <a:ea typeface="微软雅黑" panose="020B0503020204020204" pitchFamily="34" charset="-122"/>
+              </a:rPr>
+              <a:t>弱</a:t>
+            </a:r>
+            <a:r>
+              <a:rPr lang="zh-TW" altLang="en-US" sz="4800" b="1" dirty="0" smtClean="0">
+                <a:solidFill>
+                  <a:schemeClr val="bg1">
+                    <a:lumMod val="85000"/>
+                  </a:schemeClr>
+                </a:solidFill>
+                <a:latin typeface="微软雅黑" panose="020B0503020204020204" pitchFamily="34" charset="-122"/>
+                <a:ea typeface="微软雅黑" panose="020B0503020204020204" pitchFamily="34" charset="-122"/>
+              </a:rPr>
+              <a:t>人工智能</a:t>
+            </a:r>
+            <a:endParaRPr lang="zh-CN" altLang="en-US" sz="4800" b="1" dirty="0">
+              <a:solidFill>
+                <a:schemeClr val="bg1">
+                  <a:lumMod val="85000"/>
+                </a:schemeClr>
+              </a:solidFill>
+              <a:latin typeface="微软雅黑" panose="020B0503020204020204" pitchFamily="34" charset="-122"/>
+              <a:ea typeface="微软雅黑" panose="020B0503020204020204" pitchFamily="34" charset="-122"/>
             </a:endParaRPr>
           </a:p>
         </p:txBody>
       </p:sp>
       <p:sp>
         <p:nvSpPr>
-          <p:cNvPr id="5" name="矩形 4"/>
-          <p:cNvSpPr/>
+          <p:cNvPr id="5" name="文字方塊 4"/>
+          <p:cNvSpPr txBox="1"/>
           <p:nvPr/>
         </p:nvSpPr>
         <p:spPr>
           <a:xfrm>
-            <a:off x="4830107" y="4133796"/>
-            <a:ext cx="2472152" cy="369332"/>
+            <a:off x="5361709" y="2524629"/>
+            <a:ext cx="1701107" cy="1446550"/>
           </a:xfrm>
           <a:prstGeom prst="rect">
             <a:avLst/>
           </a:prstGeom>
+          <a:noFill/>
         </p:spPr>
         <p:txBody>
-          <a:bodyPr wrap="none">
+          <a:bodyPr wrap="none" rtlCol="0">
             <a:spAutoFit/>
           </a:bodyPr>
           <a:lstStyle/>
           <a:p>
             <a:r>
-              <a:rPr lang="zh-CN" altLang="en-US" b="1" dirty="0">
-                <a:latin typeface="Roboto"/>
-              </a:rPr>
-              <a:t>自然语言生成（</a:t>
-            </a:r>
-            <a:r>
-              <a:rPr lang="en-US" altLang="zh-CN" b="1" dirty="0">
-                <a:latin typeface="Roboto"/>
-              </a:rPr>
-              <a:t>NLG</a:t>
-            </a:r>
-            <a:r>
-              <a:rPr lang="zh-CN" altLang="en-US" b="1" dirty="0">
-                <a:latin typeface="Roboto"/>
-              </a:rPr>
-              <a:t>）</a:t>
-            </a:r>
-            <a:endParaRPr lang="zh-CN" altLang="en-US" b="1" i="0" dirty="0">
-              <a:effectLst/>
-              <a:latin typeface="Roboto"/>
+              <a:rPr lang="en-US" altLang="zh-TW" sz="8800" dirty="0" smtClean="0">
+                <a:effectLst>
+                  <a:outerShdw blurRad="38100" dist="38100" dir="2700000" algn="tl">
+                    <a:srgbClr val="000000">
+                      <a:alpha val="43137"/>
+                    </a:srgbClr>
+                  </a:outerShdw>
+                </a:effectLst>
+                <a:latin typeface="Lucida Calligraphy" panose="03010101010101010101" pitchFamily="66" charset="0"/>
+              </a:rPr>
+              <a:t>Vs</a:t>
+            </a:r>
+            <a:endParaRPr lang="zh-TW" altLang="en-US" sz="8800" dirty="0">
+              <a:effectLst>
+                <a:outerShdw blurRad="38100" dist="38100" dir="2700000" algn="tl">
+                  <a:srgbClr val="000000">
+                    <a:alpha val="43137"/>
+                  </a:srgbClr>
+                </a:outerShdw>
+              </a:effectLst>
+              <a:latin typeface="Lucida Calligraphy" panose="03010101010101010101" pitchFamily="66" charset="0"/>
             </a:endParaRPr>
           </a:p>
         </p:txBody>
@@ -4079,7 +3907,7 @@
     </p:spTree>
     <p:extLst>
       <p:ext uri="{BB962C8B-B14F-4D97-AF65-F5344CB8AC3E}">
-        <p14:creationId xmlns:p14="http://schemas.microsoft.com/office/powerpoint/2010/main" val="2782209822"/>
+        <p14:creationId xmlns:p14="http://schemas.microsoft.com/office/powerpoint/2010/main" val="2530585792"/>
       </p:ext>
     </p:extLst>
   </p:cSld>
@@ -4104,7 +3932,7 @@
 </p:sld>
 </file>
 
-<file path=ppt/slides/slide16.xml><?xml version="1.0" encoding="utf-8"?>
+<file path=ppt/slides/slide15.xml><?xml version="1.0" encoding="utf-8"?>
 <p:sld xmlns:a="http://schemas.openxmlformats.org/drawingml/2006/main" xmlns:r="http://schemas.openxmlformats.org/officeDocument/2006/relationships" xmlns:p="http://schemas.openxmlformats.org/presentationml/2006/main">
   <p:cSld>
     <p:spTree>
@@ -4196,7 +4024,7 @@
         </p:nvSpPr>
         <p:spPr>
           <a:xfrm>
-            <a:off x="4676503" y="2555403"/>
+            <a:off x="5701739" y="5086166"/>
             <a:ext cx="2248885" cy="369332"/>
           </a:xfrm>
           <a:prstGeom prst="rect">
@@ -4244,7 +4072,409 @@
 </p:sld>
 </file>
 
+<file path=ppt/slides/slide16.xml><?xml version="1.0" encoding="utf-8"?>
+<p:sld xmlns:a="http://schemas.openxmlformats.org/drawingml/2006/main" xmlns:r="http://schemas.openxmlformats.org/officeDocument/2006/relationships" xmlns:p="http://schemas.openxmlformats.org/presentationml/2006/main">
+  <p:cSld>
+    <p:spTree>
+      <p:nvGrpSpPr>
+        <p:cNvPr id="1" name=""/>
+        <p:cNvGrpSpPr/>
+        <p:nvPr/>
+      </p:nvGrpSpPr>
+      <p:grpSpPr>
+        <a:xfrm>
+          <a:off x="0" y="0"/>
+          <a:ext cx="0" cy="0"/>
+          <a:chOff x="0" y="0"/>
+          <a:chExt cx="0" cy="0"/>
+        </a:xfrm>
+      </p:grpSpPr>
+      <p:pic>
+        <p:nvPicPr>
+          <p:cNvPr id="6" name="圖片 5"/>
+          <p:cNvPicPr>
+            <a:picLocks noChangeAspect="1"/>
+          </p:cNvPicPr>
+          <p:nvPr/>
+        </p:nvPicPr>
+        <p:blipFill>
+          <a:blip r:embed="rId2">
+            <a:extLst>
+              <a:ext uri="{28A0092B-C50C-407E-A947-70E740481C1C}">
+                <a14:useLocalDpi xmlns:a14="http://schemas.microsoft.com/office/drawing/2010/main" val="0"/>
+              </a:ext>
+            </a:extLst>
+          </a:blip>
+          <a:stretch>
+            <a:fillRect/>
+          </a:stretch>
+        </p:blipFill>
+        <p:spPr>
+          <a:xfrm>
+            <a:off x="5001618" y="1461653"/>
+            <a:ext cx="3699037" cy="3699037"/>
+          </a:xfrm>
+          <a:prstGeom prst="rect">
+            <a:avLst/>
+          </a:prstGeom>
+        </p:spPr>
+      </p:pic>
+      <p:sp>
+        <p:nvSpPr>
+          <p:cNvPr id="7" name="矩形 6"/>
+          <p:cNvSpPr/>
+          <p:nvPr/>
+        </p:nvSpPr>
+        <p:spPr>
+          <a:xfrm>
+            <a:off x="8700655" y="1461653"/>
+            <a:ext cx="2473754" cy="369332"/>
+          </a:xfrm>
+          <a:prstGeom prst="rect">
+            <a:avLst/>
+          </a:prstGeom>
+        </p:spPr>
+        <p:txBody>
+          <a:bodyPr wrap="none">
+            <a:spAutoFit/>
+          </a:bodyPr>
+          <a:lstStyle/>
+          <a:p>
+            <a:r>
+              <a:rPr lang="zh-CN" altLang="en-US" b="1" dirty="0" smtClean="0">
+                <a:latin typeface="Roboto"/>
+              </a:rPr>
+              <a:t>自然語言理解（</a:t>
+            </a:r>
+            <a:r>
+              <a:rPr lang="en-US" altLang="zh-CN" b="1" dirty="0" smtClean="0">
+                <a:latin typeface="Roboto"/>
+              </a:rPr>
+              <a:t>NLU</a:t>
+            </a:r>
+            <a:r>
+              <a:rPr lang="zh-CN" altLang="en-US" b="1" dirty="0">
+                <a:latin typeface="Roboto"/>
+              </a:rPr>
+              <a:t>）</a:t>
+            </a:r>
+            <a:endParaRPr lang="zh-CN" altLang="en-US" b="1" i="0" dirty="0">
+              <a:effectLst/>
+              <a:latin typeface="Roboto"/>
+            </a:endParaRPr>
+          </a:p>
+        </p:txBody>
+      </p:sp>
+      <p:sp>
+        <p:nvSpPr>
+          <p:cNvPr id="8" name="矩形 7"/>
+          <p:cNvSpPr/>
+          <p:nvPr/>
+        </p:nvSpPr>
+        <p:spPr>
+          <a:xfrm>
+            <a:off x="8617016" y="3210160"/>
+            <a:ext cx="2472152" cy="369332"/>
+          </a:xfrm>
+          <a:prstGeom prst="rect">
+            <a:avLst/>
+          </a:prstGeom>
+        </p:spPr>
+        <p:txBody>
+          <a:bodyPr wrap="none">
+            <a:spAutoFit/>
+          </a:bodyPr>
+          <a:lstStyle/>
+          <a:p>
+            <a:r>
+              <a:rPr lang="zh-CN" altLang="en-US" b="1" dirty="0" smtClean="0">
+                <a:latin typeface="Roboto"/>
+              </a:rPr>
+              <a:t>自然語言生成（</a:t>
+            </a:r>
+            <a:r>
+              <a:rPr lang="en-US" altLang="zh-CN" b="1" dirty="0" smtClean="0">
+                <a:latin typeface="Roboto"/>
+              </a:rPr>
+              <a:t>NLG</a:t>
+            </a:r>
+            <a:r>
+              <a:rPr lang="zh-CN" altLang="en-US" b="1" dirty="0">
+                <a:latin typeface="Roboto"/>
+              </a:rPr>
+              <a:t>）</a:t>
+            </a:r>
+            <a:endParaRPr lang="zh-CN" altLang="en-US" b="1" i="0" dirty="0">
+              <a:effectLst/>
+              <a:latin typeface="Roboto"/>
+            </a:endParaRPr>
+          </a:p>
+        </p:txBody>
+      </p:sp>
+      <p:sp>
+        <p:nvSpPr>
+          <p:cNvPr id="9" name="矩形 8"/>
+          <p:cNvSpPr/>
+          <p:nvPr/>
+        </p:nvSpPr>
+        <p:spPr>
+          <a:xfrm>
+            <a:off x="8762088" y="2335906"/>
+            <a:ext cx="2182008" cy="369332"/>
+          </a:xfrm>
+          <a:prstGeom prst="rect">
+            <a:avLst/>
+          </a:prstGeom>
+        </p:spPr>
+        <p:txBody>
+          <a:bodyPr wrap="none">
+            <a:spAutoFit/>
+          </a:bodyPr>
+          <a:lstStyle/>
+          <a:p>
+            <a:pPr algn="ctr"/>
+            <a:r>
+              <a:rPr lang="zh-TW" altLang="en-US" b="1" dirty="0" smtClean="0">
+                <a:latin typeface="Roboto"/>
+              </a:rPr>
+              <a:t>語料庫</a:t>
+            </a:r>
+            <a:r>
+              <a:rPr lang="zh-CN" altLang="en-US" b="1" dirty="0">
+                <a:latin typeface="Roboto"/>
+              </a:rPr>
+              <a:t>（ </a:t>
+            </a:r>
+            <a:r>
+              <a:rPr lang="en-US" altLang="zh-CN" b="1" dirty="0" smtClean="0">
+                <a:latin typeface="Roboto"/>
+              </a:rPr>
+              <a:t>Corpus</a:t>
+            </a:r>
+            <a:r>
+              <a:rPr lang="zh-CN" altLang="en-US" b="1" dirty="0">
+                <a:latin typeface="Roboto"/>
+              </a:rPr>
+              <a:t> ）</a:t>
+            </a:r>
+            <a:endParaRPr lang="zh-CN" altLang="en-US" b="1" i="0" dirty="0">
+              <a:effectLst/>
+              <a:latin typeface="Roboto"/>
+            </a:endParaRPr>
+          </a:p>
+        </p:txBody>
+      </p:sp>
+      <p:sp>
+        <p:nvSpPr>
+          <p:cNvPr id="14" name="矩形 13"/>
+          <p:cNvSpPr/>
+          <p:nvPr/>
+        </p:nvSpPr>
+        <p:spPr>
+          <a:xfrm>
+            <a:off x="2554778" y="2335906"/>
+            <a:ext cx="1984839" cy="369332"/>
+          </a:xfrm>
+          <a:prstGeom prst="rect">
+            <a:avLst/>
+          </a:prstGeom>
+        </p:spPr>
+        <p:txBody>
+          <a:bodyPr wrap="none">
+            <a:spAutoFit/>
+          </a:bodyPr>
+          <a:lstStyle/>
+          <a:p>
+            <a:r>
+              <a:rPr lang="zh-TW" altLang="en-US" b="1" dirty="0" smtClean="0">
+                <a:latin typeface="Roboto"/>
+              </a:rPr>
+              <a:t>語音識別</a:t>
+            </a:r>
+            <a:r>
+              <a:rPr lang="zh-CN" altLang="en-US" b="1" dirty="0" smtClean="0">
+                <a:latin typeface="Roboto"/>
+              </a:rPr>
+              <a:t>（</a:t>
+            </a:r>
+            <a:r>
+              <a:rPr lang="en-US" altLang="zh-TW" b="1" dirty="0" smtClean="0">
+                <a:latin typeface="Roboto"/>
+              </a:rPr>
+              <a:t>ASR</a:t>
+            </a:r>
+            <a:r>
+              <a:rPr lang="zh-CN" altLang="en-US" b="1" dirty="0" smtClean="0">
+                <a:latin typeface="Roboto"/>
+              </a:rPr>
+              <a:t>）</a:t>
+            </a:r>
+            <a:endParaRPr lang="zh-CN" altLang="en-US" b="1" i="0" dirty="0">
+              <a:effectLst/>
+              <a:latin typeface="Roboto"/>
+            </a:endParaRPr>
+          </a:p>
+        </p:txBody>
+      </p:sp>
+      <p:sp>
+        <p:nvSpPr>
+          <p:cNvPr id="15" name="矩形 14"/>
+          <p:cNvSpPr/>
+          <p:nvPr/>
+        </p:nvSpPr>
+        <p:spPr>
+          <a:xfrm>
+            <a:off x="2707178" y="3790633"/>
+            <a:ext cx="1944763" cy="369332"/>
+          </a:xfrm>
+          <a:prstGeom prst="rect">
+            <a:avLst/>
+          </a:prstGeom>
+        </p:spPr>
+        <p:txBody>
+          <a:bodyPr wrap="none">
+            <a:spAutoFit/>
+          </a:bodyPr>
+          <a:lstStyle/>
+          <a:p>
+            <a:r>
+              <a:rPr lang="zh-TW" altLang="en-US" b="1" dirty="0" smtClean="0">
+                <a:latin typeface="Roboto"/>
+              </a:rPr>
+              <a:t>語音合成</a:t>
+            </a:r>
+            <a:r>
+              <a:rPr lang="zh-CN" altLang="en-US" b="1" dirty="0" smtClean="0">
+                <a:latin typeface="Roboto"/>
+              </a:rPr>
+              <a:t>（</a:t>
+            </a:r>
+            <a:r>
+              <a:rPr lang="en-US" altLang="zh-TW" b="1" dirty="0" smtClean="0">
+                <a:latin typeface="Roboto"/>
+              </a:rPr>
+              <a:t>TTS</a:t>
+            </a:r>
+            <a:r>
+              <a:rPr lang="zh-CN" altLang="en-US" b="1" dirty="0" smtClean="0">
+                <a:latin typeface="Roboto"/>
+              </a:rPr>
+              <a:t>）</a:t>
+            </a:r>
+            <a:endParaRPr lang="zh-CN" altLang="en-US" b="1" i="0" dirty="0">
+              <a:effectLst/>
+              <a:latin typeface="Roboto"/>
+            </a:endParaRPr>
+          </a:p>
+        </p:txBody>
+      </p:sp>
+    </p:spTree>
+    <p:extLst>
+      <p:ext uri="{BB962C8B-B14F-4D97-AF65-F5344CB8AC3E}">
+        <p14:creationId xmlns:p14="http://schemas.microsoft.com/office/powerpoint/2010/main" val="1478381825"/>
+      </p:ext>
+    </p:extLst>
+  </p:cSld>
+  <p:clrMapOvr>
+    <a:masterClrMapping/>
+  </p:clrMapOvr>
+  <mc:AlternateContent xmlns:mc="http://schemas.openxmlformats.org/markup-compatibility/2006" xmlns:p14="http://schemas.microsoft.com/office/powerpoint/2010/main">
+    <mc:Choice Requires="p14">
+      <p:transition p14:dur="0" advTm="0"/>
+    </mc:Choice>
+    <mc:Fallback xmlns="">
+      <p:transition advTm="0"/>
+    </mc:Fallback>
+  </mc:AlternateContent>
+</p:sld>
+</file>
+
 <file path=ppt/slides/slide17.xml><?xml version="1.0" encoding="utf-8"?>
+<p:sld xmlns:a="http://schemas.openxmlformats.org/drawingml/2006/main" xmlns:r="http://schemas.openxmlformats.org/officeDocument/2006/relationships" xmlns:p="http://schemas.openxmlformats.org/presentationml/2006/main">
+  <p:cSld>
+    <p:spTree>
+      <p:nvGrpSpPr>
+        <p:cNvPr id="1" name=""/>
+        <p:cNvGrpSpPr/>
+        <p:nvPr/>
+      </p:nvGrpSpPr>
+      <p:grpSpPr>
+        <a:xfrm>
+          <a:off x="0" y="0"/>
+          <a:ext cx="0" cy="0"/>
+          <a:chOff x="0" y="0"/>
+          <a:chExt cx="0" cy="0"/>
+        </a:xfrm>
+      </p:grpSpPr>
+      <p:sp>
+        <p:nvSpPr>
+          <p:cNvPr id="2" name="矩形 1"/>
+          <p:cNvSpPr/>
+          <p:nvPr/>
+        </p:nvSpPr>
+        <p:spPr>
+          <a:xfrm>
+            <a:off x="3316146" y="4321659"/>
+            <a:ext cx="7099572" cy="769441"/>
+          </a:xfrm>
+          <a:prstGeom prst="rect">
+            <a:avLst/>
+          </a:prstGeom>
+        </p:spPr>
+        <p:txBody>
+          <a:bodyPr wrap="none">
+            <a:spAutoFit/>
+          </a:bodyPr>
+          <a:lstStyle/>
+          <a:p>
+            <a:r>
+              <a:rPr lang="zh-TW" altLang="en-US" sz="4400" dirty="0" smtClean="0"/>
+              <a:t>實作聊天</a:t>
+            </a:r>
+            <a:r>
+              <a:rPr lang="zh-TW" altLang="en-US" sz="4400" dirty="0" smtClean="0"/>
+              <a:t>機器人（</a:t>
+            </a:r>
+            <a:r>
+              <a:rPr lang="en-US" altLang="zh-TW" sz="4400" dirty="0" err="1"/>
+              <a:t>Chatbot</a:t>
+            </a:r>
+            <a:r>
+              <a:rPr lang="zh-TW" altLang="en-US" sz="4400" dirty="0"/>
+              <a:t>）</a:t>
+            </a:r>
+          </a:p>
+        </p:txBody>
+      </p:sp>
+    </p:spTree>
+    <p:extLst>
+      <p:ext uri="{BB962C8B-B14F-4D97-AF65-F5344CB8AC3E}">
+        <p14:creationId xmlns:p14="http://schemas.microsoft.com/office/powerpoint/2010/main" val="4142678272"/>
+      </p:ext>
+    </p:extLst>
+  </p:cSld>
+  <p:clrMapOvr>
+    <a:masterClrMapping/>
+  </p:clrMapOvr>
+  <mc:AlternateContent xmlns:mc="http://schemas.openxmlformats.org/markup-compatibility/2006" xmlns:p14="http://schemas.microsoft.com/office/powerpoint/2010/main">
+    <mc:Choice Requires="p14">
+      <p:transition p14:dur="0" advTm="0"/>
+    </mc:Choice>
+    <mc:Fallback xmlns="">
+      <p:transition advTm="0"/>
+    </mc:Fallback>
+  </mc:AlternateContent>
+  <p:timing>
+    <p:tnLst>
+      <p:par>
+        <p:cTn id="1" dur="indefinite" restart="never" nodeType="tmRoot"/>
+      </p:par>
+    </p:tnLst>
+  </p:timing>
+</p:sld>
+</file>
+
+<file path=ppt/slides/slide18.xml><?xml version="1.0" encoding="utf-8"?>
 <p:sld xmlns:a="http://schemas.openxmlformats.org/drawingml/2006/main" xmlns:r="http://schemas.openxmlformats.org/officeDocument/2006/relationships" xmlns:p="http://schemas.openxmlformats.org/presentationml/2006/main">
   <p:cSld>
     <p:spTree>
@@ -4361,91 +4591,6 @@
     <p:extLst>
       <p:ext uri="{BB962C8B-B14F-4D97-AF65-F5344CB8AC3E}">
         <p14:creationId xmlns:p14="http://schemas.microsoft.com/office/powerpoint/2010/main" val="1223899635"/>
-      </p:ext>
-    </p:extLst>
-  </p:cSld>
-  <p:clrMapOvr>
-    <a:masterClrMapping/>
-  </p:clrMapOvr>
-  <mc:AlternateContent xmlns:mc="http://schemas.openxmlformats.org/markup-compatibility/2006" xmlns:p14="http://schemas.microsoft.com/office/powerpoint/2010/main">
-    <mc:Choice Requires="p14">
-      <p:transition p14:dur="0" advTm="0"/>
-    </mc:Choice>
-    <mc:Fallback xmlns="">
-      <p:transition advTm="0"/>
-    </mc:Fallback>
-  </mc:AlternateContent>
-  <p:timing>
-    <p:tnLst>
-      <p:par>
-        <p:cTn id="1" dur="indefinite" restart="never" nodeType="tmRoot"/>
-      </p:par>
-    </p:tnLst>
-  </p:timing>
-</p:sld>
-</file>
-
-<file path=ppt/slides/slide18.xml><?xml version="1.0" encoding="utf-8"?>
-<p:sld xmlns:a="http://schemas.openxmlformats.org/drawingml/2006/main" xmlns:r="http://schemas.openxmlformats.org/officeDocument/2006/relationships" xmlns:p="http://schemas.openxmlformats.org/presentationml/2006/main">
-  <p:cSld>
-    <p:spTree>
-      <p:nvGrpSpPr>
-        <p:cNvPr id="1" name=""/>
-        <p:cNvGrpSpPr/>
-        <p:nvPr/>
-      </p:nvGrpSpPr>
-      <p:grpSpPr>
-        <a:xfrm>
-          <a:off x="0" y="0"/>
-          <a:ext cx="0" cy="0"/>
-          <a:chOff x="0" y="0"/>
-          <a:chExt cx="0" cy="0"/>
-        </a:xfrm>
-      </p:grpSpPr>
-      <p:sp>
-        <p:nvSpPr>
-          <p:cNvPr id="2" name="矩形 1"/>
-          <p:cNvSpPr/>
-          <p:nvPr/>
-        </p:nvSpPr>
-        <p:spPr>
-          <a:xfrm>
-            <a:off x="2872800" y="3471913"/>
-            <a:ext cx="5971058" cy="769441"/>
-          </a:xfrm>
-          <a:prstGeom prst="rect">
-            <a:avLst/>
-          </a:prstGeom>
-        </p:spPr>
-        <p:txBody>
-          <a:bodyPr wrap="none">
-            <a:spAutoFit/>
-          </a:bodyPr>
-          <a:lstStyle/>
-          <a:p>
-            <a:r>
-              <a:rPr lang="zh-TW" altLang="en-US" sz="4400" dirty="0"/>
-              <a:t>聊天</a:t>
-            </a:r>
-            <a:r>
-              <a:rPr lang="zh-TW" altLang="en-US" sz="4400" dirty="0" smtClean="0"/>
-              <a:t>機器人（</a:t>
-            </a:r>
-            <a:r>
-              <a:rPr lang="en-US" altLang="zh-TW" sz="4400" dirty="0" err="1"/>
-              <a:t>Chatbot</a:t>
-            </a:r>
-            <a:r>
-              <a:rPr lang="zh-TW" altLang="en-US" sz="4400" dirty="0"/>
-              <a:t>）</a:t>
-            </a:r>
-          </a:p>
-        </p:txBody>
-      </p:sp>
-    </p:spTree>
-    <p:extLst>
-      <p:ext uri="{BB962C8B-B14F-4D97-AF65-F5344CB8AC3E}">
-        <p14:creationId xmlns:p14="http://schemas.microsoft.com/office/powerpoint/2010/main" val="4142678272"/>
       </p:ext>
     </p:extLst>
   </p:cSld>

--- a/NLP2.pptx
+++ b/NLP2.pptx
@@ -22,8 +22,11 @@
     <p:sldId id="307" r:id="rId16"/>
     <p:sldId id="309" r:id="rId17"/>
     <p:sldId id="304" r:id="rId18"/>
-    <p:sldId id="308" r:id="rId19"/>
-    <p:sldId id="305" r:id="rId20"/>
+    <p:sldId id="310" r:id="rId19"/>
+    <p:sldId id="311" r:id="rId20"/>
+    <p:sldId id="305" r:id="rId21"/>
+    <p:sldId id="308" r:id="rId22"/>
+    <p:sldId id="312" r:id="rId23"/>
   </p:sldIdLst>
   <p:sldSz cx="12192000" cy="6858000"/>
   <p:notesSz cx="6858000" cy="9144000"/>
@@ -1675,6 +1678,36 @@
               <a:ea typeface="Microsoft YaHei" charset="-122"/>
               <a:cs typeface="Microsoft YaHei" charset="-122"/>
             </a:endParaRPr>
+          </a:p>
+        </p:txBody>
+      </p:sp>
+      <p:sp>
+        <p:nvSpPr>
+          <p:cNvPr id="2" name="文字方塊 1"/>
+          <p:cNvSpPr txBox="1"/>
+          <p:nvPr/>
+        </p:nvSpPr>
+        <p:spPr>
+          <a:xfrm>
+            <a:off x="3358342" y="6018415"/>
+            <a:ext cx="3752950" cy="369332"/>
+          </a:xfrm>
+          <a:prstGeom prst="rect">
+            <a:avLst/>
+          </a:prstGeom>
+          <a:noFill/>
+        </p:spPr>
+        <p:txBody>
+          <a:bodyPr wrap="none" rtlCol="0">
+            <a:spAutoFit/>
+          </a:bodyPr>
+          <a:lstStyle/>
+          <a:p>
+            <a:r>
+              <a:rPr lang="zh-TW" altLang="en-US" dirty="0" smtClean="0"/>
+              <a:t>澳門培正中學 黃燦霖 資訊科技教師</a:t>
+            </a:r>
+            <a:endParaRPr lang="zh-TW" altLang="en-US" dirty="0"/>
           </a:p>
         </p:txBody>
       </p:sp>
@@ -2931,7 +2964,7 @@
                     <a:lumOff val="40000"/>
                   </a:schemeClr>
                 </a:solidFill>
-                <a:latin typeface="-apple-system"/>
+                <a:latin typeface="+mj-lt"/>
               </a:rPr>
               <a:t>自然語言處理（</a:t>
             </a:r>
@@ -2943,7 +2976,7 @@
                     <a:lumOff val="40000"/>
                   </a:schemeClr>
                 </a:solidFill>
-                <a:latin typeface="-apple-system"/>
+                <a:latin typeface="+mj-lt"/>
               </a:rPr>
               <a:t>NLP</a:t>
             </a:r>
@@ -2955,7 +2988,7 @@
                     <a:lumOff val="40000"/>
                   </a:schemeClr>
                 </a:solidFill>
-                <a:latin typeface="-apple-system"/>
+                <a:latin typeface="+mj-lt"/>
               </a:rPr>
               <a:t>）是指使用諸如英語之類的自然語言與智慧系統通信的</a:t>
             </a:r>
@@ -2967,7 +3000,7 @@
                     <a:lumOff val="40000"/>
                   </a:schemeClr>
                 </a:solidFill>
-                <a:latin typeface="-apple-system"/>
+                <a:latin typeface="+mj-lt"/>
               </a:rPr>
               <a:t>AI</a:t>
             </a:r>
@@ -2979,7 +3012,7 @@
                     <a:lumOff val="40000"/>
                   </a:schemeClr>
                 </a:solidFill>
-                <a:latin typeface="-apple-system"/>
+                <a:latin typeface="+mj-lt"/>
               </a:rPr>
               <a:t>方法。</a:t>
             </a:r>
@@ -2990,6 +3023,7 @@
                   <a:lumOff val="40000"/>
                 </a:schemeClr>
               </a:solidFill>
+              <a:latin typeface="+mj-lt"/>
             </a:endParaRPr>
           </a:p>
         </p:txBody>
@@ -4044,6 +4078,29 @@
           </a:p>
         </p:txBody>
       </p:sp>
+      <p:pic>
+        <p:nvPicPr>
+          <p:cNvPr id="3" name="圖片 2"/>
+          <p:cNvPicPr>
+            <a:picLocks noChangeAspect="1"/>
+          </p:cNvPicPr>
+          <p:nvPr/>
+        </p:nvPicPr>
+        <p:blipFill rotWithShape="1">
+          <a:blip r:embed="rId4"/>
+          <a:srcRect t="845"/>
+          <a:stretch/>
+        </p:blipFill>
+        <p:spPr>
+          <a:xfrm>
+            <a:off x="4347343" y="656705"/>
+            <a:ext cx="3048425" cy="3476082"/>
+          </a:xfrm>
+          <a:prstGeom prst="rect">
+            <a:avLst/>
+          </a:prstGeom>
+        </p:spPr>
+      </p:pic>
     </p:spTree>
     <p:extLst>
       <p:ext uri="{BB962C8B-B14F-4D97-AF65-F5344CB8AC3E}">
@@ -4111,7 +4168,7 @@
         </p:blipFill>
         <p:spPr>
           <a:xfrm>
-            <a:off x="5001618" y="1461653"/>
+            <a:off x="5001618" y="2520572"/>
             <a:ext cx="3699037" cy="3699037"/>
           </a:xfrm>
           <a:prstGeom prst="rect">
@@ -4127,7 +4184,7 @@
         </p:nvSpPr>
         <p:spPr>
           <a:xfrm>
-            <a:off x="8700655" y="1461653"/>
+            <a:off x="8470342" y="2540226"/>
             <a:ext cx="2473754" cy="369332"/>
           </a:xfrm>
           <a:prstGeom prst="rect">
@@ -4173,7 +4230,7 @@
         </p:nvSpPr>
         <p:spPr>
           <a:xfrm>
-            <a:off x="8617016" y="3210160"/>
+            <a:off x="8617016" y="4269079"/>
             <a:ext cx="2472152" cy="369332"/>
           </a:xfrm>
           <a:prstGeom prst="rect">
@@ -4219,7 +4276,7 @@
         </p:nvSpPr>
         <p:spPr>
           <a:xfrm>
-            <a:off x="8762088" y="2335906"/>
+            <a:off x="8762088" y="3394825"/>
             <a:ext cx="2182008" cy="369332"/>
           </a:xfrm>
           <a:prstGeom prst="rect">
@@ -4272,7 +4329,7 @@
         </p:nvSpPr>
         <p:spPr>
           <a:xfrm>
-            <a:off x="2554778" y="2335906"/>
+            <a:off x="2904455" y="3258619"/>
             <a:ext cx="1984839" cy="369332"/>
           </a:xfrm>
           <a:prstGeom prst="rect">
@@ -4324,7 +4381,7 @@
         </p:nvSpPr>
         <p:spPr>
           <a:xfrm>
-            <a:off x="2707178" y="3790633"/>
+            <a:off x="3056855" y="4713346"/>
             <a:ext cx="1944763" cy="369332"/>
           </a:xfrm>
           <a:prstGeom prst="rect">
@@ -4368,6 +4425,246 @@
           </a:p>
         </p:txBody>
       </p:sp>
+      <p:sp>
+        <p:nvSpPr>
+          <p:cNvPr id="10" name="TextBox 13"/>
+          <p:cNvSpPr txBox="1"/>
+          <p:nvPr/>
+        </p:nvSpPr>
+        <p:spPr>
+          <a:xfrm>
+            <a:off x="2144024" y="975905"/>
+            <a:ext cx="3787768" cy="574133"/>
+          </a:xfrm>
+          <a:prstGeom prst="rect">
+            <a:avLst/>
+          </a:prstGeom>
+          <a:noFill/>
+        </p:spPr>
+        <p:txBody>
+          <a:bodyPr wrap="none" lIns="80899" tIns="40450" rIns="80899" bIns="40450" rtlCol="0">
+            <a:spAutoFit/>
+          </a:bodyPr>
+          <a:lstStyle/>
+          <a:p>
+            <a:r>
+              <a:rPr lang="zh-TW" altLang="en-US" sz="3200" b="1" dirty="0">
+                <a:solidFill>
+                  <a:schemeClr val="tx1">
+                    <a:lumMod val="85000"/>
+                    <a:lumOff val="15000"/>
+                  </a:schemeClr>
+                </a:solidFill>
+                <a:latin typeface="Microsoft YaHei" charset="-122"/>
+                <a:ea typeface="Microsoft YaHei" charset="-122"/>
+                <a:cs typeface="Microsoft YaHei" charset="-122"/>
+                <a:sym typeface="+mn-lt"/>
+              </a:rPr>
+              <a:t>自然語言</a:t>
+            </a:r>
+            <a:r>
+              <a:rPr lang="zh-TW" altLang="en-US" sz="3200" b="1" dirty="0" smtClean="0">
+                <a:solidFill>
+                  <a:schemeClr val="tx1">
+                    <a:lumMod val="85000"/>
+                    <a:lumOff val="15000"/>
+                  </a:schemeClr>
+                </a:solidFill>
+                <a:latin typeface="Microsoft YaHei" charset="-122"/>
+                <a:ea typeface="Microsoft YaHei" charset="-122"/>
+                <a:cs typeface="Microsoft YaHei" charset="-122"/>
+                <a:sym typeface="+mn-lt"/>
+              </a:rPr>
+              <a:t>處理</a:t>
+            </a:r>
+            <a:r>
+              <a:rPr lang="en-US" altLang="zh-TW" sz="3200" b="1" dirty="0" smtClean="0">
+                <a:solidFill>
+                  <a:schemeClr val="tx1">
+                    <a:lumMod val="85000"/>
+                    <a:lumOff val="15000"/>
+                  </a:schemeClr>
+                </a:solidFill>
+                <a:latin typeface="Microsoft YaHei" charset="-122"/>
+                <a:ea typeface="Microsoft YaHei" charset="-122"/>
+                <a:cs typeface="Microsoft YaHei" charset="-122"/>
+                <a:sym typeface="+mn-lt"/>
+              </a:rPr>
+              <a:t>(NLP)</a:t>
+            </a:r>
+            <a:endParaRPr lang="zh-TW" altLang="en-US" sz="3200" b="1" dirty="0">
+              <a:solidFill>
+                <a:schemeClr val="tx1">
+                  <a:lumMod val="85000"/>
+                  <a:lumOff val="15000"/>
+                </a:schemeClr>
+              </a:solidFill>
+              <a:latin typeface="Microsoft YaHei" charset="-122"/>
+              <a:ea typeface="Microsoft YaHei" charset="-122"/>
+              <a:cs typeface="Microsoft YaHei" charset="-122"/>
+              <a:sym typeface="+mn-lt"/>
+            </a:endParaRPr>
+          </a:p>
+        </p:txBody>
+      </p:sp>
+      <p:cxnSp>
+        <p:nvCxnSpPr>
+          <p:cNvPr id="3" name="肘形接點 2"/>
+          <p:cNvCxnSpPr>
+            <a:stCxn id="14" idx="3"/>
+          </p:cNvCxnSpPr>
+          <p:nvPr/>
+        </p:nvCxnSpPr>
+        <p:spPr>
+          <a:xfrm>
+            <a:off x="4889294" y="3443285"/>
+            <a:ext cx="1944763" cy="133130"/>
+          </a:xfrm>
+          <a:prstGeom prst="bentConnector3">
+            <a:avLst/>
+          </a:prstGeom>
+          <a:ln w="28575">
+            <a:solidFill>
+              <a:schemeClr val="accent6">
+                <a:lumMod val="75000"/>
+              </a:schemeClr>
+            </a:solidFill>
+            <a:prstDash val="dash"/>
+            <a:tailEnd type="triangle"/>
+          </a:ln>
+        </p:spPr>
+        <p:style>
+          <a:lnRef idx="1">
+            <a:schemeClr val="accent1"/>
+          </a:lnRef>
+          <a:fillRef idx="0">
+            <a:schemeClr val="accent1"/>
+          </a:fillRef>
+          <a:effectRef idx="0">
+            <a:schemeClr val="accent1"/>
+          </a:effectRef>
+          <a:fontRef idx="minor">
+            <a:schemeClr val="tx1"/>
+          </a:fontRef>
+        </p:style>
+      </p:cxnSp>
+      <p:cxnSp>
+        <p:nvCxnSpPr>
+          <p:cNvPr id="12" name="肘形接點 11"/>
+          <p:cNvCxnSpPr/>
+          <p:nvPr/>
+        </p:nvCxnSpPr>
+        <p:spPr>
+          <a:xfrm rot="10800000" flipV="1">
+            <a:off x="4804756" y="4713346"/>
+            <a:ext cx="889462" cy="184666"/>
+          </a:xfrm>
+          <a:prstGeom prst="bentConnector3">
+            <a:avLst/>
+          </a:prstGeom>
+          <a:ln w="28575">
+            <a:solidFill>
+              <a:schemeClr val="accent6">
+                <a:lumMod val="75000"/>
+              </a:schemeClr>
+            </a:solidFill>
+            <a:prstDash val="dash"/>
+            <a:tailEnd type="triangle"/>
+          </a:ln>
+        </p:spPr>
+        <p:style>
+          <a:lnRef idx="1">
+            <a:schemeClr val="accent1"/>
+          </a:lnRef>
+          <a:fillRef idx="0">
+            <a:schemeClr val="accent1"/>
+          </a:fillRef>
+          <a:effectRef idx="0">
+            <a:schemeClr val="accent1"/>
+          </a:effectRef>
+          <a:fontRef idx="minor">
+            <a:schemeClr val="tx1"/>
+          </a:fontRef>
+        </p:style>
+      </p:cxnSp>
+      <p:cxnSp>
+        <p:nvCxnSpPr>
+          <p:cNvPr id="16" name="肘形接點 15"/>
+          <p:cNvCxnSpPr/>
+          <p:nvPr/>
+        </p:nvCxnSpPr>
+        <p:spPr>
+          <a:xfrm rot="16200000" flipH="1">
+            <a:off x="9158053" y="3066639"/>
+            <a:ext cx="541341" cy="211950"/>
+          </a:xfrm>
+          <a:prstGeom prst="bentConnector3">
+            <a:avLst/>
+          </a:prstGeom>
+          <a:ln w="28575">
+            <a:solidFill>
+              <a:schemeClr val="accent6">
+                <a:lumMod val="75000"/>
+              </a:schemeClr>
+            </a:solidFill>
+            <a:prstDash val="dash"/>
+            <a:tailEnd type="triangle"/>
+          </a:ln>
+        </p:spPr>
+        <p:style>
+          <a:lnRef idx="1">
+            <a:schemeClr val="accent1"/>
+          </a:lnRef>
+          <a:fillRef idx="0">
+            <a:schemeClr val="accent1"/>
+          </a:fillRef>
+          <a:effectRef idx="0">
+            <a:schemeClr val="accent1"/>
+          </a:effectRef>
+          <a:fontRef idx="minor">
+            <a:schemeClr val="tx1"/>
+          </a:fontRef>
+        </p:style>
+      </p:cxnSp>
+      <p:cxnSp>
+        <p:nvCxnSpPr>
+          <p:cNvPr id="17" name="肘形接點 16"/>
+          <p:cNvCxnSpPr/>
+          <p:nvPr/>
+        </p:nvCxnSpPr>
+        <p:spPr>
+          <a:xfrm rot="16200000" flipH="1">
+            <a:off x="9264029" y="3907440"/>
+            <a:ext cx="541341" cy="211950"/>
+          </a:xfrm>
+          <a:prstGeom prst="bentConnector3">
+            <a:avLst/>
+          </a:prstGeom>
+          <a:ln w="28575">
+            <a:solidFill>
+              <a:schemeClr val="accent6">
+                <a:lumMod val="75000"/>
+              </a:schemeClr>
+            </a:solidFill>
+            <a:prstDash val="dash"/>
+            <a:tailEnd type="triangle"/>
+          </a:ln>
+        </p:spPr>
+        <p:style>
+          <a:lnRef idx="1">
+            <a:schemeClr val="accent1"/>
+          </a:lnRef>
+          <a:fillRef idx="0">
+            <a:schemeClr val="accent1"/>
+          </a:fillRef>
+          <a:effectRef idx="0">
+            <a:schemeClr val="accent1"/>
+          </a:effectRef>
+          <a:fontRef idx="minor">
+            <a:schemeClr val="tx1"/>
+          </a:fontRef>
+        </p:style>
+      </p:cxnSp>
     </p:spTree>
     <p:extLst>
       <p:ext uri="{BB962C8B-B14F-4D97-AF65-F5344CB8AC3E}">
@@ -4386,6 +4683,248 @@
       <p:transition advTm="0"/>
     </mc:Fallback>
   </mc:AlternateContent>
+  <p:timing>
+    <p:tnLst>
+      <p:par>
+        <p:cTn id="1" dur="indefinite" restart="never" nodeType="tmRoot">
+          <p:childTnLst>
+            <p:seq concurrent="1" nextAc="seek">
+              <p:cTn id="2" dur="indefinite" nodeType="mainSeq">
+                <p:childTnLst>
+                  <p:par>
+                    <p:cTn id="3" fill="hold">
+                      <p:stCondLst>
+                        <p:cond delay="indefinite"/>
+                      </p:stCondLst>
+                      <p:childTnLst>
+                        <p:par>
+                          <p:cTn id="4" fill="hold">
+                            <p:stCondLst>
+                              <p:cond delay="0"/>
+                            </p:stCondLst>
+                            <p:childTnLst>
+                              <p:par>
+                                <p:cTn id="5" presetID="22" presetClass="entr" presetSubtype="8" fill="hold" nodeType="clickEffect">
+                                  <p:stCondLst>
+                                    <p:cond delay="0"/>
+                                  </p:stCondLst>
+                                  <p:childTnLst>
+                                    <p:set>
+                                      <p:cBhvr>
+                                        <p:cTn id="6" dur="1" fill="hold">
+                                          <p:stCondLst>
+                                            <p:cond delay="0"/>
+                                          </p:stCondLst>
+                                        </p:cTn>
+                                        <p:tgtEl>
+                                          <p:spTgt spid="3"/>
+                                        </p:tgtEl>
+                                        <p:attrNameLst>
+                                          <p:attrName>style.visibility</p:attrName>
+                                        </p:attrNameLst>
+                                      </p:cBhvr>
+                                      <p:to>
+                                        <p:strVal val="visible"/>
+                                      </p:to>
+                                    </p:set>
+                                    <p:animEffect transition="in" filter="wipe(left)">
+                                      <p:cBhvr>
+                                        <p:cTn id="7" dur="500"/>
+                                        <p:tgtEl>
+                                          <p:spTgt spid="3"/>
+                                        </p:tgtEl>
+                                      </p:cBhvr>
+                                    </p:animEffect>
+                                  </p:childTnLst>
+                                </p:cTn>
+                              </p:par>
+                            </p:childTnLst>
+                          </p:cTn>
+                        </p:par>
+                      </p:childTnLst>
+                    </p:cTn>
+                  </p:par>
+                  <p:par>
+                    <p:cTn id="8" fill="hold">
+                      <p:stCondLst>
+                        <p:cond delay="indefinite"/>
+                      </p:stCondLst>
+                      <p:childTnLst>
+                        <p:par>
+                          <p:cTn id="9" fill="hold">
+                            <p:stCondLst>
+                              <p:cond delay="0"/>
+                            </p:stCondLst>
+                            <p:childTnLst>
+                              <p:par>
+                                <p:cTn id="10" presetID="22" presetClass="entr" presetSubtype="1" fill="hold" nodeType="clickEffect">
+                                  <p:stCondLst>
+                                    <p:cond delay="0"/>
+                                  </p:stCondLst>
+                                  <p:childTnLst>
+                                    <p:set>
+                                      <p:cBhvr>
+                                        <p:cTn id="11" dur="1" fill="hold">
+                                          <p:stCondLst>
+                                            <p:cond delay="0"/>
+                                          </p:stCondLst>
+                                        </p:cTn>
+                                        <p:tgtEl>
+                                          <p:spTgt spid="16"/>
+                                        </p:tgtEl>
+                                        <p:attrNameLst>
+                                          <p:attrName>style.visibility</p:attrName>
+                                        </p:attrNameLst>
+                                      </p:cBhvr>
+                                      <p:to>
+                                        <p:strVal val="visible"/>
+                                      </p:to>
+                                    </p:set>
+                                    <p:animEffect transition="in" filter="wipe(up)">
+                                      <p:cBhvr>
+                                        <p:cTn id="12" dur="500"/>
+                                        <p:tgtEl>
+                                          <p:spTgt spid="16"/>
+                                        </p:tgtEl>
+                                      </p:cBhvr>
+                                    </p:animEffect>
+                                  </p:childTnLst>
+                                </p:cTn>
+                              </p:par>
+                            </p:childTnLst>
+                          </p:cTn>
+                        </p:par>
+                      </p:childTnLst>
+                    </p:cTn>
+                  </p:par>
+                  <p:par>
+                    <p:cTn id="13" fill="hold">
+                      <p:stCondLst>
+                        <p:cond delay="indefinite"/>
+                      </p:stCondLst>
+                      <p:childTnLst>
+                        <p:par>
+                          <p:cTn id="14" fill="hold">
+                            <p:stCondLst>
+                              <p:cond delay="0"/>
+                            </p:stCondLst>
+                            <p:childTnLst>
+                              <p:par>
+                                <p:cTn id="15" presetID="22" presetClass="entr" presetSubtype="1" fill="hold" nodeType="clickEffect">
+                                  <p:stCondLst>
+                                    <p:cond delay="0"/>
+                                  </p:stCondLst>
+                                  <p:childTnLst>
+                                    <p:set>
+                                      <p:cBhvr>
+                                        <p:cTn id="16" dur="1" fill="hold">
+                                          <p:stCondLst>
+                                            <p:cond delay="0"/>
+                                          </p:stCondLst>
+                                        </p:cTn>
+                                        <p:tgtEl>
+                                          <p:spTgt spid="17"/>
+                                        </p:tgtEl>
+                                        <p:attrNameLst>
+                                          <p:attrName>style.visibility</p:attrName>
+                                        </p:attrNameLst>
+                                      </p:cBhvr>
+                                      <p:to>
+                                        <p:strVal val="visible"/>
+                                      </p:to>
+                                    </p:set>
+                                    <p:animEffect transition="in" filter="wipe(up)">
+                                      <p:cBhvr>
+                                        <p:cTn id="17" dur="500"/>
+                                        <p:tgtEl>
+                                          <p:spTgt spid="17"/>
+                                        </p:tgtEl>
+                                      </p:cBhvr>
+                                    </p:animEffect>
+                                  </p:childTnLst>
+                                </p:cTn>
+                              </p:par>
+                            </p:childTnLst>
+                          </p:cTn>
+                        </p:par>
+                      </p:childTnLst>
+                    </p:cTn>
+                  </p:par>
+                  <p:par>
+                    <p:cTn id="18" fill="hold">
+                      <p:stCondLst>
+                        <p:cond delay="indefinite"/>
+                      </p:stCondLst>
+                      <p:childTnLst>
+                        <p:par>
+                          <p:cTn id="19" fill="hold">
+                            <p:stCondLst>
+                              <p:cond delay="0"/>
+                            </p:stCondLst>
+                            <p:childTnLst>
+                              <p:par>
+                                <p:cTn id="20" presetID="22" presetClass="entr" presetSubtype="2" fill="hold" nodeType="clickEffect">
+                                  <p:stCondLst>
+                                    <p:cond delay="0"/>
+                                  </p:stCondLst>
+                                  <p:childTnLst>
+                                    <p:set>
+                                      <p:cBhvr>
+                                        <p:cTn id="21" dur="1" fill="hold">
+                                          <p:stCondLst>
+                                            <p:cond delay="0"/>
+                                          </p:stCondLst>
+                                        </p:cTn>
+                                        <p:tgtEl>
+                                          <p:spTgt spid="12"/>
+                                        </p:tgtEl>
+                                        <p:attrNameLst>
+                                          <p:attrName>style.visibility</p:attrName>
+                                        </p:attrNameLst>
+                                      </p:cBhvr>
+                                      <p:to>
+                                        <p:strVal val="visible"/>
+                                      </p:to>
+                                    </p:set>
+                                    <p:animEffect transition="in" filter="wipe(right)">
+                                      <p:cBhvr>
+                                        <p:cTn id="22" dur="500"/>
+                                        <p:tgtEl>
+                                          <p:spTgt spid="12"/>
+                                        </p:tgtEl>
+                                      </p:cBhvr>
+                                    </p:animEffect>
+                                  </p:childTnLst>
+                                </p:cTn>
+                              </p:par>
+                            </p:childTnLst>
+                          </p:cTn>
+                        </p:par>
+                      </p:childTnLst>
+                    </p:cTn>
+                  </p:par>
+                </p:childTnLst>
+              </p:cTn>
+              <p:prevCondLst>
+                <p:cond evt="onPrev" delay="0">
+                  <p:tgtEl>
+                    <p:sldTgt/>
+                  </p:tgtEl>
+                </p:cond>
+              </p:prevCondLst>
+              <p:nextCondLst>
+                <p:cond evt="onNext" delay="0">
+                  <p:tgtEl>
+                    <p:sldTgt/>
+                  </p:tgtEl>
+                </p:cond>
+              </p:nextCondLst>
+            </p:seq>
+          </p:childTnLst>
+        </p:cTn>
+      </p:par>
+    </p:tnLst>
+  </p:timing>
 </p:sld>
 </file>
 
@@ -4414,8 +4953,8 @@
         </p:nvSpPr>
         <p:spPr>
           <a:xfrm>
-            <a:off x="3316146" y="4321659"/>
-            <a:ext cx="7099572" cy="769441"/>
+            <a:off x="3224706" y="3748081"/>
+            <a:ext cx="7099572" cy="1446550"/>
           </a:xfrm>
           <a:prstGeom prst="rect">
             <a:avLst/>
@@ -4427,13 +4966,21 @@
           </a:bodyPr>
           <a:lstStyle/>
           <a:p>
+            <a:pPr algn="ctr"/>
+            <a:r>
+              <a:rPr lang="en-US" altLang="zh-TW" sz="4400" dirty="0" smtClean="0"/>
+              <a:t>Google </a:t>
+            </a:r>
+            <a:r>
+              <a:rPr lang="en-US" altLang="zh-TW" sz="4400" dirty="0" err="1" smtClean="0"/>
+              <a:t>colab</a:t>
+            </a:r>
+            <a:endParaRPr lang="en-US" altLang="zh-TW" sz="4400" dirty="0" smtClean="0"/>
+          </a:p>
+          <a:p>
             <a:r>
               <a:rPr lang="zh-TW" altLang="en-US" sz="4400" dirty="0" smtClean="0"/>
-              <a:t>實作聊天</a:t>
-            </a:r>
-            <a:r>
-              <a:rPr lang="zh-TW" altLang="en-US" sz="4400" dirty="0" smtClean="0"/>
-              <a:t>機器人（</a:t>
+              <a:t>實作聊天機器人（</a:t>
             </a:r>
             <a:r>
               <a:rPr lang="en-US" altLang="zh-TW" sz="4400" dirty="0" err="1"/>
@@ -4442,6 +4989,42 @@
             <a:r>
               <a:rPr lang="zh-TW" altLang="en-US" sz="4400" dirty="0"/>
               <a:t>）</a:t>
+            </a:r>
+          </a:p>
+        </p:txBody>
+      </p:sp>
+      <p:sp>
+        <p:nvSpPr>
+          <p:cNvPr id="3" name="矩形 2"/>
+          <p:cNvSpPr/>
+          <p:nvPr/>
+        </p:nvSpPr>
+        <p:spPr>
+          <a:xfrm>
+            <a:off x="3013372" y="1548537"/>
+            <a:ext cx="6507102" cy="1107996"/>
+          </a:xfrm>
+          <a:prstGeom prst="rect">
+            <a:avLst/>
+          </a:prstGeom>
+        </p:spPr>
+        <p:txBody>
+          <a:bodyPr wrap="none">
+            <a:spAutoFit/>
+          </a:bodyPr>
+          <a:lstStyle/>
+          <a:p>
+            <a:r>
+              <a:rPr lang="zh-TW" altLang="en-US" sz="6600" dirty="0"/>
+              <a:t>shorturl.at/</a:t>
+            </a:r>
+            <a:r>
+              <a:rPr lang="zh-TW" altLang="en-US" sz="6600" dirty="0">
+                <a:solidFill>
+                  <a:srgbClr val="FF0000"/>
+                </a:solidFill>
+              </a:rPr>
+              <a:t>imFNO</a:t>
             </a:r>
           </a:p>
         </p:txBody>
@@ -4491,53 +5074,16 @@
           <a:chExt cx="0" cy="0"/>
         </a:xfrm>
       </p:grpSpPr>
-      <p:pic>
-        <p:nvPicPr>
-          <p:cNvPr id="6" name="图片 5"/>
-          <p:cNvPicPr>
-            <a:picLocks noChangeAspect="1"/>
-          </p:cNvPicPr>
-          <p:nvPr/>
-        </p:nvPicPr>
-        <p:blipFill>
-          <a:blip r:embed="rId2" cstate="screen">
-            <a:extLst>
-              <a:ext uri="{28A0092B-C50C-407E-A947-70E740481C1C}">
-                <a14:useLocalDpi xmlns:a14="http://schemas.microsoft.com/office/drawing/2010/main"/>
-              </a:ext>
-            </a:extLst>
-          </a:blip>
-          <a:stretch>
-            <a:fillRect/>
-          </a:stretch>
-        </p:blipFill>
-        <p:spPr>
-          <a:xfrm>
-            <a:off x="8086659" y="2014728"/>
-            <a:ext cx="3962400" cy="4843272"/>
-          </a:xfrm>
-          <a:prstGeom prst="rect">
-            <a:avLst/>
-          </a:prstGeom>
-          <a:effectLst>
-            <a:outerShdw blurRad="50800" dist="76200" dir="5400000" algn="t" rotWithShape="0">
-              <a:prstClr val="black">
-                <a:alpha val="40000"/>
-              </a:prstClr>
-            </a:outerShdw>
-          </a:effectLst>
-        </p:spPr>
-      </p:pic>
       <p:sp>
         <p:nvSpPr>
-          <p:cNvPr id="5" name="矩形 4"/>
+          <p:cNvPr id="2" name="矩形 1"/>
           <p:cNvSpPr/>
           <p:nvPr/>
         </p:nvSpPr>
         <p:spPr>
           <a:xfrm>
-            <a:off x="4676502" y="3682746"/>
-            <a:ext cx="2761462" cy="369332"/>
+            <a:off x="3224706" y="3748081"/>
+            <a:ext cx="7099572" cy="1446550"/>
           </a:xfrm>
           <a:prstGeom prst="rect">
             <a:avLst/>
@@ -4549,48 +5095,78 @@
           </a:bodyPr>
           <a:lstStyle/>
           <a:p>
-            <a:r>
-              <a:rPr lang="en-US" altLang="zh-TW" dirty="0"/>
-              <a:t>https://api.qingyunke.com/</a:t>
-            </a:r>
-            <a:endParaRPr lang="zh-TW" altLang="en-US" dirty="0"/>
+            <a:pPr algn="ctr"/>
+            <a:r>
+              <a:rPr lang="en-US" altLang="zh-TW" sz="4400" dirty="0" err="1" smtClean="0"/>
+              <a:t>Anacoda</a:t>
+            </a:r>
+            <a:endParaRPr lang="en-US" altLang="zh-TW" sz="4400" dirty="0" smtClean="0"/>
+          </a:p>
+          <a:p>
+            <a:r>
+              <a:rPr lang="zh-TW" altLang="en-US" sz="4400" dirty="0" smtClean="0"/>
+              <a:t>實作聊天機器人（</a:t>
+            </a:r>
+            <a:r>
+              <a:rPr lang="en-US" altLang="zh-TW" sz="4400" dirty="0" err="1"/>
+              <a:t>Chatbot</a:t>
+            </a:r>
+            <a:r>
+              <a:rPr lang="zh-TW" altLang="en-US" sz="4400" dirty="0"/>
+              <a:t>）</a:t>
+            </a:r>
           </a:p>
         </p:txBody>
       </p:sp>
-      <p:pic>
-        <p:nvPicPr>
-          <p:cNvPr id="3" name="圖片 2"/>
-          <p:cNvPicPr>
-            <a:picLocks noChangeAspect="1"/>
-          </p:cNvPicPr>
+      <p:sp>
+        <p:nvSpPr>
+          <p:cNvPr id="3" name="矩形 2"/>
+          <p:cNvSpPr/>
           <p:nvPr/>
-        </p:nvPicPr>
-        <p:blipFill>
-          <a:blip r:embed="rId3">
-            <a:extLst>
-              <a:ext uri="{28A0092B-C50C-407E-A947-70E740481C1C}">
-                <a14:useLocalDpi xmlns:a14="http://schemas.microsoft.com/office/drawing/2010/main" val="0"/>
-              </a:ext>
-            </a:extLst>
-          </a:blip>
-          <a:stretch>
-            <a:fillRect/>
-          </a:stretch>
-        </p:blipFill>
+        </p:nvSpPr>
         <p:spPr>
           <a:xfrm>
-            <a:off x="4775942" y="4602937"/>
-            <a:ext cx="2562583" cy="733527"/>
+            <a:off x="905172" y="1861804"/>
+            <a:ext cx="10798469" cy="1107996"/>
           </a:xfrm>
           <a:prstGeom prst="rect">
             <a:avLst/>
           </a:prstGeom>
         </p:spPr>
-      </p:pic>
+        <p:txBody>
+          <a:bodyPr wrap="none">
+            <a:spAutoFit/>
+          </a:bodyPr>
+          <a:lstStyle/>
+          <a:p>
+            <a:r>
+              <a:rPr lang="en-US" altLang="zh-TW" sz="6600" dirty="0" smtClean="0"/>
+              <a:t>github.com/</a:t>
+            </a:r>
+            <a:r>
+              <a:rPr lang="en-US" altLang="zh-TW" sz="6600" dirty="0" err="1" smtClean="0"/>
+              <a:t>pcmsricky</a:t>
+            </a:r>
+            <a:r>
+              <a:rPr lang="en-US" altLang="zh-TW" sz="6600" dirty="0" smtClean="0"/>
+              <a:t>/</a:t>
+            </a:r>
+            <a:r>
+              <a:rPr lang="en-US" altLang="zh-TW" sz="6600" dirty="0" err="1" smtClean="0"/>
+              <a:t>chatbot</a:t>
+            </a:r>
+            <a:endParaRPr lang="zh-TW" altLang="en-US" sz="6600" dirty="0">
+              <a:solidFill>
+                <a:srgbClr val="FF0000"/>
+              </a:solidFill>
+            </a:endParaRPr>
+          </a:p>
+        </p:txBody>
+      </p:sp>
     </p:spTree>
     <p:extLst>
       <p:ext uri="{BB962C8B-B14F-4D97-AF65-F5344CB8AC3E}">
-        <p14:creationId xmlns:p14="http://schemas.microsoft.com/office/powerpoint/2010/main" val="1223899635"/>
+        <p14:creationId xmlns:p14="http://schemas.microsoft.com/office/powerpoint/2010/main" val="908382685"/>
       </p:ext>
     </p:extLst>
   </p:cSld>
@@ -4634,14 +5210,156 @@
       </p:grpSpPr>
       <p:sp>
         <p:nvSpPr>
-          <p:cNvPr id="3" name="文字方塊 2"/>
+          <p:cNvPr id="3" name="圓角矩形 2"/>
+          <p:cNvSpPr/>
+          <p:nvPr/>
+        </p:nvSpPr>
+        <p:spPr>
+          <a:xfrm>
+            <a:off x="2926080" y="906087"/>
+            <a:ext cx="6749936" cy="5004261"/>
+          </a:xfrm>
+          <a:prstGeom prst="roundRect">
+            <a:avLst>
+              <a:gd name="adj" fmla="val 4154"/>
+            </a:avLst>
+          </a:prstGeom>
+          <a:solidFill>
+            <a:schemeClr val="accent1">
+              <a:alpha val="50000"/>
+            </a:schemeClr>
+          </a:solidFill>
+          <a:ln>
+            <a:noFill/>
+          </a:ln>
+        </p:spPr>
+        <p:style>
+          <a:lnRef idx="0">
+            <a:scrgbClr r="0" g="0" b="0"/>
+          </a:lnRef>
+          <a:fillRef idx="0">
+            <a:scrgbClr r="0" g="0" b="0"/>
+          </a:fillRef>
+          <a:effectRef idx="0">
+            <a:scrgbClr r="0" g="0" b="0"/>
+          </a:effectRef>
+          <a:fontRef idx="minor">
+            <a:schemeClr val="lt1"/>
+          </a:fontRef>
+        </p:style>
+        <p:txBody>
+          <a:bodyPr rtlCol="0" anchor="ctr"/>
+          <a:lstStyle/>
+          <a:p>
+            <a:pPr algn="ctr">
+              <a:lnSpc>
+                <a:spcPct val="200000"/>
+              </a:lnSpc>
+            </a:pPr>
+            <a:r>
+              <a:rPr lang="zh-TW" altLang="en-US" sz="2000" dirty="0"/>
+              <a:t>「的的了了」不必</a:t>
+            </a:r>
+            <a:r>
+              <a:rPr lang="zh-TW" altLang="en-US" sz="2000" dirty="0" smtClean="0"/>
+              <a:t>計算</a:t>
+            </a:r>
+            <a:endParaRPr lang="en-US" altLang="zh-TW" sz="2000" dirty="0" smtClean="0"/>
+          </a:p>
+          <a:p>
+            <a:pPr algn="ctr">
+              <a:lnSpc>
+                <a:spcPct val="200000"/>
+              </a:lnSpc>
+            </a:pPr>
+            <a:r>
+              <a:rPr lang="zh-TW" altLang="en-US" sz="2000" dirty="0"/>
+              <a:t>設定最低的匹配值</a:t>
+            </a:r>
+          </a:p>
+          <a:p>
+            <a:pPr algn="ctr">
+              <a:lnSpc>
+                <a:spcPct val="200000"/>
+              </a:lnSpc>
+            </a:pPr>
+            <a:r>
+              <a:rPr lang="zh-TW" altLang="en-US" sz="2000" dirty="0"/>
+              <a:t>挑戰圖靈測試</a:t>
+            </a:r>
+          </a:p>
+          <a:p>
+            <a:pPr algn="ctr">
+              <a:lnSpc>
+                <a:spcPct val="200000"/>
+              </a:lnSpc>
+            </a:pPr>
+            <a:r>
+              <a:rPr lang="zh-TW" altLang="en-US" sz="2000" dirty="0"/>
+              <a:t>上下文處理</a:t>
+            </a:r>
+          </a:p>
+          <a:p>
+            <a:pPr algn="ctr">
+              <a:lnSpc>
+                <a:spcPct val="200000"/>
+              </a:lnSpc>
+            </a:pPr>
+            <a:r>
+              <a:rPr lang="zh-TW" altLang="en-US" sz="2000" dirty="0"/>
+              <a:t>分佈式處理</a:t>
+            </a:r>
+          </a:p>
+          <a:p>
+            <a:pPr algn="ctr"/>
+            <a:endParaRPr lang="zh-TW" altLang="en-US" dirty="0"/>
+          </a:p>
+          <a:p>
+            <a:pPr algn="ctr"/>
+            <a:endParaRPr lang="zh-TW" altLang="en-US" dirty="0"/>
+          </a:p>
+        </p:txBody>
+      </p:sp>
+      <p:pic>
+        <p:nvPicPr>
+          <p:cNvPr id="2" name="图片 9"/>
+          <p:cNvPicPr>
+            <a:picLocks noChangeAspect="1"/>
+          </p:cNvPicPr>
+          <p:nvPr/>
+        </p:nvPicPr>
+        <p:blipFill>
+          <a:blip r:embed="rId2" cstate="screen">
+            <a:extLst>
+              <a:ext uri="{28A0092B-C50C-407E-A947-70E740481C1C}">
+                <a14:useLocalDpi xmlns:a14="http://schemas.microsoft.com/office/drawing/2010/main"/>
+              </a:ext>
+            </a:extLst>
+          </a:blip>
+          <a:stretch>
+            <a:fillRect/>
+          </a:stretch>
+        </p:blipFill>
+        <p:spPr>
+          <a:xfrm>
+            <a:off x="8594313" y="3408218"/>
+            <a:ext cx="3597687" cy="3449782"/>
+          </a:xfrm>
+          <a:prstGeom prst="rect">
+            <a:avLst/>
+          </a:prstGeom>
+        </p:spPr>
+      </p:pic>
+      <p:sp>
+        <p:nvSpPr>
+          <p:cNvPr id="4" name="文字方塊 3"/>
           <p:cNvSpPr txBox="1"/>
           <p:nvPr/>
         </p:nvSpPr>
         <p:spPr>
           <a:xfrm>
-            <a:off x="5644342" y="1263535"/>
-            <a:ext cx="646331" cy="369332"/>
+            <a:off x="5685906" y="536755"/>
+            <a:ext cx="1107996" cy="369332"/>
           </a:xfrm>
           <a:prstGeom prst="rect">
             <a:avLst/>
@@ -4656,7 +5374,7 @@
           <a:p>
             <a:r>
               <a:rPr lang="zh-TW" altLang="en-US" dirty="0" smtClean="0"/>
-              <a:t>總結</a:t>
+              <a:t>改進對話</a:t>
             </a:r>
             <a:endParaRPr lang="zh-TW" altLang="en-US" dirty="0"/>
           </a:p>
@@ -4665,7 +5383,7 @@
     </p:spTree>
     <p:extLst>
       <p:ext uri="{BB962C8B-B14F-4D97-AF65-F5344CB8AC3E}">
-        <p14:creationId xmlns:p14="http://schemas.microsoft.com/office/powerpoint/2010/main" val="1194219553"/>
+        <p14:creationId xmlns:p14="http://schemas.microsoft.com/office/powerpoint/2010/main" val="2472251715"/>
       </p:ext>
     </p:extLst>
   </p:cSld>
@@ -4970,6 +5688,783 @@
         <p:cTn id="1" dur="indefinite" restart="never" nodeType="tmRoot"/>
       </p:par>
     </p:tnLst>
+  </p:timing>
+</p:sld>
+</file>
+
+<file path=ppt/slides/slide20.xml><?xml version="1.0" encoding="utf-8"?>
+<p:sld xmlns:a="http://schemas.openxmlformats.org/drawingml/2006/main" xmlns:r="http://schemas.openxmlformats.org/officeDocument/2006/relationships" xmlns:p="http://schemas.openxmlformats.org/presentationml/2006/main">
+  <p:cSld>
+    <p:spTree>
+      <p:nvGrpSpPr>
+        <p:cNvPr id="1" name=""/>
+        <p:cNvGrpSpPr/>
+        <p:nvPr/>
+      </p:nvGrpSpPr>
+      <p:grpSpPr>
+        <a:xfrm>
+          <a:off x="0" y="0"/>
+          <a:ext cx="0" cy="0"/>
+          <a:chOff x="0" y="0"/>
+          <a:chExt cx="0" cy="0"/>
+        </a:xfrm>
+      </p:grpSpPr>
+      <p:sp>
+        <p:nvSpPr>
+          <p:cNvPr id="3" name="文字方塊 2"/>
+          <p:cNvSpPr txBox="1"/>
+          <p:nvPr/>
+        </p:nvSpPr>
+        <p:spPr>
+          <a:xfrm>
+            <a:off x="5120641" y="1028601"/>
+            <a:ext cx="1107996" cy="646331"/>
+          </a:xfrm>
+          <a:prstGeom prst="rect">
+            <a:avLst/>
+          </a:prstGeom>
+          <a:noFill/>
+        </p:spPr>
+        <p:txBody>
+          <a:bodyPr wrap="none" rtlCol="0">
+            <a:spAutoFit/>
+          </a:bodyPr>
+          <a:lstStyle/>
+          <a:p>
+            <a:r>
+              <a:rPr lang="zh-TW" altLang="en-US" sz="3600" dirty="0" smtClean="0"/>
+              <a:t>總結</a:t>
+            </a:r>
+            <a:endParaRPr lang="zh-TW" altLang="en-US" sz="3600" dirty="0"/>
+          </a:p>
+        </p:txBody>
+      </p:sp>
+      <p:sp>
+        <p:nvSpPr>
+          <p:cNvPr id="2" name="矩形 1"/>
+          <p:cNvSpPr/>
+          <p:nvPr/>
+        </p:nvSpPr>
+        <p:spPr>
+          <a:xfrm>
+            <a:off x="4521741" y="2339431"/>
+            <a:ext cx="4578305" cy="369332"/>
+          </a:xfrm>
+          <a:prstGeom prst="rect">
+            <a:avLst/>
+          </a:prstGeom>
+        </p:spPr>
+        <p:txBody>
+          <a:bodyPr wrap="none">
+            <a:spAutoFit/>
+          </a:bodyPr>
+          <a:lstStyle/>
+          <a:p>
+            <a:r>
+              <a:rPr lang="zh-TW" altLang="en-US" dirty="0"/>
+              <a:t>https://pytorch123.com/FifthSection/Chatbot/</a:t>
+            </a:r>
+          </a:p>
+        </p:txBody>
+      </p:sp>
+      <p:sp>
+        <p:nvSpPr>
+          <p:cNvPr id="4" name="矩形 3"/>
+          <p:cNvSpPr/>
+          <p:nvPr/>
+        </p:nvSpPr>
+        <p:spPr>
+          <a:xfrm>
+            <a:off x="3986605" y="1970099"/>
+            <a:ext cx="2650084" cy="369332"/>
+          </a:xfrm>
+          <a:prstGeom prst="rect">
+            <a:avLst/>
+          </a:prstGeom>
+        </p:spPr>
+        <p:txBody>
+          <a:bodyPr wrap="none">
+            <a:spAutoFit/>
+          </a:bodyPr>
+          <a:lstStyle/>
+          <a:p>
+            <a:r>
+              <a:rPr lang="en-US" altLang="zh-TW" b="1" dirty="0" err="1" smtClean="0">
+                <a:solidFill>
+                  <a:srgbClr val="404040"/>
+                </a:solidFill>
+                <a:latin typeface="Roboto Slab"/>
+              </a:rPr>
+              <a:t>PyTorch</a:t>
+            </a:r>
+            <a:r>
+              <a:rPr lang="zh-TW" altLang="en-US" b="1" dirty="0" smtClean="0">
+                <a:solidFill>
+                  <a:srgbClr val="404040"/>
+                </a:solidFill>
+                <a:latin typeface="Roboto Slab"/>
+              </a:rPr>
+              <a:t>聊天</a:t>
+            </a:r>
+            <a:r>
+              <a:rPr lang="zh-TW" altLang="en-US" b="1" dirty="0">
+                <a:solidFill>
+                  <a:srgbClr val="404040"/>
+                </a:solidFill>
+                <a:latin typeface="Roboto Slab"/>
+              </a:rPr>
+              <a:t>机器人教程</a:t>
+            </a:r>
+            <a:endParaRPr lang="zh-TW" altLang="en-US" b="1" i="0" dirty="0">
+              <a:solidFill>
+                <a:srgbClr val="404040"/>
+              </a:solidFill>
+              <a:effectLst/>
+              <a:latin typeface="Roboto Slab"/>
+            </a:endParaRPr>
+          </a:p>
+        </p:txBody>
+      </p:sp>
+      <p:sp>
+        <p:nvSpPr>
+          <p:cNvPr id="5" name="矩形 4"/>
+          <p:cNvSpPr/>
+          <p:nvPr/>
+        </p:nvSpPr>
+        <p:spPr>
+          <a:xfrm>
+            <a:off x="6891251" y="3003930"/>
+            <a:ext cx="1986551" cy="369332"/>
+          </a:xfrm>
+          <a:prstGeom prst="rect">
+            <a:avLst/>
+          </a:prstGeom>
+        </p:spPr>
+        <p:txBody>
+          <a:bodyPr wrap="square">
+            <a:spAutoFit/>
+          </a:bodyPr>
+          <a:lstStyle/>
+          <a:p>
+            <a:r>
+              <a:rPr lang="en-US" altLang="zh-TW" b="1" dirty="0">
+                <a:solidFill>
+                  <a:srgbClr val="404040"/>
+                </a:solidFill>
+                <a:latin typeface="Roboto Slab"/>
+              </a:rPr>
+              <a:t>Seq2Seq</a:t>
+            </a:r>
+            <a:r>
+              <a:rPr lang="zh-TW" altLang="en-US" b="1" dirty="0">
+                <a:solidFill>
+                  <a:srgbClr val="404040"/>
+                </a:solidFill>
+                <a:latin typeface="Roboto Slab"/>
+              </a:rPr>
+              <a:t>模型</a:t>
+            </a:r>
+            <a:endParaRPr lang="zh-TW" altLang="en-US" b="1" i="0" dirty="0">
+              <a:solidFill>
+                <a:srgbClr val="404040"/>
+              </a:solidFill>
+              <a:effectLst/>
+              <a:latin typeface="Roboto Slab"/>
+            </a:endParaRPr>
+          </a:p>
+        </p:txBody>
+      </p:sp>
+      <p:pic>
+        <p:nvPicPr>
+          <p:cNvPr id="1026" name="Picture 2" descr="https://pytorch.org/tutorials/_images/seq2seq_ts.png"/>
+          <p:cNvPicPr>
+            <a:picLocks noChangeAspect="1" noChangeArrowheads="1"/>
+          </p:cNvPicPr>
+          <p:nvPr/>
+        </p:nvPicPr>
+        <p:blipFill>
+          <a:blip r:embed="rId2">
+            <a:extLst>
+              <a:ext uri="{28A0092B-C50C-407E-A947-70E740481C1C}">
+                <a14:useLocalDpi xmlns:a14="http://schemas.microsoft.com/office/drawing/2010/main" val="0"/>
+              </a:ext>
+            </a:extLst>
+          </a:blip>
+          <a:srcRect/>
+          <a:stretch>
+            <a:fillRect/>
+          </a:stretch>
+        </p:blipFill>
+        <p:spPr bwMode="auto">
+          <a:xfrm>
+            <a:off x="4521741" y="3373262"/>
+            <a:ext cx="5939659" cy="2135172"/>
+          </a:xfrm>
+          <a:prstGeom prst="rect">
+            <a:avLst/>
+          </a:prstGeom>
+          <a:noFill/>
+          <a:extLst>
+            <a:ext uri="{909E8E84-426E-40DD-AFC4-6F175D3DCCD1}">
+              <a14:hiddenFill xmlns:a14="http://schemas.microsoft.com/office/drawing/2010/main">
+                <a:solidFill>
+                  <a:srgbClr val="FFFFFF"/>
+                </a:solidFill>
+              </a14:hiddenFill>
+            </a:ext>
+          </a:extLst>
+        </p:spPr>
+      </p:pic>
+    </p:spTree>
+    <p:extLst>
+      <p:ext uri="{BB962C8B-B14F-4D97-AF65-F5344CB8AC3E}">
+        <p14:creationId xmlns:p14="http://schemas.microsoft.com/office/powerpoint/2010/main" val="1194219553"/>
+      </p:ext>
+    </p:extLst>
+  </p:cSld>
+  <p:clrMapOvr>
+    <a:masterClrMapping/>
+  </p:clrMapOvr>
+  <mc:AlternateContent xmlns:mc="http://schemas.openxmlformats.org/markup-compatibility/2006" xmlns:p14="http://schemas.microsoft.com/office/powerpoint/2010/main">
+    <mc:Choice Requires="p14">
+      <p:transition p14:dur="0" advTm="0"/>
+    </mc:Choice>
+    <mc:Fallback xmlns="">
+      <p:transition advTm="0"/>
+    </mc:Fallback>
+  </mc:AlternateContent>
+  <p:timing>
+    <p:tnLst>
+      <p:par>
+        <p:cTn id="1" dur="indefinite" restart="never" nodeType="tmRoot"/>
+      </p:par>
+    </p:tnLst>
+  </p:timing>
+</p:sld>
+</file>
+
+<file path=ppt/slides/slide21.xml><?xml version="1.0" encoding="utf-8"?>
+<p:sld xmlns:a="http://schemas.openxmlformats.org/drawingml/2006/main" xmlns:r="http://schemas.openxmlformats.org/officeDocument/2006/relationships" xmlns:p="http://schemas.openxmlformats.org/presentationml/2006/main">
+  <p:cSld>
+    <p:spTree>
+      <p:nvGrpSpPr>
+        <p:cNvPr id="1" name=""/>
+        <p:cNvGrpSpPr/>
+        <p:nvPr/>
+      </p:nvGrpSpPr>
+      <p:grpSpPr>
+        <a:xfrm>
+          <a:off x="0" y="0"/>
+          <a:ext cx="0" cy="0"/>
+          <a:chOff x="0" y="0"/>
+          <a:chExt cx="0" cy="0"/>
+        </a:xfrm>
+      </p:grpSpPr>
+      <p:pic>
+        <p:nvPicPr>
+          <p:cNvPr id="6" name="图片 5"/>
+          <p:cNvPicPr>
+            <a:picLocks noChangeAspect="1"/>
+          </p:cNvPicPr>
+          <p:nvPr/>
+        </p:nvPicPr>
+        <p:blipFill>
+          <a:blip r:embed="rId2" cstate="screen">
+            <a:extLst>
+              <a:ext uri="{28A0092B-C50C-407E-A947-70E740481C1C}">
+                <a14:useLocalDpi xmlns:a14="http://schemas.microsoft.com/office/drawing/2010/main"/>
+              </a:ext>
+            </a:extLst>
+          </a:blip>
+          <a:stretch>
+            <a:fillRect/>
+          </a:stretch>
+        </p:blipFill>
+        <p:spPr>
+          <a:xfrm>
+            <a:off x="8327728" y="1806910"/>
+            <a:ext cx="3962400" cy="4843272"/>
+          </a:xfrm>
+          <a:prstGeom prst="rect">
+            <a:avLst/>
+          </a:prstGeom>
+          <a:effectLst>
+            <a:outerShdw blurRad="50800" dist="76200" dir="5400000" algn="t" rotWithShape="0">
+              <a:prstClr val="black">
+                <a:alpha val="40000"/>
+              </a:prstClr>
+            </a:outerShdw>
+          </a:effectLst>
+        </p:spPr>
+      </p:pic>
+      <p:sp>
+        <p:nvSpPr>
+          <p:cNvPr id="5" name="矩形 4"/>
+          <p:cNvSpPr/>
+          <p:nvPr/>
+        </p:nvSpPr>
+        <p:spPr>
+          <a:xfrm>
+            <a:off x="4676501" y="3859214"/>
+            <a:ext cx="2761462" cy="369332"/>
+          </a:xfrm>
+          <a:prstGeom prst="rect">
+            <a:avLst/>
+          </a:prstGeom>
+        </p:spPr>
+        <p:txBody>
+          <a:bodyPr wrap="none">
+            <a:spAutoFit/>
+          </a:bodyPr>
+          <a:lstStyle/>
+          <a:p>
+            <a:r>
+              <a:rPr lang="en-US" altLang="zh-TW" dirty="0"/>
+              <a:t>https://api.qingyunke.com/</a:t>
+            </a:r>
+            <a:endParaRPr lang="zh-TW" altLang="en-US" dirty="0"/>
+          </a:p>
+        </p:txBody>
+      </p:sp>
+      <p:pic>
+        <p:nvPicPr>
+          <p:cNvPr id="3" name="圖片 2"/>
+          <p:cNvPicPr>
+            <a:picLocks noChangeAspect="1"/>
+          </p:cNvPicPr>
+          <p:nvPr/>
+        </p:nvPicPr>
+        <p:blipFill>
+          <a:blip r:embed="rId3">
+            <a:extLst>
+              <a:ext uri="{28A0092B-C50C-407E-A947-70E740481C1C}">
+                <a14:useLocalDpi xmlns:a14="http://schemas.microsoft.com/office/drawing/2010/main" val="0"/>
+              </a:ext>
+            </a:extLst>
+          </a:blip>
+          <a:stretch>
+            <a:fillRect/>
+          </a:stretch>
+        </p:blipFill>
+        <p:spPr>
+          <a:xfrm>
+            <a:off x="4775940" y="4550267"/>
+            <a:ext cx="2562583" cy="733527"/>
+          </a:xfrm>
+          <a:prstGeom prst="rect">
+            <a:avLst/>
+          </a:prstGeom>
+        </p:spPr>
+      </p:pic>
+      <p:sp>
+        <p:nvSpPr>
+          <p:cNvPr id="7" name="文字方塊 6"/>
+          <p:cNvSpPr txBox="1"/>
+          <p:nvPr/>
+        </p:nvSpPr>
+        <p:spPr>
+          <a:xfrm>
+            <a:off x="3931921" y="1045227"/>
+            <a:ext cx="2031325" cy="646331"/>
+          </a:xfrm>
+          <a:prstGeom prst="rect">
+            <a:avLst/>
+          </a:prstGeom>
+          <a:noFill/>
+        </p:spPr>
+        <p:txBody>
+          <a:bodyPr wrap="none" rtlCol="0">
+            <a:spAutoFit/>
+          </a:bodyPr>
+          <a:lstStyle/>
+          <a:p>
+            <a:r>
+              <a:rPr lang="zh-TW" altLang="en-US" sz="3600" dirty="0" smtClean="0"/>
+              <a:t>免費資源</a:t>
+            </a:r>
+            <a:endParaRPr lang="zh-TW" altLang="en-US" sz="3600" dirty="0"/>
+          </a:p>
+        </p:txBody>
+      </p:sp>
+      <p:sp>
+        <p:nvSpPr>
+          <p:cNvPr id="2" name="文字方塊 1"/>
+          <p:cNvSpPr txBox="1"/>
+          <p:nvPr/>
+        </p:nvSpPr>
+        <p:spPr>
+          <a:xfrm>
+            <a:off x="4019429" y="2072734"/>
+            <a:ext cx="1667251" cy="369332"/>
+          </a:xfrm>
+          <a:prstGeom prst="rect">
+            <a:avLst/>
+          </a:prstGeom>
+          <a:noFill/>
+        </p:spPr>
+        <p:txBody>
+          <a:bodyPr wrap="none" rtlCol="0">
+            <a:spAutoFit/>
+          </a:bodyPr>
+          <a:lstStyle/>
+          <a:p>
+            <a:r>
+              <a:rPr lang="zh-TW" altLang="en-US" dirty="0" smtClean="0"/>
+              <a:t>* </a:t>
+            </a:r>
+            <a:r>
+              <a:rPr lang="en-US" altLang="zh-TW" dirty="0" smtClean="0"/>
+              <a:t>Search Engine</a:t>
+            </a:r>
+            <a:endParaRPr lang="zh-TW" altLang="en-US" dirty="0"/>
+          </a:p>
+        </p:txBody>
+      </p:sp>
+      <p:sp>
+        <p:nvSpPr>
+          <p:cNvPr id="8" name="文字方塊 7"/>
+          <p:cNvSpPr txBox="1"/>
+          <p:nvPr/>
+        </p:nvSpPr>
+        <p:spPr>
+          <a:xfrm>
+            <a:off x="4019429" y="3537493"/>
+            <a:ext cx="2146742" cy="369332"/>
+          </a:xfrm>
+          <a:prstGeom prst="rect">
+            <a:avLst/>
+          </a:prstGeom>
+          <a:noFill/>
+        </p:spPr>
+        <p:txBody>
+          <a:bodyPr wrap="none" rtlCol="0">
+            <a:spAutoFit/>
+          </a:bodyPr>
+          <a:lstStyle/>
+          <a:p>
+            <a:r>
+              <a:rPr lang="zh-TW" altLang="en-US" dirty="0" smtClean="0"/>
+              <a:t>*免費的聊天機械人</a:t>
+            </a:r>
+            <a:endParaRPr lang="zh-TW" altLang="en-US" dirty="0"/>
+          </a:p>
+        </p:txBody>
+      </p:sp>
+      <p:pic>
+        <p:nvPicPr>
+          <p:cNvPr id="2050" name="Picture 2" descr="Google"/>
+          <p:cNvPicPr>
+            <a:picLocks noChangeAspect="1" noChangeArrowheads="1"/>
+          </p:cNvPicPr>
+          <p:nvPr/>
+        </p:nvPicPr>
+        <p:blipFill>
+          <a:blip r:embed="rId4" cstate="print">
+            <a:extLst>
+              <a:ext uri="{28A0092B-C50C-407E-A947-70E740481C1C}">
+                <a14:useLocalDpi xmlns:a14="http://schemas.microsoft.com/office/drawing/2010/main" val="0"/>
+              </a:ext>
+            </a:extLst>
+          </a:blip>
+          <a:srcRect/>
+          <a:stretch>
+            <a:fillRect/>
+          </a:stretch>
+        </p:blipFill>
+        <p:spPr bwMode="auto">
+          <a:xfrm>
+            <a:off x="5963247" y="2216178"/>
+            <a:ext cx="1676150" cy="566933"/>
+          </a:xfrm>
+          <a:prstGeom prst="rect">
+            <a:avLst/>
+          </a:prstGeom>
+          <a:noFill/>
+          <a:extLst>
+            <a:ext uri="{909E8E84-426E-40DD-AFC4-6F175D3DCCD1}">
+              <a14:hiddenFill xmlns:a14="http://schemas.microsoft.com/office/drawing/2010/main">
+                <a:solidFill>
+                  <a:srgbClr val="FFFFFF"/>
+                </a:solidFill>
+              </a14:hiddenFill>
+            </a:ext>
+          </a:extLst>
+        </p:spPr>
+      </p:pic>
+    </p:spTree>
+    <p:extLst>
+      <p:ext uri="{BB962C8B-B14F-4D97-AF65-F5344CB8AC3E}">
+        <p14:creationId xmlns:p14="http://schemas.microsoft.com/office/powerpoint/2010/main" val="1223899635"/>
+      </p:ext>
+    </p:extLst>
+  </p:cSld>
+  <p:clrMapOvr>
+    <a:masterClrMapping/>
+  </p:clrMapOvr>
+  <mc:AlternateContent xmlns:mc="http://schemas.openxmlformats.org/markup-compatibility/2006" xmlns:p14="http://schemas.microsoft.com/office/powerpoint/2010/main">
+    <mc:Choice Requires="p14">
+      <p:transition p14:dur="0" advTm="0"/>
+    </mc:Choice>
+    <mc:Fallback xmlns="">
+      <p:transition advTm="0"/>
+    </mc:Fallback>
+  </mc:AlternateContent>
+  <p:timing>
+    <p:tnLst>
+      <p:par>
+        <p:cTn id="1" dur="indefinite" restart="never" nodeType="tmRoot"/>
+      </p:par>
+    </p:tnLst>
+  </p:timing>
+</p:sld>
+</file>
+
+<file path=ppt/slides/slide22.xml><?xml version="1.0" encoding="utf-8"?>
+<p:sld xmlns:a="http://schemas.openxmlformats.org/drawingml/2006/main" xmlns:r="http://schemas.openxmlformats.org/officeDocument/2006/relationships" xmlns:p="http://schemas.openxmlformats.org/presentationml/2006/main">
+  <p:cSld>
+    <p:spTree>
+      <p:nvGrpSpPr>
+        <p:cNvPr id="1" name=""/>
+        <p:cNvGrpSpPr/>
+        <p:nvPr/>
+      </p:nvGrpSpPr>
+      <p:grpSpPr>
+        <a:xfrm>
+          <a:off x="0" y="0"/>
+          <a:ext cx="0" cy="0"/>
+          <a:chOff x="0" y="0"/>
+          <a:chExt cx="0" cy="0"/>
+        </a:xfrm>
+      </p:grpSpPr>
+      <p:sp>
+        <p:nvSpPr>
+          <p:cNvPr id="2" name="文本框 3"/>
+          <p:cNvSpPr txBox="1"/>
+          <p:nvPr/>
+        </p:nvSpPr>
+        <p:spPr>
+          <a:xfrm>
+            <a:off x="5641278" y="2114763"/>
+            <a:ext cx="3261653" cy="1200329"/>
+          </a:xfrm>
+          <a:prstGeom prst="rect">
+            <a:avLst/>
+          </a:prstGeom>
+          <a:noFill/>
+        </p:spPr>
+        <p:txBody>
+          <a:bodyPr wrap="square" rtlCol="0">
+            <a:spAutoFit/>
+          </a:bodyPr>
+          <a:lstStyle/>
+          <a:p>
+            <a:r>
+              <a:rPr kumimoji="1" lang="en-US" altLang="zh-TW" sz="7200" b="1" dirty="0" smtClean="0">
+                <a:solidFill>
+                  <a:srgbClr val="4C4C4C"/>
+                </a:solidFill>
+                <a:latin typeface="Microsoft YaHei" charset="-122"/>
+                <a:ea typeface="Microsoft YaHei" charset="-122"/>
+                <a:cs typeface="Microsoft YaHei" charset="-122"/>
+              </a:rPr>
+              <a:t>Q &amp; A</a:t>
+            </a:r>
+            <a:endParaRPr kumimoji="1" lang="zh-CN" altLang="en-US" sz="7200" b="1" dirty="0">
+              <a:solidFill>
+                <a:srgbClr val="4C4C4C"/>
+              </a:solidFill>
+              <a:latin typeface="Microsoft YaHei" charset="-122"/>
+              <a:ea typeface="Microsoft YaHei" charset="-122"/>
+              <a:cs typeface="Microsoft YaHei" charset="-122"/>
+            </a:endParaRPr>
+          </a:p>
+        </p:txBody>
+      </p:sp>
+      <p:sp>
+        <p:nvSpPr>
+          <p:cNvPr id="3" name="文本框 3"/>
+          <p:cNvSpPr txBox="1"/>
+          <p:nvPr/>
+        </p:nvSpPr>
+        <p:spPr>
+          <a:xfrm>
+            <a:off x="8188036" y="5259745"/>
+            <a:ext cx="3192087" cy="769441"/>
+          </a:xfrm>
+          <a:prstGeom prst="rect">
+            <a:avLst/>
+          </a:prstGeom>
+          <a:noFill/>
+        </p:spPr>
+        <p:txBody>
+          <a:bodyPr wrap="square" rtlCol="0">
+            <a:spAutoFit/>
+          </a:bodyPr>
+          <a:lstStyle/>
+          <a:p>
+            <a:r>
+              <a:rPr kumimoji="1" lang="en-US" altLang="zh-TW" sz="4400" b="1" dirty="0" smtClean="0">
+                <a:solidFill>
+                  <a:srgbClr val="FF0000"/>
+                </a:solidFill>
+                <a:latin typeface="Microsoft YaHei" charset="-122"/>
+                <a:ea typeface="Microsoft YaHei" charset="-122"/>
+                <a:cs typeface="Microsoft YaHei" charset="-122"/>
+              </a:rPr>
+              <a:t>Thank you</a:t>
+            </a:r>
+            <a:endParaRPr kumimoji="1" lang="zh-CN" altLang="en-US" sz="4400" b="1" dirty="0">
+              <a:solidFill>
+                <a:srgbClr val="FF0000"/>
+              </a:solidFill>
+              <a:latin typeface="Microsoft YaHei" charset="-122"/>
+              <a:ea typeface="Microsoft YaHei" charset="-122"/>
+              <a:cs typeface="Microsoft YaHei" charset="-122"/>
+            </a:endParaRPr>
+          </a:p>
+        </p:txBody>
+      </p:sp>
+    </p:spTree>
+    <p:extLst>
+      <p:ext uri="{BB962C8B-B14F-4D97-AF65-F5344CB8AC3E}">
+        <p14:creationId xmlns:p14="http://schemas.microsoft.com/office/powerpoint/2010/main" val="3111292772"/>
+      </p:ext>
+    </p:extLst>
+  </p:cSld>
+  <p:clrMapOvr>
+    <a:masterClrMapping/>
+  </p:clrMapOvr>
+  <mc:AlternateContent xmlns:mc="http://schemas.openxmlformats.org/markup-compatibility/2006" xmlns:p14="http://schemas.microsoft.com/office/powerpoint/2010/main">
+    <mc:Choice Requires="p14">
+      <p:transition p14:dur="0" advTm="0"/>
+    </mc:Choice>
+    <mc:Fallback xmlns="">
+      <p:transition advTm="0"/>
+    </mc:Fallback>
+  </mc:AlternateContent>
+  <p:timing>
+    <p:tnLst>
+      <p:par>
+        <p:cTn id="1" dur="indefinite" restart="never" nodeType="tmRoot">
+          <p:childTnLst>
+            <p:seq concurrent="1" nextAc="seek">
+              <p:cTn id="2" dur="indefinite" nodeType="mainSeq">
+                <p:childTnLst>
+                  <p:par>
+                    <p:cTn id="3" fill="hold">
+                      <p:stCondLst>
+                        <p:cond delay="indefinite"/>
+                      </p:stCondLst>
+                      <p:childTnLst>
+                        <p:par>
+                          <p:cTn id="4" fill="hold">
+                            <p:stCondLst>
+                              <p:cond delay="0"/>
+                            </p:stCondLst>
+                            <p:childTnLst>
+                              <p:par>
+                                <p:cTn id="5" presetID="2" presetClass="entr" presetSubtype="4" fill="hold" grpId="0" nodeType="clickEffect">
+                                  <p:stCondLst>
+                                    <p:cond delay="0"/>
+                                  </p:stCondLst>
+                                  <p:childTnLst>
+                                    <p:set>
+                                      <p:cBhvr>
+                                        <p:cTn id="6" dur="1" fill="hold">
+                                          <p:stCondLst>
+                                            <p:cond delay="0"/>
+                                          </p:stCondLst>
+                                        </p:cTn>
+                                        <p:tgtEl>
+                                          <p:spTgt spid="3"/>
+                                        </p:tgtEl>
+                                        <p:attrNameLst>
+                                          <p:attrName>style.visibility</p:attrName>
+                                        </p:attrNameLst>
+                                      </p:cBhvr>
+                                      <p:to>
+                                        <p:strVal val="visible"/>
+                                      </p:to>
+                                    </p:set>
+                                    <p:anim calcmode="lin" valueType="num">
+                                      <p:cBhvr additive="base">
+                                        <p:cTn id="7" dur="500" fill="hold"/>
+                                        <p:tgtEl>
+                                          <p:spTgt spid="3"/>
+                                        </p:tgtEl>
+                                        <p:attrNameLst>
+                                          <p:attrName>ppt_x</p:attrName>
+                                        </p:attrNameLst>
+                                      </p:cBhvr>
+                                      <p:tavLst>
+                                        <p:tav tm="0">
+                                          <p:val>
+                                            <p:strVal val="#ppt_x"/>
+                                          </p:val>
+                                        </p:tav>
+                                        <p:tav tm="100000">
+                                          <p:val>
+                                            <p:strVal val="#ppt_x"/>
+                                          </p:val>
+                                        </p:tav>
+                                      </p:tavLst>
+                                    </p:anim>
+                                    <p:anim calcmode="lin" valueType="num">
+                                      <p:cBhvr additive="base">
+                                        <p:cTn id="8" dur="500" fill="hold"/>
+                                        <p:tgtEl>
+                                          <p:spTgt spid="3"/>
+                                        </p:tgtEl>
+                                        <p:attrNameLst>
+                                          <p:attrName>ppt_y</p:attrName>
+                                        </p:attrNameLst>
+                                      </p:cBhvr>
+                                      <p:tavLst>
+                                        <p:tav tm="0">
+                                          <p:val>
+                                            <p:strVal val="1+#ppt_h/2"/>
+                                          </p:val>
+                                        </p:tav>
+                                        <p:tav tm="100000">
+                                          <p:val>
+                                            <p:strVal val="#ppt_y"/>
+                                          </p:val>
+                                        </p:tav>
+                                      </p:tavLst>
+                                    </p:anim>
+                                  </p:childTnLst>
+                                </p:cTn>
+                              </p:par>
+                            </p:childTnLst>
+                          </p:cTn>
+                        </p:par>
+                      </p:childTnLst>
+                    </p:cTn>
+                  </p:par>
+                </p:childTnLst>
+              </p:cTn>
+              <p:prevCondLst>
+                <p:cond evt="onPrev" delay="0">
+                  <p:tgtEl>
+                    <p:sldTgt/>
+                  </p:tgtEl>
+                </p:cond>
+              </p:prevCondLst>
+              <p:nextCondLst>
+                <p:cond evt="onNext" delay="0">
+                  <p:tgtEl>
+                    <p:sldTgt/>
+                  </p:tgtEl>
+                </p:cond>
+              </p:nextCondLst>
+            </p:seq>
+          </p:childTnLst>
+        </p:cTn>
+      </p:par>
+    </p:tnLst>
+    <p:bldLst>
+      <p:bldP spid="3" grpId="0"/>
+    </p:bldLst>
   </p:timing>
 </p:sld>
 </file>
@@ -5752,8 +7247,8 @@
         </p:nvSpPr>
         <p:spPr>
           <a:xfrm>
-            <a:off x="2046509" y="4263842"/>
-            <a:ext cx="2941127" cy="452536"/>
+            <a:off x="1579418" y="4263842"/>
+            <a:ext cx="3890357" cy="452536"/>
           </a:xfrm>
           <a:prstGeom prst="rect">
             <a:avLst/>
@@ -5920,7 +7415,7 @@
               <a:buNone/>
             </a:pPr>
             <a:r>
-              <a:rPr lang="zh-TW" altLang="en-US" sz="1200" dirty="0">
+              <a:rPr lang="zh-TW" altLang="en-US" sz="1600" dirty="0">
                 <a:solidFill>
                   <a:schemeClr val="bg1">
                     <a:lumMod val="50000"/>
@@ -5931,7 +7426,7 @@
               </a:rPr>
               <a:t>「人工」即由人設計，為人創造、製造。</a:t>
             </a:r>
-            <a:endParaRPr lang="en-US" altLang="zh-CN" sz="1200" dirty="0">
+            <a:endParaRPr lang="en-US" altLang="zh-CN" sz="1600" dirty="0">
               <a:solidFill>
                 <a:schemeClr val="bg1">
                   <a:lumMod val="50000"/>
@@ -5951,8 +7446,8 @@
         </p:nvSpPr>
         <p:spPr>
           <a:xfrm>
-            <a:off x="4571681" y="5063119"/>
-            <a:ext cx="3497818" cy="751258"/>
+            <a:off x="3757353" y="5063119"/>
+            <a:ext cx="5170516" cy="751258"/>
           </a:xfrm>
           <a:prstGeom prst="rect">
             <a:avLst/>
@@ -6119,7 +7614,7 @@
               <a:buNone/>
             </a:pPr>
             <a:r>
-              <a:rPr lang="zh-TW" altLang="en-US" sz="1200" dirty="0">
+              <a:rPr lang="zh-TW" altLang="en-US" sz="1600" dirty="0">
                 <a:solidFill>
                   <a:schemeClr val="bg1">
                     <a:lumMod val="50000"/>
@@ -6131,7 +7626,7 @@
               <a:t>指由人製造出來的機器所表現出來的智慧。通常人工智慧是指</a:t>
             </a:r>
             <a:r>
-              <a:rPr lang="zh-TW" altLang="en-US" sz="1200" dirty="0" smtClean="0">
+              <a:rPr lang="zh-TW" altLang="en-US" sz="1600" dirty="0" smtClean="0">
                 <a:solidFill>
                   <a:schemeClr val="bg1">
                     <a:lumMod val="50000"/>
@@ -6143,7 +7638,7 @@
               <a:t>透過電腦程式</a:t>
             </a:r>
             <a:r>
-              <a:rPr lang="zh-TW" altLang="en-US" sz="1200" dirty="0">
+              <a:rPr lang="zh-TW" altLang="en-US" sz="1600" dirty="0">
                 <a:solidFill>
                   <a:schemeClr val="bg1">
                     <a:lumMod val="50000"/>
@@ -6154,7 +7649,7 @@
               </a:rPr>
               <a:t>來呈現人類智慧的技術。</a:t>
             </a:r>
-            <a:endParaRPr lang="en-US" altLang="zh-CN" sz="1200" dirty="0">
+            <a:endParaRPr lang="en-US" altLang="zh-CN" sz="1600" dirty="0">
               <a:solidFill>
                 <a:schemeClr val="bg1">
                   <a:lumMod val="50000"/>
@@ -6215,7 +7710,7 @@
         <p:spPr>
           <a:xfrm>
             <a:off x="6320590" y="4050632"/>
-            <a:ext cx="0" cy="1012487"/>
+            <a:ext cx="22021" cy="1012487"/>
           </a:xfrm>
           <a:prstGeom prst="line">
             <a:avLst/>
@@ -6245,8 +7740,8 @@
         </p:nvSpPr>
         <p:spPr>
           <a:xfrm>
-            <a:off x="7714337" y="4180952"/>
-            <a:ext cx="2866744" cy="665745"/>
+            <a:off x="6941127" y="4180952"/>
+            <a:ext cx="4488873" cy="765121"/>
           </a:xfrm>
           <a:prstGeom prst="rect">
             <a:avLst/>
@@ -6413,7 +7908,7 @@
               <a:buNone/>
             </a:pPr>
             <a:r>
-              <a:rPr lang="zh-TW" altLang="en-US" sz="1200" dirty="0">
+              <a:rPr lang="zh-TW" altLang="en-US" sz="1600" dirty="0">
                 <a:solidFill>
                   <a:schemeClr val="bg1">
                     <a:lumMod val="50000"/>
@@ -6425,7 +7920,7 @@
               <a:t>關於什麼是「智慧</a:t>
             </a:r>
             <a:r>
-              <a:rPr lang="zh-TW" altLang="en-US" sz="1200" dirty="0" smtClean="0">
+              <a:rPr lang="zh-TW" altLang="en-US" sz="1600" dirty="0" smtClean="0">
                 <a:solidFill>
                   <a:schemeClr val="bg1">
                     <a:lumMod val="50000"/>
@@ -6437,7 +7932,7 @@
               <a:t>」是指 能力、意識</a:t>
             </a:r>
             <a:r>
-              <a:rPr lang="zh-TW" altLang="en-US" sz="1200" dirty="0">
+              <a:rPr lang="zh-TW" altLang="en-US" sz="1600" dirty="0">
                 <a:solidFill>
                   <a:schemeClr val="bg1">
                     <a:lumMod val="50000"/>
@@ -6449,7 +7944,7 @@
               <a:t>、</a:t>
             </a:r>
             <a:r>
-              <a:rPr lang="zh-TW" altLang="en-US" sz="1200" dirty="0" smtClean="0">
+              <a:rPr lang="zh-TW" altLang="en-US" sz="1600" dirty="0" smtClean="0">
                 <a:solidFill>
                   <a:schemeClr val="bg1">
                     <a:lumMod val="50000"/>
@@ -6461,7 +7956,7 @@
               <a:t>自我</a:t>
             </a:r>
             <a:r>
-              <a:rPr lang="zh-TW" altLang="en-US" sz="1200" dirty="0">
+              <a:rPr lang="zh-TW" altLang="en-US" sz="1600" dirty="0">
                 <a:solidFill>
                   <a:schemeClr val="bg1">
                     <a:lumMod val="50000"/>
@@ -6473,7 +7968,7 @@
               <a:t>、</a:t>
             </a:r>
             <a:r>
-              <a:rPr lang="zh-TW" altLang="en-US" sz="1200" dirty="0" smtClean="0">
+              <a:rPr lang="zh-TW" altLang="en-US" sz="1600" dirty="0" smtClean="0">
                 <a:solidFill>
                   <a:schemeClr val="bg1">
                     <a:lumMod val="50000"/>
@@ -6485,7 +7980,7 @@
               <a:t>心靈？這裡是較</a:t>
             </a:r>
             <a:r>
-              <a:rPr lang="zh-TW" altLang="en-US" sz="1200" dirty="0">
+              <a:rPr lang="zh-TW" altLang="en-US" sz="1600" dirty="0">
                 <a:solidFill>
                   <a:schemeClr val="bg1">
                     <a:lumMod val="50000"/>
@@ -6497,7 +7992,7 @@
               <a:t>有爭議性</a:t>
             </a:r>
             <a:r>
-              <a:rPr lang="zh-TW" altLang="en-US" sz="1200" dirty="0" smtClean="0">
+              <a:rPr lang="zh-TW" altLang="en-US" sz="1600" dirty="0" smtClean="0">
                 <a:solidFill>
                   <a:schemeClr val="bg1">
                     <a:lumMod val="50000"/>
@@ -6508,7 +8003,7 @@
               </a:rPr>
               <a:t>。</a:t>
             </a:r>
-            <a:endParaRPr lang="en-US" altLang="zh-CN" sz="1200" dirty="0">
+            <a:endParaRPr lang="en-US" altLang="zh-CN" sz="1600" dirty="0">
               <a:solidFill>
                 <a:schemeClr val="bg1">
                   <a:lumMod val="50000"/>
@@ -6529,9 +8024,9 @@
           <p:nvPr/>
         </p:nvCxnSpPr>
         <p:spPr>
-          <a:xfrm flipH="1">
-            <a:off x="9147709" y="3387664"/>
-            <a:ext cx="8539" cy="793288"/>
+          <a:xfrm>
+            <a:off x="9156249" y="3387664"/>
+            <a:ext cx="29315" cy="793288"/>
           </a:xfrm>
           <a:prstGeom prst="line">
             <a:avLst/>
@@ -6780,8 +8275,8 @@
         </p:nvSpPr>
         <p:spPr>
           <a:xfrm>
-            <a:off x="5085636" y="1178762"/>
-            <a:ext cx="5742787" cy="1069827"/>
+            <a:off x="5085636" y="783036"/>
+            <a:ext cx="5742787" cy="1384914"/>
           </a:xfrm>
           <a:prstGeom prst="rect">
             <a:avLst/>
@@ -6800,7 +8295,7 @@
               </a:lnSpc>
             </a:pPr>
             <a:r>
-              <a:rPr lang="zh-CN" altLang="en-US" sz="1600" b="1" dirty="0">
+              <a:rPr lang="zh-CN" altLang="en-US" sz="2000" b="1" dirty="0">
                 <a:solidFill>
                   <a:schemeClr val="bg1">
                     <a:lumMod val="50000"/>
@@ -6814,7 +8309,7 @@
               <a:t>圖靈</a:t>
             </a:r>
             <a:r>
-              <a:rPr lang="zh-CN" altLang="en-US" sz="1600" b="1" dirty="0" smtClean="0">
+              <a:rPr lang="zh-CN" altLang="en-US" sz="2000" b="1" dirty="0" smtClean="0">
                 <a:solidFill>
                   <a:schemeClr val="bg1">
                     <a:lumMod val="50000"/>
@@ -6827,7 +8322,7 @@
               </a:rPr>
               <a:t>測試</a:t>
             </a:r>
-            <a:endParaRPr lang="en-US" altLang="zh-CN" sz="1600" b="1" dirty="0" smtClean="0">
+            <a:endParaRPr lang="en-US" altLang="zh-CN" sz="2000" b="1" dirty="0" smtClean="0">
               <a:solidFill>
                 <a:schemeClr val="bg1">
                   <a:lumMod val="50000"/>
@@ -6846,7 +8341,7 @@
               </a:lnSpc>
             </a:pPr>
             <a:r>
-              <a:rPr lang="zh-TW" altLang="en-US" sz="1400" dirty="0">
+              <a:rPr lang="zh-TW" altLang="en-US" dirty="0">
                 <a:solidFill>
                   <a:schemeClr val="bg1">
                     <a:lumMod val="50000"/>
@@ -6860,7 +8355,7 @@
               <a:t>是英國電腦科學家圖靈於</a:t>
             </a:r>
             <a:r>
-              <a:rPr lang="en-US" altLang="zh-TW" sz="1400" dirty="0">
+              <a:rPr lang="en-US" altLang="zh-TW" dirty="0">
                 <a:solidFill>
                   <a:schemeClr val="bg1">
                     <a:lumMod val="50000"/>
@@ -6874,7 +8369,7 @@
               <a:t>1950</a:t>
             </a:r>
             <a:r>
-              <a:rPr lang="zh-TW" altLang="en-US" sz="1400" dirty="0">
+              <a:rPr lang="zh-TW" altLang="en-US" dirty="0">
                 <a:solidFill>
                   <a:schemeClr val="bg1">
                     <a:lumMod val="50000"/>
@@ -6887,7 +8382,7 @@
               </a:rPr>
               <a:t>年提出的思想實驗，目的在測試機器能否表現出與人等價或無法區分的智慧型。</a:t>
             </a:r>
-            <a:endParaRPr lang="zh-CN" altLang="en-US" sz="1400" dirty="0">
+            <a:endParaRPr lang="zh-CN" altLang="en-US" dirty="0">
               <a:solidFill>
                 <a:schemeClr val="bg1">
                   <a:lumMod val="50000"/>
@@ -7097,8 +8592,8 @@
         </p:nvSpPr>
         <p:spPr>
           <a:xfrm>
-            <a:off x="5085636" y="1178762"/>
-            <a:ext cx="5742787" cy="1107915"/>
+            <a:off x="5085636" y="862878"/>
+            <a:ext cx="5742787" cy="1246414"/>
           </a:xfrm>
           <a:prstGeom prst="rect">
             <a:avLst/>
@@ -7117,7 +8612,7 @@
               </a:lnSpc>
             </a:pPr>
             <a:r>
-              <a:rPr lang="zh-TW" altLang="en-US" sz="1600" b="1" dirty="0">
+              <a:rPr lang="zh-TW" altLang="en-US" b="1" dirty="0">
                 <a:solidFill>
                   <a:schemeClr val="bg1">
                     <a:lumMod val="50000"/>
@@ -7131,7 +8626,7 @@
               <a:t>深藍 </a:t>
             </a:r>
             <a:r>
-              <a:rPr lang="en-US" altLang="zh-TW" sz="1600" b="1" dirty="0">
+              <a:rPr lang="en-US" altLang="zh-TW" b="1" dirty="0">
                 <a:solidFill>
                   <a:schemeClr val="bg1">
                     <a:lumMod val="50000"/>
@@ -7145,7 +8640,7 @@
               <a:t>(</a:t>
             </a:r>
             <a:r>
-              <a:rPr lang="zh-TW" altLang="en-US" sz="1600" b="1" dirty="0">
+              <a:rPr lang="zh-TW" altLang="en-US" b="1" dirty="0">
                 <a:solidFill>
                   <a:schemeClr val="bg1">
                     <a:lumMod val="50000"/>
@@ -7159,7 +8654,7 @@
               <a:t>超級電腦</a:t>
             </a:r>
             <a:r>
-              <a:rPr lang="en-US" altLang="zh-TW" sz="1600" b="1" dirty="0" smtClean="0">
+              <a:rPr lang="en-US" altLang="zh-TW" b="1" dirty="0" smtClean="0">
                 <a:solidFill>
                   <a:schemeClr val="bg1">
                     <a:lumMod val="50000"/>
@@ -7180,7 +8675,7 @@
               </a:lnSpc>
             </a:pPr>
             <a:r>
-              <a:rPr lang="zh-TW" altLang="en-US" sz="1400" dirty="0">
+              <a:rPr lang="zh-TW" altLang="en-US" sz="1600" dirty="0">
                 <a:solidFill>
                   <a:schemeClr val="bg1">
                     <a:lumMod val="50000"/>
@@ -7194,7 +8689,7 @@
               <a:t>深藍（</a:t>
             </a:r>
             <a:r>
-              <a:rPr lang="en-US" altLang="zh-TW" sz="1400" dirty="0">
+              <a:rPr lang="en-US" altLang="zh-TW" sz="1600" dirty="0">
                 <a:solidFill>
                   <a:schemeClr val="bg1">
                     <a:lumMod val="50000"/>
@@ -7208,7 +8703,7 @@
               <a:t>Deep Blue</a:t>
             </a:r>
             <a:r>
-              <a:rPr lang="zh-TW" altLang="en-US" sz="1400" dirty="0">
+              <a:rPr lang="zh-TW" altLang="en-US" sz="1600" dirty="0">
                 <a:solidFill>
                   <a:schemeClr val="bg1">
                     <a:lumMod val="50000"/>
@@ -7222,7 +8717,7 @@
               <a:t>）是由</a:t>
             </a:r>
             <a:r>
-              <a:rPr lang="en-US" altLang="zh-TW" sz="1400" dirty="0">
+              <a:rPr lang="en-US" altLang="zh-TW" sz="1600" dirty="0">
                 <a:solidFill>
                   <a:schemeClr val="bg1">
                     <a:lumMod val="50000"/>
@@ -7236,7 +8731,7 @@
               <a:t>IBM</a:t>
             </a:r>
             <a:r>
-              <a:rPr lang="zh-TW" altLang="en-US" sz="1400" dirty="0">
+              <a:rPr lang="zh-TW" altLang="en-US" sz="1600" dirty="0">
                 <a:solidFill>
                   <a:schemeClr val="bg1">
                     <a:lumMod val="50000"/>
@@ -7250,7 +8745,7 @@
               <a:t>開發，專門用以分析西洋棋的超級電腦。</a:t>
             </a:r>
             <a:r>
-              <a:rPr lang="en-US" altLang="zh-TW" sz="1400" dirty="0">
+              <a:rPr lang="en-US" altLang="zh-TW" sz="1600" dirty="0">
                 <a:solidFill>
                   <a:schemeClr val="bg1">
                     <a:lumMod val="50000"/>
@@ -7264,7 +8759,7 @@
               <a:t>1997</a:t>
             </a:r>
             <a:r>
-              <a:rPr lang="zh-TW" altLang="en-US" sz="1400" dirty="0">
+              <a:rPr lang="zh-TW" altLang="en-US" sz="1600" dirty="0">
                 <a:solidFill>
                   <a:schemeClr val="bg1">
                     <a:lumMod val="50000"/>
@@ -7278,7 +8773,7 @@
               <a:t>年</a:t>
             </a:r>
             <a:r>
-              <a:rPr lang="en-US" altLang="zh-TW" sz="1400" dirty="0">
+              <a:rPr lang="en-US" altLang="zh-TW" sz="1600" dirty="0">
                 <a:solidFill>
                   <a:schemeClr val="bg1">
                     <a:lumMod val="50000"/>
@@ -7292,7 +8787,7 @@
               <a:t>5</a:t>
             </a:r>
             <a:r>
-              <a:rPr lang="zh-TW" altLang="en-US" sz="1400" dirty="0">
+              <a:rPr lang="zh-TW" altLang="en-US" sz="1600" dirty="0">
                 <a:solidFill>
                   <a:schemeClr val="bg1">
                     <a:lumMod val="50000"/>
@@ -7306,7 +8801,7 @@
               <a:t>月曾擊敗西洋棋世界冠軍卡斯帕羅</a:t>
             </a:r>
             <a:r>
-              <a:rPr lang="zh-TW" altLang="en-US" sz="1400" dirty="0" smtClean="0">
+              <a:rPr lang="zh-TW" altLang="en-US" sz="1600" dirty="0" smtClean="0">
                 <a:solidFill>
                   <a:schemeClr val="bg1">
                     <a:lumMod val="50000"/>
@@ -7319,7 +8814,7 @@
               </a:rPr>
               <a:t>夫。</a:t>
             </a:r>
-            <a:endParaRPr lang="zh-CN" altLang="en-US" sz="1400" dirty="0">
+            <a:endParaRPr lang="zh-CN" altLang="en-US" sz="1600" dirty="0">
               <a:solidFill>
                 <a:schemeClr val="bg1">
                   <a:lumMod val="50000"/>
@@ -7529,8 +9024,8 @@
         </p:nvSpPr>
         <p:spPr>
           <a:xfrm>
-            <a:off x="5085636" y="1178762"/>
-            <a:ext cx="5742787" cy="2492909"/>
+            <a:off x="4655128" y="976185"/>
+            <a:ext cx="6741622" cy="2816075"/>
           </a:xfrm>
           <a:prstGeom prst="rect">
             <a:avLst/>
@@ -7549,7 +9044,7 @@
               </a:lnSpc>
             </a:pPr>
             <a:r>
-              <a:rPr lang="en-US" altLang="zh-TW" sz="1600" b="1" dirty="0" err="1" smtClean="0">
+              <a:rPr lang="en-US" altLang="zh-TW" b="1" dirty="0" err="1" smtClean="0">
                 <a:solidFill>
                   <a:schemeClr val="bg1">
                     <a:lumMod val="50000"/>
@@ -7562,7 +9057,7 @@
               </a:rPr>
               <a:t>AlphaGo</a:t>
             </a:r>
-            <a:endParaRPr lang="en-US" altLang="zh-TW" sz="1600" b="1" dirty="0" smtClean="0">
+            <a:endParaRPr lang="en-US" altLang="zh-TW" b="1" dirty="0" smtClean="0">
               <a:solidFill>
                 <a:schemeClr val="bg1">
                   <a:lumMod val="50000"/>
@@ -7581,7 +9076,7 @@
               </a:lnSpc>
             </a:pPr>
             <a:r>
-              <a:rPr lang="en-US" altLang="zh-TW" sz="1400" dirty="0">
+              <a:rPr lang="en-US" altLang="zh-TW" sz="1600" dirty="0">
                 <a:solidFill>
                   <a:schemeClr val="bg1">
                     <a:lumMod val="50000"/>
@@ -7595,7 +9090,7 @@
               <a:t>2014</a:t>
             </a:r>
             <a:r>
-              <a:rPr lang="zh-TW" altLang="en-US" sz="1400" dirty="0">
+              <a:rPr lang="zh-TW" altLang="en-US" sz="1600" dirty="0">
                 <a:solidFill>
                   <a:schemeClr val="bg1">
                     <a:lumMod val="50000"/>
@@ -7609,7 +9104,7 @@
               <a:t>年開始由英國倫敦</a:t>
             </a:r>
             <a:r>
-              <a:rPr lang="en-US" altLang="zh-TW" sz="1400" dirty="0">
+              <a:rPr lang="en-US" altLang="zh-TW" sz="1600" dirty="0">
                 <a:solidFill>
                   <a:schemeClr val="bg1">
                     <a:lumMod val="50000"/>
@@ -7623,7 +9118,7 @@
               <a:t>Google DeepMind</a:t>
             </a:r>
             <a:r>
-              <a:rPr lang="zh-TW" altLang="en-US" sz="1400" dirty="0">
+              <a:rPr lang="zh-TW" altLang="en-US" sz="1600" dirty="0">
                 <a:solidFill>
                   <a:schemeClr val="bg1">
                     <a:lumMod val="50000"/>
@@ -7637,7 +9132,7 @@
               <a:t>開發的人工智慧圍棋</a:t>
             </a:r>
             <a:r>
-              <a:rPr lang="zh-TW" altLang="en-US" sz="1400" dirty="0" smtClean="0">
+              <a:rPr lang="zh-TW" altLang="en-US" sz="1600" dirty="0" smtClean="0">
                 <a:solidFill>
                   <a:schemeClr val="bg1">
                     <a:lumMod val="50000"/>
@@ -7651,7 +9146,7 @@
               <a:t>軟體ｊ擊敗</a:t>
             </a:r>
             <a:r>
-              <a:rPr lang="ko-KR" altLang="en-US" sz="1400" dirty="0" smtClean="0">
+              <a:rPr lang="ko-KR" altLang="en-US" sz="1600" dirty="0" smtClean="0">
                 <a:solidFill>
                   <a:schemeClr val="bg1">
                     <a:lumMod val="50000"/>
@@ -7665,7 +9160,7 @@
               <a:t>世界冠軍韓國職業棋士李世乭</a:t>
             </a:r>
             <a:r>
-              <a:rPr lang="zh-TW" altLang="en-US" sz="1400" dirty="0" smtClean="0">
+              <a:rPr lang="zh-TW" altLang="en-US" sz="1600" dirty="0" smtClean="0">
                 <a:solidFill>
                   <a:schemeClr val="bg1">
                     <a:lumMod val="50000"/>
@@ -7679,7 +9174,7 @@
               <a:t>（</a:t>
             </a:r>
             <a:r>
-              <a:rPr lang="ko-KR" altLang="en-US" sz="1400" dirty="0" smtClean="0">
+              <a:rPr lang="ko-KR" altLang="en-US" sz="1600" dirty="0" smtClean="0">
                 <a:solidFill>
                   <a:schemeClr val="bg1">
                     <a:lumMod val="50000"/>
@@ -7693,7 +9188,7 @@
               <a:t>九段</a:t>
             </a:r>
             <a:r>
-              <a:rPr lang="zh-TW" altLang="en-US" sz="1400" dirty="0" smtClean="0">
+              <a:rPr lang="zh-TW" altLang="en-US" sz="1600" dirty="0" smtClean="0">
                 <a:solidFill>
                   <a:schemeClr val="bg1">
                     <a:lumMod val="50000"/>
@@ -7707,13 +9202,13 @@
               <a:t>）</a:t>
             </a:r>
             <a:r>
-              <a:rPr lang="zh-TW" altLang="en-US" dirty="0" smtClean="0">
+              <a:rPr lang="zh-TW" altLang="en-US" sz="2000" dirty="0" smtClean="0">
                 <a:latin typeface="微軟正黑體" panose="020B0604030504040204" pitchFamily="34" charset="-120"/>
                 <a:ea typeface="微軟正黑體" panose="020B0604030504040204" pitchFamily="34" charset="-120"/>
               </a:rPr>
               <a:t>。</a:t>
             </a:r>
-            <a:endParaRPr lang="en-US" altLang="zh-TW" dirty="0" smtClean="0">
+            <a:endParaRPr lang="en-US" altLang="zh-TW" sz="2000" dirty="0" smtClean="0">
               <a:latin typeface="微軟正黑體" panose="020B0604030504040204" pitchFamily="34" charset="-120"/>
               <a:ea typeface="微軟正黑體" panose="020B0604030504040204" pitchFamily="34" charset="-120"/>
             </a:endParaRPr>
@@ -7725,7 +9220,7 @@
               </a:lnSpc>
             </a:pPr>
             <a:r>
-              <a:rPr lang="en-US" altLang="zh-TW" sz="1400" dirty="0" err="1">
+              <a:rPr lang="en-US" altLang="zh-TW" sz="1600" dirty="0" err="1">
                 <a:solidFill>
                   <a:schemeClr val="bg1">
                     <a:lumMod val="50000"/>
@@ -7739,7 +9234,7 @@
               <a:t>AlphaGo</a:t>
             </a:r>
             <a:r>
-              <a:rPr lang="zh-TW" altLang="en-US" sz="1400" dirty="0">
+              <a:rPr lang="zh-TW" altLang="en-US" sz="1600" dirty="0">
                 <a:solidFill>
                   <a:schemeClr val="bg1">
                     <a:lumMod val="50000"/>
@@ -7753,7 +9248,7 @@
               <a:t>的做法是使用了蒙地卡羅樹搜尋與兩個深度神經網路相結合的方法，一個是以藉助估值網路（</a:t>
             </a:r>
             <a:r>
-              <a:rPr lang="en-US" altLang="zh-TW" sz="1400" dirty="0">
+              <a:rPr lang="en-US" altLang="zh-TW" sz="1600" dirty="0">
                 <a:solidFill>
                   <a:schemeClr val="bg1">
                     <a:lumMod val="50000"/>
@@ -7767,7 +9262,7 @@
               <a:t>value network</a:t>
             </a:r>
             <a:r>
-              <a:rPr lang="zh-TW" altLang="en-US" sz="1400" dirty="0">
+              <a:rPr lang="zh-TW" altLang="en-US" sz="1600" dirty="0">
                 <a:solidFill>
                   <a:schemeClr val="bg1">
                     <a:lumMod val="50000"/>
@@ -7781,7 +9276,7 @@
               <a:t>）來評估大量的選點，一個是藉助走棋網路（</a:t>
             </a:r>
             <a:r>
-              <a:rPr lang="en-US" altLang="zh-TW" sz="1400" dirty="0">
+              <a:rPr lang="en-US" altLang="zh-TW" sz="1600" dirty="0">
                 <a:solidFill>
                   <a:schemeClr val="bg1">
                     <a:lumMod val="50000"/>
@@ -7795,7 +9290,7 @@
               <a:t>policy network</a:t>
             </a:r>
             <a:r>
-              <a:rPr lang="zh-TW" altLang="en-US" sz="1400" dirty="0">
+              <a:rPr lang="zh-TW" altLang="en-US" sz="1600" dirty="0">
                 <a:solidFill>
                   <a:schemeClr val="bg1">
                     <a:lumMod val="50000"/>
@@ -7808,7 +9303,7 @@
               </a:rPr>
               <a:t>）來選擇落子，並使用強化學習進一步改善它。</a:t>
             </a:r>
-            <a:endParaRPr lang="zh-CN" altLang="en-US" sz="1400" dirty="0">
+            <a:endParaRPr lang="zh-CN" altLang="en-US" sz="1600" dirty="0">
               <a:solidFill>
                 <a:schemeClr val="bg1">
                   <a:lumMod val="50000"/>
@@ -7829,9 +9324,9 @@
           <p:nvPr/>
         </p:nvCxnSpPr>
         <p:spPr>
-          <a:xfrm>
-            <a:off x="5085636" y="2272168"/>
-            <a:ext cx="5518197" cy="0"/>
+          <a:xfrm flipV="1">
+            <a:off x="4655128" y="2236124"/>
+            <a:ext cx="6608617" cy="73284"/>
           </a:xfrm>
           <a:prstGeom prst="line">
             <a:avLst/>

--- a/NLP2.pptx
+++ b/NLP2.pptx
@@ -34,8 +34,8 @@
     <p:sldId id="304" r:id="rId22"/>
     <p:sldId id="310" r:id="rId23"/>
     <p:sldId id="311" r:id="rId24"/>
-    <p:sldId id="305" r:id="rId25"/>
-    <p:sldId id="308" r:id="rId26"/>
+    <p:sldId id="308" r:id="rId25"/>
+    <p:sldId id="305" r:id="rId26"/>
     <p:sldId id="312" r:id="rId27"/>
   </p:sldIdLst>
   <p:sldSz cx="12192000" cy="6858000"/>
@@ -239,7 +239,7 @@
           <a:p>
             <a:fld id="{A1739B53-3531-4537-A083-F1E0DEA3E00C}" type="datetimeFigureOut">
               <a:rPr lang="zh-TW" altLang="en-US" smtClean="0"/>
-              <a:t>2022/5/24</a:t>
+              <a:t>2022/5/28</a:t>
             </a:fld>
             <a:endParaRPr lang="zh-TW" altLang="en-US"/>
           </a:p>
@@ -404,7 +404,7 @@
           <a:p>
             <a:fld id="{85312A9B-02F9-4B0A-8D2D-021D7B1C6699}" type="datetimeFigureOut">
               <a:rPr lang="zh-TW" altLang="en-US" smtClean="0"/>
-              <a:t>2022/5/24</a:t>
+              <a:t>2022/5/28</a:t>
             </a:fld>
             <a:endParaRPr lang="zh-TW" altLang="en-US"/>
           </a:p>
@@ -716,94 +716,6 @@
           <a:bodyPr/>
           <a:lstStyle/>
           <a:p>
-            <a:r>
-              <a:rPr lang="zh-TW" altLang="en-US" dirty="0" smtClean="0"/>
-              <a:t>介紹一下自己</a:t>
-            </a:r>
-            <a:endParaRPr lang="en-US" altLang="zh-TW" dirty="0" smtClean="0"/>
-          </a:p>
-          <a:p>
-            <a:r>
-              <a:rPr lang="zh-TW" altLang="en-US" dirty="0" smtClean="0"/>
-              <a:t>畢業於澳門大學</a:t>
-            </a:r>
-            <a:r>
-              <a:rPr lang="en-US" altLang="zh-TW" dirty="0" smtClean="0"/>
-              <a:t>, </a:t>
-            </a:r>
-            <a:r>
-              <a:rPr lang="zh-TW" altLang="en-US" dirty="0" smtClean="0"/>
-              <a:t>軟件工程</a:t>
-            </a:r>
-            <a:r>
-              <a:rPr lang="en-US" altLang="zh-TW" dirty="0" smtClean="0"/>
-              <a:t>, </a:t>
-            </a:r>
-            <a:r>
-              <a:rPr lang="zh-TW" altLang="en-US" dirty="0" smtClean="0"/>
-              <a:t>專業係人工智能</a:t>
-            </a:r>
-            <a:endParaRPr lang="en-US" altLang="zh-TW" dirty="0" smtClean="0"/>
-          </a:p>
-          <a:p>
-            <a:r>
-              <a:rPr lang="zh-TW" altLang="en-US" dirty="0" smtClean="0"/>
-              <a:t>培正教書二十多年</a:t>
-            </a:r>
-            <a:r>
-              <a:rPr lang="en-US" altLang="zh-TW" dirty="0" smtClean="0"/>
-              <a:t>, </a:t>
-            </a:r>
-            <a:r>
-              <a:rPr lang="zh-TW" altLang="en-US" dirty="0" smtClean="0"/>
-              <a:t>資訊科技</a:t>
-            </a:r>
-            <a:r>
-              <a:rPr lang="en-US" altLang="zh-TW" dirty="0" smtClean="0"/>
-              <a:t>, </a:t>
-            </a:r>
-            <a:r>
-              <a:rPr lang="zh-TW" altLang="en-US" dirty="0" smtClean="0"/>
-              <a:t>數學</a:t>
-            </a:r>
-            <a:r>
-              <a:rPr lang="en-US" altLang="zh-TW" dirty="0" smtClean="0"/>
-              <a:t>, </a:t>
-            </a:r>
-            <a:r>
-              <a:rPr lang="zh-TW" altLang="en-US" dirty="0" smtClean="0"/>
-              <a:t>現在數學</a:t>
-            </a:r>
-            <a:r>
-              <a:rPr lang="en-US" altLang="zh-TW" dirty="0" smtClean="0"/>
-              <a:t>AI</a:t>
-            </a:r>
-          </a:p>
-          <a:p>
-            <a:r>
-              <a:rPr lang="zh-TW" altLang="en-US" dirty="0" smtClean="0"/>
-              <a:t>問問同工是否資訊科技</a:t>
-            </a:r>
-            <a:r>
-              <a:rPr lang="en-US" altLang="zh-TW" dirty="0" smtClean="0"/>
-              <a:t>, </a:t>
-            </a:r>
-            <a:r>
-              <a:rPr lang="zh-TW" altLang="en-US" dirty="0" smtClean="0"/>
-              <a:t>數學</a:t>
-            </a:r>
-            <a:r>
-              <a:rPr lang="en-US" altLang="zh-TW" dirty="0" smtClean="0"/>
-              <a:t>, AI</a:t>
-            </a:r>
-            <a:r>
-              <a:rPr lang="zh-TW" altLang="en-US" dirty="0" smtClean="0"/>
-              <a:t>教師</a:t>
-            </a:r>
-            <a:r>
-              <a:rPr lang="en-US" altLang="zh-TW" dirty="0" smtClean="0"/>
-              <a:t>?</a:t>
-            </a:r>
             <a:endParaRPr lang="zh-TW" altLang="en-US" dirty="0"/>
           </a:p>
         </p:txBody>
@@ -888,45 +800,6 @@
           <a:bodyPr/>
           <a:lstStyle/>
           <a:p>
-            <a:r>
-              <a:rPr lang="zh-TW" altLang="en-US" dirty="0" smtClean="0"/>
-              <a:t>數據連接網絡</a:t>
-            </a:r>
-            <a:r>
-              <a:rPr lang="en-US" altLang="zh-TW" dirty="0" smtClean="0"/>
-              <a:t>,  </a:t>
-            </a:r>
-            <a:r>
-              <a:rPr lang="zh-TW" altLang="en-US" dirty="0" smtClean="0"/>
-              <a:t>向前推導的過程</a:t>
-            </a:r>
-            <a:endParaRPr lang="en-US" altLang="zh-TW" dirty="0" smtClean="0"/>
-          </a:p>
-          <a:p>
-            <a:r>
-              <a:rPr lang="zh-TW" altLang="en-US" dirty="0" smtClean="0"/>
-              <a:t>硬件方面</a:t>
-            </a:r>
-            <a:r>
-              <a:rPr lang="en-US" altLang="zh-TW" dirty="0" smtClean="0"/>
-              <a:t>, </a:t>
-            </a:r>
-            <a:r>
-              <a:rPr lang="zh-TW" altLang="en-US" dirty="0" smtClean="0"/>
-              <a:t>亦多得</a:t>
-            </a:r>
-            <a:r>
-              <a:rPr lang="en-US" altLang="zh-TW" dirty="0" smtClean="0"/>
-              <a:t>GPU,TPU</a:t>
-            </a:r>
-            <a:r>
-              <a:rPr lang="zh-TW" altLang="en-US" dirty="0" smtClean="0"/>
-              <a:t>的強大運算能力</a:t>
-            </a:r>
-            <a:r>
-              <a:rPr lang="en-US" altLang="zh-TW" dirty="0" smtClean="0"/>
-              <a:t>,</a:t>
-            </a:r>
             <a:endParaRPr lang="zh-TW" altLang="en-US" dirty="0"/>
           </a:p>
         </p:txBody>
@@ -1011,58 +884,6 @@
           <a:bodyPr/>
           <a:lstStyle/>
           <a:p>
-            <a:r>
-              <a:rPr lang="zh-TW" altLang="en-US" dirty="0" smtClean="0"/>
-              <a:t>如何編寫程序辨識兩個路牌</a:t>
-            </a:r>
-            <a:r>
-              <a:rPr lang="en-US" altLang="zh-TW" dirty="0" smtClean="0"/>
-              <a:t>?</a:t>
-            </a:r>
-          </a:p>
-          <a:p>
-            <a:r>
-              <a:rPr lang="zh-TW" altLang="en-US" dirty="0" smtClean="0"/>
-              <a:t>圖像是點陣</a:t>
-            </a:r>
-            <a:r>
-              <a:rPr lang="en-US" altLang="zh-TW" dirty="0" smtClean="0"/>
-              <a:t>, </a:t>
-            </a:r>
-          </a:p>
-          <a:p>
-            <a:r>
-              <a:rPr lang="zh-TW" altLang="en-US" dirty="0" smtClean="0"/>
-              <a:t>分顏色</a:t>
-            </a:r>
-            <a:r>
-              <a:rPr lang="en-US" altLang="zh-TW" dirty="0" smtClean="0"/>
-              <a:t>? </a:t>
-            </a:r>
-            <a:r>
-              <a:rPr lang="zh-TW" altLang="en-US" dirty="0" smtClean="0"/>
-              <a:t>邊緣檢測</a:t>
-            </a:r>
-            <a:r>
-              <a:rPr lang="en-US" altLang="zh-TW" dirty="0" smtClean="0"/>
-              <a:t>? </a:t>
-            </a:r>
-            <a:r>
-              <a:rPr lang="zh-TW" altLang="en-US" dirty="0" smtClean="0"/>
-              <a:t>圖型辨識</a:t>
-            </a:r>
-            <a:r>
-              <a:rPr lang="en-US" altLang="zh-TW" dirty="0" smtClean="0"/>
-              <a:t>? </a:t>
-            </a:r>
-            <a:r>
-              <a:rPr lang="zh-TW" altLang="en-US" dirty="0" smtClean="0"/>
-              <a:t>光線反射</a:t>
-            </a:r>
-            <a:r>
-              <a:rPr lang="en-US" altLang="zh-TW" dirty="0" smtClean="0"/>
-              <a:t>?</a:t>
-            </a:r>
             <a:endParaRPr lang="zh-TW" altLang="en-US" dirty="0"/>
           </a:p>
         </p:txBody>
@@ -1147,48 +968,6 @@
           <a:bodyPr/>
           <a:lstStyle/>
           <a:p>
-            <a:r>
-              <a:rPr lang="zh-TW" altLang="en-US" dirty="0" smtClean="0"/>
-              <a:t>最成功</a:t>
-            </a:r>
-            <a:r>
-              <a:rPr lang="en-US" altLang="zh-TW" dirty="0" smtClean="0"/>
-              <a:t>, </a:t>
-            </a:r>
-            <a:r>
-              <a:rPr lang="zh-TW" altLang="en-US" dirty="0" smtClean="0"/>
-              <a:t>準備率</a:t>
-            </a:r>
-            <a:r>
-              <a:rPr lang="en-US" altLang="zh-TW" dirty="0" smtClean="0"/>
-              <a:t>99%, </a:t>
-            </a:r>
-            <a:r>
-              <a:rPr lang="zh-TW" altLang="en-US" dirty="0" smtClean="0"/>
-              <a:t>應用得最廣泛</a:t>
-            </a:r>
-            <a:r>
-              <a:rPr lang="en-US" altLang="zh-TW" dirty="0" smtClean="0"/>
-              <a:t>, </a:t>
-            </a:r>
-          </a:p>
-          <a:p>
-            <a:r>
-              <a:rPr lang="zh-TW" altLang="en-US" dirty="0" smtClean="0"/>
-              <a:t>又讓學習去模仿</a:t>
-            </a:r>
-            <a:r>
-              <a:rPr lang="en-US" altLang="zh-TW" dirty="0" smtClean="0"/>
-              <a:t>, </a:t>
-            </a:r>
-            <a:r>
-              <a:rPr lang="zh-TW" altLang="en-US" dirty="0" smtClean="0"/>
-              <a:t>學習</a:t>
-            </a:r>
-            <a:r>
-              <a:rPr lang="en-US" altLang="zh-TW" dirty="0" smtClean="0"/>
-              <a:t>.</a:t>
-            </a:r>
             <a:endParaRPr lang="zh-TW" altLang="en-US" dirty="0"/>
           </a:p>
         </p:txBody>
@@ -1273,56 +1052,6 @@
           <a:bodyPr/>
           <a:lstStyle/>
           <a:p>
-            <a:r>
-              <a:rPr lang="en-US" altLang="zh-TW" dirty="0" smtClean="0"/>
-              <a:t>Siri, </a:t>
-            </a:r>
-            <a:r>
-              <a:rPr lang="zh-TW" altLang="en-US" dirty="0" smtClean="0"/>
-              <a:t>但又最難去讓學生</a:t>
-            </a:r>
-            <a:r>
-              <a:rPr lang="en-US" altLang="zh-TW" dirty="0" smtClean="0"/>
-              <a:t>, </a:t>
-            </a:r>
-            <a:r>
-              <a:rPr lang="zh-TW" altLang="en-US" dirty="0" smtClean="0"/>
-              <a:t>學習</a:t>
-            </a:r>
-            <a:r>
-              <a:rPr lang="en-US" altLang="zh-TW" dirty="0" smtClean="0"/>
-              <a:t>, </a:t>
-            </a:r>
-          </a:p>
-          <a:p>
-            <a:r>
-              <a:rPr lang="en-US" altLang="zh-TW" dirty="0" smtClean="0"/>
-              <a:t>Apple, Google,</a:t>
-            </a:r>
-            <a:r>
-              <a:rPr lang="zh-TW" altLang="en-US" sz="2400" b="0" i="0" kern="1200" dirty="0" smtClean="0">
-                <a:solidFill>
-                  <a:schemeClr val="tx1"/>
-                </a:solidFill>
-                <a:effectLst/>
-                <a:latin typeface="+mn-lt"/>
-                <a:ea typeface="+mn-ea"/>
-                <a:cs typeface="+mn-cs"/>
-              </a:rPr>
-              <a:t>讯飞语言</a:t>
-            </a:r>
-            <a:r>
-              <a:rPr lang="en-US" altLang="zh-TW" sz="2400" b="0" i="0" kern="1200" dirty="0" smtClean="0">
-                <a:solidFill>
-                  <a:schemeClr val="tx1"/>
-                </a:solidFill>
-                <a:effectLst/>
-                <a:latin typeface="+mn-lt"/>
-                <a:ea typeface="+mn-ea"/>
-                <a:cs typeface="+mn-cs"/>
-              </a:rPr>
-              <a:t>…</a:t>
-            </a:r>
             <a:endParaRPr lang="zh-TW" altLang="en-US" dirty="0"/>
           </a:p>
         </p:txBody>
@@ -1491,296 +1220,6 @@
           <a:bodyPr/>
           <a:lstStyle/>
           <a:p>
-            <a:r>
-              <a:rPr lang="zh-TW" altLang="en-US" dirty="0" smtClean="0"/>
-              <a:t>要注意</a:t>
-            </a:r>
-            <a:r>
-              <a:rPr lang="en-US" altLang="zh-TW" dirty="0" smtClean="0"/>
-              <a:t>, </a:t>
-            </a:r>
-          </a:p>
-          <a:p>
-            <a:r>
-              <a:rPr lang="en-US" altLang="zh-TW" dirty="0" smtClean="0"/>
-              <a:t>Terminator 1984, </a:t>
-            </a:r>
-            <a:r>
-              <a:rPr lang="en-US" altLang="zh-TW" sz="2400" b="0" i="0" kern="1200" dirty="0" smtClean="0">
-                <a:solidFill>
-                  <a:schemeClr val="tx1"/>
-                </a:solidFill>
-                <a:effectLst/>
-                <a:latin typeface="+mn-lt"/>
-                <a:ea typeface="+mn-ea"/>
-                <a:cs typeface="+mn-cs"/>
-              </a:rPr>
-              <a:t>Terminator 2 1991</a:t>
-            </a:r>
-            <a:r>
-              <a:rPr lang="zh-TW" altLang="en-US" sz="2400" b="0" i="0" kern="1200" dirty="0" smtClean="0">
-                <a:solidFill>
-                  <a:schemeClr val="tx1"/>
-                </a:solidFill>
-                <a:effectLst/>
-                <a:latin typeface="+mn-lt"/>
-                <a:ea typeface="+mn-ea"/>
-                <a:cs typeface="+mn-cs"/>
-              </a:rPr>
-              <a:t>年的</a:t>
-            </a:r>
-            <a:r>
-              <a:rPr lang="en-US" altLang="zh-TW" sz="2400" b="0" i="0" kern="1200" dirty="0" smtClean="0">
-                <a:solidFill>
-                  <a:schemeClr val="tx1"/>
-                </a:solidFill>
-                <a:effectLst/>
-                <a:latin typeface="+mn-lt"/>
-                <a:ea typeface="+mn-ea"/>
-                <a:cs typeface="+mn-cs"/>
-              </a:rPr>
-              <a:t>, </a:t>
-            </a:r>
-            <a:r>
-              <a:rPr lang="zh-TW" altLang="en-US" sz="2400" b="0" i="0" kern="1200" dirty="0" smtClean="0">
-                <a:solidFill>
-                  <a:schemeClr val="tx1"/>
-                </a:solidFill>
-                <a:effectLst/>
-                <a:latin typeface="+mn-lt"/>
-                <a:ea typeface="+mn-ea"/>
-                <a:cs typeface="+mn-cs"/>
-              </a:rPr>
-              <a:t>所描述的人工智能機械人是擁有甚麼的功能</a:t>
-            </a:r>
-            <a:endParaRPr lang="en-US" altLang="zh-TW" sz="2400" b="0" i="0" kern="1200" dirty="0" smtClean="0">
-              <a:solidFill>
-                <a:schemeClr val="tx1"/>
-              </a:solidFill>
-              <a:effectLst/>
-              <a:latin typeface="+mn-lt"/>
-              <a:ea typeface="+mn-ea"/>
-              <a:cs typeface="+mn-cs"/>
-            </a:endParaRPr>
-          </a:p>
-          <a:p>
-            <a:r>
-              <a:rPr lang="zh-TW" altLang="en-US" sz="2400" b="0" i="0" kern="1200" dirty="0" smtClean="0">
-                <a:solidFill>
-                  <a:schemeClr val="tx1"/>
-                </a:solidFill>
-                <a:effectLst/>
-                <a:latin typeface="+mn-lt"/>
-                <a:ea typeface="+mn-ea"/>
-                <a:cs typeface="+mn-cs"/>
-              </a:rPr>
-              <a:t>物件辨識</a:t>
-            </a:r>
-            <a:r>
-              <a:rPr lang="en-US" altLang="zh-TW" sz="2400" b="0" i="0" kern="1200" dirty="0" smtClean="0">
-                <a:solidFill>
-                  <a:schemeClr val="tx1"/>
-                </a:solidFill>
-                <a:effectLst/>
-                <a:latin typeface="+mn-lt"/>
-                <a:ea typeface="+mn-ea"/>
-                <a:cs typeface="+mn-cs"/>
-              </a:rPr>
-              <a:t>, </a:t>
-            </a:r>
-            <a:r>
-              <a:rPr lang="zh-TW" altLang="en-US" sz="2400" b="0" i="0" kern="1200" dirty="0" smtClean="0">
-                <a:solidFill>
-                  <a:schemeClr val="tx1"/>
-                </a:solidFill>
-                <a:effectLst/>
-                <a:latin typeface="+mn-lt"/>
-                <a:ea typeface="+mn-ea"/>
-                <a:cs typeface="+mn-cs"/>
-              </a:rPr>
-              <a:t>配對</a:t>
-            </a:r>
-            <a:r>
-              <a:rPr lang="en-US" altLang="zh-TW" sz="2400" b="0" i="0" kern="1200" dirty="0" smtClean="0">
-                <a:solidFill>
-                  <a:schemeClr val="tx1"/>
-                </a:solidFill>
-                <a:effectLst/>
-                <a:latin typeface="+mn-lt"/>
-                <a:ea typeface="+mn-ea"/>
-                <a:cs typeface="+mn-cs"/>
-              </a:rPr>
-              <a:t>, </a:t>
-            </a:r>
-            <a:r>
-              <a:rPr lang="zh-TW" altLang="en-US" sz="2400" b="0" i="0" kern="1200" dirty="0" smtClean="0">
-                <a:solidFill>
-                  <a:schemeClr val="tx1"/>
-                </a:solidFill>
-                <a:effectLst/>
-                <a:latin typeface="+mn-lt"/>
-                <a:ea typeface="+mn-ea"/>
-                <a:cs typeface="+mn-cs"/>
-              </a:rPr>
-              <a:t>自然語言對話</a:t>
-            </a:r>
-            <a:endParaRPr lang="en-US" altLang="zh-TW" sz="2400" b="0" i="0" kern="1200" dirty="0" smtClean="0">
-              <a:solidFill>
-                <a:schemeClr val="tx1"/>
-              </a:solidFill>
-              <a:effectLst/>
-              <a:latin typeface="+mn-lt"/>
-              <a:ea typeface="+mn-ea"/>
-              <a:cs typeface="+mn-cs"/>
-            </a:endParaRPr>
-          </a:p>
-          <a:p>
-            <a:endParaRPr lang="en-US" altLang="zh-TW" sz="2400" b="0" i="0" kern="1200" dirty="0" smtClean="0">
-              <a:solidFill>
-                <a:schemeClr val="tx1"/>
-              </a:solidFill>
-              <a:effectLst/>
-              <a:latin typeface="+mn-lt"/>
-              <a:ea typeface="+mn-ea"/>
-              <a:cs typeface="+mn-cs"/>
-            </a:endParaRPr>
-          </a:p>
-          <a:p>
-            <a:r>
-              <a:rPr lang="en-US" altLang="zh-TW" sz="2400" b="0" i="0" kern="1200" dirty="0" smtClean="0">
-                <a:solidFill>
-                  <a:schemeClr val="tx1"/>
-                </a:solidFill>
-                <a:effectLst/>
-                <a:latin typeface="+mn-lt"/>
-                <a:ea typeface="+mn-ea"/>
-                <a:cs typeface="+mn-cs"/>
-              </a:rPr>
-              <a:t>AI</a:t>
-            </a:r>
-            <a:r>
-              <a:rPr lang="zh-TW" altLang="en-US" sz="2400" b="0" i="0" kern="1200" dirty="0" smtClean="0">
-                <a:solidFill>
-                  <a:schemeClr val="tx1"/>
-                </a:solidFill>
-                <a:effectLst/>
-                <a:latin typeface="+mn-lt"/>
-                <a:ea typeface="+mn-ea"/>
-                <a:cs typeface="+mn-cs"/>
-              </a:rPr>
-              <a:t>智能愛人</a:t>
-            </a:r>
-            <a:endParaRPr lang="en-US" altLang="zh-TW" sz="2400" b="0" i="0" kern="1200" dirty="0" smtClean="0">
-              <a:solidFill>
-                <a:schemeClr val="tx1"/>
-              </a:solidFill>
-              <a:effectLst/>
-              <a:latin typeface="+mn-lt"/>
-              <a:ea typeface="+mn-ea"/>
-              <a:cs typeface="+mn-cs"/>
-            </a:endParaRPr>
-          </a:p>
-          <a:p>
-            <a:pPr marL="0" marR="0" indent="0" algn="l" defTabSz="914400" rtl="0" eaLnBrk="1" fontAlgn="auto" latinLnBrk="0" hangingPunct="1">
-              <a:lnSpc>
-                <a:spcPct val="100000"/>
-              </a:lnSpc>
-              <a:spcBef>
-                <a:spcPts val="0"/>
-              </a:spcBef>
-              <a:spcAft>
-                <a:spcPts val="0"/>
-              </a:spcAft>
-              <a:buClrTx/>
-              <a:buSzTx/>
-              <a:buFontTx/>
-              <a:buNone/>
-              <a:tabLst/>
-              <a:defRPr/>
-            </a:pPr>
-            <a:r>
-              <a:rPr lang="en-US" altLang="zh-TW" sz="2400" b="0" i="0" kern="1200" dirty="0" smtClean="0">
-                <a:solidFill>
-                  <a:schemeClr val="tx1"/>
-                </a:solidFill>
-                <a:effectLst/>
-                <a:latin typeface="+mn-lt"/>
-                <a:ea typeface="+mn-ea"/>
-                <a:cs typeface="+mn-cs"/>
-              </a:rPr>
-              <a:t>2021</a:t>
-            </a:r>
-            <a:r>
-              <a:rPr lang="zh-TW" altLang="en-US" sz="2400" b="0" i="0" kern="1200" dirty="0" smtClean="0">
-                <a:solidFill>
-                  <a:schemeClr val="tx1"/>
-                </a:solidFill>
-                <a:effectLst/>
-                <a:latin typeface="+mn-lt"/>
-                <a:ea typeface="+mn-ea"/>
-                <a:cs typeface="+mn-cs"/>
-              </a:rPr>
-              <a:t>年的作品</a:t>
-            </a:r>
-            <a:r>
-              <a:rPr lang="en-US" altLang="zh-TW" sz="2400" b="0" i="0" kern="1200" dirty="0" smtClean="0">
-                <a:solidFill>
-                  <a:schemeClr val="tx1"/>
-                </a:solidFill>
-                <a:effectLst/>
-                <a:latin typeface="+mn-lt"/>
-                <a:ea typeface="+mn-ea"/>
-                <a:cs typeface="+mn-cs"/>
-              </a:rPr>
-              <a:t>,</a:t>
-            </a:r>
-            <a:r>
-              <a:rPr lang="zh-TW" altLang="en-US" sz="2400" b="0" i="0" kern="1200" dirty="0" smtClean="0">
-                <a:solidFill>
-                  <a:schemeClr val="tx1"/>
-                </a:solidFill>
-                <a:effectLst/>
-                <a:latin typeface="+mn-lt"/>
-                <a:ea typeface="+mn-ea"/>
-                <a:cs typeface="+mn-cs"/>
-              </a:rPr>
-              <a:t>自然語言學習</a:t>
-            </a:r>
-            <a:r>
-              <a:rPr lang="en-US" altLang="zh-TW" sz="2400" b="0" i="0" kern="1200" dirty="0" smtClean="0">
-                <a:solidFill>
-                  <a:schemeClr val="tx1"/>
-                </a:solidFill>
-                <a:effectLst/>
-                <a:latin typeface="+mn-lt"/>
-                <a:ea typeface="+mn-ea"/>
-                <a:cs typeface="+mn-cs"/>
-              </a:rPr>
-              <a:t>, </a:t>
-            </a:r>
-            <a:r>
-              <a:rPr lang="zh-TW" altLang="en-US" sz="2400" b="0" i="0" kern="1200" dirty="0" smtClean="0">
-                <a:solidFill>
-                  <a:schemeClr val="tx1"/>
-                </a:solidFill>
-                <a:effectLst/>
-                <a:latin typeface="+mn-lt"/>
-                <a:ea typeface="+mn-ea"/>
-                <a:cs typeface="+mn-cs"/>
-              </a:rPr>
-              <a:t>主動學習</a:t>
-            </a:r>
-            <a:endParaRPr lang="en-US" altLang="zh-TW" sz="2400" b="0" i="0" kern="1200" dirty="0" smtClean="0">
-              <a:solidFill>
-                <a:schemeClr val="tx1"/>
-              </a:solidFill>
-              <a:effectLst/>
-              <a:latin typeface="+mn-lt"/>
-              <a:ea typeface="+mn-ea"/>
-              <a:cs typeface="+mn-cs"/>
-            </a:endParaRPr>
-          </a:p>
-          <a:p>
             <a:endParaRPr lang="zh-TW" altLang="en-US" dirty="0"/>
           </a:p>
         </p:txBody>
@@ -1865,55 +1304,6 @@
           <a:bodyPr/>
           <a:lstStyle/>
           <a:p>
-            <a:r>
-              <a:rPr lang="zh-TW" altLang="en-US" dirty="0" smtClean="0"/>
-              <a:t>強人工智能</a:t>
-            </a:r>
-            <a:r>
-              <a:rPr lang="en-US" altLang="zh-TW" dirty="0" smtClean="0"/>
-              <a:t>,</a:t>
-            </a:r>
-            <a:r>
-              <a:rPr lang="zh-CN" altLang="en-US" dirty="0" smtClean="0"/>
-              <a:t>是具备与人类同等智慧、或超越人类</a:t>
-            </a:r>
-            <a:endParaRPr lang="en-US" altLang="zh-CN" dirty="0" smtClean="0"/>
-          </a:p>
-          <a:p>
-            <a:r>
-              <a:rPr lang="zh-CN" altLang="en-US" sz="2400" b="0" i="0" kern="1200" dirty="0" smtClean="0">
-                <a:solidFill>
-                  <a:schemeClr val="tx1"/>
-                </a:solidFill>
-                <a:effectLst/>
-                <a:latin typeface="+mn-lt"/>
-                <a:ea typeface="+mn-ea"/>
-                <a:cs typeface="+mn-cs"/>
-              </a:rPr>
-              <a:t>   即机器“像人一样思考”、“像人一样行动”、“理性地思考”和“理性地行动”</a:t>
-            </a:r>
-            <a:endParaRPr lang="en-US" altLang="zh-CN" dirty="0" smtClean="0"/>
-          </a:p>
-          <a:p>
-            <a:r>
-              <a:rPr lang="zh-TW" altLang="en-US" dirty="0" smtClean="0"/>
-              <a:t>弱人工智能</a:t>
-            </a:r>
-            <a:endParaRPr lang="en-US" altLang="zh-TW" dirty="0" smtClean="0"/>
-          </a:p>
-          <a:p>
-            <a:r>
-              <a:rPr lang="zh-CN" altLang="en-US" sz="2400" b="0" i="0" kern="1200" dirty="0" smtClean="0">
-                <a:solidFill>
-                  <a:schemeClr val="tx1"/>
-                </a:solidFill>
-                <a:effectLst/>
-                <a:latin typeface="+mn-lt"/>
-                <a:ea typeface="+mn-ea"/>
-                <a:cs typeface="+mn-cs"/>
-              </a:rPr>
-              <a:t>这些机器只不过看起来像是智能的，但是并不真正拥有智能，也不会有自主意识</a:t>
-            </a:r>
             <a:endParaRPr lang="zh-TW" altLang="en-US" dirty="0"/>
           </a:p>
         </p:txBody>
@@ -1998,130 +1388,6 @@
           <a:bodyPr/>
           <a:lstStyle/>
           <a:p>
-            <a:r>
-              <a:rPr lang="en-US" altLang="zh-TW" dirty="0" smtClean="0"/>
-              <a:t>Google </a:t>
-            </a:r>
-            <a:r>
-              <a:rPr lang="zh-TW" altLang="en-US" dirty="0" smtClean="0"/>
-              <a:t>翻譯</a:t>
-            </a:r>
-            <a:r>
-              <a:rPr lang="en-US" altLang="zh-TW" dirty="0" smtClean="0"/>
-              <a:t>, </a:t>
-            </a:r>
-            <a:r>
-              <a:rPr lang="zh-TW" altLang="en-US" dirty="0" smtClean="0"/>
-              <a:t>準確度</a:t>
-            </a:r>
-            <a:r>
-              <a:rPr lang="en-US" altLang="zh-TW" dirty="0" smtClean="0"/>
-              <a:t>?</a:t>
-            </a:r>
-          </a:p>
-          <a:p>
-            <a:r>
-              <a:rPr lang="zh-TW" altLang="en-US" dirty="0" smtClean="0"/>
-              <a:t>信息抽取</a:t>
-            </a:r>
-            <a:r>
-              <a:rPr lang="en-US" altLang="zh-TW" dirty="0" smtClean="0"/>
-              <a:t>, </a:t>
-            </a:r>
-            <a:r>
-              <a:rPr lang="zh-TW" altLang="en-US" dirty="0" smtClean="0"/>
-              <a:t>在眾多的訊息來源中</a:t>
-            </a:r>
-            <a:r>
-              <a:rPr lang="en-US" altLang="zh-TW" dirty="0" smtClean="0"/>
-              <a:t>, </a:t>
-            </a:r>
-            <a:r>
-              <a:rPr lang="zh-TW" altLang="en-US" dirty="0" smtClean="0"/>
-              <a:t>尋找特定的訊息</a:t>
-            </a:r>
-            <a:endParaRPr lang="en-US" altLang="zh-TW" dirty="0" smtClean="0"/>
-          </a:p>
-          <a:p>
-            <a:r>
-              <a:rPr lang="en-US" altLang="zh-TW" dirty="0" smtClean="0"/>
-              <a:t>   </a:t>
-            </a:r>
-            <a:r>
-              <a:rPr lang="zh-TW" altLang="en-US" dirty="0" smtClean="0"/>
-              <a:t>如網絡新聞</a:t>
-            </a:r>
-            <a:r>
-              <a:rPr lang="en-US" altLang="zh-TW" dirty="0" smtClean="0"/>
-              <a:t>, </a:t>
-            </a:r>
-          </a:p>
-          <a:p>
-            <a:r>
-              <a:rPr lang="en-US" altLang="zh-TW" dirty="0" err="1" smtClean="0"/>
-              <a:t>Wechat</a:t>
-            </a:r>
-            <a:r>
-              <a:rPr lang="en-US" altLang="zh-TW" baseline="0" dirty="0" smtClean="0"/>
-              <a:t> </a:t>
-            </a:r>
-            <a:r>
-              <a:rPr lang="zh-TW" altLang="en-US" baseline="0" dirty="0" smtClean="0"/>
-              <a:t>訊息監控</a:t>
-            </a:r>
-            <a:r>
-              <a:rPr lang="en-US" altLang="zh-TW" baseline="0" dirty="0" smtClean="0"/>
-              <a:t>? </a:t>
-            </a:r>
-            <a:r>
-              <a:rPr lang="zh-TW" altLang="en-US" baseline="0" dirty="0" smtClean="0"/>
-              <a:t>會不會有人逐條逐去看</a:t>
-            </a:r>
-            <a:r>
-              <a:rPr lang="en-US" altLang="zh-TW" baseline="0" dirty="0" smtClean="0"/>
-              <a:t>?</a:t>
-            </a:r>
-          </a:p>
-          <a:p>
-            <a:r>
-              <a:rPr lang="zh-TW" altLang="en-US" baseline="0" dirty="0" smtClean="0"/>
-              <a:t>文本分類</a:t>
-            </a:r>
-            <a:r>
-              <a:rPr lang="en-US" altLang="zh-TW" baseline="0" dirty="0" smtClean="0"/>
-              <a:t>, </a:t>
-            </a:r>
-            <a:r>
-              <a:rPr lang="zh-TW" altLang="en-US" baseline="0" dirty="0" smtClean="0"/>
-              <a:t>讚的點評</a:t>
-            </a:r>
-            <a:r>
-              <a:rPr lang="en-US" altLang="zh-TW" baseline="0" dirty="0" smtClean="0"/>
-              <a:t>? </a:t>
-            </a:r>
-            <a:r>
-              <a:rPr lang="zh-TW" altLang="en-US" baseline="0" dirty="0" smtClean="0"/>
-              <a:t>不讚的點評</a:t>
-            </a:r>
-            <a:endParaRPr lang="en-US" altLang="zh-TW" baseline="0" dirty="0" smtClean="0"/>
-          </a:p>
-          <a:p>
-            <a:r>
-              <a:rPr lang="zh-TW" altLang="en-US" baseline="0" dirty="0" smtClean="0"/>
-              <a:t>客戶機械人</a:t>
-            </a:r>
-            <a:r>
-              <a:rPr lang="en-US" altLang="zh-TW" baseline="0" dirty="0" smtClean="0"/>
-              <a:t>, </a:t>
-            </a:r>
-            <a:r>
-              <a:rPr lang="zh-TW" altLang="en-US" baseline="0" dirty="0" smtClean="0"/>
-              <a:t>在淘寶客服是真人</a:t>
-            </a:r>
-            <a:r>
-              <a:rPr lang="en-US" altLang="zh-TW" baseline="0" dirty="0" smtClean="0"/>
-              <a:t>?</a:t>
-            </a:r>
             <a:endParaRPr lang="zh-TW" altLang="en-US" dirty="0"/>
           </a:p>
         </p:txBody>
@@ -2206,59 +1472,6 @@
           <a:bodyPr/>
           <a:lstStyle/>
           <a:p>
-            <a:r>
-              <a:rPr lang="zh-TW" altLang="en-US" dirty="0" smtClean="0"/>
-              <a:t>另類作品</a:t>
-            </a:r>
-            <a:r>
-              <a:rPr lang="en-US" altLang="zh-TW" dirty="0" smtClean="0"/>
-              <a:t>, </a:t>
-            </a:r>
-            <a:r>
-              <a:rPr lang="zh-TW" altLang="en-US" dirty="0" smtClean="0"/>
-              <a:t>馬</a:t>
-            </a:r>
-            <a:r>
-              <a:rPr lang="en-US" altLang="zh-TW" dirty="0" smtClean="0"/>
-              <a:t>, </a:t>
-            </a:r>
-            <a:r>
-              <a:rPr lang="zh-TW" altLang="en-US" dirty="0" smtClean="0"/>
-              <a:t>雀仔</a:t>
-            </a:r>
-            <a:r>
-              <a:rPr lang="en-US" altLang="zh-TW" dirty="0" smtClean="0"/>
-              <a:t>, </a:t>
-            </a:r>
-            <a:r>
-              <a:rPr lang="zh-TW" altLang="en-US" dirty="0" smtClean="0"/>
-              <a:t>大三巴</a:t>
-            </a:r>
-            <a:r>
-              <a:rPr lang="en-US" altLang="zh-TW" dirty="0" smtClean="0"/>
-              <a:t>, </a:t>
-            </a:r>
-          </a:p>
-          <a:p>
-            <a:endParaRPr lang="en-US" altLang="zh-TW" dirty="0" smtClean="0"/>
-          </a:p>
-          <a:p>
-            <a:r>
-              <a:rPr lang="zh-TW" altLang="en-US" dirty="0" smtClean="0"/>
-              <a:t>中華教育會</a:t>
-            </a:r>
-            <a:r>
-              <a:rPr lang="en-US" altLang="zh-TW" dirty="0" smtClean="0"/>
-              <a:t>, </a:t>
-            </a:r>
-            <a:r>
-              <a:rPr lang="zh-TW" altLang="en-US" dirty="0" smtClean="0"/>
-              <a:t>澳門</a:t>
-            </a:r>
-            <a:r>
-              <a:rPr lang="en-US" altLang="zh-TW" dirty="0" smtClean="0"/>
-              <a:t>, </a:t>
-            </a:r>
             <a:endParaRPr lang="zh-TW" altLang="en-US" dirty="0"/>
           </a:p>
         </p:txBody>
@@ -2343,18 +1556,6 @@
           <a:bodyPr/>
           <a:lstStyle/>
           <a:p>
-            <a:r>
-              <a:rPr lang="zh-TW" altLang="en-US" dirty="0" smtClean="0"/>
-              <a:t>注意</a:t>
-            </a:r>
-            <a:r>
-              <a:rPr lang="en-US" altLang="zh-TW" dirty="0" smtClean="0"/>
-              <a:t>: autocomplete, </a:t>
-            </a:r>
-            <a:r>
-              <a:rPr lang="zh-TW" altLang="en-US" dirty="0" smtClean="0"/>
-              <a:t>提示</a:t>
-            </a:r>
             <a:endParaRPr lang="zh-TW" altLang="en-US" dirty="0"/>
           </a:p>
         </p:txBody>
@@ -2439,34 +1640,6 @@
           <a:bodyPr/>
           <a:lstStyle/>
           <a:p>
-            <a:r>
-              <a:rPr lang="zh-TW" altLang="en-US" dirty="0" smtClean="0"/>
-              <a:t>有理論</a:t>
-            </a:r>
-            <a:r>
-              <a:rPr lang="en-US" altLang="zh-TW" dirty="0" smtClean="0"/>
-              <a:t>, </a:t>
-            </a:r>
-            <a:r>
-              <a:rPr lang="zh-TW" altLang="en-US" dirty="0" smtClean="0"/>
-              <a:t>有實作部分</a:t>
-            </a:r>
-            <a:r>
-              <a:rPr lang="en-US" altLang="zh-TW" dirty="0" smtClean="0"/>
-              <a:t>, </a:t>
-            </a:r>
-            <a:r>
-              <a:rPr lang="zh-TW" altLang="en-US" dirty="0" smtClean="0"/>
-              <a:t>會用</a:t>
-            </a:r>
-            <a:r>
-              <a:rPr lang="en-US" altLang="zh-TW" dirty="0" smtClean="0"/>
-              <a:t>python</a:t>
-            </a:r>
-            <a:r>
-              <a:rPr lang="zh-TW" altLang="en-US" dirty="0" smtClean="0"/>
-              <a:t>語言</a:t>
-            </a:r>
             <a:endParaRPr lang="zh-TW" altLang="en-US" dirty="0"/>
           </a:p>
         </p:txBody>
@@ -2551,161 +1724,6 @@
           <a:bodyPr/>
           <a:lstStyle/>
           <a:p>
-            <a:r>
-              <a:rPr lang="zh-TW" altLang="en-US" dirty="0" smtClean="0"/>
-              <a:t>整個自</a:t>
-            </a:r>
-            <a:r>
-              <a:rPr lang="zh-TW" altLang="en-US" dirty="0" smtClean="0"/>
-              <a:t>然</a:t>
-            </a:r>
-            <a:r>
-              <a:rPr lang="zh-TW" altLang="en-US" dirty="0" smtClean="0"/>
-              <a:t>語對話包括</a:t>
-            </a:r>
-            <a:r>
-              <a:rPr lang="en-US" altLang="zh-TW" dirty="0" smtClean="0"/>
-              <a:t>5</a:t>
-            </a:r>
-            <a:r>
-              <a:rPr lang="zh-TW" altLang="en-US" dirty="0" smtClean="0"/>
-              <a:t>大部份</a:t>
-            </a:r>
-            <a:r>
-              <a:rPr lang="en-US" altLang="zh-TW" dirty="0" smtClean="0"/>
-              <a:t>, </a:t>
-            </a:r>
-          </a:p>
-          <a:p>
-            <a:r>
-              <a:rPr lang="zh-TW" altLang="en-US" dirty="0" smtClean="0"/>
-              <a:t>語音識別</a:t>
-            </a:r>
-            <a:r>
-              <a:rPr lang="en-US" altLang="zh-TW" dirty="0" smtClean="0"/>
-              <a:t>, </a:t>
-            </a:r>
-            <a:r>
-              <a:rPr lang="zh-TW" altLang="en-US" dirty="0" smtClean="0"/>
-              <a:t>語音合成 是聲音的處理部份</a:t>
-            </a:r>
-            <a:r>
-              <a:rPr lang="en-US" altLang="zh-TW" dirty="0" smtClean="0"/>
-              <a:t>, </a:t>
-            </a:r>
-            <a:r>
-              <a:rPr lang="zh-TW" altLang="en-US" dirty="0" smtClean="0"/>
-              <a:t>不是一般小機構可以處理得好</a:t>
-            </a:r>
-            <a:endParaRPr lang="en-US" altLang="zh-TW" dirty="0" smtClean="0"/>
-          </a:p>
-          <a:p>
-            <a:r>
-              <a:rPr lang="en-US" altLang="zh-TW" dirty="0" smtClean="0"/>
-              <a:t>  </a:t>
-            </a:r>
-            <a:r>
-              <a:rPr lang="zh-TW" altLang="en-US" dirty="0" smtClean="0"/>
-              <a:t>廣東話</a:t>
-            </a:r>
-            <a:r>
-              <a:rPr lang="en-US" altLang="zh-TW" dirty="0" smtClean="0"/>
-              <a:t>…</a:t>
-            </a:r>
-          </a:p>
-          <a:p>
-            <a:endParaRPr lang="en-US" altLang="zh-TW" dirty="0" smtClean="0"/>
-          </a:p>
-          <a:p>
-            <a:r>
-              <a:rPr lang="zh-TW" altLang="en-US" dirty="0" smtClean="0"/>
-              <a:t>而自然語言部分由語言理解</a:t>
-            </a:r>
-            <a:r>
-              <a:rPr lang="en-US" altLang="zh-TW" dirty="0" smtClean="0"/>
-              <a:t>, </a:t>
-            </a:r>
-            <a:r>
-              <a:rPr lang="zh-TW" altLang="en-US" dirty="0" smtClean="0"/>
-              <a:t>包括時間</a:t>
-            </a:r>
-            <a:r>
-              <a:rPr lang="en-US" altLang="zh-TW" dirty="0" smtClean="0"/>
-              <a:t>, </a:t>
-            </a:r>
-            <a:r>
-              <a:rPr lang="zh-TW" altLang="en-US" dirty="0" smtClean="0"/>
-              <a:t>地點</a:t>
-            </a:r>
-            <a:r>
-              <a:rPr lang="en-US" altLang="zh-TW" dirty="0" smtClean="0"/>
-              <a:t>, </a:t>
-            </a:r>
-            <a:r>
-              <a:rPr lang="zh-TW" altLang="en-US" dirty="0" smtClean="0"/>
-              <a:t>人物</a:t>
-            </a:r>
-            <a:r>
-              <a:rPr lang="en-US" altLang="zh-TW" dirty="0" smtClean="0"/>
-              <a:t>, </a:t>
-            </a:r>
-            <a:r>
-              <a:rPr lang="zh-TW" altLang="en-US" dirty="0" smtClean="0"/>
-              <a:t>主謂賓</a:t>
-            </a:r>
-            <a:r>
-              <a:rPr lang="en-US" altLang="zh-TW" dirty="0" smtClean="0"/>
-              <a:t>, </a:t>
-            </a:r>
-            <a:r>
-              <a:rPr lang="zh-TW" altLang="en-US" dirty="0" smtClean="0"/>
-              <a:t>理由</a:t>
-            </a:r>
-            <a:r>
-              <a:rPr lang="en-US" altLang="zh-TW" dirty="0" smtClean="0"/>
-              <a:t>, </a:t>
-            </a:r>
-            <a:r>
-              <a:rPr lang="zh-TW" altLang="en-US" dirty="0" smtClean="0"/>
-              <a:t>過程等</a:t>
-            </a:r>
-            <a:r>
-              <a:rPr lang="en-US" altLang="zh-TW" dirty="0" smtClean="0"/>
-              <a:t>….</a:t>
-            </a:r>
-          </a:p>
-          <a:p>
-            <a:r>
-              <a:rPr lang="en-US" altLang="zh-TW" dirty="0" smtClean="0"/>
-              <a:t>   </a:t>
-            </a:r>
-            <a:r>
-              <a:rPr lang="zh-TW" altLang="en-US" dirty="0" smtClean="0"/>
-              <a:t>語料庫是 回應</a:t>
-            </a:r>
-            <a:r>
-              <a:rPr lang="zh-TW" altLang="en-US" baseline="0" dirty="0" smtClean="0"/>
-              <a:t> 資料庫</a:t>
-            </a:r>
-            <a:endParaRPr lang="en-US" altLang="zh-TW" baseline="0" dirty="0" smtClean="0"/>
-          </a:p>
-          <a:p>
-            <a:r>
-              <a:rPr lang="zh-TW" altLang="en-US" dirty="0" smtClean="0"/>
-              <a:t>跟著就是產生回應的句子</a:t>
-            </a:r>
-            <a:r>
-              <a:rPr lang="en-US" altLang="zh-TW" dirty="0" smtClean="0"/>
-              <a:t>, </a:t>
-            </a:r>
-            <a:r>
-              <a:rPr lang="zh-TW" altLang="en-US" dirty="0" smtClean="0"/>
-              <a:t>再交由語音合成</a:t>
-            </a:r>
-            <a:r>
-              <a:rPr lang="en-US" altLang="zh-TW" dirty="0" smtClean="0"/>
-              <a:t>….</a:t>
-            </a:r>
             <a:endParaRPr lang="zh-TW" altLang="en-US" dirty="0"/>
           </a:p>
         </p:txBody>
@@ -2874,7 +1892,7 @@
           <a:bodyPr/>
           <a:lstStyle/>
           <a:p>
-            <a:endParaRPr lang="zh-TW" altLang="en-US"/>
+            <a:endParaRPr lang="zh-TW" altLang="en-US" dirty="0"/>
           </a:p>
         </p:txBody>
       </p:sp>
@@ -2958,7 +1976,7 @@
           <a:bodyPr/>
           <a:lstStyle/>
           <a:p>
-            <a:endParaRPr lang="zh-TW" altLang="en-US"/>
+            <a:endParaRPr lang="zh-TW" altLang="en-US" dirty="0"/>
           </a:p>
         </p:txBody>
       </p:sp>
@@ -3072,7 +2090,7 @@
     </p:spTree>
     <p:extLst>
       <p:ext uri="{BB962C8B-B14F-4D97-AF65-F5344CB8AC3E}">
-        <p14:creationId xmlns:p14="http://schemas.microsoft.com/office/powerpoint/2010/main" val="2668553216"/>
+        <p14:creationId xmlns:p14="http://schemas.microsoft.com/office/powerpoint/2010/main" val="1635912882"/>
       </p:ext>
     </p:extLst>
   </p:cSld>
@@ -3156,7 +2174,7 @@
     </p:spTree>
     <p:extLst>
       <p:ext uri="{BB962C8B-B14F-4D97-AF65-F5344CB8AC3E}">
-        <p14:creationId xmlns:p14="http://schemas.microsoft.com/office/powerpoint/2010/main" val="1635912882"/>
+        <p14:creationId xmlns:p14="http://schemas.microsoft.com/office/powerpoint/2010/main" val="2668553216"/>
       </p:ext>
     </p:extLst>
   </p:cSld>
@@ -3294,76 +2312,6 @@
           <a:bodyPr/>
           <a:lstStyle/>
           <a:p>
-            <a:r>
-              <a:rPr lang="zh-TW" altLang="en-US" dirty="0" smtClean="0"/>
-              <a:t>近年人工智能發展飛快</a:t>
-            </a:r>
-            <a:r>
-              <a:rPr lang="en-US" altLang="zh-TW" dirty="0" smtClean="0"/>
-              <a:t>, </a:t>
-            </a:r>
-            <a:r>
-              <a:rPr lang="zh-TW" altLang="en-US" dirty="0" smtClean="0"/>
-              <a:t>亦由於利用神經網絡</a:t>
-            </a:r>
-            <a:r>
-              <a:rPr lang="en-US" altLang="zh-TW" dirty="0" smtClean="0"/>
-              <a:t>, </a:t>
-            </a:r>
-            <a:r>
-              <a:rPr lang="zh-TW" altLang="en-US" dirty="0" smtClean="0"/>
-              <a:t>深度學習成功</a:t>
-            </a:r>
-            <a:r>
-              <a:rPr lang="en-US" altLang="zh-TW" dirty="0" smtClean="0"/>
-              <a:t>, </a:t>
-            </a:r>
-            <a:r>
-              <a:rPr lang="zh-TW" altLang="en-US" dirty="0" smtClean="0"/>
-              <a:t>突破人類極限</a:t>
-            </a:r>
-            <a:r>
-              <a:rPr lang="en-US" altLang="zh-TW" dirty="0" smtClean="0"/>
-              <a:t>, </a:t>
-            </a:r>
-            <a:r>
-              <a:rPr lang="zh-TW" altLang="en-US" dirty="0" smtClean="0"/>
-              <a:t>在圍棋大賽中戰勝人類</a:t>
-            </a:r>
-            <a:r>
-              <a:rPr lang="en-US" altLang="zh-TW" dirty="0" smtClean="0"/>
-              <a:t>.</a:t>
-            </a:r>
-          </a:p>
-          <a:p>
-            <a:r>
-              <a:rPr lang="zh-TW" altLang="en-US" dirty="0" smtClean="0"/>
-              <a:t>成為現今科學和教育界</a:t>
-            </a:r>
-            <a:r>
-              <a:rPr lang="zh-TW" altLang="en-US" sz="1200" b="0" i="0" kern="1200" dirty="0" smtClean="0">
-                <a:solidFill>
-                  <a:schemeClr val="tx1"/>
-                </a:solidFill>
-                <a:effectLst/>
-                <a:latin typeface="+mn-lt"/>
-                <a:ea typeface="+mn-ea"/>
-                <a:cs typeface="+mn-cs"/>
-              </a:rPr>
-              <a:t>炙手可熱的課題</a:t>
-            </a:r>
-            <a:r>
-              <a:rPr lang="en-US" altLang="zh-TW" sz="1200" b="0" i="0" kern="1200" dirty="0" smtClean="0">
-                <a:solidFill>
-                  <a:schemeClr val="tx1"/>
-                </a:solidFill>
-                <a:effectLst/>
-                <a:latin typeface="+mn-lt"/>
-                <a:ea typeface="+mn-ea"/>
-                <a:cs typeface="+mn-cs"/>
-              </a:rPr>
-              <a:t>.</a:t>
-            </a:r>
             <a:endParaRPr lang="zh-TW" altLang="en-US" dirty="0"/>
           </a:p>
         </p:txBody>
@@ -3448,10 +2396,6 @@
           <a:bodyPr/>
           <a:lstStyle/>
           <a:p>
-            <a:r>
-              <a:rPr lang="zh-TW" altLang="en-US" dirty="0" smtClean="0"/>
-              <a:t>電腦程序來呈現人類智慧的技術</a:t>
-            </a:r>
             <a:endParaRPr lang="zh-TW" altLang="en-US" dirty="0"/>
           </a:p>
         </p:txBody>
@@ -3536,108 +2480,6 @@
           <a:bodyPr/>
           <a:lstStyle/>
           <a:p>
-            <a:r>
-              <a:rPr lang="zh-TW" altLang="en-US" dirty="0" smtClean="0"/>
-              <a:t>計算</a:t>
-            </a:r>
-            <a:r>
-              <a:rPr lang="en-US" altLang="zh-TW" dirty="0" smtClean="0"/>
-              <a:t>, </a:t>
-            </a:r>
-            <a:r>
-              <a:rPr lang="zh-TW" altLang="en-US" dirty="0" smtClean="0"/>
-              <a:t>記憶</a:t>
-            </a:r>
-            <a:r>
-              <a:rPr lang="en-US" altLang="zh-TW" dirty="0" smtClean="0"/>
-              <a:t>, </a:t>
-            </a:r>
-            <a:r>
-              <a:rPr lang="zh-TW" altLang="en-US" dirty="0" smtClean="0"/>
-              <a:t>感知 </a:t>
-            </a:r>
-            <a:r>
-              <a:rPr lang="en-US" altLang="zh-TW" dirty="0" smtClean="0"/>
-              <a:t>– </a:t>
-            </a:r>
-            <a:r>
-              <a:rPr lang="zh-TW" altLang="en-US" dirty="0" smtClean="0"/>
-              <a:t>超越了人數</a:t>
-            </a:r>
-            <a:endParaRPr lang="en-US" altLang="zh-TW" dirty="0" smtClean="0"/>
-          </a:p>
-          <a:p>
-            <a:r>
-              <a:rPr lang="zh-TW" altLang="en-US" dirty="0" smtClean="0"/>
-              <a:t>聽覺</a:t>
-            </a:r>
-            <a:r>
-              <a:rPr lang="en-US" altLang="zh-TW" dirty="0" smtClean="0"/>
-              <a:t>(Siri, </a:t>
-            </a:r>
-            <a:r>
-              <a:rPr lang="zh-TW" altLang="en-US" dirty="0" smtClean="0"/>
-              <a:t>旅遊翻譯</a:t>
-            </a:r>
-            <a:r>
-              <a:rPr lang="en-US" altLang="zh-TW" dirty="0" smtClean="0"/>
-              <a:t>), </a:t>
-            </a:r>
-            <a:r>
-              <a:rPr lang="zh-TW" altLang="en-US" dirty="0" smtClean="0"/>
-              <a:t>視覺</a:t>
-            </a:r>
-            <a:r>
-              <a:rPr lang="en-US" altLang="zh-TW" dirty="0" smtClean="0"/>
-              <a:t>(</a:t>
-            </a:r>
-            <a:r>
-              <a:rPr lang="zh-TW" altLang="en-US" dirty="0" smtClean="0"/>
-              <a:t>人臉檢測</a:t>
-            </a:r>
-            <a:r>
-              <a:rPr lang="en-US" altLang="zh-TW" dirty="0" smtClean="0"/>
-              <a:t>)</a:t>
-            </a:r>
-            <a:r>
-              <a:rPr lang="en-US" altLang="zh-TW" baseline="0" dirty="0" smtClean="0"/>
-              <a:t>  - </a:t>
-            </a:r>
-            <a:r>
-              <a:rPr lang="zh-TW" altLang="en-US" baseline="0" dirty="0" smtClean="0"/>
-              <a:t>近年很成功</a:t>
-            </a:r>
-            <a:endParaRPr lang="en-US" altLang="zh-TW" dirty="0" smtClean="0"/>
-          </a:p>
-          <a:p>
-            <a:r>
-              <a:rPr lang="zh-TW" altLang="en-US" dirty="0" smtClean="0"/>
-              <a:t>推理</a:t>
-            </a:r>
-            <a:r>
-              <a:rPr lang="en-US" altLang="zh-TW" dirty="0" smtClean="0"/>
-              <a:t>, </a:t>
-            </a:r>
-            <a:r>
-              <a:rPr lang="zh-TW" altLang="en-US" dirty="0" smtClean="0"/>
-              <a:t>學習</a:t>
-            </a:r>
-            <a:r>
-              <a:rPr lang="en-US" altLang="zh-TW" dirty="0" smtClean="0"/>
-              <a:t>, </a:t>
-            </a:r>
-            <a:r>
-              <a:rPr lang="zh-TW" altLang="en-US" dirty="0" smtClean="0"/>
-              <a:t>語言 </a:t>
-            </a:r>
-            <a:r>
-              <a:rPr lang="en-US" altLang="zh-TW" dirty="0" smtClean="0"/>
-              <a:t>– </a:t>
-            </a:r>
-            <a:r>
-              <a:rPr lang="zh-TW" altLang="en-US" dirty="0" smtClean="0"/>
-              <a:t>比較難</a:t>
-            </a:r>
             <a:endParaRPr lang="zh-TW" altLang="en-US" dirty="0"/>
           </a:p>
         </p:txBody>
@@ -3722,48 +2564,6 @@
           <a:bodyPr/>
           <a:lstStyle/>
           <a:p>
-            <a:r>
-              <a:rPr lang="zh-TW" altLang="en-US" dirty="0" smtClean="0"/>
-              <a:t>第一波</a:t>
-            </a:r>
-            <a:r>
-              <a:rPr lang="en-US" altLang="zh-TW" dirty="0" smtClean="0"/>
-              <a:t>, </a:t>
-            </a:r>
-            <a:r>
-              <a:rPr lang="zh-TW" altLang="en-US" dirty="0" smtClean="0"/>
-              <a:t>推理</a:t>
-            </a:r>
-            <a:endParaRPr lang="en-US" altLang="zh-TW" dirty="0" smtClean="0"/>
-          </a:p>
-          <a:p>
-            <a:r>
-              <a:rPr lang="en-US" altLang="zh-TW" dirty="0" smtClean="0"/>
-              <a:t>1950</a:t>
-            </a:r>
-            <a:r>
-              <a:rPr lang="zh-TW" altLang="en-US" dirty="0" smtClean="0"/>
-              <a:t>年圖靈測試</a:t>
-            </a:r>
-            <a:r>
-              <a:rPr lang="en-US" altLang="zh-TW" dirty="0" smtClean="0"/>
-              <a:t>, </a:t>
-            </a:r>
-            <a:r>
-              <a:rPr lang="zh-TW" altLang="en-US" dirty="0" smtClean="0"/>
-              <a:t>是文字的測試</a:t>
-            </a:r>
-            <a:endParaRPr lang="en-US" altLang="zh-TW" dirty="0" smtClean="0"/>
-          </a:p>
-          <a:p>
-            <a:r>
-              <a:rPr lang="en-US" altLang="zh-TW" dirty="0" smtClean="0"/>
-              <a:t>1960</a:t>
-            </a:r>
-            <a:r>
-              <a:rPr lang="zh-TW" altLang="en-US" dirty="0" smtClean="0"/>
-              <a:t>年才現今的電子電腦才算正式產生</a:t>
-            </a:r>
             <a:endParaRPr lang="zh-TW" altLang="en-US" dirty="0"/>
           </a:p>
         </p:txBody>
@@ -3848,188 +2648,6 @@
           <a:bodyPr/>
           <a:lstStyle/>
           <a:p>
-            <a:r>
-              <a:rPr lang="zh-TW" altLang="en-US" dirty="0" smtClean="0"/>
-              <a:t>第二波</a:t>
-            </a:r>
-            <a:r>
-              <a:rPr lang="en-US" altLang="zh-TW" dirty="0" smtClean="0"/>
-              <a:t>, </a:t>
-            </a:r>
-            <a:r>
-              <a:rPr lang="zh-TW" altLang="en-US" dirty="0" smtClean="0"/>
-              <a:t>智識型</a:t>
-            </a:r>
-            <a:r>
-              <a:rPr lang="en-US" altLang="zh-TW" dirty="0" smtClean="0"/>
-              <a:t>, 1997</a:t>
-            </a:r>
-            <a:r>
-              <a:rPr lang="zh-TW" altLang="en-US" dirty="0" smtClean="0"/>
-              <a:t>年</a:t>
-            </a:r>
-            <a:endParaRPr lang="en-US" altLang="zh-TW" dirty="0" smtClean="0"/>
-          </a:p>
-          <a:p>
-            <a:r>
-              <a:rPr lang="zh-TW" altLang="en-US" dirty="0" smtClean="0"/>
-              <a:t>當時是程序</a:t>
-            </a:r>
-            <a:r>
-              <a:rPr lang="en-US" altLang="zh-TW" dirty="0" smtClean="0"/>
-              <a:t>, </a:t>
-            </a:r>
-            <a:r>
-              <a:rPr lang="zh-TW" altLang="en-US" dirty="0" smtClean="0"/>
-              <a:t>圖論</a:t>
-            </a:r>
-            <a:r>
-              <a:rPr lang="en-US" altLang="zh-TW" dirty="0" smtClean="0"/>
-              <a:t>, </a:t>
-            </a:r>
-            <a:r>
-              <a:rPr lang="zh-TW" altLang="en-US" dirty="0" smtClean="0"/>
-              <a:t>算法</a:t>
-            </a:r>
-            <a:r>
-              <a:rPr lang="en-US" altLang="zh-TW" dirty="0" smtClean="0"/>
-              <a:t>, </a:t>
-            </a:r>
-            <a:r>
-              <a:rPr lang="zh-TW" altLang="en-US" dirty="0" smtClean="0"/>
-              <a:t>搜尋法</a:t>
-            </a:r>
-            <a:r>
-              <a:rPr lang="en-US" altLang="zh-TW" dirty="0" smtClean="0"/>
-              <a:t>, </a:t>
-            </a:r>
-            <a:r>
-              <a:rPr lang="zh-TW" altLang="en-US" dirty="0" smtClean="0"/>
-              <a:t>並引入專家系統</a:t>
-            </a:r>
-            <a:endParaRPr lang="en-US" altLang="zh-TW" dirty="0" smtClean="0"/>
-          </a:p>
-          <a:p>
-            <a:r>
-              <a:rPr lang="zh-TW" altLang="en-US" dirty="0" smtClean="0"/>
-              <a:t>相對來說是機械學習</a:t>
-            </a:r>
-            <a:endParaRPr lang="en-US" altLang="zh-TW" dirty="0" smtClean="0"/>
-          </a:p>
-          <a:p>
-            <a:r>
-              <a:rPr lang="zh-CN" altLang="en-US" sz="2400" b="0" i="0" kern="1200" dirty="0" smtClean="0">
-                <a:solidFill>
-                  <a:schemeClr val="tx1"/>
-                </a:solidFill>
-                <a:effectLst/>
-                <a:latin typeface="+mn-lt"/>
-                <a:ea typeface="+mn-ea"/>
-                <a:cs typeface="+mn-cs"/>
-              </a:rPr>
-              <a:t>国际象棋的搜索宽度大概是</a:t>
-            </a:r>
-            <a:r>
-              <a:rPr lang="en-US" altLang="zh-CN" sz="2400" b="0" i="0" kern="1200" dirty="0" smtClean="0">
-                <a:solidFill>
-                  <a:schemeClr val="tx1"/>
-                </a:solidFill>
-                <a:effectLst/>
-                <a:latin typeface="+mn-lt"/>
-                <a:ea typeface="+mn-ea"/>
-                <a:cs typeface="+mn-cs"/>
-              </a:rPr>
-              <a:t>30</a:t>
-            </a:r>
-            <a:r>
-              <a:rPr lang="zh-CN" altLang="en-US" sz="2400" b="0" i="0" kern="1200" dirty="0" smtClean="0">
-                <a:solidFill>
-                  <a:schemeClr val="tx1"/>
-                </a:solidFill>
-                <a:effectLst/>
-                <a:latin typeface="+mn-lt"/>
-                <a:ea typeface="+mn-ea"/>
-                <a:cs typeface="+mn-cs"/>
-              </a:rPr>
-              <a:t>，搜索深度大概是</a:t>
-            </a:r>
-            <a:r>
-              <a:rPr lang="en-US" altLang="zh-CN" sz="2400" b="0" i="0" kern="1200" dirty="0" smtClean="0">
-                <a:solidFill>
-                  <a:schemeClr val="tx1"/>
-                </a:solidFill>
-                <a:effectLst/>
-                <a:latin typeface="+mn-lt"/>
-                <a:ea typeface="+mn-ea"/>
-                <a:cs typeface="+mn-cs"/>
-              </a:rPr>
-              <a:t>80</a:t>
-            </a:r>
-            <a:r>
-              <a:rPr lang="zh-CN" altLang="en-US" sz="2400" b="0" i="0" kern="1200" dirty="0" smtClean="0">
-                <a:solidFill>
-                  <a:schemeClr val="tx1"/>
-                </a:solidFill>
-                <a:effectLst/>
-                <a:latin typeface="+mn-lt"/>
-                <a:ea typeface="+mn-ea"/>
-                <a:cs typeface="+mn-cs"/>
-              </a:rPr>
-              <a:t>，整个搜索空间大约为</a:t>
-            </a:r>
-            <a:r>
-              <a:rPr lang="en-US" altLang="zh-CN" sz="2400" b="0" i="0" kern="1200" dirty="0" smtClean="0">
-                <a:solidFill>
-                  <a:schemeClr val="tx1"/>
-                </a:solidFill>
-                <a:effectLst/>
-                <a:latin typeface="+mn-lt"/>
-                <a:ea typeface="+mn-ea"/>
-                <a:cs typeface="+mn-cs"/>
-              </a:rPr>
-              <a:t>10</a:t>
-            </a:r>
-            <a:r>
-              <a:rPr lang="en-US" altLang="zh-CN" sz="2400" b="0" i="0" kern="1200" baseline="30000" dirty="0" smtClean="0">
-                <a:solidFill>
-                  <a:schemeClr val="tx1"/>
-                </a:solidFill>
-                <a:effectLst/>
-                <a:latin typeface="+mn-lt"/>
-                <a:ea typeface="+mn-ea"/>
-                <a:cs typeface="+mn-cs"/>
-              </a:rPr>
-              <a:t>50</a:t>
-            </a:r>
-            <a:endParaRPr lang="en-US" altLang="zh-TW" dirty="0" smtClean="0"/>
-          </a:p>
-          <a:p>
-            <a:r>
-              <a:rPr lang="zh-TW" altLang="en-US" dirty="0" smtClean="0"/>
-              <a:t>當時我都製作過五子棋</a:t>
-            </a:r>
-            <a:r>
-              <a:rPr lang="en-US" altLang="zh-TW" dirty="0" smtClean="0"/>
-              <a:t>, </a:t>
-            </a:r>
-            <a:r>
-              <a:rPr lang="zh-TW" altLang="en-US" dirty="0" smtClean="0"/>
-              <a:t>利用規則</a:t>
-            </a:r>
-            <a:r>
-              <a:rPr lang="en-US" altLang="zh-TW" dirty="0" smtClean="0"/>
-              <a:t>, </a:t>
-            </a:r>
-            <a:r>
-              <a:rPr lang="zh-TW" altLang="en-US" dirty="0" smtClean="0"/>
-              <a:t>優先處理</a:t>
-            </a:r>
-            <a:r>
-              <a:rPr lang="en-US" altLang="zh-TW" dirty="0" smtClean="0"/>
-              <a:t>….</a:t>
-            </a:r>
-          </a:p>
-          <a:p>
             <a:endParaRPr lang="zh-TW" altLang="en-US" dirty="0"/>
           </a:p>
         </p:txBody>
@@ -4114,346 +2732,6 @@
           <a:bodyPr/>
           <a:lstStyle/>
           <a:p>
-            <a:r>
-              <a:rPr lang="zh-TW" altLang="en-US" dirty="0" smtClean="0"/>
-              <a:t>第三波</a:t>
-            </a:r>
-            <a:r>
-              <a:rPr lang="en-US" altLang="zh-TW" dirty="0" smtClean="0"/>
-              <a:t>, </a:t>
-            </a:r>
-            <a:r>
-              <a:rPr lang="zh-TW" altLang="en-US" dirty="0" smtClean="0"/>
-              <a:t>數據推度</a:t>
-            </a:r>
-            <a:endParaRPr lang="en-US" altLang="zh-TW" dirty="0" smtClean="0"/>
-          </a:p>
-          <a:p>
-            <a:r>
-              <a:rPr lang="zh-TW" altLang="en-US" dirty="0" smtClean="0"/>
-              <a:t>大數據</a:t>
-            </a:r>
-            <a:r>
-              <a:rPr lang="en-US" altLang="zh-TW" dirty="0" smtClean="0"/>
-              <a:t>, </a:t>
-            </a:r>
-            <a:r>
-              <a:rPr lang="zh-TW" altLang="en-US" dirty="0" smtClean="0"/>
-              <a:t>不是多數據</a:t>
-            </a:r>
-            <a:r>
-              <a:rPr lang="en-US" altLang="zh-TW" dirty="0" smtClean="0"/>
-              <a:t>.   </a:t>
-            </a:r>
-            <a:r>
-              <a:rPr lang="zh-TW" altLang="en-US" dirty="0" smtClean="0"/>
-              <a:t>數據已全面電子化</a:t>
-            </a:r>
-            <a:r>
-              <a:rPr lang="en-US" altLang="zh-TW" dirty="0" smtClean="0"/>
-              <a:t>, </a:t>
-            </a:r>
-            <a:r>
-              <a:rPr lang="zh-TW" altLang="en-US" dirty="0" smtClean="0"/>
-              <a:t>可以被電腦處理</a:t>
-            </a:r>
-            <a:endParaRPr lang="en-US" altLang="zh-TW" dirty="0" smtClean="0"/>
-          </a:p>
-          <a:p>
-            <a:r>
-              <a:rPr lang="zh-CN" altLang="en-US" sz="2400" b="0" i="0" kern="1200" dirty="0" smtClean="0">
-                <a:solidFill>
-                  <a:schemeClr val="tx1"/>
-                </a:solidFill>
-                <a:effectLst/>
-                <a:latin typeface="+mn-lt"/>
-                <a:ea typeface="+mn-ea"/>
-                <a:cs typeface="+mn-cs"/>
-              </a:rPr>
-              <a:t>而围棋的搜索宽度大概为</a:t>
-            </a:r>
-            <a:r>
-              <a:rPr lang="en-US" altLang="zh-CN" sz="2400" b="0" i="0" kern="1200" dirty="0" smtClean="0">
-                <a:solidFill>
-                  <a:schemeClr val="tx1"/>
-                </a:solidFill>
-                <a:effectLst/>
-                <a:latin typeface="+mn-lt"/>
-                <a:ea typeface="+mn-ea"/>
-                <a:cs typeface="+mn-cs"/>
-              </a:rPr>
-              <a:t>250</a:t>
-            </a:r>
-            <a:r>
-              <a:rPr lang="zh-CN" altLang="en-US" sz="2400" b="0" i="0" kern="1200" dirty="0" smtClean="0">
-                <a:solidFill>
-                  <a:schemeClr val="tx1"/>
-                </a:solidFill>
-                <a:effectLst/>
-                <a:latin typeface="+mn-lt"/>
-                <a:ea typeface="+mn-ea"/>
-                <a:cs typeface="+mn-cs"/>
-              </a:rPr>
-              <a:t>，搜索深度大概是</a:t>
-            </a:r>
-            <a:r>
-              <a:rPr lang="en-US" altLang="zh-CN" sz="2400" b="0" i="0" kern="1200" dirty="0" smtClean="0">
-                <a:solidFill>
-                  <a:schemeClr val="tx1"/>
-                </a:solidFill>
-                <a:effectLst/>
-                <a:latin typeface="+mn-lt"/>
-                <a:ea typeface="+mn-ea"/>
-                <a:cs typeface="+mn-cs"/>
-              </a:rPr>
-              <a:t>150</a:t>
-            </a:r>
-            <a:r>
-              <a:rPr lang="zh-CN" altLang="en-US" sz="2400" b="0" i="0" kern="1200" dirty="0" smtClean="0">
-                <a:solidFill>
-                  <a:schemeClr val="tx1"/>
-                </a:solidFill>
-                <a:effectLst/>
-                <a:latin typeface="+mn-lt"/>
-                <a:ea typeface="+mn-ea"/>
-                <a:cs typeface="+mn-cs"/>
-              </a:rPr>
-              <a:t>，搜索空间在</a:t>
-            </a:r>
-            <a:r>
-              <a:rPr lang="en-US" altLang="zh-CN" sz="2400" b="0" i="0" kern="1200" dirty="0" smtClean="0">
-                <a:solidFill>
-                  <a:schemeClr val="tx1"/>
-                </a:solidFill>
-                <a:effectLst/>
-                <a:latin typeface="+mn-lt"/>
-                <a:ea typeface="+mn-ea"/>
-                <a:cs typeface="+mn-cs"/>
-              </a:rPr>
-              <a:t>10</a:t>
-            </a:r>
-            <a:r>
-              <a:rPr lang="en-US" altLang="zh-CN" sz="2400" b="0" i="0" kern="1200" baseline="30000" dirty="0" smtClean="0">
-                <a:solidFill>
-                  <a:schemeClr val="tx1"/>
-                </a:solidFill>
-                <a:effectLst/>
-                <a:latin typeface="+mn-lt"/>
-                <a:ea typeface="+mn-ea"/>
-                <a:cs typeface="+mn-cs"/>
-              </a:rPr>
-              <a:t>170</a:t>
-            </a:r>
-            <a:r>
-              <a:rPr lang="zh-CN" altLang="en-US" sz="2400" b="0" i="0" kern="1200" dirty="0" smtClean="0">
-                <a:solidFill>
-                  <a:schemeClr val="tx1"/>
-                </a:solidFill>
-                <a:effectLst/>
-                <a:latin typeface="+mn-lt"/>
-                <a:ea typeface="+mn-ea"/>
-                <a:cs typeface="+mn-cs"/>
-              </a:rPr>
-              <a:t>以上，比宇宙中的粒子数</a:t>
-            </a:r>
-            <a:r>
-              <a:rPr lang="en-US" altLang="zh-CN" sz="2400" b="0" i="0" kern="1200" dirty="0" smtClean="0">
-                <a:solidFill>
-                  <a:schemeClr val="tx1"/>
-                </a:solidFill>
-                <a:effectLst/>
-                <a:latin typeface="+mn-lt"/>
-                <a:ea typeface="+mn-ea"/>
-                <a:cs typeface="+mn-cs"/>
-              </a:rPr>
-              <a:t>10</a:t>
-            </a:r>
-            <a:r>
-              <a:rPr lang="en-US" altLang="zh-CN" sz="2400" b="0" i="0" kern="1200" baseline="30000" dirty="0" smtClean="0">
-                <a:solidFill>
-                  <a:schemeClr val="tx1"/>
-                </a:solidFill>
-                <a:effectLst/>
-                <a:latin typeface="+mn-lt"/>
-                <a:ea typeface="+mn-ea"/>
-                <a:cs typeface="+mn-cs"/>
-              </a:rPr>
-              <a:t>80</a:t>
-            </a:r>
-            <a:r>
-              <a:rPr lang="zh-CN" altLang="en-US" sz="2400" b="0" i="0" kern="1200" dirty="0" smtClean="0">
-                <a:solidFill>
-                  <a:schemeClr val="tx1"/>
-                </a:solidFill>
-                <a:effectLst/>
-                <a:latin typeface="+mn-lt"/>
-                <a:ea typeface="+mn-ea"/>
-                <a:cs typeface="+mn-cs"/>
-              </a:rPr>
-              <a:t>还多。</a:t>
-            </a:r>
-            <a:endParaRPr lang="en-US" altLang="zh-CN" sz="2400" b="0" i="0" kern="1200" dirty="0" smtClean="0">
-              <a:solidFill>
-                <a:schemeClr val="tx1"/>
-              </a:solidFill>
-              <a:effectLst/>
-              <a:latin typeface="+mn-lt"/>
-              <a:ea typeface="+mn-ea"/>
-              <a:cs typeface="+mn-cs"/>
-            </a:endParaRPr>
-          </a:p>
-          <a:p>
-            <a:r>
-              <a:rPr lang="zh-TW" altLang="en-US" sz="2400" dirty="0" smtClean="0">
-                <a:solidFill>
-                  <a:schemeClr val="bg1">
-                    <a:lumMod val="50000"/>
-                  </a:schemeClr>
-                </a:solidFill>
-                <a:latin typeface="微軟正黑體" panose="020B0604030504040204" pitchFamily="34" charset="-120"/>
-                <a:ea typeface="微軟正黑體" panose="020B0604030504040204" pitchFamily="34" charset="-120"/>
-                <a:cs typeface="Microsoft YaHei" charset="-122"/>
-                <a:sym typeface="+mn-lt"/>
-              </a:rPr>
-              <a:t>蒙地卡羅樹搜尋</a:t>
-            </a:r>
-            <a:r>
-              <a:rPr lang="en-US" altLang="zh-TW" sz="2400" dirty="0" smtClean="0">
-                <a:solidFill>
-                  <a:schemeClr val="bg1">
-                    <a:lumMod val="50000"/>
-                  </a:schemeClr>
-                </a:solidFill>
-                <a:latin typeface="微軟正黑體" panose="020B0604030504040204" pitchFamily="34" charset="-120"/>
-                <a:ea typeface="微軟正黑體" panose="020B0604030504040204" pitchFamily="34" charset="-120"/>
-                <a:cs typeface="Microsoft YaHei" charset="-122"/>
-                <a:sym typeface="+mn-lt"/>
-              </a:rPr>
-              <a:t>,</a:t>
-            </a:r>
-            <a:r>
-              <a:rPr lang="zh-TW" altLang="en-US" sz="2400" dirty="0" smtClean="0">
-                <a:solidFill>
-                  <a:schemeClr val="bg1">
-                    <a:lumMod val="50000"/>
-                  </a:schemeClr>
-                </a:solidFill>
-                <a:latin typeface="微軟正黑體" panose="020B0604030504040204" pitchFamily="34" charset="-120"/>
-                <a:ea typeface="微軟正黑體" panose="020B0604030504040204" pitchFamily="34" charset="-120"/>
-                <a:cs typeface="Microsoft YaHei" charset="-122"/>
-                <a:sym typeface="+mn-lt"/>
-              </a:rPr>
-              <a:t>兩個深度神經網路</a:t>
-            </a:r>
-            <a:r>
-              <a:rPr lang="en-US" altLang="zh-TW" sz="2400" dirty="0" smtClean="0">
-                <a:solidFill>
-                  <a:schemeClr val="bg1">
-                    <a:lumMod val="50000"/>
-                  </a:schemeClr>
-                </a:solidFill>
-                <a:latin typeface="微軟正黑體" panose="020B0604030504040204" pitchFamily="34" charset="-120"/>
-                <a:ea typeface="微軟正黑體" panose="020B0604030504040204" pitchFamily="34" charset="-120"/>
-                <a:cs typeface="Microsoft YaHei" charset="-122"/>
-                <a:sym typeface="+mn-lt"/>
-              </a:rPr>
-              <a:t>,</a:t>
-            </a:r>
-            <a:r>
-              <a:rPr lang="zh-TW" altLang="en-US" sz="2400" dirty="0" smtClean="0">
-                <a:solidFill>
-                  <a:schemeClr val="bg1">
-                    <a:lumMod val="50000"/>
-                  </a:schemeClr>
-                </a:solidFill>
-                <a:latin typeface="微軟正黑體" panose="020B0604030504040204" pitchFamily="34" charset="-120"/>
-                <a:ea typeface="微軟正黑體" panose="020B0604030504040204" pitchFamily="34" charset="-120"/>
-                <a:cs typeface="Microsoft YaHei" charset="-122"/>
-                <a:sym typeface="+mn-lt"/>
-              </a:rPr>
-              <a:t> 強化學習</a:t>
-            </a:r>
-            <a:endParaRPr lang="en-US" altLang="zh-TW" sz="2400" dirty="0" smtClean="0">
-              <a:solidFill>
-                <a:schemeClr val="bg1">
-                  <a:lumMod val="50000"/>
-                </a:schemeClr>
-              </a:solidFill>
-              <a:latin typeface="微軟正黑體" panose="020B0604030504040204" pitchFamily="34" charset="-120"/>
-              <a:ea typeface="微軟正黑體" panose="020B0604030504040204" pitchFamily="34" charset="-120"/>
-              <a:cs typeface="Microsoft YaHei" charset="-122"/>
-              <a:sym typeface="+mn-lt"/>
-            </a:endParaRPr>
-          </a:p>
-          <a:p>
-            <a:endParaRPr lang="en-US" altLang="zh-TW" sz="2400" dirty="0" smtClean="0">
-              <a:solidFill>
-                <a:schemeClr val="bg1">
-                  <a:lumMod val="50000"/>
-                </a:schemeClr>
-              </a:solidFill>
-              <a:latin typeface="微軟正黑體" panose="020B0604030504040204" pitchFamily="34" charset="-120"/>
-              <a:ea typeface="微軟正黑體" panose="020B0604030504040204" pitchFamily="34" charset="-120"/>
-              <a:sym typeface="+mn-lt"/>
-            </a:endParaRPr>
-          </a:p>
-          <a:p>
-            <a:pPr marL="0" marR="0" indent="0" algn="l" defTabSz="914400" rtl="0" eaLnBrk="1" fontAlgn="auto" latinLnBrk="0" hangingPunct="1">
-              <a:lnSpc>
-                <a:spcPct val="100000"/>
-              </a:lnSpc>
-              <a:spcBef>
-                <a:spcPts val="0"/>
-              </a:spcBef>
-              <a:spcAft>
-                <a:spcPts val="0"/>
-              </a:spcAft>
-              <a:buClrTx/>
-              <a:buSzTx/>
-              <a:buFontTx/>
-              <a:buNone/>
-              <a:tabLst/>
-              <a:defRPr/>
-            </a:pPr>
-            <a:r>
-              <a:rPr lang="zh-TW" altLang="en-US" dirty="0" smtClean="0"/>
-              <a:t>機械有學習的能力 開始有溫習</a:t>
-            </a:r>
-            <a:r>
-              <a:rPr lang="en-US" altLang="zh-TW" dirty="0" smtClean="0"/>
-              <a:t>, </a:t>
-            </a:r>
-            <a:r>
-              <a:rPr lang="zh-TW" altLang="en-US" dirty="0" smtClean="0"/>
-              <a:t>人機大戰開始了</a:t>
-            </a:r>
-            <a:r>
-              <a:rPr lang="en-US" altLang="zh-TW" dirty="0" smtClean="0"/>
-              <a:t>.</a:t>
-            </a:r>
-            <a:endParaRPr lang="zh-TW" altLang="en-US" dirty="0" smtClean="0"/>
-          </a:p>
-          <a:p>
-            <a:endParaRPr lang="en-US" altLang="zh-TW" sz="2400" dirty="0" smtClean="0">
-              <a:solidFill>
-                <a:schemeClr val="bg1">
-                  <a:lumMod val="50000"/>
-                </a:schemeClr>
-              </a:solidFill>
-              <a:latin typeface="微軟正黑體" panose="020B0604030504040204" pitchFamily="34" charset="-120"/>
-              <a:ea typeface="微軟正黑體" panose="020B0604030504040204" pitchFamily="34" charset="-120"/>
-              <a:sym typeface="+mn-lt"/>
-            </a:endParaRPr>
-          </a:p>
-          <a:p>
-            <a:r>
-              <a:rPr lang="en-US" altLang="zh-TW" dirty="0" smtClean="0"/>
-              <a:t>2017</a:t>
-            </a:r>
-            <a:r>
-              <a:rPr lang="zh-TW" altLang="en-US" dirty="0" smtClean="0"/>
-              <a:t>澳門大學校長 趙偉</a:t>
-            </a:r>
             <a:endParaRPr lang="zh-TW" altLang="en-US" dirty="0"/>
           </a:p>
         </p:txBody>
@@ -11494,16 +9772,120 @@
           <a:chExt cx="0" cy="0"/>
         </a:xfrm>
       </p:grpSpPr>
-      <p:sp>
-        <p:nvSpPr>
-          <p:cNvPr id="3" name="文字方塊 2"/>
+      <p:pic>
+        <p:nvPicPr>
+          <p:cNvPr id="6" name="图片 5"/>
+          <p:cNvPicPr>
+            <a:picLocks noChangeAspect="1"/>
+          </p:cNvPicPr>
+          <p:nvPr/>
+        </p:nvPicPr>
+        <p:blipFill>
+          <a:blip r:embed="rId3" cstate="screen">
+            <a:extLst>
+              <a:ext uri="{28A0092B-C50C-407E-A947-70E740481C1C}">
+                <a14:useLocalDpi xmlns:a14="http://schemas.microsoft.com/office/drawing/2010/main"/>
+              </a:ext>
+            </a:extLst>
+          </a:blip>
+          <a:stretch>
+            <a:fillRect/>
+          </a:stretch>
+        </p:blipFill>
+        <p:spPr>
+          <a:xfrm>
+            <a:off x="8327728" y="1806910"/>
+            <a:ext cx="3962400" cy="4843272"/>
+          </a:xfrm>
+          <a:prstGeom prst="rect">
+            <a:avLst/>
+          </a:prstGeom>
+          <a:effectLst>
+            <a:outerShdw blurRad="50800" dist="76200" dir="5400000" algn="t" rotWithShape="0">
+              <a:prstClr val="black">
+                <a:alpha val="40000"/>
+              </a:prstClr>
+            </a:outerShdw>
+          </a:effectLst>
+        </p:spPr>
+      </p:pic>
+      <p:sp>
+        <p:nvSpPr>
+          <p:cNvPr id="5" name="矩形 4"/>
+          <p:cNvSpPr/>
+          <p:nvPr/>
+        </p:nvSpPr>
+        <p:spPr>
+          <a:xfrm>
+            <a:off x="4679228" y="3911195"/>
+            <a:ext cx="2960169" cy="400110"/>
+          </a:xfrm>
+          <a:prstGeom prst="rect">
+            <a:avLst/>
+          </a:prstGeom>
+        </p:spPr>
+        <p:txBody>
+          <a:bodyPr wrap="none">
+            <a:spAutoFit/>
+          </a:bodyPr>
+          <a:lstStyle/>
+          <a:p>
+            <a:r>
+              <a:rPr lang="en-US" altLang="zh-TW" dirty="0"/>
+              <a:t>https://</a:t>
+            </a:r>
+            <a:r>
+              <a:rPr lang="en-US" altLang="zh-TW" sz="2000" dirty="0"/>
+              <a:t>api.qingyunke.com</a:t>
+            </a:r>
+            <a:r>
+              <a:rPr lang="en-US" altLang="zh-TW" dirty="0"/>
+              <a:t>/</a:t>
+            </a:r>
+            <a:endParaRPr lang="zh-TW" altLang="en-US" dirty="0"/>
+          </a:p>
+        </p:txBody>
+      </p:sp>
+      <p:pic>
+        <p:nvPicPr>
+          <p:cNvPr id="3" name="圖片 2"/>
+          <p:cNvPicPr>
+            <a:picLocks noChangeAspect="1"/>
+          </p:cNvPicPr>
+          <p:nvPr/>
+        </p:nvPicPr>
+        <p:blipFill>
+          <a:blip r:embed="rId4">
+            <a:extLst>
+              <a:ext uri="{28A0092B-C50C-407E-A947-70E740481C1C}">
+                <a14:useLocalDpi xmlns:a14="http://schemas.microsoft.com/office/drawing/2010/main" val="0"/>
+              </a:ext>
+            </a:extLst>
+          </a:blip>
+          <a:stretch>
+            <a:fillRect/>
+          </a:stretch>
+        </p:blipFill>
+        <p:spPr>
+          <a:xfrm>
+            <a:off x="4775940" y="4550267"/>
+            <a:ext cx="2562583" cy="733527"/>
+          </a:xfrm>
+          <a:prstGeom prst="rect">
+            <a:avLst/>
+          </a:prstGeom>
+        </p:spPr>
+      </p:pic>
+      <p:sp>
+        <p:nvSpPr>
+          <p:cNvPr id="7" name="文字方塊 6"/>
           <p:cNvSpPr txBox="1"/>
           <p:nvPr/>
         </p:nvSpPr>
         <p:spPr>
           <a:xfrm>
-            <a:off x="5120641" y="1028601"/>
-            <a:ext cx="1005403" cy="584775"/>
+            <a:off x="3931921" y="1045227"/>
+            <a:ext cx="1826141" cy="584775"/>
           </a:xfrm>
           <a:prstGeom prst="rect">
             <a:avLst/>
@@ -11535,156 +9917,93 @@
           <a:p>
             <a:r>
               <a:rPr lang="zh-TW" altLang="en-US" dirty="0"/>
-              <a:t>總結</a:t>
+              <a:t>免費資源</a:t>
             </a:r>
           </a:p>
         </p:txBody>
       </p:sp>
       <p:sp>
         <p:nvSpPr>
-          <p:cNvPr id="2" name="矩形 1"/>
-          <p:cNvSpPr/>
+          <p:cNvPr id="2" name="文字方塊 1"/>
+          <p:cNvSpPr txBox="1"/>
           <p:nvPr/>
         </p:nvSpPr>
         <p:spPr>
           <a:xfrm>
-            <a:off x="4521741" y="2339431"/>
-            <a:ext cx="4578305" cy="369332"/>
+            <a:off x="4019429" y="2072734"/>
+            <a:ext cx="1830373" cy="400110"/>
           </a:xfrm>
           <a:prstGeom prst="rect">
             <a:avLst/>
           </a:prstGeom>
+          <a:noFill/>
         </p:spPr>
         <p:txBody>
-          <a:bodyPr wrap="none">
+          <a:bodyPr wrap="none" rtlCol="0">
             <a:spAutoFit/>
           </a:bodyPr>
           <a:lstStyle/>
           <a:p>
             <a:r>
-              <a:rPr lang="zh-TW" altLang="en-US" dirty="0"/>
-              <a:t>https://pytorch123.com/FifthSection/Chatbot/</a:t>
-            </a:r>
+              <a:rPr lang="zh-TW" altLang="en-US" sz="2000" dirty="0" smtClean="0"/>
+              <a:t>* </a:t>
+            </a:r>
+            <a:r>
+              <a:rPr lang="en-US" altLang="zh-TW" sz="2000" dirty="0" smtClean="0"/>
+              <a:t>Search Engine</a:t>
+            </a:r>
+            <a:endParaRPr lang="zh-TW" altLang="en-US" sz="2000" dirty="0"/>
           </a:p>
         </p:txBody>
       </p:sp>
       <p:sp>
         <p:nvSpPr>
-          <p:cNvPr id="4" name="矩形 3"/>
-          <p:cNvSpPr/>
+          <p:cNvPr id="8" name="文字方塊 7"/>
+          <p:cNvSpPr txBox="1"/>
           <p:nvPr/>
         </p:nvSpPr>
         <p:spPr>
           <a:xfrm>
-            <a:off x="3986605" y="1970099"/>
-            <a:ext cx="2650084" cy="369332"/>
+            <a:off x="4019429" y="3537493"/>
+            <a:ext cx="2198038" cy="400110"/>
           </a:xfrm>
           <a:prstGeom prst="rect">
             <a:avLst/>
           </a:prstGeom>
+          <a:noFill/>
         </p:spPr>
         <p:txBody>
-          <a:bodyPr wrap="none">
+          <a:bodyPr wrap="none" rtlCol="0">
             <a:spAutoFit/>
           </a:bodyPr>
           <a:lstStyle/>
           <a:p>
             <a:r>
-              <a:rPr lang="en-US" altLang="zh-TW" b="1" dirty="0" err="1" smtClean="0">
-                <a:solidFill>
-                  <a:srgbClr val="404040"/>
-                </a:solidFill>
-                <a:latin typeface="Roboto Slab"/>
-              </a:rPr>
-              <a:t>PyTorch</a:t>
-            </a:r>
-            <a:r>
-              <a:rPr lang="zh-TW" altLang="en-US" b="1" dirty="0" smtClean="0">
-                <a:solidFill>
-                  <a:srgbClr val="404040"/>
-                </a:solidFill>
-                <a:latin typeface="Roboto Slab"/>
-              </a:rPr>
+              <a:rPr lang="zh-TW" altLang="en-US" dirty="0" smtClean="0"/>
+              <a:t>*免費的</a:t>
+            </a:r>
+            <a:r>
+              <a:rPr lang="zh-TW" altLang="en-US" sz="2000" dirty="0" smtClean="0"/>
               <a:t>聊天</a:t>
             </a:r>
             <a:r>
-              <a:rPr lang="zh-TW" altLang="en-US" b="1" dirty="0">
-                <a:solidFill>
-                  <a:srgbClr val="404040"/>
-                </a:solidFill>
-                <a:latin typeface="Roboto Slab"/>
-              </a:rPr>
-              <a:t>机器人教程</a:t>
-            </a:r>
-            <a:endParaRPr lang="zh-TW" altLang="en-US" b="1" i="0" dirty="0">
-              <a:solidFill>
-                <a:srgbClr val="404040"/>
-              </a:solidFill>
-              <a:effectLst/>
-              <a:latin typeface="Roboto Slab"/>
-            </a:endParaRPr>
-          </a:p>
-        </p:txBody>
-      </p:sp>
-      <p:sp>
-        <p:nvSpPr>
-          <p:cNvPr id="5" name="矩形 4"/>
-          <p:cNvSpPr/>
-          <p:nvPr/>
-        </p:nvSpPr>
-        <p:spPr>
-          <a:xfrm>
-            <a:off x="6891251" y="3003930"/>
-            <a:ext cx="1986551" cy="369332"/>
-          </a:xfrm>
-          <a:prstGeom prst="rect">
-            <a:avLst/>
-          </a:prstGeom>
-        </p:spPr>
-        <p:txBody>
-          <a:bodyPr wrap="square">
-            <a:spAutoFit/>
-          </a:bodyPr>
-          <a:lstStyle/>
-          <a:p>
-            <a:r>
-              <a:rPr lang="en-US" altLang="zh-TW" b="1" dirty="0">
-                <a:solidFill>
-                  <a:srgbClr val="404040"/>
-                </a:solidFill>
-                <a:latin typeface="Roboto Slab"/>
-              </a:rPr>
-              <a:t>Seq2Seq</a:t>
-            </a:r>
-            <a:r>
-              <a:rPr lang="zh-TW" altLang="en-US" b="1" dirty="0">
-                <a:solidFill>
-                  <a:srgbClr val="404040"/>
-                </a:solidFill>
-                <a:latin typeface="Roboto Slab"/>
-              </a:rPr>
-              <a:t>模型</a:t>
-            </a:r>
-            <a:endParaRPr lang="zh-TW" altLang="en-US" b="1" i="0" dirty="0">
-              <a:solidFill>
-                <a:srgbClr val="404040"/>
-              </a:solidFill>
-              <a:effectLst/>
-              <a:latin typeface="Roboto Slab"/>
-            </a:endParaRPr>
+              <a:rPr lang="zh-TW" altLang="en-US" dirty="0" smtClean="0"/>
+              <a:t>機械人</a:t>
+            </a:r>
+            <a:endParaRPr lang="zh-TW" altLang="en-US" dirty="0"/>
           </a:p>
         </p:txBody>
       </p:sp>
       <p:pic>
         <p:nvPicPr>
-          <p:cNvPr id="1026" name="Picture 2" descr="https://pytorch.org/tutorials/_images/seq2seq_ts.png"/>
+          <p:cNvPr id="2050" name="Picture 2" descr="Google"/>
           <p:cNvPicPr>
             <a:picLocks noChangeAspect="1" noChangeArrowheads="1"/>
           </p:cNvPicPr>
           <p:nvPr/>
         </p:nvPicPr>
         <p:blipFill>
-          <a:blip r:embed="rId3">
+          <a:blip r:embed="rId5" cstate="print">
             <a:extLst>
               <a:ext uri="{28A0092B-C50C-407E-A947-70E740481C1C}">
                 <a14:useLocalDpi xmlns:a14="http://schemas.microsoft.com/office/drawing/2010/main" val="0"/>
@@ -11698,8 +10017,8 @@
         </p:blipFill>
         <p:spPr bwMode="auto">
           <a:xfrm>
-            <a:off x="4521741" y="3373262"/>
-            <a:ext cx="5939659" cy="2135172"/>
+            <a:off x="6057231" y="2307704"/>
+            <a:ext cx="1676150" cy="566933"/>
           </a:xfrm>
           <a:prstGeom prst="rect">
             <a:avLst/>
@@ -11719,7 +10038,7 @@
     </p:spTree>
     <p:extLst>
       <p:ext uri="{BB962C8B-B14F-4D97-AF65-F5344CB8AC3E}">
-        <p14:creationId xmlns:p14="http://schemas.microsoft.com/office/powerpoint/2010/main" val="1194219553"/>
+        <p14:creationId xmlns:p14="http://schemas.microsoft.com/office/powerpoint/2010/main" val="1223899635"/>
       </p:ext>
     </p:extLst>
   </p:cSld>
@@ -11761,120 +10080,16 @@
           <a:chExt cx="0" cy="0"/>
         </a:xfrm>
       </p:grpSpPr>
-      <p:pic>
-        <p:nvPicPr>
-          <p:cNvPr id="6" name="图片 5"/>
-          <p:cNvPicPr>
-            <a:picLocks noChangeAspect="1"/>
-          </p:cNvPicPr>
+      <p:sp>
+        <p:nvSpPr>
+          <p:cNvPr id="3" name="文字方塊 2"/>
+          <p:cNvSpPr txBox="1"/>
           <p:nvPr/>
-        </p:nvPicPr>
-        <p:blipFill>
-          <a:blip r:embed="rId3" cstate="screen">
-            <a:extLst>
-              <a:ext uri="{28A0092B-C50C-407E-A947-70E740481C1C}">
-                <a14:useLocalDpi xmlns:a14="http://schemas.microsoft.com/office/drawing/2010/main"/>
-              </a:ext>
-            </a:extLst>
-          </a:blip>
-          <a:stretch>
-            <a:fillRect/>
-          </a:stretch>
-        </p:blipFill>
+        </p:nvSpPr>
         <p:spPr>
           <a:xfrm>
-            <a:off x="8327728" y="1806910"/>
-            <a:ext cx="3962400" cy="4843272"/>
-          </a:xfrm>
-          <a:prstGeom prst="rect">
-            <a:avLst/>
-          </a:prstGeom>
-          <a:effectLst>
-            <a:outerShdw blurRad="50800" dist="76200" dir="5400000" algn="t" rotWithShape="0">
-              <a:prstClr val="black">
-                <a:alpha val="40000"/>
-              </a:prstClr>
-            </a:outerShdw>
-          </a:effectLst>
-        </p:spPr>
-      </p:pic>
-      <p:sp>
-        <p:nvSpPr>
-          <p:cNvPr id="5" name="矩形 4"/>
-          <p:cNvSpPr/>
-          <p:nvPr/>
-        </p:nvSpPr>
-        <p:spPr>
-          <a:xfrm>
-            <a:off x="4679228" y="3911195"/>
-            <a:ext cx="2960169" cy="400110"/>
-          </a:xfrm>
-          <a:prstGeom prst="rect">
-            <a:avLst/>
-          </a:prstGeom>
-        </p:spPr>
-        <p:txBody>
-          <a:bodyPr wrap="none">
-            <a:spAutoFit/>
-          </a:bodyPr>
-          <a:lstStyle/>
-          <a:p>
-            <a:r>
-              <a:rPr lang="en-US" altLang="zh-TW" dirty="0"/>
-              <a:t>https://</a:t>
-            </a:r>
-            <a:r>
-              <a:rPr lang="en-US" altLang="zh-TW" sz="2000" dirty="0"/>
-              <a:t>api.qingyunke.com</a:t>
-            </a:r>
-            <a:r>
-              <a:rPr lang="en-US" altLang="zh-TW" dirty="0"/>
-              <a:t>/</a:t>
-            </a:r>
-            <a:endParaRPr lang="zh-TW" altLang="en-US" dirty="0"/>
-          </a:p>
-        </p:txBody>
-      </p:sp>
-      <p:pic>
-        <p:nvPicPr>
-          <p:cNvPr id="3" name="圖片 2"/>
-          <p:cNvPicPr>
-            <a:picLocks noChangeAspect="1"/>
-          </p:cNvPicPr>
-          <p:nvPr/>
-        </p:nvPicPr>
-        <p:blipFill>
-          <a:blip r:embed="rId4">
-            <a:extLst>
-              <a:ext uri="{28A0092B-C50C-407E-A947-70E740481C1C}">
-                <a14:useLocalDpi xmlns:a14="http://schemas.microsoft.com/office/drawing/2010/main" val="0"/>
-              </a:ext>
-            </a:extLst>
-          </a:blip>
-          <a:stretch>
-            <a:fillRect/>
-          </a:stretch>
-        </p:blipFill>
-        <p:spPr>
-          <a:xfrm>
-            <a:off x="4775940" y="4550267"/>
-            <a:ext cx="2562583" cy="733527"/>
-          </a:xfrm>
-          <a:prstGeom prst="rect">
-            <a:avLst/>
-          </a:prstGeom>
-        </p:spPr>
-      </p:pic>
-      <p:sp>
-        <p:nvSpPr>
-          <p:cNvPr id="7" name="文字方塊 6"/>
-          <p:cNvSpPr txBox="1"/>
-          <p:nvPr/>
-        </p:nvSpPr>
-        <p:spPr>
-          <a:xfrm>
-            <a:off x="3931921" y="1045227"/>
-            <a:ext cx="1826141" cy="584775"/>
+            <a:off x="5120641" y="1028601"/>
+            <a:ext cx="1005403" cy="584775"/>
           </a:xfrm>
           <a:prstGeom prst="rect">
             <a:avLst/>
@@ -11906,93 +10121,156 @@
           <a:p>
             <a:r>
               <a:rPr lang="zh-TW" altLang="en-US" dirty="0"/>
-              <a:t>免費資源</a:t>
+              <a:t>總結</a:t>
             </a:r>
           </a:p>
         </p:txBody>
       </p:sp>
       <p:sp>
         <p:nvSpPr>
-          <p:cNvPr id="2" name="文字方塊 1"/>
-          <p:cNvSpPr txBox="1"/>
+          <p:cNvPr id="2" name="矩形 1"/>
+          <p:cNvSpPr/>
           <p:nvPr/>
         </p:nvSpPr>
         <p:spPr>
           <a:xfrm>
-            <a:off x="4019429" y="2072734"/>
-            <a:ext cx="1830373" cy="400110"/>
+            <a:off x="4521741" y="2339431"/>
+            <a:ext cx="4578305" cy="369332"/>
           </a:xfrm>
           <a:prstGeom prst="rect">
             <a:avLst/>
           </a:prstGeom>
-          <a:noFill/>
         </p:spPr>
         <p:txBody>
-          <a:bodyPr wrap="none" rtlCol="0">
+          <a:bodyPr wrap="none">
             <a:spAutoFit/>
           </a:bodyPr>
           <a:lstStyle/>
           <a:p>
             <a:r>
-              <a:rPr lang="zh-TW" altLang="en-US" sz="2000" dirty="0" smtClean="0"/>
-              <a:t>* </a:t>
-            </a:r>
-            <a:r>
-              <a:rPr lang="en-US" altLang="zh-TW" sz="2000" dirty="0" smtClean="0"/>
-              <a:t>Search Engine</a:t>
-            </a:r>
-            <a:endParaRPr lang="zh-TW" altLang="en-US" sz="2000" dirty="0"/>
+              <a:rPr lang="zh-TW" altLang="en-US" dirty="0"/>
+              <a:t>https://pytorch123.com/FifthSection/Chatbot/</a:t>
+            </a:r>
           </a:p>
         </p:txBody>
       </p:sp>
       <p:sp>
         <p:nvSpPr>
-          <p:cNvPr id="8" name="文字方塊 7"/>
-          <p:cNvSpPr txBox="1"/>
+          <p:cNvPr id="4" name="矩形 3"/>
+          <p:cNvSpPr/>
           <p:nvPr/>
         </p:nvSpPr>
         <p:spPr>
           <a:xfrm>
-            <a:off x="4019429" y="3537493"/>
-            <a:ext cx="2198038" cy="400110"/>
+            <a:off x="3986605" y="1970099"/>
+            <a:ext cx="2650084" cy="369332"/>
           </a:xfrm>
           <a:prstGeom prst="rect">
             <a:avLst/>
           </a:prstGeom>
-          <a:noFill/>
         </p:spPr>
         <p:txBody>
-          <a:bodyPr wrap="none" rtlCol="0">
+          <a:bodyPr wrap="none">
             <a:spAutoFit/>
           </a:bodyPr>
           <a:lstStyle/>
           <a:p>
             <a:r>
-              <a:rPr lang="zh-TW" altLang="en-US" dirty="0" smtClean="0"/>
-              <a:t>*免費的</a:t>
-            </a:r>
-            <a:r>
-              <a:rPr lang="zh-TW" altLang="en-US" sz="2000" dirty="0" smtClean="0"/>
+              <a:rPr lang="en-US" altLang="zh-TW" b="1" dirty="0" err="1" smtClean="0">
+                <a:solidFill>
+                  <a:srgbClr val="404040"/>
+                </a:solidFill>
+                <a:latin typeface="Roboto Slab"/>
+              </a:rPr>
+              <a:t>PyTorch</a:t>
+            </a:r>
+            <a:r>
+              <a:rPr lang="zh-TW" altLang="en-US" b="1" dirty="0" smtClean="0">
+                <a:solidFill>
+                  <a:srgbClr val="404040"/>
+                </a:solidFill>
+                <a:latin typeface="Roboto Slab"/>
+              </a:rPr>
               <a:t>聊天</a:t>
             </a:r>
             <a:r>
-              <a:rPr lang="zh-TW" altLang="en-US" dirty="0" smtClean="0"/>
-              <a:t>機械人</a:t>
-            </a:r>
-            <a:endParaRPr lang="zh-TW" altLang="en-US" dirty="0"/>
+              <a:rPr lang="zh-TW" altLang="en-US" b="1" dirty="0">
+                <a:solidFill>
+                  <a:srgbClr val="404040"/>
+                </a:solidFill>
+                <a:latin typeface="Roboto Slab"/>
+              </a:rPr>
+              <a:t>机器人教程</a:t>
+            </a:r>
+            <a:endParaRPr lang="zh-TW" altLang="en-US" b="1" i="0" dirty="0">
+              <a:solidFill>
+                <a:srgbClr val="404040"/>
+              </a:solidFill>
+              <a:effectLst/>
+              <a:latin typeface="Roboto Slab"/>
+            </a:endParaRPr>
+          </a:p>
+        </p:txBody>
+      </p:sp>
+      <p:sp>
+        <p:nvSpPr>
+          <p:cNvPr id="5" name="矩形 4"/>
+          <p:cNvSpPr/>
+          <p:nvPr/>
+        </p:nvSpPr>
+        <p:spPr>
+          <a:xfrm>
+            <a:off x="6891251" y="3003930"/>
+            <a:ext cx="1986551" cy="369332"/>
+          </a:xfrm>
+          <a:prstGeom prst="rect">
+            <a:avLst/>
+          </a:prstGeom>
+        </p:spPr>
+        <p:txBody>
+          <a:bodyPr wrap="square">
+            <a:spAutoFit/>
+          </a:bodyPr>
+          <a:lstStyle/>
+          <a:p>
+            <a:r>
+              <a:rPr lang="en-US" altLang="zh-TW" b="1" dirty="0">
+                <a:solidFill>
+                  <a:srgbClr val="404040"/>
+                </a:solidFill>
+                <a:latin typeface="Roboto Slab"/>
+              </a:rPr>
+              <a:t>Seq2Seq</a:t>
+            </a:r>
+            <a:r>
+              <a:rPr lang="zh-TW" altLang="en-US" b="1" dirty="0">
+                <a:solidFill>
+                  <a:srgbClr val="404040"/>
+                </a:solidFill>
+                <a:latin typeface="Roboto Slab"/>
+              </a:rPr>
+              <a:t>模型</a:t>
+            </a:r>
+            <a:endParaRPr lang="zh-TW" altLang="en-US" b="1" i="0" dirty="0">
+              <a:solidFill>
+                <a:srgbClr val="404040"/>
+              </a:solidFill>
+              <a:effectLst/>
+              <a:latin typeface="Roboto Slab"/>
+            </a:endParaRPr>
           </a:p>
         </p:txBody>
       </p:sp>
       <p:pic>
         <p:nvPicPr>
-          <p:cNvPr id="2050" name="Picture 2" descr="Google"/>
+          <p:cNvPr id="1026" name="Picture 2" descr="https://pytorch.org/tutorials/_images/seq2seq_ts.png"/>
           <p:cNvPicPr>
             <a:picLocks noChangeAspect="1" noChangeArrowheads="1"/>
           </p:cNvPicPr>
           <p:nvPr/>
         </p:nvPicPr>
         <p:blipFill>
-          <a:blip r:embed="rId5" cstate="print">
+          <a:blip r:embed="rId3">
             <a:extLst>
               <a:ext uri="{28A0092B-C50C-407E-A947-70E740481C1C}">
                 <a14:useLocalDpi xmlns:a14="http://schemas.microsoft.com/office/drawing/2010/main" val="0"/>
@@ -12006,8 +10284,8 @@
         </p:blipFill>
         <p:spPr bwMode="auto">
           <a:xfrm>
-            <a:off x="6057231" y="2307704"/>
-            <a:ext cx="1676150" cy="566933"/>
+            <a:off x="4521741" y="3373262"/>
+            <a:ext cx="5939659" cy="2135172"/>
           </a:xfrm>
           <a:prstGeom prst="rect">
             <a:avLst/>
@@ -12027,7 +10305,7 @@
     </p:spTree>
     <p:extLst>
       <p:ext uri="{BB962C8B-B14F-4D97-AF65-F5344CB8AC3E}">
-        <p14:creationId xmlns:p14="http://schemas.microsoft.com/office/powerpoint/2010/main" val="1223899635"/>
+        <p14:creationId xmlns:p14="http://schemas.microsoft.com/office/powerpoint/2010/main" val="1194219553"/>
       </p:ext>
     </p:extLst>
   </p:cSld>
